--- a/ВКР по курсу  «Data Science».pptx
+++ b/ВКР по курсу  «Data Science».pptx
@@ -20,16 +20,20 @@
     <p:sldId id="264" r:id="rId15"/>
     <p:sldId id="265" r:id="rId16"/>
     <p:sldId id="266" r:id="rId17"/>
+    <p:sldId id="267" r:id="rId18"/>
+    <p:sldId id="268" r:id="rId19"/>
+    <p:sldId id="269" r:id="rId20"/>
+    <p:sldId id="270" r:id="rId21"/>
   </p:sldIdLst>
   <p:sldSz cy="6858000" cx="12192000"/>
   <p:notesSz cx="6858000" cy="9144000"/>
   <p:embeddedFontLst>
     <p:embeddedFont>
       <p:font typeface="Open Sans"/>
-      <p:regular r:id="rId18"/>
-      <p:bold r:id="rId19"/>
-      <p:italic r:id="rId20"/>
-      <p:boldItalic r:id="rId21"/>
+      <p:regular r:id="rId22"/>
+      <p:bold r:id="rId23"/>
+      <p:italic r:id="rId24"/>
+      <p:boldItalic r:id="rId25"/>
     </p:embeddedFont>
   </p:embeddedFontLst>
   <p:defaultTextStyle>
@@ -282,7 +286,7 @@
       </p15:sldGuideLst>
     </p:ext>
     <p:ext uri="http://customooxmlschemas.google.com/">
-      <go:slidesCustomData xmlns:go="http://customooxmlschemas.google.com/" r:id="rId22" roundtripDataSignature="AMtx7mhE5S7UV7Tkt1kYVdzcXLTXX4NKMw=="/>
+      <go:slidesCustomData xmlns:go="http://customooxmlschemas.google.com/" r:id="rId26" roundtripDataSignature="AMtx7miCpyoonqKCnzcKi/JU/85xLyAS8w=="/>
     </p:ext>
   </p:extLst>
 </p:presentation>
@@ -978,7 +982,7 @@
   <p:cSld>
     <p:spTree>
       <p:nvGrpSpPr>
-        <p:cNvPr id="173" name="Shape 173"/>
+        <p:cNvPr id="177" name="Shape 177"/>
         <p:cNvGrpSpPr/>
         <p:nvPr/>
       </p:nvGrpSpPr>
@@ -992,7 +996,7 @@
       </p:grpSpPr>
       <p:sp>
         <p:nvSpPr>
-          <p:cNvPr id="174" name="Google Shape;174;g2394454e635_0_96:notes"/>
+          <p:cNvPr id="178" name="Google Shape;178;g2394454e635_0_96:notes"/>
           <p:cNvSpPr txBox="1"/>
           <p:nvPr>
             <p:ph idx="1" type="body"/>
@@ -1031,7 +1035,7 @@
       </p:sp>
       <p:sp>
         <p:nvSpPr>
-          <p:cNvPr id="175" name="Google Shape;175;g2394454e635_0_96:notes"/>
+          <p:cNvPr id="179" name="Google Shape;179;g2394454e635_0_96:notes"/>
           <p:cNvSpPr/>
           <p:nvPr>
             <p:ph idx="2" type="sldImg"/>
@@ -1077,7 +1081,7 @@
   <p:cSld>
     <p:spTree>
       <p:nvGrpSpPr>
-        <p:cNvPr id="183" name="Shape 183"/>
+        <p:cNvPr id="190" name="Shape 190"/>
         <p:cNvGrpSpPr/>
         <p:nvPr/>
       </p:nvGrpSpPr>
@@ -1091,7 +1095,403 @@
       </p:grpSpPr>
       <p:sp>
         <p:nvSpPr>
-          <p:cNvPr id="184" name="Google Shape;184;p3:notes"/>
+          <p:cNvPr id="191" name="Google Shape;191;g23c34170ad5_0_7:notes"/>
+          <p:cNvSpPr txBox="1"/>
+          <p:nvPr>
+            <p:ph idx="1" type="body"/>
+          </p:nvPr>
+        </p:nvSpPr>
+        <p:spPr>
+          <a:xfrm>
+            <a:off x="685800" y="4343400"/>
+            <a:ext cx="5486400" cy="4114800"/>
+          </a:xfrm>
+          <a:prstGeom prst="rect">
+            <a:avLst/>
+          </a:prstGeom>
+        </p:spPr>
+        <p:txBody>
+          <a:bodyPr anchorCtr="0" anchor="t" bIns="91425" lIns="91425" spcFirstLastPara="1" rIns="91425" wrap="square" tIns="91425">
+            <a:noAutofit/>
+          </a:bodyPr>
+          <a:lstStyle/>
+          <a:p>
+            <a:pPr indent="0" lvl="0" marL="0" rtl="0" algn="l">
+              <a:spcBef>
+                <a:spcPts val="0"/>
+              </a:spcBef>
+              <a:spcAft>
+                <a:spcPts val="0"/>
+              </a:spcAft>
+              <a:buNone/>
+            </a:pPr>
+            <a:r>
+              <a:t/>
+            </a:r>
+            <a:endParaRPr/>
+          </a:p>
+        </p:txBody>
+      </p:sp>
+      <p:sp>
+        <p:nvSpPr>
+          <p:cNvPr id="192" name="Google Shape;192;g23c34170ad5_0_7:notes"/>
+          <p:cNvSpPr/>
+          <p:nvPr>
+            <p:ph idx="2" type="sldImg"/>
+          </p:nvPr>
+        </p:nvSpPr>
+        <p:spPr>
+          <a:xfrm>
+            <a:off x="1143225" y="685800"/>
+            <a:ext cx="4572300" cy="3429000"/>
+          </a:xfrm>
+          <a:custGeom>
+            <a:rect b="b" l="l" r="r" t="t"/>
+            <a:pathLst>
+              <a:path extrusionOk="0" h="120000" w="120000">
+                <a:moveTo>
+                  <a:pt x="0" y="0"/>
+                </a:moveTo>
+                <a:lnTo>
+                  <a:pt x="120000" y="0"/>
+                </a:lnTo>
+                <a:lnTo>
+                  <a:pt x="120000" y="120000"/>
+                </a:lnTo>
+                <a:lnTo>
+                  <a:pt x="0" y="120000"/>
+                </a:lnTo>
+                <a:close/>
+              </a:path>
+            </a:pathLst>
+          </a:custGeom>
+        </p:spPr>
+      </p:sp>
+    </p:spTree>
+  </p:cSld>
+  <p:clrMapOvr>
+    <a:masterClrMapping/>
+  </p:clrMapOvr>
+</p:notes>
+</file>
+
+<file path=ppt/notesSlides/notesSlide12.xml><?xml version="1.0" encoding="utf-8"?>
+<p:notes xmlns:a="http://schemas.openxmlformats.org/drawingml/2006/main" xmlns:r="http://schemas.openxmlformats.org/officeDocument/2006/relationships" xmlns:mc="http://schemas.openxmlformats.org/markup-compatibility/2006" xmlns:mv="urn:schemas-microsoft-com:mac:vml" xmlns:p="http://schemas.openxmlformats.org/presentationml/2006/main" xmlns:c="http://schemas.openxmlformats.org/drawingml/2006/chart" xmlns:dgm="http://schemas.openxmlformats.org/drawingml/2006/diagram" xmlns:o="urn:schemas-microsoft-com:office:office" xmlns:v="urn:schemas-microsoft-com:vml" xmlns:pvml="urn:schemas-microsoft-com:office:powerpoint" xmlns:com="http://schemas.openxmlformats.org/drawingml/2006/compatibility" xmlns:p14="http://schemas.microsoft.com/office/powerpoint/2010/main" xmlns:p15="http://schemas.microsoft.com/office/powerpoint/2012/main" xmlns:ahyp="http://schemas.microsoft.com/office/drawing/2018/hyperlinkcolor" showMasterPhAnim="0" showMasterSp="0">
+  <p:cSld>
+    <p:spTree>
+      <p:nvGrpSpPr>
+        <p:cNvPr id="199" name="Shape 199"/>
+        <p:cNvGrpSpPr/>
+        <p:nvPr/>
+      </p:nvGrpSpPr>
+      <p:grpSpPr>
+        <a:xfrm>
+          <a:off x="0" y="0"/>
+          <a:ext cx="0" cy="0"/>
+          <a:chOff x="0" y="0"/>
+          <a:chExt cx="0" cy="0"/>
+        </a:xfrm>
+      </p:grpSpPr>
+      <p:sp>
+        <p:nvSpPr>
+          <p:cNvPr id="200" name="Google Shape;200;g23c34170ad5_0_19:notes"/>
+          <p:cNvSpPr txBox="1"/>
+          <p:nvPr>
+            <p:ph idx="1" type="body"/>
+          </p:nvPr>
+        </p:nvSpPr>
+        <p:spPr>
+          <a:xfrm>
+            <a:off x="685800" y="4343400"/>
+            <a:ext cx="5486400" cy="4114800"/>
+          </a:xfrm>
+          <a:prstGeom prst="rect">
+            <a:avLst/>
+          </a:prstGeom>
+        </p:spPr>
+        <p:txBody>
+          <a:bodyPr anchorCtr="0" anchor="t" bIns="91425" lIns="91425" spcFirstLastPara="1" rIns="91425" wrap="square" tIns="91425">
+            <a:noAutofit/>
+          </a:bodyPr>
+          <a:lstStyle/>
+          <a:p>
+            <a:pPr indent="0" lvl="0" marL="0" rtl="0" algn="l">
+              <a:spcBef>
+                <a:spcPts val="0"/>
+              </a:spcBef>
+              <a:spcAft>
+                <a:spcPts val="0"/>
+              </a:spcAft>
+              <a:buNone/>
+            </a:pPr>
+            <a:r>
+              <a:t/>
+            </a:r>
+            <a:endParaRPr/>
+          </a:p>
+        </p:txBody>
+      </p:sp>
+      <p:sp>
+        <p:nvSpPr>
+          <p:cNvPr id="201" name="Google Shape;201;g23c34170ad5_0_19:notes"/>
+          <p:cNvSpPr/>
+          <p:nvPr>
+            <p:ph idx="2" type="sldImg"/>
+          </p:nvPr>
+        </p:nvSpPr>
+        <p:spPr>
+          <a:xfrm>
+            <a:off x="1143225" y="685800"/>
+            <a:ext cx="4572300" cy="3429000"/>
+          </a:xfrm>
+          <a:custGeom>
+            <a:rect b="b" l="l" r="r" t="t"/>
+            <a:pathLst>
+              <a:path extrusionOk="0" h="120000" w="120000">
+                <a:moveTo>
+                  <a:pt x="0" y="0"/>
+                </a:moveTo>
+                <a:lnTo>
+                  <a:pt x="120000" y="0"/>
+                </a:lnTo>
+                <a:lnTo>
+                  <a:pt x="120000" y="120000"/>
+                </a:lnTo>
+                <a:lnTo>
+                  <a:pt x="0" y="120000"/>
+                </a:lnTo>
+                <a:close/>
+              </a:path>
+            </a:pathLst>
+          </a:custGeom>
+        </p:spPr>
+      </p:sp>
+    </p:spTree>
+  </p:cSld>
+  <p:clrMapOvr>
+    <a:masterClrMapping/>
+  </p:clrMapOvr>
+</p:notes>
+</file>
+
+<file path=ppt/notesSlides/notesSlide13.xml><?xml version="1.0" encoding="utf-8"?>
+<p:notes xmlns:a="http://schemas.openxmlformats.org/drawingml/2006/main" xmlns:r="http://schemas.openxmlformats.org/officeDocument/2006/relationships" xmlns:mc="http://schemas.openxmlformats.org/markup-compatibility/2006" xmlns:mv="urn:schemas-microsoft-com:mac:vml" xmlns:p="http://schemas.openxmlformats.org/presentationml/2006/main" xmlns:c="http://schemas.openxmlformats.org/drawingml/2006/chart" xmlns:dgm="http://schemas.openxmlformats.org/drawingml/2006/diagram" xmlns:o="urn:schemas-microsoft-com:office:office" xmlns:v="urn:schemas-microsoft-com:vml" xmlns:pvml="urn:schemas-microsoft-com:office:powerpoint" xmlns:com="http://schemas.openxmlformats.org/drawingml/2006/compatibility" xmlns:p14="http://schemas.microsoft.com/office/powerpoint/2010/main" xmlns:p15="http://schemas.microsoft.com/office/powerpoint/2012/main" xmlns:ahyp="http://schemas.microsoft.com/office/drawing/2018/hyperlinkcolor" showMasterPhAnim="0" showMasterSp="0">
+  <p:cSld>
+    <p:spTree>
+      <p:nvGrpSpPr>
+        <p:cNvPr id="208" name="Shape 208"/>
+        <p:cNvGrpSpPr/>
+        <p:nvPr/>
+      </p:nvGrpSpPr>
+      <p:grpSpPr>
+        <a:xfrm>
+          <a:off x="0" y="0"/>
+          <a:ext cx="0" cy="0"/>
+          <a:chOff x="0" y="0"/>
+          <a:chExt cx="0" cy="0"/>
+        </a:xfrm>
+      </p:grpSpPr>
+      <p:sp>
+        <p:nvSpPr>
+          <p:cNvPr id="209" name="Google Shape;209;g23c34170ad5_0_31:notes"/>
+          <p:cNvSpPr txBox="1"/>
+          <p:nvPr>
+            <p:ph idx="1" type="body"/>
+          </p:nvPr>
+        </p:nvSpPr>
+        <p:spPr>
+          <a:xfrm>
+            <a:off x="685800" y="4343400"/>
+            <a:ext cx="5486400" cy="4114800"/>
+          </a:xfrm>
+          <a:prstGeom prst="rect">
+            <a:avLst/>
+          </a:prstGeom>
+        </p:spPr>
+        <p:txBody>
+          <a:bodyPr anchorCtr="0" anchor="t" bIns="91425" lIns="91425" spcFirstLastPara="1" rIns="91425" wrap="square" tIns="91425">
+            <a:noAutofit/>
+          </a:bodyPr>
+          <a:lstStyle/>
+          <a:p>
+            <a:pPr indent="0" lvl="0" marL="0" rtl="0" algn="l">
+              <a:spcBef>
+                <a:spcPts val="0"/>
+              </a:spcBef>
+              <a:spcAft>
+                <a:spcPts val="0"/>
+              </a:spcAft>
+              <a:buNone/>
+            </a:pPr>
+            <a:r>
+              <a:t/>
+            </a:r>
+            <a:endParaRPr/>
+          </a:p>
+        </p:txBody>
+      </p:sp>
+      <p:sp>
+        <p:nvSpPr>
+          <p:cNvPr id="210" name="Google Shape;210;g23c34170ad5_0_31:notes"/>
+          <p:cNvSpPr/>
+          <p:nvPr>
+            <p:ph idx="2" type="sldImg"/>
+          </p:nvPr>
+        </p:nvSpPr>
+        <p:spPr>
+          <a:xfrm>
+            <a:off x="1143225" y="685800"/>
+            <a:ext cx="4572300" cy="3429000"/>
+          </a:xfrm>
+          <a:custGeom>
+            <a:rect b="b" l="l" r="r" t="t"/>
+            <a:pathLst>
+              <a:path extrusionOk="0" h="120000" w="120000">
+                <a:moveTo>
+                  <a:pt x="0" y="0"/>
+                </a:moveTo>
+                <a:lnTo>
+                  <a:pt x="120000" y="0"/>
+                </a:lnTo>
+                <a:lnTo>
+                  <a:pt x="120000" y="120000"/>
+                </a:lnTo>
+                <a:lnTo>
+                  <a:pt x="0" y="120000"/>
+                </a:lnTo>
+                <a:close/>
+              </a:path>
+            </a:pathLst>
+          </a:custGeom>
+        </p:spPr>
+      </p:sp>
+    </p:spTree>
+  </p:cSld>
+  <p:clrMapOvr>
+    <a:masterClrMapping/>
+  </p:clrMapOvr>
+</p:notes>
+</file>
+
+<file path=ppt/notesSlides/notesSlide14.xml><?xml version="1.0" encoding="utf-8"?>
+<p:notes xmlns:a="http://schemas.openxmlformats.org/drawingml/2006/main" xmlns:r="http://schemas.openxmlformats.org/officeDocument/2006/relationships" xmlns:mc="http://schemas.openxmlformats.org/markup-compatibility/2006" xmlns:mv="urn:schemas-microsoft-com:mac:vml" xmlns:p="http://schemas.openxmlformats.org/presentationml/2006/main" xmlns:c="http://schemas.openxmlformats.org/drawingml/2006/chart" xmlns:dgm="http://schemas.openxmlformats.org/drawingml/2006/diagram" xmlns:o="urn:schemas-microsoft-com:office:office" xmlns:v="urn:schemas-microsoft-com:vml" xmlns:pvml="urn:schemas-microsoft-com:office:powerpoint" xmlns:com="http://schemas.openxmlformats.org/drawingml/2006/compatibility" xmlns:p14="http://schemas.microsoft.com/office/powerpoint/2010/main" xmlns:p15="http://schemas.microsoft.com/office/powerpoint/2012/main" xmlns:ahyp="http://schemas.microsoft.com/office/drawing/2018/hyperlinkcolor" showMasterPhAnim="0" showMasterSp="0">
+  <p:cSld>
+    <p:spTree>
+      <p:nvGrpSpPr>
+        <p:cNvPr id="217" name="Shape 217"/>
+        <p:cNvGrpSpPr/>
+        <p:nvPr/>
+      </p:nvGrpSpPr>
+      <p:grpSpPr>
+        <a:xfrm>
+          <a:off x="0" y="0"/>
+          <a:ext cx="0" cy="0"/>
+          <a:chOff x="0" y="0"/>
+          <a:chExt cx="0" cy="0"/>
+        </a:xfrm>
+      </p:grpSpPr>
+      <p:sp>
+        <p:nvSpPr>
+          <p:cNvPr id="218" name="Google Shape;218;g23c34170ad5_0_39:notes"/>
+          <p:cNvSpPr txBox="1"/>
+          <p:nvPr>
+            <p:ph idx="1" type="body"/>
+          </p:nvPr>
+        </p:nvSpPr>
+        <p:spPr>
+          <a:xfrm>
+            <a:off x="685800" y="4343400"/>
+            <a:ext cx="5486400" cy="4114800"/>
+          </a:xfrm>
+          <a:prstGeom prst="rect">
+            <a:avLst/>
+          </a:prstGeom>
+        </p:spPr>
+        <p:txBody>
+          <a:bodyPr anchorCtr="0" anchor="t" bIns="91425" lIns="91425" spcFirstLastPara="1" rIns="91425" wrap="square" tIns="91425">
+            <a:noAutofit/>
+          </a:bodyPr>
+          <a:lstStyle/>
+          <a:p>
+            <a:pPr indent="0" lvl="0" marL="0" rtl="0" algn="l">
+              <a:spcBef>
+                <a:spcPts val="0"/>
+              </a:spcBef>
+              <a:spcAft>
+                <a:spcPts val="0"/>
+              </a:spcAft>
+              <a:buNone/>
+            </a:pPr>
+            <a:r>
+              <a:t/>
+            </a:r>
+            <a:endParaRPr/>
+          </a:p>
+        </p:txBody>
+      </p:sp>
+      <p:sp>
+        <p:nvSpPr>
+          <p:cNvPr id="219" name="Google Shape;219;g23c34170ad5_0_39:notes"/>
+          <p:cNvSpPr/>
+          <p:nvPr>
+            <p:ph idx="2" type="sldImg"/>
+          </p:nvPr>
+        </p:nvSpPr>
+        <p:spPr>
+          <a:xfrm>
+            <a:off x="1143225" y="685800"/>
+            <a:ext cx="4572300" cy="3429000"/>
+          </a:xfrm>
+          <a:custGeom>
+            <a:rect b="b" l="l" r="r" t="t"/>
+            <a:pathLst>
+              <a:path extrusionOk="0" h="120000" w="120000">
+                <a:moveTo>
+                  <a:pt x="0" y="0"/>
+                </a:moveTo>
+                <a:lnTo>
+                  <a:pt x="120000" y="0"/>
+                </a:lnTo>
+                <a:lnTo>
+                  <a:pt x="120000" y="120000"/>
+                </a:lnTo>
+                <a:lnTo>
+                  <a:pt x="0" y="120000"/>
+                </a:lnTo>
+                <a:close/>
+              </a:path>
+            </a:pathLst>
+          </a:custGeom>
+        </p:spPr>
+      </p:sp>
+    </p:spTree>
+  </p:cSld>
+  <p:clrMapOvr>
+    <a:masterClrMapping/>
+  </p:clrMapOvr>
+</p:notes>
+</file>
+
+<file path=ppt/notesSlides/notesSlide15.xml><?xml version="1.0" encoding="utf-8"?>
+<p:notes xmlns:a="http://schemas.openxmlformats.org/drawingml/2006/main" xmlns:r="http://schemas.openxmlformats.org/officeDocument/2006/relationships" xmlns:mc="http://schemas.openxmlformats.org/markup-compatibility/2006" xmlns:mv="urn:schemas-microsoft-com:mac:vml" xmlns:p="http://schemas.openxmlformats.org/presentationml/2006/main" xmlns:c="http://schemas.openxmlformats.org/drawingml/2006/chart" xmlns:dgm="http://schemas.openxmlformats.org/drawingml/2006/diagram" xmlns:o="urn:schemas-microsoft-com:office:office" xmlns:v="urn:schemas-microsoft-com:vml" xmlns:pvml="urn:schemas-microsoft-com:office:powerpoint" xmlns:com="http://schemas.openxmlformats.org/drawingml/2006/compatibility" xmlns:p14="http://schemas.microsoft.com/office/powerpoint/2010/main" xmlns:p15="http://schemas.microsoft.com/office/powerpoint/2012/main" xmlns:ahyp="http://schemas.microsoft.com/office/drawing/2018/hyperlinkcolor" showMasterPhAnim="0" showMasterSp="0">
+  <p:cSld>
+    <p:spTree>
+      <p:nvGrpSpPr>
+        <p:cNvPr id="226" name="Shape 226"/>
+        <p:cNvGrpSpPr/>
+        <p:nvPr/>
+      </p:nvGrpSpPr>
+      <p:grpSpPr>
+        <a:xfrm>
+          <a:off x="0" y="0"/>
+          <a:ext cx="0" cy="0"/>
+          <a:chOff x="0" y="0"/>
+          <a:chExt cx="0" cy="0"/>
+        </a:xfrm>
+      </p:grpSpPr>
+      <p:sp>
+        <p:nvSpPr>
+          <p:cNvPr id="227" name="Google Shape;227;p3:notes"/>
           <p:cNvSpPr txBox="1"/>
           <p:nvPr>
             <p:ph idx="1" type="body"/>
@@ -1138,7 +1538,7 @@
       </p:sp>
       <p:sp>
         <p:nvSpPr>
-          <p:cNvPr id="185" name="Google Shape;185;p3:notes"/>
+          <p:cNvPr id="228" name="Google Shape;228;p3:notes"/>
           <p:cNvSpPr/>
           <p:nvPr>
             <p:ph idx="2" type="sldImg"/>
@@ -11627,7 +12027,7 @@
   <p:cSld>
     <p:spTree>
       <p:nvGrpSpPr>
-        <p:cNvPr id="176" name="Shape 176"/>
+        <p:cNvPr id="180" name="Shape 180"/>
         <p:cNvGrpSpPr/>
         <p:nvPr/>
       </p:nvGrpSpPr>
@@ -11641,7 +12041,7 @@
       </p:grpSpPr>
       <p:sp>
         <p:nvSpPr>
-          <p:cNvPr id="177" name="Google Shape;177;g2394454e635_0_96"/>
+          <p:cNvPr id="181" name="Google Shape;181;g2394454e635_0_96"/>
           <p:cNvSpPr txBox="1"/>
           <p:nvPr>
             <p:ph idx="12" type="sldNum"/>
@@ -11689,28 +12089,28 @@
       </p:sp>
       <p:grpSp>
         <p:nvGrpSpPr>
-          <p:cNvPr id="178" name="Google Shape;178;g2394454e635_0_96"/>
+          <p:cNvPr id="182" name="Google Shape;182;g2394454e635_0_96"/>
           <p:cNvGrpSpPr/>
           <p:nvPr/>
         </p:nvGrpSpPr>
         <p:grpSpPr>
           <a:xfrm>
-            <a:off x="3167869" y="469300"/>
-            <a:ext cx="5632185" cy="666000"/>
+            <a:off x="3167877" y="469300"/>
+            <a:ext cx="4247264" cy="666000"/>
             <a:chOff x="1476754" y="3499676"/>
-            <a:chExt cx="6783313" cy="666000"/>
+            <a:chExt cx="5868008" cy="666000"/>
           </a:xfrm>
         </p:grpSpPr>
         <p:sp>
           <p:nvSpPr>
-            <p:cNvPr id="179" name="Google Shape;179;g2394454e635_0_96"/>
+            <p:cNvPr id="183" name="Google Shape;183;g2394454e635_0_96"/>
             <p:cNvSpPr/>
             <p:nvPr/>
           </p:nvSpPr>
           <p:spPr>
             <a:xfrm>
-              <a:off x="1476765" y="3499676"/>
-              <a:ext cx="6783300" cy="666000"/>
+              <a:off x="1476762" y="3499676"/>
+              <a:ext cx="5868000" cy="666000"/>
             </a:xfrm>
             <a:prstGeom prst="rect">
               <a:avLst/>
@@ -11752,7 +12152,7 @@
                     <a:srgbClr val="065CAB"/>
                   </a:solidFill>
                 </a:rPr>
-                <a:t>Разработка и обучение модели</a:t>
+                <a:t>Тестирование модели</a:t>
               </a:r>
               <a:endParaRPr b="0" i="0" sz="2800" u="none" cap="none" strike="noStrike">
                 <a:solidFill>
@@ -11768,7 +12168,7 @@
         </p:sp>
         <p:sp>
           <p:nvSpPr>
-            <p:cNvPr id="180" name="Google Shape;180;g2394454e635_0_96"/>
+            <p:cNvPr id="184" name="Google Shape;184;g2394454e635_0_96"/>
             <p:cNvSpPr/>
             <p:nvPr/>
           </p:nvSpPr>
@@ -11842,13 +12242,13 @@
         </p:sp>
         <p:sp>
           <p:nvSpPr>
-            <p:cNvPr id="181" name="Google Shape;181;g2394454e635_0_96"/>
+            <p:cNvPr id="185" name="Google Shape;185;g2394454e635_0_96"/>
             <p:cNvSpPr/>
             <p:nvPr/>
           </p:nvSpPr>
           <p:spPr>
             <a:xfrm flipH="1">
-              <a:off x="8169812" y="3499907"/>
+              <a:off x="7254504" y="3499794"/>
               <a:ext cx="90256" cy="665767"/>
             </a:xfrm>
             <a:custGeom>
@@ -11917,14 +12317,14 @@
       </p:grpSp>
       <p:sp>
         <p:nvSpPr>
-          <p:cNvPr id="182" name="Google Shape;182;g2394454e635_0_96"/>
+          <p:cNvPr id="186" name="Google Shape;186;g2394454e635_0_96"/>
           <p:cNvSpPr txBox="1"/>
           <p:nvPr/>
         </p:nvSpPr>
         <p:spPr>
           <a:xfrm>
-            <a:off x="1210225" y="2017050"/>
-            <a:ext cx="5403900" cy="523200"/>
+            <a:off x="1210400" y="1676425"/>
+            <a:ext cx="4247400" cy="2387400"/>
           </a:xfrm>
           <a:prstGeom prst="rect">
             <a:avLst/>
@@ -11935,12 +12335,15 @@
           </a:ln>
         </p:spPr>
         <p:txBody>
-          <a:bodyPr anchorCtr="0" anchor="t" bIns="91425" lIns="91425" spcFirstLastPara="1" rIns="91425" wrap="square" tIns="91425">
-            <a:spAutoFit/>
+          <a:bodyPr anchorCtr="0" anchor="ctr" bIns="91425" lIns="91425" spcFirstLastPara="1" rIns="91425" wrap="square" tIns="91425">
+            <a:noAutofit/>
           </a:bodyPr>
           <a:lstStyle/>
           <a:p>
-            <a:pPr indent="0" lvl="0" marL="0" rtl="0" algn="l">
+            <a:pPr indent="457200" lvl="0" marL="0" rtl="0" algn="just">
+              <a:lnSpc>
+                <a:spcPct val="115000"/>
+              </a:lnSpc>
               <a:spcBef>
                 <a:spcPts val="0"/>
               </a:spcBef>
@@ -11950,15 +12353,18 @@
               <a:buNone/>
             </a:pPr>
             <a:r>
-              <a:rPr lang="ru-RU" sz="2200">
-                <a:latin typeface="Open Sans"/>
-                <a:ea typeface="Open Sans"/>
-                <a:cs typeface="Open Sans"/>
-                <a:sym typeface="Open Sans"/>
+              <a:rPr lang="ru-RU" sz="1800">
+                <a:solidFill>
+                  <a:schemeClr val="dk1"/>
+                </a:solidFill>
+                <a:latin typeface="Times New Roman"/>
+                <a:ea typeface="Times New Roman"/>
+                <a:cs typeface="Times New Roman"/>
+                <a:sym typeface="Times New Roman"/>
               </a:rPr>
-              <a:t>Здесь могла быть ваша реклама</a:t>
+              <a:t>Тестирование модели осуществлялось на тестовой выборке, которая составляла 10% от всего датасета, что выражалось в последних 24-х неделях временного ряда, обучающая выборка состояла из 234-х недель</a:t>
             </a:r>
-            <a:endParaRPr sz="2200">
+            <a:endParaRPr sz="1800">
               <a:latin typeface="Open Sans"/>
               <a:ea typeface="Open Sans"/>
               <a:cs typeface="Open Sans"/>
@@ -11967,6 +12373,90 @@
           </a:p>
         </p:txBody>
       </p:sp>
+      <p:pic>
+        <p:nvPicPr>
+          <p:cNvPr id="187" name="Google Shape;187;g2394454e635_0_96"/>
+          <p:cNvPicPr preferRelativeResize="0"/>
+          <p:nvPr/>
+        </p:nvPicPr>
+        <p:blipFill>
+          <a:blip r:embed="rId3">
+            <a:alphaModFix/>
+          </a:blip>
+          <a:stretch>
+            <a:fillRect/>
+          </a:stretch>
+        </p:blipFill>
+        <p:spPr>
+          <a:xfrm>
+            <a:off x="1210303" y="4321926"/>
+            <a:ext cx="4376038" cy="2387524"/>
+          </a:xfrm>
+          <a:prstGeom prst="rect">
+            <a:avLst/>
+          </a:prstGeom>
+          <a:noFill/>
+          <a:ln>
+            <a:noFill/>
+          </a:ln>
+        </p:spPr>
+      </p:pic>
+      <p:pic>
+        <p:nvPicPr>
+          <p:cNvPr id="188" name="Google Shape;188;g2394454e635_0_96"/>
+          <p:cNvPicPr preferRelativeResize="0"/>
+          <p:nvPr/>
+        </p:nvPicPr>
+        <p:blipFill>
+          <a:blip r:embed="rId4">
+            <a:alphaModFix/>
+          </a:blip>
+          <a:stretch>
+            <a:fillRect/>
+          </a:stretch>
+        </p:blipFill>
+        <p:spPr>
+          <a:xfrm>
+            <a:off x="6593603" y="1676413"/>
+            <a:ext cx="4376038" cy="2387524"/>
+          </a:xfrm>
+          <a:prstGeom prst="rect">
+            <a:avLst/>
+          </a:prstGeom>
+          <a:noFill/>
+          <a:ln>
+            <a:noFill/>
+          </a:ln>
+        </p:spPr>
+      </p:pic>
+      <p:pic>
+        <p:nvPicPr>
+          <p:cNvPr id="189" name="Google Shape;189;g2394454e635_0_96"/>
+          <p:cNvPicPr preferRelativeResize="0"/>
+          <p:nvPr/>
+        </p:nvPicPr>
+        <p:blipFill>
+          <a:blip r:embed="rId5">
+            <a:alphaModFix/>
+          </a:blip>
+          <a:stretch>
+            <a:fillRect/>
+          </a:stretch>
+        </p:blipFill>
+        <p:spPr>
+          <a:xfrm>
+            <a:off x="6593603" y="4321926"/>
+            <a:ext cx="4376038" cy="2387524"/>
+          </a:xfrm>
+          <a:prstGeom prst="rect">
+            <a:avLst/>
+          </a:prstGeom>
+          <a:noFill/>
+          <a:ln>
+            <a:noFill/>
+          </a:ln>
+        </p:spPr>
+      </p:pic>
     </p:spTree>
   </p:cSld>
   <p:clrMapOvr>
@@ -11983,7 +12473,1223 @@
   <p:cSld>
     <p:spTree>
       <p:nvGrpSpPr>
-        <p:cNvPr id="186" name="Shape 186"/>
+        <p:cNvPr id="193" name="Shape 193"/>
+        <p:cNvGrpSpPr/>
+        <p:nvPr/>
+      </p:nvGrpSpPr>
+      <p:grpSpPr>
+        <a:xfrm>
+          <a:off x="0" y="0"/>
+          <a:ext cx="0" cy="0"/>
+          <a:chOff x="0" y="0"/>
+          <a:chExt cx="0" cy="0"/>
+        </a:xfrm>
+      </p:grpSpPr>
+      <p:sp>
+        <p:nvSpPr>
+          <p:cNvPr id="194" name="Google Shape;194;g23c34170ad5_0_7"/>
+          <p:cNvSpPr txBox="1"/>
+          <p:nvPr>
+            <p:ph idx="12" type="sldNum"/>
+          </p:nvPr>
+        </p:nvSpPr>
+        <p:spPr>
+          <a:xfrm>
+            <a:off x="273628" y="6434051"/>
+            <a:ext cx="632400" cy="275400"/>
+          </a:xfrm>
+          <a:prstGeom prst="rect">
+            <a:avLst/>
+          </a:prstGeom>
+          <a:noFill/>
+          <a:ln>
+            <a:noFill/>
+          </a:ln>
+        </p:spPr>
+        <p:txBody>
+          <a:bodyPr anchorCtr="0" anchor="ctr" bIns="45700" lIns="91425" spcFirstLastPara="1" rIns="91425" wrap="square" tIns="45700">
+            <a:noAutofit/>
+          </a:bodyPr>
+          <a:lstStyle/>
+          <a:p>
+            <a:pPr indent="0" lvl="0" marL="0" rtl="0" algn="l">
+              <a:lnSpc>
+                <a:spcPct val="100000"/>
+              </a:lnSpc>
+              <a:spcBef>
+                <a:spcPts val="0"/>
+              </a:spcBef>
+              <a:spcAft>
+                <a:spcPts val="0"/>
+              </a:spcAft>
+              <a:buSzPts val="2400"/>
+              <a:buNone/>
+            </a:pPr>
+            <a:fld id="{00000000-1234-1234-1234-123412341234}" type="slidenum">
+              <a:rPr lang="ru-RU"/>
+              <a:t>‹#›</a:t>
+            </a:fld>
+            <a:endParaRPr/>
+          </a:p>
+        </p:txBody>
+      </p:sp>
+      <p:grpSp>
+        <p:nvGrpSpPr>
+          <p:cNvPr id="195" name="Google Shape;195;g23c34170ad5_0_7"/>
+          <p:cNvGrpSpPr/>
+          <p:nvPr/>
+        </p:nvGrpSpPr>
+        <p:grpSpPr>
+          <a:xfrm>
+            <a:off x="3167877" y="469300"/>
+            <a:ext cx="4247264" cy="666000"/>
+            <a:chOff x="1476754" y="3499676"/>
+            <a:chExt cx="5868008" cy="666000"/>
+          </a:xfrm>
+        </p:grpSpPr>
+        <p:sp>
+          <p:nvSpPr>
+            <p:cNvPr id="196" name="Google Shape;196;g23c34170ad5_0_7"/>
+            <p:cNvSpPr/>
+            <p:nvPr/>
+          </p:nvSpPr>
+          <p:spPr>
+            <a:xfrm>
+              <a:off x="1476762" y="3499676"/>
+              <a:ext cx="5868000" cy="666000"/>
+            </a:xfrm>
+            <a:prstGeom prst="rect">
+              <a:avLst/>
+            </a:prstGeom>
+            <a:solidFill>
+              <a:schemeClr val="lt1"/>
+            </a:solidFill>
+            <a:ln cap="flat" cmpd="sng" w="25400">
+              <a:solidFill>
+                <a:schemeClr val="lt1"/>
+              </a:solidFill>
+              <a:prstDash val="solid"/>
+              <a:round/>
+              <a:headEnd len="sm" w="sm" type="none"/>
+              <a:tailEnd len="sm" w="sm" type="none"/>
+            </a:ln>
+          </p:spPr>
+          <p:txBody>
+            <a:bodyPr anchorCtr="0" anchor="ctr" bIns="45700" lIns="91425" spcFirstLastPara="1" rIns="91425" wrap="square" tIns="45700">
+              <a:noAutofit/>
+            </a:bodyPr>
+            <a:lstStyle/>
+            <a:p>
+              <a:pPr indent="0" lvl="0" marL="0" marR="0" rtl="0" algn="ctr">
+                <a:lnSpc>
+                  <a:spcPct val="100000"/>
+                </a:lnSpc>
+                <a:spcBef>
+                  <a:spcPts val="0"/>
+                </a:spcBef>
+                <a:spcAft>
+                  <a:spcPts val="0"/>
+                </a:spcAft>
+                <a:buNone/>
+              </a:pPr>
+              <a:r>
+                <a:rPr lang="ru-RU" sz="2800">
+                  <a:solidFill>
+                    <a:srgbClr val="065CAB"/>
+                  </a:solidFill>
+                </a:rPr>
+                <a:t>Нейронная сеть</a:t>
+              </a:r>
+              <a:endParaRPr b="0" i="0" sz="2800" u="none" cap="none" strike="noStrike">
+                <a:solidFill>
+                  <a:schemeClr val="lt1"/>
+                </a:solidFill>
+                <a:latin typeface="Arial"/>
+                <a:ea typeface="Arial"/>
+                <a:cs typeface="Arial"/>
+                <a:sym typeface="Arial"/>
+              </a:endParaRPr>
+            </a:p>
+          </p:txBody>
+        </p:sp>
+        <p:sp>
+          <p:nvSpPr>
+            <p:cNvPr id="197" name="Google Shape;197;g23c34170ad5_0_7"/>
+            <p:cNvSpPr/>
+            <p:nvPr/>
+          </p:nvSpPr>
+          <p:spPr>
+            <a:xfrm flipH="1" rot="10800000">
+              <a:off x="1476754" y="3499902"/>
+              <a:ext cx="76452" cy="665767"/>
+            </a:xfrm>
+            <a:custGeom>
+              <a:rect b="b" l="l" r="r" t="t"/>
+              <a:pathLst>
+                <a:path extrusionOk="0" h="424732" w="424732">
+                  <a:moveTo>
+                    <a:pt x="424732" y="424732"/>
+                  </a:moveTo>
+                  <a:lnTo>
+                    <a:pt x="0" y="424732"/>
+                  </a:lnTo>
+                  <a:lnTo>
+                    <a:pt x="0" y="0"/>
+                  </a:lnTo>
+                  <a:lnTo>
+                    <a:pt x="424732" y="0"/>
+                  </a:lnTo>
+                </a:path>
+              </a:pathLst>
+            </a:custGeom>
+            <a:noFill/>
+            <a:ln cap="flat" cmpd="sng" w="16500">
+              <a:solidFill>
+                <a:srgbClr val="065CAB"/>
+              </a:solidFill>
+              <a:prstDash val="solid"/>
+              <a:round/>
+              <a:headEnd len="sm" w="sm" type="none"/>
+              <a:tailEnd len="sm" w="sm" type="none"/>
+            </a:ln>
+          </p:spPr>
+          <p:txBody>
+            <a:bodyPr anchorCtr="0" anchor="ctr" bIns="45700" lIns="91425" spcFirstLastPara="1" rIns="91425" wrap="square" tIns="45700">
+              <a:noAutofit/>
+            </a:bodyPr>
+            <a:lstStyle/>
+            <a:p>
+              <a:pPr indent="0" lvl="0" marL="0" marR="0" rtl="0" algn="ctr">
+                <a:lnSpc>
+                  <a:spcPct val="100000"/>
+                </a:lnSpc>
+                <a:spcBef>
+                  <a:spcPts val="0"/>
+                </a:spcBef>
+                <a:spcAft>
+                  <a:spcPts val="0"/>
+                </a:spcAft>
+                <a:buNone/>
+              </a:pPr>
+              <a:r>
+                <a:t/>
+              </a:r>
+              <a:endParaRPr b="0" i="0" sz="1400" u="none" cap="none" strike="noStrike">
+                <a:solidFill>
+                  <a:schemeClr val="dk1"/>
+                </a:solidFill>
+                <a:latin typeface="Arial"/>
+                <a:ea typeface="Arial"/>
+                <a:cs typeface="Arial"/>
+                <a:sym typeface="Arial"/>
+              </a:endParaRPr>
+            </a:p>
+          </p:txBody>
+        </p:sp>
+        <p:sp>
+          <p:nvSpPr>
+            <p:cNvPr id="198" name="Google Shape;198;g23c34170ad5_0_7"/>
+            <p:cNvSpPr/>
+            <p:nvPr/>
+          </p:nvSpPr>
+          <p:spPr>
+            <a:xfrm flipH="1">
+              <a:off x="7254504" y="3499794"/>
+              <a:ext cx="90256" cy="665767"/>
+            </a:xfrm>
+            <a:custGeom>
+              <a:rect b="b" l="l" r="r" t="t"/>
+              <a:pathLst>
+                <a:path extrusionOk="0" h="424732" w="424732">
+                  <a:moveTo>
+                    <a:pt x="424732" y="424732"/>
+                  </a:moveTo>
+                  <a:lnTo>
+                    <a:pt x="0" y="424732"/>
+                  </a:lnTo>
+                  <a:lnTo>
+                    <a:pt x="0" y="0"/>
+                  </a:lnTo>
+                  <a:lnTo>
+                    <a:pt x="424732" y="0"/>
+                  </a:lnTo>
+                </a:path>
+              </a:pathLst>
+            </a:custGeom>
+            <a:noFill/>
+            <a:ln cap="flat" cmpd="sng" w="16500">
+              <a:solidFill>
+                <a:srgbClr val="0046A2"/>
+              </a:solidFill>
+              <a:prstDash val="solid"/>
+              <a:round/>
+              <a:headEnd len="sm" w="sm" type="none"/>
+              <a:tailEnd len="sm" w="sm" type="none"/>
+            </a:ln>
+          </p:spPr>
+          <p:txBody>
+            <a:bodyPr anchorCtr="0" anchor="ctr" bIns="45700" lIns="91425" spcFirstLastPara="1" rIns="91425" wrap="square" tIns="45700">
+              <a:noAutofit/>
+            </a:bodyPr>
+            <a:lstStyle/>
+            <a:p>
+              <a:pPr indent="0" lvl="0" marL="0" marR="0" rtl="0" algn="ctr">
+                <a:lnSpc>
+                  <a:spcPct val="100000"/>
+                </a:lnSpc>
+                <a:spcBef>
+                  <a:spcPts val="0"/>
+                </a:spcBef>
+                <a:spcAft>
+                  <a:spcPts val="0"/>
+                </a:spcAft>
+                <a:buNone/>
+              </a:pPr>
+              <a:r>
+                <a:t/>
+              </a:r>
+              <a:endParaRPr b="0" i="0" sz="1400" u="none" cap="none" strike="noStrike">
+                <a:solidFill>
+                  <a:srgbClr val="065CAB"/>
+                </a:solidFill>
+                <a:latin typeface="Arial"/>
+                <a:ea typeface="Arial"/>
+                <a:cs typeface="Arial"/>
+                <a:sym typeface="Arial"/>
+              </a:endParaRPr>
+            </a:p>
+          </p:txBody>
+        </p:sp>
+      </p:grpSp>
+    </p:spTree>
+  </p:cSld>
+  <p:clrMapOvr>
+    <a:masterClrMapping/>
+  </p:clrMapOvr>
+  <p:transition spd="med">
+    <p:push/>
+  </p:transition>
+</p:sld>
+</file>
+
+<file path=ppt/slides/slide12.xml><?xml version="1.0" encoding="utf-8"?>
+<p:sld xmlns:a="http://schemas.openxmlformats.org/drawingml/2006/main" xmlns:r="http://schemas.openxmlformats.org/officeDocument/2006/relationships" xmlns:mc="http://schemas.openxmlformats.org/markup-compatibility/2006" xmlns:mv="urn:schemas-microsoft-com:mac:vml" xmlns:p="http://schemas.openxmlformats.org/presentationml/2006/main" xmlns:c="http://schemas.openxmlformats.org/drawingml/2006/chart" xmlns:dgm="http://schemas.openxmlformats.org/drawingml/2006/diagram" xmlns:o="urn:schemas-microsoft-com:office:office" xmlns:v="urn:schemas-microsoft-com:vml" xmlns:pvml="urn:schemas-microsoft-com:office:powerpoint" xmlns:com="http://schemas.openxmlformats.org/drawingml/2006/compatibility" xmlns:p14="http://schemas.microsoft.com/office/powerpoint/2010/main" xmlns:p15="http://schemas.microsoft.com/office/powerpoint/2012/main" xmlns:ahyp="http://schemas.microsoft.com/office/drawing/2018/hyperlinkcolor">
+  <p:cSld>
+    <p:spTree>
+      <p:nvGrpSpPr>
+        <p:cNvPr id="202" name="Shape 202"/>
+        <p:cNvGrpSpPr/>
+        <p:nvPr/>
+      </p:nvGrpSpPr>
+      <p:grpSpPr>
+        <a:xfrm>
+          <a:off x="0" y="0"/>
+          <a:ext cx="0" cy="0"/>
+          <a:chOff x="0" y="0"/>
+          <a:chExt cx="0" cy="0"/>
+        </a:xfrm>
+      </p:grpSpPr>
+      <p:sp>
+        <p:nvSpPr>
+          <p:cNvPr id="203" name="Google Shape;203;g23c34170ad5_0_19"/>
+          <p:cNvSpPr txBox="1"/>
+          <p:nvPr>
+            <p:ph idx="12" type="sldNum"/>
+          </p:nvPr>
+        </p:nvSpPr>
+        <p:spPr>
+          <a:xfrm>
+            <a:off x="273628" y="6434051"/>
+            <a:ext cx="632400" cy="275400"/>
+          </a:xfrm>
+          <a:prstGeom prst="rect">
+            <a:avLst/>
+          </a:prstGeom>
+          <a:noFill/>
+          <a:ln>
+            <a:noFill/>
+          </a:ln>
+        </p:spPr>
+        <p:txBody>
+          <a:bodyPr anchorCtr="0" anchor="ctr" bIns="45700" lIns="91425" spcFirstLastPara="1" rIns="91425" wrap="square" tIns="45700">
+            <a:noAutofit/>
+          </a:bodyPr>
+          <a:lstStyle/>
+          <a:p>
+            <a:pPr indent="0" lvl="0" marL="0" rtl="0" algn="l">
+              <a:lnSpc>
+                <a:spcPct val="100000"/>
+              </a:lnSpc>
+              <a:spcBef>
+                <a:spcPts val="0"/>
+              </a:spcBef>
+              <a:spcAft>
+                <a:spcPts val="0"/>
+              </a:spcAft>
+              <a:buSzPts val="2400"/>
+              <a:buNone/>
+            </a:pPr>
+            <a:fld id="{00000000-1234-1234-1234-123412341234}" type="slidenum">
+              <a:rPr lang="ru-RU"/>
+              <a:t>‹#›</a:t>
+            </a:fld>
+            <a:endParaRPr/>
+          </a:p>
+        </p:txBody>
+      </p:sp>
+      <p:grpSp>
+        <p:nvGrpSpPr>
+          <p:cNvPr id="204" name="Google Shape;204;g23c34170ad5_0_19"/>
+          <p:cNvGrpSpPr/>
+          <p:nvPr/>
+        </p:nvGrpSpPr>
+        <p:grpSpPr>
+          <a:xfrm>
+            <a:off x="3167877" y="469300"/>
+            <a:ext cx="4247264" cy="666000"/>
+            <a:chOff x="1476754" y="3499676"/>
+            <a:chExt cx="5868008" cy="666000"/>
+          </a:xfrm>
+        </p:grpSpPr>
+        <p:sp>
+          <p:nvSpPr>
+            <p:cNvPr id="205" name="Google Shape;205;g23c34170ad5_0_19"/>
+            <p:cNvSpPr/>
+            <p:nvPr/>
+          </p:nvSpPr>
+          <p:spPr>
+            <a:xfrm>
+              <a:off x="1476762" y="3499676"/>
+              <a:ext cx="5868000" cy="666000"/>
+            </a:xfrm>
+            <a:prstGeom prst="rect">
+              <a:avLst/>
+            </a:prstGeom>
+            <a:solidFill>
+              <a:schemeClr val="lt1"/>
+            </a:solidFill>
+            <a:ln cap="flat" cmpd="sng" w="25400">
+              <a:solidFill>
+                <a:schemeClr val="lt1"/>
+              </a:solidFill>
+              <a:prstDash val="solid"/>
+              <a:round/>
+              <a:headEnd len="sm" w="sm" type="none"/>
+              <a:tailEnd len="sm" w="sm" type="none"/>
+            </a:ln>
+          </p:spPr>
+          <p:txBody>
+            <a:bodyPr anchorCtr="0" anchor="ctr" bIns="45700" lIns="91425" spcFirstLastPara="1" rIns="91425" wrap="square" tIns="45700">
+              <a:noAutofit/>
+            </a:bodyPr>
+            <a:lstStyle/>
+            <a:p>
+              <a:pPr indent="0" lvl="0" marL="0" marR="0" rtl="0" algn="ctr">
+                <a:lnSpc>
+                  <a:spcPct val="100000"/>
+                </a:lnSpc>
+                <a:spcBef>
+                  <a:spcPts val="0"/>
+                </a:spcBef>
+                <a:spcAft>
+                  <a:spcPts val="0"/>
+                </a:spcAft>
+                <a:buNone/>
+              </a:pPr>
+              <a:r>
+                <a:rPr lang="ru-RU" sz="2800">
+                  <a:solidFill>
+                    <a:srgbClr val="065CAB"/>
+                  </a:solidFill>
+                </a:rPr>
+                <a:t>Тестирование модели</a:t>
+              </a:r>
+              <a:endParaRPr b="0" i="0" sz="2800" u="none" cap="none" strike="noStrike">
+                <a:solidFill>
+                  <a:schemeClr val="lt1"/>
+                </a:solidFill>
+                <a:latin typeface="Arial"/>
+                <a:ea typeface="Arial"/>
+                <a:cs typeface="Arial"/>
+                <a:sym typeface="Arial"/>
+              </a:endParaRPr>
+            </a:p>
+          </p:txBody>
+        </p:sp>
+        <p:sp>
+          <p:nvSpPr>
+            <p:cNvPr id="206" name="Google Shape;206;g23c34170ad5_0_19"/>
+            <p:cNvSpPr/>
+            <p:nvPr/>
+          </p:nvSpPr>
+          <p:spPr>
+            <a:xfrm flipH="1" rot="10800000">
+              <a:off x="1476754" y="3499902"/>
+              <a:ext cx="76452" cy="665767"/>
+            </a:xfrm>
+            <a:custGeom>
+              <a:rect b="b" l="l" r="r" t="t"/>
+              <a:pathLst>
+                <a:path extrusionOk="0" h="424732" w="424732">
+                  <a:moveTo>
+                    <a:pt x="424732" y="424732"/>
+                  </a:moveTo>
+                  <a:lnTo>
+                    <a:pt x="0" y="424732"/>
+                  </a:lnTo>
+                  <a:lnTo>
+                    <a:pt x="0" y="0"/>
+                  </a:lnTo>
+                  <a:lnTo>
+                    <a:pt x="424732" y="0"/>
+                  </a:lnTo>
+                </a:path>
+              </a:pathLst>
+            </a:custGeom>
+            <a:noFill/>
+            <a:ln cap="flat" cmpd="sng" w="16500">
+              <a:solidFill>
+                <a:srgbClr val="065CAB"/>
+              </a:solidFill>
+              <a:prstDash val="solid"/>
+              <a:round/>
+              <a:headEnd len="sm" w="sm" type="none"/>
+              <a:tailEnd len="sm" w="sm" type="none"/>
+            </a:ln>
+          </p:spPr>
+          <p:txBody>
+            <a:bodyPr anchorCtr="0" anchor="ctr" bIns="45700" lIns="91425" spcFirstLastPara="1" rIns="91425" wrap="square" tIns="45700">
+              <a:noAutofit/>
+            </a:bodyPr>
+            <a:lstStyle/>
+            <a:p>
+              <a:pPr indent="0" lvl="0" marL="0" marR="0" rtl="0" algn="ctr">
+                <a:lnSpc>
+                  <a:spcPct val="100000"/>
+                </a:lnSpc>
+                <a:spcBef>
+                  <a:spcPts val="0"/>
+                </a:spcBef>
+                <a:spcAft>
+                  <a:spcPts val="0"/>
+                </a:spcAft>
+                <a:buNone/>
+              </a:pPr>
+              <a:r>
+                <a:t/>
+              </a:r>
+              <a:endParaRPr b="0" i="0" sz="1400" u="none" cap="none" strike="noStrike">
+                <a:solidFill>
+                  <a:schemeClr val="dk1"/>
+                </a:solidFill>
+                <a:latin typeface="Arial"/>
+                <a:ea typeface="Arial"/>
+                <a:cs typeface="Arial"/>
+                <a:sym typeface="Arial"/>
+              </a:endParaRPr>
+            </a:p>
+          </p:txBody>
+        </p:sp>
+        <p:sp>
+          <p:nvSpPr>
+            <p:cNvPr id="207" name="Google Shape;207;g23c34170ad5_0_19"/>
+            <p:cNvSpPr/>
+            <p:nvPr/>
+          </p:nvSpPr>
+          <p:spPr>
+            <a:xfrm flipH="1">
+              <a:off x="7254504" y="3499794"/>
+              <a:ext cx="90256" cy="665767"/>
+            </a:xfrm>
+            <a:custGeom>
+              <a:rect b="b" l="l" r="r" t="t"/>
+              <a:pathLst>
+                <a:path extrusionOk="0" h="424732" w="424732">
+                  <a:moveTo>
+                    <a:pt x="424732" y="424732"/>
+                  </a:moveTo>
+                  <a:lnTo>
+                    <a:pt x="0" y="424732"/>
+                  </a:lnTo>
+                  <a:lnTo>
+                    <a:pt x="0" y="0"/>
+                  </a:lnTo>
+                  <a:lnTo>
+                    <a:pt x="424732" y="0"/>
+                  </a:lnTo>
+                </a:path>
+              </a:pathLst>
+            </a:custGeom>
+            <a:noFill/>
+            <a:ln cap="flat" cmpd="sng" w="16500">
+              <a:solidFill>
+                <a:srgbClr val="0046A2"/>
+              </a:solidFill>
+              <a:prstDash val="solid"/>
+              <a:round/>
+              <a:headEnd len="sm" w="sm" type="none"/>
+              <a:tailEnd len="sm" w="sm" type="none"/>
+            </a:ln>
+          </p:spPr>
+          <p:txBody>
+            <a:bodyPr anchorCtr="0" anchor="ctr" bIns="45700" lIns="91425" spcFirstLastPara="1" rIns="91425" wrap="square" tIns="45700">
+              <a:noAutofit/>
+            </a:bodyPr>
+            <a:lstStyle/>
+            <a:p>
+              <a:pPr indent="0" lvl="0" marL="0" marR="0" rtl="0" algn="ctr">
+                <a:lnSpc>
+                  <a:spcPct val="100000"/>
+                </a:lnSpc>
+                <a:spcBef>
+                  <a:spcPts val="0"/>
+                </a:spcBef>
+                <a:spcAft>
+                  <a:spcPts val="0"/>
+                </a:spcAft>
+                <a:buNone/>
+              </a:pPr>
+              <a:r>
+                <a:t/>
+              </a:r>
+              <a:endParaRPr b="0" i="0" sz="1400" u="none" cap="none" strike="noStrike">
+                <a:solidFill>
+                  <a:srgbClr val="065CAB"/>
+                </a:solidFill>
+                <a:latin typeface="Arial"/>
+                <a:ea typeface="Arial"/>
+                <a:cs typeface="Arial"/>
+                <a:sym typeface="Arial"/>
+              </a:endParaRPr>
+            </a:p>
+          </p:txBody>
+        </p:sp>
+      </p:grpSp>
+    </p:spTree>
+  </p:cSld>
+  <p:clrMapOvr>
+    <a:masterClrMapping/>
+  </p:clrMapOvr>
+  <p:transition spd="med">
+    <p:push/>
+  </p:transition>
+</p:sld>
+</file>
+
+<file path=ppt/slides/slide13.xml><?xml version="1.0" encoding="utf-8"?>
+<p:sld xmlns:a="http://schemas.openxmlformats.org/drawingml/2006/main" xmlns:r="http://schemas.openxmlformats.org/officeDocument/2006/relationships" xmlns:mc="http://schemas.openxmlformats.org/markup-compatibility/2006" xmlns:mv="urn:schemas-microsoft-com:mac:vml" xmlns:p="http://schemas.openxmlformats.org/presentationml/2006/main" xmlns:c="http://schemas.openxmlformats.org/drawingml/2006/chart" xmlns:dgm="http://schemas.openxmlformats.org/drawingml/2006/diagram" xmlns:o="urn:schemas-microsoft-com:office:office" xmlns:v="urn:schemas-microsoft-com:vml" xmlns:pvml="urn:schemas-microsoft-com:office:powerpoint" xmlns:com="http://schemas.openxmlformats.org/drawingml/2006/compatibility" xmlns:p14="http://schemas.microsoft.com/office/powerpoint/2010/main" xmlns:p15="http://schemas.microsoft.com/office/powerpoint/2012/main" xmlns:ahyp="http://schemas.microsoft.com/office/drawing/2018/hyperlinkcolor">
+  <p:cSld>
+    <p:spTree>
+      <p:nvGrpSpPr>
+        <p:cNvPr id="211" name="Shape 211"/>
+        <p:cNvGrpSpPr/>
+        <p:nvPr/>
+      </p:nvGrpSpPr>
+      <p:grpSpPr>
+        <a:xfrm>
+          <a:off x="0" y="0"/>
+          <a:ext cx="0" cy="0"/>
+          <a:chOff x="0" y="0"/>
+          <a:chExt cx="0" cy="0"/>
+        </a:xfrm>
+      </p:grpSpPr>
+      <p:sp>
+        <p:nvSpPr>
+          <p:cNvPr id="212" name="Google Shape;212;g23c34170ad5_0_31"/>
+          <p:cNvSpPr txBox="1"/>
+          <p:nvPr>
+            <p:ph idx="12" type="sldNum"/>
+          </p:nvPr>
+        </p:nvSpPr>
+        <p:spPr>
+          <a:xfrm>
+            <a:off x="273628" y="6434051"/>
+            <a:ext cx="632400" cy="275400"/>
+          </a:xfrm>
+          <a:prstGeom prst="rect">
+            <a:avLst/>
+          </a:prstGeom>
+          <a:noFill/>
+          <a:ln>
+            <a:noFill/>
+          </a:ln>
+        </p:spPr>
+        <p:txBody>
+          <a:bodyPr anchorCtr="0" anchor="ctr" bIns="45700" lIns="91425" spcFirstLastPara="1" rIns="91425" wrap="square" tIns="45700">
+            <a:noAutofit/>
+          </a:bodyPr>
+          <a:lstStyle/>
+          <a:p>
+            <a:pPr indent="0" lvl="0" marL="0" rtl="0" algn="l">
+              <a:lnSpc>
+                <a:spcPct val="100000"/>
+              </a:lnSpc>
+              <a:spcBef>
+                <a:spcPts val="0"/>
+              </a:spcBef>
+              <a:spcAft>
+                <a:spcPts val="0"/>
+              </a:spcAft>
+              <a:buSzPts val="2400"/>
+              <a:buNone/>
+            </a:pPr>
+            <a:fld id="{00000000-1234-1234-1234-123412341234}" type="slidenum">
+              <a:rPr lang="ru-RU"/>
+              <a:t>‹#›</a:t>
+            </a:fld>
+            <a:endParaRPr/>
+          </a:p>
+        </p:txBody>
+      </p:sp>
+      <p:grpSp>
+        <p:nvGrpSpPr>
+          <p:cNvPr id="213" name="Google Shape;213;g23c34170ad5_0_31"/>
+          <p:cNvGrpSpPr/>
+          <p:nvPr/>
+        </p:nvGrpSpPr>
+        <p:grpSpPr>
+          <a:xfrm>
+            <a:off x="3167877" y="469300"/>
+            <a:ext cx="4247264" cy="666000"/>
+            <a:chOff x="1476754" y="3499676"/>
+            <a:chExt cx="5868008" cy="666000"/>
+          </a:xfrm>
+        </p:grpSpPr>
+        <p:sp>
+          <p:nvSpPr>
+            <p:cNvPr id="214" name="Google Shape;214;g23c34170ad5_0_31"/>
+            <p:cNvSpPr/>
+            <p:nvPr/>
+          </p:nvSpPr>
+          <p:spPr>
+            <a:xfrm>
+              <a:off x="1476762" y="3499676"/>
+              <a:ext cx="5868000" cy="666000"/>
+            </a:xfrm>
+            <a:prstGeom prst="rect">
+              <a:avLst/>
+            </a:prstGeom>
+            <a:solidFill>
+              <a:schemeClr val="lt1"/>
+            </a:solidFill>
+            <a:ln cap="flat" cmpd="sng" w="25400">
+              <a:solidFill>
+                <a:schemeClr val="lt1"/>
+              </a:solidFill>
+              <a:prstDash val="solid"/>
+              <a:round/>
+              <a:headEnd len="sm" w="sm" type="none"/>
+              <a:tailEnd len="sm" w="sm" type="none"/>
+            </a:ln>
+          </p:spPr>
+          <p:txBody>
+            <a:bodyPr anchorCtr="0" anchor="ctr" bIns="45700" lIns="91425" spcFirstLastPara="1" rIns="91425" wrap="square" tIns="45700">
+              <a:noAutofit/>
+            </a:bodyPr>
+            <a:lstStyle/>
+            <a:p>
+              <a:pPr indent="0" lvl="0" marL="0" marR="0" rtl="0" algn="ctr">
+                <a:lnSpc>
+                  <a:spcPct val="100000"/>
+                </a:lnSpc>
+                <a:spcBef>
+                  <a:spcPts val="0"/>
+                </a:spcBef>
+                <a:spcAft>
+                  <a:spcPts val="0"/>
+                </a:spcAft>
+                <a:buNone/>
+              </a:pPr>
+              <a:r>
+                <a:rPr lang="ru-RU" sz="2800">
+                  <a:solidFill>
+                    <a:srgbClr val="065CAB"/>
+                  </a:solidFill>
+                </a:rPr>
+                <a:t>Тестирование модели</a:t>
+              </a:r>
+              <a:endParaRPr b="0" i="0" sz="2800" u="none" cap="none" strike="noStrike">
+                <a:solidFill>
+                  <a:schemeClr val="lt1"/>
+                </a:solidFill>
+                <a:latin typeface="Arial"/>
+                <a:ea typeface="Arial"/>
+                <a:cs typeface="Arial"/>
+                <a:sym typeface="Arial"/>
+              </a:endParaRPr>
+            </a:p>
+          </p:txBody>
+        </p:sp>
+        <p:sp>
+          <p:nvSpPr>
+            <p:cNvPr id="215" name="Google Shape;215;g23c34170ad5_0_31"/>
+            <p:cNvSpPr/>
+            <p:nvPr/>
+          </p:nvSpPr>
+          <p:spPr>
+            <a:xfrm flipH="1" rot="10800000">
+              <a:off x="1476754" y="3499902"/>
+              <a:ext cx="76452" cy="665767"/>
+            </a:xfrm>
+            <a:custGeom>
+              <a:rect b="b" l="l" r="r" t="t"/>
+              <a:pathLst>
+                <a:path extrusionOk="0" h="424732" w="424732">
+                  <a:moveTo>
+                    <a:pt x="424732" y="424732"/>
+                  </a:moveTo>
+                  <a:lnTo>
+                    <a:pt x="0" y="424732"/>
+                  </a:lnTo>
+                  <a:lnTo>
+                    <a:pt x="0" y="0"/>
+                  </a:lnTo>
+                  <a:lnTo>
+                    <a:pt x="424732" y="0"/>
+                  </a:lnTo>
+                </a:path>
+              </a:pathLst>
+            </a:custGeom>
+            <a:noFill/>
+            <a:ln cap="flat" cmpd="sng" w="16500">
+              <a:solidFill>
+                <a:srgbClr val="065CAB"/>
+              </a:solidFill>
+              <a:prstDash val="solid"/>
+              <a:round/>
+              <a:headEnd len="sm" w="sm" type="none"/>
+              <a:tailEnd len="sm" w="sm" type="none"/>
+            </a:ln>
+          </p:spPr>
+          <p:txBody>
+            <a:bodyPr anchorCtr="0" anchor="ctr" bIns="45700" lIns="91425" spcFirstLastPara="1" rIns="91425" wrap="square" tIns="45700">
+              <a:noAutofit/>
+            </a:bodyPr>
+            <a:lstStyle/>
+            <a:p>
+              <a:pPr indent="0" lvl="0" marL="0" marR="0" rtl="0" algn="ctr">
+                <a:lnSpc>
+                  <a:spcPct val="100000"/>
+                </a:lnSpc>
+                <a:spcBef>
+                  <a:spcPts val="0"/>
+                </a:spcBef>
+                <a:spcAft>
+                  <a:spcPts val="0"/>
+                </a:spcAft>
+                <a:buNone/>
+              </a:pPr>
+              <a:r>
+                <a:t/>
+              </a:r>
+              <a:endParaRPr b="0" i="0" sz="1400" u="none" cap="none" strike="noStrike">
+                <a:solidFill>
+                  <a:schemeClr val="dk1"/>
+                </a:solidFill>
+                <a:latin typeface="Arial"/>
+                <a:ea typeface="Arial"/>
+                <a:cs typeface="Arial"/>
+                <a:sym typeface="Arial"/>
+              </a:endParaRPr>
+            </a:p>
+          </p:txBody>
+        </p:sp>
+        <p:sp>
+          <p:nvSpPr>
+            <p:cNvPr id="216" name="Google Shape;216;g23c34170ad5_0_31"/>
+            <p:cNvSpPr/>
+            <p:nvPr/>
+          </p:nvSpPr>
+          <p:spPr>
+            <a:xfrm flipH="1">
+              <a:off x="7254504" y="3499794"/>
+              <a:ext cx="90256" cy="665767"/>
+            </a:xfrm>
+            <a:custGeom>
+              <a:rect b="b" l="l" r="r" t="t"/>
+              <a:pathLst>
+                <a:path extrusionOk="0" h="424732" w="424732">
+                  <a:moveTo>
+                    <a:pt x="424732" y="424732"/>
+                  </a:moveTo>
+                  <a:lnTo>
+                    <a:pt x="0" y="424732"/>
+                  </a:lnTo>
+                  <a:lnTo>
+                    <a:pt x="0" y="0"/>
+                  </a:lnTo>
+                  <a:lnTo>
+                    <a:pt x="424732" y="0"/>
+                  </a:lnTo>
+                </a:path>
+              </a:pathLst>
+            </a:custGeom>
+            <a:noFill/>
+            <a:ln cap="flat" cmpd="sng" w="16500">
+              <a:solidFill>
+                <a:srgbClr val="0046A2"/>
+              </a:solidFill>
+              <a:prstDash val="solid"/>
+              <a:round/>
+              <a:headEnd len="sm" w="sm" type="none"/>
+              <a:tailEnd len="sm" w="sm" type="none"/>
+            </a:ln>
+          </p:spPr>
+          <p:txBody>
+            <a:bodyPr anchorCtr="0" anchor="ctr" bIns="45700" lIns="91425" spcFirstLastPara="1" rIns="91425" wrap="square" tIns="45700">
+              <a:noAutofit/>
+            </a:bodyPr>
+            <a:lstStyle/>
+            <a:p>
+              <a:pPr indent="0" lvl="0" marL="0" marR="0" rtl="0" algn="ctr">
+                <a:lnSpc>
+                  <a:spcPct val="100000"/>
+                </a:lnSpc>
+                <a:spcBef>
+                  <a:spcPts val="0"/>
+                </a:spcBef>
+                <a:spcAft>
+                  <a:spcPts val="0"/>
+                </a:spcAft>
+                <a:buNone/>
+              </a:pPr>
+              <a:r>
+                <a:t/>
+              </a:r>
+              <a:endParaRPr b="0" i="0" sz="1400" u="none" cap="none" strike="noStrike">
+                <a:solidFill>
+                  <a:srgbClr val="065CAB"/>
+                </a:solidFill>
+                <a:latin typeface="Arial"/>
+                <a:ea typeface="Arial"/>
+                <a:cs typeface="Arial"/>
+                <a:sym typeface="Arial"/>
+              </a:endParaRPr>
+            </a:p>
+          </p:txBody>
+        </p:sp>
+      </p:grpSp>
+    </p:spTree>
+  </p:cSld>
+  <p:clrMapOvr>
+    <a:masterClrMapping/>
+  </p:clrMapOvr>
+  <p:transition spd="med">
+    <p:push/>
+  </p:transition>
+</p:sld>
+</file>
+
+<file path=ppt/slides/slide14.xml><?xml version="1.0" encoding="utf-8"?>
+<p:sld xmlns:a="http://schemas.openxmlformats.org/drawingml/2006/main" xmlns:r="http://schemas.openxmlformats.org/officeDocument/2006/relationships" xmlns:mc="http://schemas.openxmlformats.org/markup-compatibility/2006" xmlns:mv="urn:schemas-microsoft-com:mac:vml" xmlns:p="http://schemas.openxmlformats.org/presentationml/2006/main" xmlns:c="http://schemas.openxmlformats.org/drawingml/2006/chart" xmlns:dgm="http://schemas.openxmlformats.org/drawingml/2006/diagram" xmlns:o="urn:schemas-microsoft-com:office:office" xmlns:v="urn:schemas-microsoft-com:vml" xmlns:pvml="urn:schemas-microsoft-com:office:powerpoint" xmlns:com="http://schemas.openxmlformats.org/drawingml/2006/compatibility" xmlns:p14="http://schemas.microsoft.com/office/powerpoint/2010/main" xmlns:p15="http://schemas.microsoft.com/office/powerpoint/2012/main" xmlns:ahyp="http://schemas.microsoft.com/office/drawing/2018/hyperlinkcolor">
+  <p:cSld>
+    <p:spTree>
+      <p:nvGrpSpPr>
+        <p:cNvPr id="220" name="Shape 220"/>
+        <p:cNvGrpSpPr/>
+        <p:nvPr/>
+      </p:nvGrpSpPr>
+      <p:grpSpPr>
+        <a:xfrm>
+          <a:off x="0" y="0"/>
+          <a:ext cx="0" cy="0"/>
+          <a:chOff x="0" y="0"/>
+          <a:chExt cx="0" cy="0"/>
+        </a:xfrm>
+      </p:grpSpPr>
+      <p:sp>
+        <p:nvSpPr>
+          <p:cNvPr id="221" name="Google Shape;221;g23c34170ad5_0_39"/>
+          <p:cNvSpPr txBox="1"/>
+          <p:nvPr>
+            <p:ph idx="12" type="sldNum"/>
+          </p:nvPr>
+        </p:nvSpPr>
+        <p:spPr>
+          <a:xfrm>
+            <a:off x="273628" y="6434051"/>
+            <a:ext cx="632400" cy="275400"/>
+          </a:xfrm>
+          <a:prstGeom prst="rect">
+            <a:avLst/>
+          </a:prstGeom>
+          <a:noFill/>
+          <a:ln>
+            <a:noFill/>
+          </a:ln>
+        </p:spPr>
+        <p:txBody>
+          <a:bodyPr anchorCtr="0" anchor="ctr" bIns="45700" lIns="91425" spcFirstLastPara="1" rIns="91425" wrap="square" tIns="45700">
+            <a:noAutofit/>
+          </a:bodyPr>
+          <a:lstStyle/>
+          <a:p>
+            <a:pPr indent="0" lvl="0" marL="0" rtl="0" algn="l">
+              <a:lnSpc>
+                <a:spcPct val="100000"/>
+              </a:lnSpc>
+              <a:spcBef>
+                <a:spcPts val="0"/>
+              </a:spcBef>
+              <a:spcAft>
+                <a:spcPts val="0"/>
+              </a:spcAft>
+              <a:buSzPts val="2400"/>
+              <a:buNone/>
+            </a:pPr>
+            <a:fld id="{00000000-1234-1234-1234-123412341234}" type="slidenum">
+              <a:rPr lang="ru-RU"/>
+              <a:t>‹#›</a:t>
+            </a:fld>
+            <a:endParaRPr/>
+          </a:p>
+        </p:txBody>
+      </p:sp>
+      <p:grpSp>
+        <p:nvGrpSpPr>
+          <p:cNvPr id="222" name="Google Shape;222;g23c34170ad5_0_39"/>
+          <p:cNvGrpSpPr/>
+          <p:nvPr/>
+        </p:nvGrpSpPr>
+        <p:grpSpPr>
+          <a:xfrm>
+            <a:off x="3167877" y="469300"/>
+            <a:ext cx="4247264" cy="666000"/>
+            <a:chOff x="1476754" y="3499676"/>
+            <a:chExt cx="5868008" cy="666000"/>
+          </a:xfrm>
+        </p:grpSpPr>
+        <p:sp>
+          <p:nvSpPr>
+            <p:cNvPr id="223" name="Google Shape;223;g23c34170ad5_0_39"/>
+            <p:cNvSpPr/>
+            <p:nvPr/>
+          </p:nvSpPr>
+          <p:spPr>
+            <a:xfrm>
+              <a:off x="1476762" y="3499676"/>
+              <a:ext cx="5868000" cy="666000"/>
+            </a:xfrm>
+            <a:prstGeom prst="rect">
+              <a:avLst/>
+            </a:prstGeom>
+            <a:solidFill>
+              <a:schemeClr val="lt1"/>
+            </a:solidFill>
+            <a:ln cap="flat" cmpd="sng" w="25400">
+              <a:solidFill>
+                <a:schemeClr val="lt1"/>
+              </a:solidFill>
+              <a:prstDash val="solid"/>
+              <a:round/>
+              <a:headEnd len="sm" w="sm" type="none"/>
+              <a:tailEnd len="sm" w="sm" type="none"/>
+            </a:ln>
+          </p:spPr>
+          <p:txBody>
+            <a:bodyPr anchorCtr="0" anchor="ctr" bIns="45700" lIns="91425" spcFirstLastPara="1" rIns="91425" wrap="square" tIns="45700">
+              <a:noAutofit/>
+            </a:bodyPr>
+            <a:lstStyle/>
+            <a:p>
+              <a:pPr indent="0" lvl="0" marL="0" marR="0" rtl="0" algn="ctr">
+                <a:lnSpc>
+                  <a:spcPct val="100000"/>
+                </a:lnSpc>
+                <a:spcBef>
+                  <a:spcPts val="0"/>
+                </a:spcBef>
+                <a:spcAft>
+                  <a:spcPts val="0"/>
+                </a:spcAft>
+                <a:buNone/>
+              </a:pPr>
+              <a:r>
+                <a:rPr lang="ru-RU" sz="2800">
+                  <a:solidFill>
+                    <a:srgbClr val="065CAB"/>
+                  </a:solidFill>
+                </a:rPr>
+                <a:t>Тестирование модели</a:t>
+              </a:r>
+              <a:endParaRPr b="0" i="0" sz="2800" u="none" cap="none" strike="noStrike">
+                <a:solidFill>
+                  <a:schemeClr val="lt1"/>
+                </a:solidFill>
+                <a:latin typeface="Arial"/>
+                <a:ea typeface="Arial"/>
+                <a:cs typeface="Arial"/>
+                <a:sym typeface="Arial"/>
+              </a:endParaRPr>
+            </a:p>
+          </p:txBody>
+        </p:sp>
+        <p:sp>
+          <p:nvSpPr>
+            <p:cNvPr id="224" name="Google Shape;224;g23c34170ad5_0_39"/>
+            <p:cNvSpPr/>
+            <p:nvPr/>
+          </p:nvSpPr>
+          <p:spPr>
+            <a:xfrm flipH="1" rot="10800000">
+              <a:off x="1476754" y="3499902"/>
+              <a:ext cx="76452" cy="665767"/>
+            </a:xfrm>
+            <a:custGeom>
+              <a:rect b="b" l="l" r="r" t="t"/>
+              <a:pathLst>
+                <a:path extrusionOk="0" h="424732" w="424732">
+                  <a:moveTo>
+                    <a:pt x="424732" y="424732"/>
+                  </a:moveTo>
+                  <a:lnTo>
+                    <a:pt x="0" y="424732"/>
+                  </a:lnTo>
+                  <a:lnTo>
+                    <a:pt x="0" y="0"/>
+                  </a:lnTo>
+                  <a:lnTo>
+                    <a:pt x="424732" y="0"/>
+                  </a:lnTo>
+                </a:path>
+              </a:pathLst>
+            </a:custGeom>
+            <a:noFill/>
+            <a:ln cap="flat" cmpd="sng" w="16500">
+              <a:solidFill>
+                <a:srgbClr val="065CAB"/>
+              </a:solidFill>
+              <a:prstDash val="solid"/>
+              <a:round/>
+              <a:headEnd len="sm" w="sm" type="none"/>
+              <a:tailEnd len="sm" w="sm" type="none"/>
+            </a:ln>
+          </p:spPr>
+          <p:txBody>
+            <a:bodyPr anchorCtr="0" anchor="ctr" bIns="45700" lIns="91425" spcFirstLastPara="1" rIns="91425" wrap="square" tIns="45700">
+              <a:noAutofit/>
+            </a:bodyPr>
+            <a:lstStyle/>
+            <a:p>
+              <a:pPr indent="0" lvl="0" marL="0" marR="0" rtl="0" algn="ctr">
+                <a:lnSpc>
+                  <a:spcPct val="100000"/>
+                </a:lnSpc>
+                <a:spcBef>
+                  <a:spcPts val="0"/>
+                </a:spcBef>
+                <a:spcAft>
+                  <a:spcPts val="0"/>
+                </a:spcAft>
+                <a:buNone/>
+              </a:pPr>
+              <a:r>
+                <a:t/>
+              </a:r>
+              <a:endParaRPr b="0" i="0" sz="1400" u="none" cap="none" strike="noStrike">
+                <a:solidFill>
+                  <a:schemeClr val="dk1"/>
+                </a:solidFill>
+                <a:latin typeface="Arial"/>
+                <a:ea typeface="Arial"/>
+                <a:cs typeface="Arial"/>
+                <a:sym typeface="Arial"/>
+              </a:endParaRPr>
+            </a:p>
+          </p:txBody>
+        </p:sp>
+        <p:sp>
+          <p:nvSpPr>
+            <p:cNvPr id="225" name="Google Shape;225;g23c34170ad5_0_39"/>
+            <p:cNvSpPr/>
+            <p:nvPr/>
+          </p:nvSpPr>
+          <p:spPr>
+            <a:xfrm flipH="1">
+              <a:off x="7254504" y="3499794"/>
+              <a:ext cx="90256" cy="665767"/>
+            </a:xfrm>
+            <a:custGeom>
+              <a:rect b="b" l="l" r="r" t="t"/>
+              <a:pathLst>
+                <a:path extrusionOk="0" h="424732" w="424732">
+                  <a:moveTo>
+                    <a:pt x="424732" y="424732"/>
+                  </a:moveTo>
+                  <a:lnTo>
+                    <a:pt x="0" y="424732"/>
+                  </a:lnTo>
+                  <a:lnTo>
+                    <a:pt x="0" y="0"/>
+                  </a:lnTo>
+                  <a:lnTo>
+                    <a:pt x="424732" y="0"/>
+                  </a:lnTo>
+                </a:path>
+              </a:pathLst>
+            </a:custGeom>
+            <a:noFill/>
+            <a:ln cap="flat" cmpd="sng" w="16500">
+              <a:solidFill>
+                <a:srgbClr val="0046A2"/>
+              </a:solidFill>
+              <a:prstDash val="solid"/>
+              <a:round/>
+              <a:headEnd len="sm" w="sm" type="none"/>
+              <a:tailEnd len="sm" w="sm" type="none"/>
+            </a:ln>
+          </p:spPr>
+          <p:txBody>
+            <a:bodyPr anchorCtr="0" anchor="ctr" bIns="45700" lIns="91425" spcFirstLastPara="1" rIns="91425" wrap="square" tIns="45700">
+              <a:noAutofit/>
+            </a:bodyPr>
+            <a:lstStyle/>
+            <a:p>
+              <a:pPr indent="0" lvl="0" marL="0" marR="0" rtl="0" algn="ctr">
+                <a:lnSpc>
+                  <a:spcPct val="100000"/>
+                </a:lnSpc>
+                <a:spcBef>
+                  <a:spcPts val="0"/>
+                </a:spcBef>
+                <a:spcAft>
+                  <a:spcPts val="0"/>
+                </a:spcAft>
+                <a:buNone/>
+              </a:pPr>
+              <a:r>
+                <a:t/>
+              </a:r>
+              <a:endParaRPr b="0" i="0" sz="1400" u="none" cap="none" strike="noStrike">
+                <a:solidFill>
+                  <a:srgbClr val="065CAB"/>
+                </a:solidFill>
+                <a:latin typeface="Arial"/>
+                <a:ea typeface="Arial"/>
+                <a:cs typeface="Arial"/>
+                <a:sym typeface="Arial"/>
+              </a:endParaRPr>
+            </a:p>
+          </p:txBody>
+        </p:sp>
+      </p:grpSp>
+    </p:spTree>
+  </p:cSld>
+  <p:clrMapOvr>
+    <a:masterClrMapping/>
+  </p:clrMapOvr>
+  <p:transition spd="med">
+    <p:push/>
+  </p:transition>
+</p:sld>
+</file>
+
+<file path=ppt/slides/slide15.xml><?xml version="1.0" encoding="utf-8"?>
+<p:sld xmlns:a="http://schemas.openxmlformats.org/drawingml/2006/main" xmlns:r="http://schemas.openxmlformats.org/officeDocument/2006/relationships" xmlns:mc="http://schemas.openxmlformats.org/markup-compatibility/2006" xmlns:mv="urn:schemas-microsoft-com:mac:vml" xmlns:p="http://schemas.openxmlformats.org/presentationml/2006/main" xmlns:c="http://schemas.openxmlformats.org/drawingml/2006/chart" xmlns:dgm="http://schemas.openxmlformats.org/drawingml/2006/diagram" xmlns:o="urn:schemas-microsoft-com:office:office" xmlns:v="urn:schemas-microsoft-com:vml" xmlns:pvml="urn:schemas-microsoft-com:office:powerpoint" xmlns:com="http://schemas.openxmlformats.org/drawingml/2006/compatibility" xmlns:p14="http://schemas.microsoft.com/office/powerpoint/2010/main" xmlns:p15="http://schemas.microsoft.com/office/powerpoint/2012/main" xmlns:ahyp="http://schemas.microsoft.com/office/drawing/2018/hyperlinkcolor">
+  <p:cSld>
+    <p:spTree>
+      <p:nvGrpSpPr>
+        <p:cNvPr id="229" name="Shape 229"/>
         <p:cNvGrpSpPr/>
         <p:nvPr/>
       </p:nvGrpSpPr>
@@ -12307,8 +14013,8 @@
         </p:nvSpPr>
         <p:spPr>
           <a:xfrm>
-            <a:off x="885825" y="2209800"/>
-            <a:ext cx="4761900" cy="3006300"/>
+            <a:off x="885825" y="1820050"/>
+            <a:ext cx="4761900" cy="3396000"/>
           </a:xfrm>
           <a:prstGeom prst="rect">
             <a:avLst/>
@@ -12326,7 +14032,7 @@
           </a:bodyPr>
           <a:lstStyle/>
           <a:p>
-            <a:pPr indent="457200" lvl="0" marL="0" rtl="0" algn="l">
+            <a:pPr indent="457200" lvl="0" marL="0" rtl="0" algn="just">
               <a:lnSpc>
                 <a:spcPct val="115000"/>
               </a:lnSpc>
@@ -12353,7 +14059,7 @@
             </a:endParaRPr>
           </a:p>
           <a:p>
-            <a:pPr indent="0" lvl="0" marL="0" rtl="0" algn="l">
+            <a:pPr indent="0" lvl="0" marL="0" rtl="0" algn="just">
               <a:lnSpc>
                 <a:spcPct val="115000"/>
               </a:lnSpc>
@@ -12385,8 +14091,8 @@
         </p:nvCxnSpPr>
         <p:spPr>
           <a:xfrm flipH="1">
-            <a:off x="609475" y="2191950"/>
-            <a:ext cx="25500" cy="3006300"/>
+            <a:off x="768950" y="1932625"/>
+            <a:ext cx="25500" cy="3265800"/>
           </a:xfrm>
           <a:prstGeom prst="straightConnector1">
             <a:avLst/>
@@ -12411,7 +14117,7 @@
         </p:nvCxnSpPr>
         <p:spPr>
           <a:xfrm>
-            <a:off x="609475" y="5198250"/>
+            <a:off x="768950" y="5198247"/>
             <a:ext cx="825600" cy="0"/>
           </a:xfrm>
           <a:prstGeom prst="straightConnector1">
@@ -12437,7 +14143,7 @@
         </p:nvCxnSpPr>
         <p:spPr>
           <a:xfrm>
-            <a:off x="634982" y="2191964"/>
+            <a:off x="794457" y="1932640"/>
             <a:ext cx="825600" cy="0"/>
           </a:xfrm>
           <a:prstGeom prst="straightConnector1">
@@ -14070,7 +15776,7 @@
         </p:nvCxnSpPr>
         <p:spPr>
           <a:xfrm flipH="1">
-            <a:off x="609475" y="2191953"/>
+            <a:off x="797100" y="2182578"/>
             <a:ext cx="25500" cy="2047200"/>
           </a:xfrm>
           <a:prstGeom prst="straightConnector1">
@@ -14096,7 +15802,7 @@
         </p:nvCxnSpPr>
         <p:spPr>
           <a:xfrm>
-            <a:off x="609475" y="4239153"/>
+            <a:off x="797100" y="4229778"/>
             <a:ext cx="825600" cy="0"/>
           </a:xfrm>
           <a:prstGeom prst="straightConnector1">
@@ -14122,7 +15828,7 @@
         </p:nvCxnSpPr>
         <p:spPr>
           <a:xfrm>
-            <a:off x="634975" y="2191953"/>
+            <a:off x="822600" y="2182578"/>
             <a:ext cx="825600" cy="0"/>
           </a:xfrm>
           <a:prstGeom prst="straightConnector1">
@@ -14525,7 +16231,7 @@
           </a:bodyPr>
           <a:lstStyle/>
           <a:p>
-            <a:pPr indent="457200" lvl="0" marL="0" rtl="0" algn="l">
+            <a:pPr indent="457200" lvl="0" marL="0" rtl="0" algn="just">
               <a:lnSpc>
                 <a:spcPct val="115000"/>
               </a:lnSpc>
@@ -14571,7 +16277,7 @@
         </p:nvCxnSpPr>
         <p:spPr>
           <a:xfrm flipH="1">
-            <a:off x="609475" y="2364175"/>
+            <a:off x="797100" y="2356350"/>
             <a:ext cx="25500" cy="2617500"/>
           </a:xfrm>
           <a:prstGeom prst="straightConnector1">
@@ -14597,7 +16303,7 @@
         </p:nvCxnSpPr>
         <p:spPr>
           <a:xfrm>
-            <a:off x="609475" y="4981675"/>
+            <a:off x="797100" y="4973850"/>
             <a:ext cx="825600" cy="0"/>
           </a:xfrm>
           <a:prstGeom prst="straightConnector1">
@@ -14623,7 +16329,7 @@
         </p:nvCxnSpPr>
         <p:spPr>
           <a:xfrm>
-            <a:off x="634975" y="2364175"/>
+            <a:off x="822600" y="2356350"/>
             <a:ext cx="825600" cy="0"/>
           </a:xfrm>
           <a:prstGeom prst="straightConnector1">
@@ -15026,7 +16732,7 @@
           </a:bodyPr>
           <a:lstStyle/>
           <a:p>
-            <a:pPr indent="457200" lvl="0" marL="0" rtl="0" algn="l">
+            <a:pPr indent="457200" lvl="0" marL="0" rtl="0" algn="just">
               <a:lnSpc>
                 <a:spcPct val="115000"/>
               </a:lnSpc>
@@ -15072,7 +16778,7 @@
         </p:nvCxnSpPr>
         <p:spPr>
           <a:xfrm flipH="1">
-            <a:off x="609475" y="1557350"/>
+            <a:off x="759575" y="1537950"/>
             <a:ext cx="25500" cy="4456200"/>
           </a:xfrm>
           <a:prstGeom prst="straightConnector1">
@@ -15098,7 +16804,7 @@
         </p:nvCxnSpPr>
         <p:spPr>
           <a:xfrm>
-            <a:off x="609475" y="6013650"/>
+            <a:off x="759575" y="5994250"/>
             <a:ext cx="825600" cy="0"/>
           </a:xfrm>
           <a:prstGeom prst="straightConnector1">
@@ -15124,7 +16830,7 @@
         </p:nvCxnSpPr>
         <p:spPr>
           <a:xfrm>
-            <a:off x="634975" y="1557350"/>
+            <a:off x="785075" y="1537950"/>
             <a:ext cx="825600" cy="0"/>
           </a:xfrm>
           <a:prstGeom prst="straightConnector1">
@@ -15454,8 +17160,8 @@
         </p:nvSpPr>
         <p:spPr>
           <a:xfrm>
-            <a:off x="1210225" y="2017050"/>
-            <a:ext cx="5403900" cy="523200"/>
+            <a:off x="560275" y="1836418"/>
+            <a:ext cx="4051200" cy="3641100"/>
           </a:xfrm>
           <a:prstGeom prst="rect">
             <a:avLst/>
@@ -15466,12 +17172,15 @@
           </a:ln>
         </p:spPr>
         <p:txBody>
-          <a:bodyPr anchorCtr="0" anchor="t" bIns="91425" lIns="91425" spcFirstLastPara="1" rIns="91425" wrap="square" tIns="91425">
-            <a:spAutoFit/>
+          <a:bodyPr anchorCtr="0" anchor="ctr" bIns="91425" lIns="91425" spcFirstLastPara="1" rIns="91425" wrap="square" tIns="91425">
+            <a:noAutofit/>
           </a:bodyPr>
           <a:lstStyle/>
           <a:p>
-            <a:pPr indent="0" lvl="0" marL="0" rtl="0" algn="l">
+            <a:pPr indent="457200" lvl="0" marL="0" rtl="0" algn="just">
+              <a:lnSpc>
+                <a:spcPct val="115000"/>
+              </a:lnSpc>
               <a:spcBef>
                 <a:spcPts val="0"/>
               </a:spcBef>
@@ -15482,12 +17191,15 @@
             </a:pPr>
             <a:r>
               <a:rPr lang="ru-RU" sz="2200">
-                <a:latin typeface="Open Sans"/>
-                <a:ea typeface="Open Sans"/>
-                <a:cs typeface="Open Sans"/>
-                <a:sym typeface="Open Sans"/>
+                <a:solidFill>
+                  <a:schemeClr val="dk1"/>
+                </a:solidFill>
+                <a:latin typeface="Times New Roman"/>
+                <a:ea typeface="Times New Roman"/>
+                <a:cs typeface="Times New Roman"/>
+                <a:sym typeface="Times New Roman"/>
               </a:rPr>
-              <a:t>Здесь могла быть ваша реклама</a:t>
+              <a:t>Для построения моделей была написана функция prepareData, с помощью которой в датасет были добавлены лаги исходного временного ряда в качестве признаков и датасет был разбит на тренировочную и тестовую выборки.</a:t>
             </a:r>
             <a:endParaRPr sz="2200">
               <a:latin typeface="Open Sans"/>
@@ -15498,6 +17210,112 @@
           </a:p>
         </p:txBody>
       </p:sp>
+      <p:pic>
+        <p:nvPicPr>
+          <p:cNvPr id="173" name="Google Shape;173;g2394454e635_0_87"/>
+          <p:cNvPicPr preferRelativeResize="0"/>
+          <p:nvPr/>
+        </p:nvPicPr>
+        <p:blipFill>
+          <a:blip r:embed="rId3">
+            <a:alphaModFix/>
+          </a:blip>
+          <a:stretch>
+            <a:fillRect/>
+          </a:stretch>
+        </p:blipFill>
+        <p:spPr>
+          <a:xfrm>
+            <a:off x="5261425" y="1704800"/>
+            <a:ext cx="5632176" cy="3448412"/>
+          </a:xfrm>
+          <a:prstGeom prst="rect">
+            <a:avLst/>
+          </a:prstGeom>
+          <a:noFill/>
+          <a:ln>
+            <a:noFill/>
+          </a:ln>
+        </p:spPr>
+      </p:pic>
+      <p:cxnSp>
+        <p:nvCxnSpPr>
+          <p:cNvPr id="174" name="Google Shape;174;g2394454e635_0_87"/>
+          <p:cNvCxnSpPr/>
+          <p:nvPr/>
+        </p:nvCxnSpPr>
+        <p:spPr>
+          <a:xfrm flipH="1">
+            <a:off x="440625" y="1932625"/>
+            <a:ext cx="25500" cy="3544800"/>
+          </a:xfrm>
+          <a:prstGeom prst="straightConnector1">
+            <a:avLst/>
+          </a:prstGeom>
+          <a:noFill/>
+          <a:ln cap="flat" cmpd="sng" w="28575">
+            <a:solidFill>
+              <a:srgbClr val="065CAB"/>
+            </a:solidFill>
+            <a:prstDash val="solid"/>
+            <a:miter lim="800000"/>
+            <a:headEnd len="sm" w="sm" type="none"/>
+            <a:tailEnd len="sm" w="sm" type="none"/>
+          </a:ln>
+        </p:spPr>
+      </p:cxnSp>
+      <p:cxnSp>
+        <p:nvCxnSpPr>
+          <p:cNvPr id="175" name="Google Shape;175;g2394454e635_0_87"/>
+          <p:cNvCxnSpPr/>
+          <p:nvPr/>
+        </p:nvCxnSpPr>
+        <p:spPr>
+          <a:xfrm>
+            <a:off x="440625" y="5477525"/>
+            <a:ext cx="825600" cy="0"/>
+          </a:xfrm>
+          <a:prstGeom prst="straightConnector1">
+            <a:avLst/>
+          </a:prstGeom>
+          <a:noFill/>
+          <a:ln cap="flat" cmpd="sng" w="28575">
+            <a:solidFill>
+              <a:srgbClr val="065CAB"/>
+            </a:solidFill>
+            <a:prstDash val="solid"/>
+            <a:miter lim="800000"/>
+            <a:headEnd len="sm" w="sm" type="none"/>
+            <a:tailEnd len="sm" w="sm" type="none"/>
+          </a:ln>
+        </p:spPr>
+      </p:cxnSp>
+      <p:cxnSp>
+        <p:nvCxnSpPr>
+          <p:cNvPr id="176" name="Google Shape;176;g2394454e635_0_87"/>
+          <p:cNvCxnSpPr/>
+          <p:nvPr/>
+        </p:nvCxnSpPr>
+        <p:spPr>
+          <a:xfrm>
+            <a:off x="466125" y="1932625"/>
+            <a:ext cx="825600" cy="0"/>
+          </a:xfrm>
+          <a:prstGeom prst="straightConnector1">
+            <a:avLst/>
+          </a:prstGeom>
+          <a:noFill/>
+          <a:ln cap="flat" cmpd="sng" w="28575">
+            <a:solidFill>
+              <a:srgbClr val="065CAB"/>
+            </a:solidFill>
+            <a:prstDash val="solid"/>
+            <a:miter lim="800000"/>
+            <a:headEnd len="sm" w="sm" type="none"/>
+            <a:tailEnd len="sm" w="sm" type="none"/>
+          </a:ln>
+        </p:spPr>
+      </p:cxnSp>
     </p:spTree>
   </p:cSld>
   <p:clrMapOvr>
@@ -15510,9 +17328,9 @@
 </file>
 
 <file path=ppt/theme/theme1.xml><?xml version="1.0" encoding="utf-8"?>
-<a:theme xmlns:a="http://schemas.openxmlformats.org/drawingml/2006/main" xmlns:r="http://schemas.openxmlformats.org/officeDocument/2006/relationships" name="If,kjyVUNE_28012021">
+<a:theme xmlns:a="http://schemas.openxmlformats.org/drawingml/2006/main" xmlns:r="http://schemas.openxmlformats.org/officeDocument/2006/relationships">
   <a:themeElements>
-    <a:clrScheme name="МГТУ10128">
+    <a:clrScheme name="Default">
       <a:dk1>
         <a:srgbClr val="000000"/>
       </a:dk1>
@@ -15520,34 +17338,34 @@
         <a:srgbClr val="FFFFFF"/>
       </a:lt1>
       <a:dk2>
-        <a:srgbClr val="062646"/>
+        <a:srgbClr val="158158"/>
       </a:dk2>
       <a:lt2>
-        <a:srgbClr val="E3F0FD"/>
+        <a:srgbClr val="F3F3F3"/>
       </a:lt2>
       <a:accent1>
-        <a:srgbClr val="0E5DAB"/>
+        <a:srgbClr val="058DC7"/>
       </a:accent1>
       <a:accent2>
-        <a:srgbClr val="7BC6DF"/>
+        <a:srgbClr val="50B432"/>
       </a:accent2>
       <a:accent3>
-        <a:srgbClr val="F99D27"/>
+        <a:srgbClr val="ED561B"/>
       </a:accent3>
       <a:accent4>
-        <a:srgbClr val="BDD7EE"/>
+        <a:srgbClr val="EDEF00"/>
       </a:accent4>
       <a:accent5>
-        <a:srgbClr val="FFC000"/>
+        <a:srgbClr val="24CBE5"/>
       </a:accent5>
       <a:accent6>
-        <a:srgbClr val="A5A5A5"/>
+        <a:srgbClr val="64E572"/>
       </a:accent6>
       <a:hlink>
-        <a:srgbClr val="1F75E2"/>
+        <a:srgbClr val="2200CC"/>
       </a:hlink>
       <a:folHlink>
-        <a:srgbClr val="FA34DE"/>
+        <a:srgbClr val="551A8B"/>
       </a:folHlink>
     </a:clrScheme>
     <a:fontScheme name="Office">
@@ -15789,9 +17607,9 @@
 </file>
 
 <file path=ppt/theme/theme2.xml><?xml version="1.0" encoding="utf-8"?>
-<a:theme xmlns:a="http://schemas.openxmlformats.org/drawingml/2006/main" xmlns:r="http://schemas.openxmlformats.org/officeDocument/2006/relationships">
+<a:theme xmlns:a="http://schemas.openxmlformats.org/drawingml/2006/main" xmlns:r="http://schemas.openxmlformats.org/officeDocument/2006/relationships" name="If,kjyVUNE_28012021">
   <a:themeElements>
-    <a:clrScheme name="Default">
+    <a:clrScheme name="МГТУ10128">
       <a:dk1>
         <a:srgbClr val="000000"/>
       </a:dk1>
@@ -15799,34 +17617,34 @@
         <a:srgbClr val="FFFFFF"/>
       </a:lt1>
       <a:dk2>
-        <a:srgbClr val="158158"/>
+        <a:srgbClr val="062646"/>
       </a:dk2>
       <a:lt2>
-        <a:srgbClr val="F3F3F3"/>
+        <a:srgbClr val="E3F0FD"/>
       </a:lt2>
       <a:accent1>
-        <a:srgbClr val="058DC7"/>
+        <a:srgbClr val="0E5DAB"/>
       </a:accent1>
       <a:accent2>
-        <a:srgbClr val="50B432"/>
+        <a:srgbClr val="7BC6DF"/>
       </a:accent2>
       <a:accent3>
-        <a:srgbClr val="ED561B"/>
+        <a:srgbClr val="F99D27"/>
       </a:accent3>
       <a:accent4>
-        <a:srgbClr val="EDEF00"/>
+        <a:srgbClr val="BDD7EE"/>
       </a:accent4>
       <a:accent5>
-        <a:srgbClr val="24CBE5"/>
+        <a:srgbClr val="FFC000"/>
       </a:accent5>
       <a:accent6>
-        <a:srgbClr val="64E572"/>
+        <a:srgbClr val="A5A5A5"/>
       </a:accent6>
       <a:hlink>
-        <a:srgbClr val="2200CC"/>
+        <a:srgbClr val="1F75E2"/>
       </a:hlink>
       <a:folHlink>
-        <a:srgbClr val="551A8B"/>
+        <a:srgbClr val="FA34DE"/>
       </a:folHlink>
     </a:clrScheme>
     <a:fontScheme name="Office">

--- a/ВКР по курсу  «Data Science».pptx
+++ b/ВКР по курсу  «Data Science».pptx
@@ -24,16 +24,22 @@
     <p:sldId id="268" r:id="rId19"/>
     <p:sldId id="269" r:id="rId20"/>
     <p:sldId id="270" r:id="rId21"/>
+    <p:sldId id="271" r:id="rId22"/>
+    <p:sldId id="272" r:id="rId23"/>
+    <p:sldId id="273" r:id="rId24"/>
+    <p:sldId id="274" r:id="rId25"/>
+    <p:sldId id="275" r:id="rId26"/>
+    <p:sldId id="276" r:id="rId27"/>
   </p:sldIdLst>
   <p:sldSz cy="6858000" cx="12192000"/>
   <p:notesSz cx="6858000" cy="9144000"/>
   <p:embeddedFontLst>
     <p:embeddedFont>
       <p:font typeface="Open Sans"/>
-      <p:regular r:id="rId22"/>
-      <p:bold r:id="rId23"/>
-      <p:italic r:id="rId24"/>
-      <p:boldItalic r:id="rId25"/>
+      <p:regular r:id="rId28"/>
+      <p:bold r:id="rId29"/>
+      <p:italic r:id="rId30"/>
+      <p:boldItalic r:id="rId31"/>
     </p:embeddedFont>
   </p:embeddedFontLst>
   <p:defaultTextStyle>
@@ -285,8 +291,8 @@
         </p15:guide>
       </p15:sldGuideLst>
     </p:ext>
-    <p:ext uri="http://customooxmlschemas.google.com/">
-      <go:slidesCustomData xmlns:go="http://customooxmlschemas.google.com/" r:id="rId26" roundtripDataSignature="AMtx7miCpyoonqKCnzcKi/JU/85xLyAS8w=="/>
+    <p:ext uri="GoogleSlidesCustomDataVersion2">
+      <go:slidesCustomData xmlns:go="http://customooxmlschemas.google.com/" r:id="rId32" roundtripDataSignature="AMtx7mhTngLeBjVubjOKUdNq1nF4lQTpmw=="/>
     </p:ext>
   </p:extLst>
 </p:presentation>
@@ -982,7 +988,7 @@
   <p:cSld>
     <p:spTree>
       <p:nvGrpSpPr>
-        <p:cNvPr id="177" name="Shape 177"/>
+        <p:cNvPr id="176" name="Shape 176"/>
         <p:cNvGrpSpPr/>
         <p:nvPr/>
       </p:nvGrpSpPr>
@@ -996,7 +1002,7 @@
       </p:grpSpPr>
       <p:sp>
         <p:nvSpPr>
-          <p:cNvPr id="178" name="Google Shape;178;g2394454e635_0_96:notes"/>
+          <p:cNvPr id="177" name="Google Shape;177;g2394454e635_0_30:notes"/>
           <p:cNvSpPr txBox="1"/>
           <p:nvPr>
             <p:ph idx="1" type="body"/>
@@ -1035,7 +1041,7 @@
       </p:sp>
       <p:sp>
         <p:nvSpPr>
-          <p:cNvPr id="179" name="Google Shape;179;g2394454e635_0_96:notes"/>
+          <p:cNvPr id="178" name="Google Shape;178;g2394454e635_0_30:notes"/>
           <p:cNvSpPr/>
           <p:nvPr>
             <p:ph idx="2" type="sldImg"/>
@@ -1081,7 +1087,7 @@
   <p:cSld>
     <p:spTree>
       <p:nvGrpSpPr>
-        <p:cNvPr id="190" name="Shape 190"/>
+        <p:cNvPr id="191" name="Shape 191"/>
         <p:cNvGrpSpPr/>
         <p:nvPr/>
       </p:nvGrpSpPr>
@@ -1095,7 +1101,7 @@
       </p:grpSpPr>
       <p:sp>
         <p:nvSpPr>
-          <p:cNvPr id="191" name="Google Shape;191;g23c34170ad5_0_7:notes"/>
+          <p:cNvPr id="192" name="Google Shape;192;g2394454e635_0_87:notes"/>
           <p:cNvSpPr txBox="1"/>
           <p:nvPr>
             <p:ph idx="1" type="body"/>
@@ -1134,7 +1140,7 @@
       </p:sp>
       <p:sp>
         <p:nvSpPr>
-          <p:cNvPr id="192" name="Google Shape;192;g23c34170ad5_0_7:notes"/>
+          <p:cNvPr id="193" name="Google Shape;193;g2394454e635_0_87:notes"/>
           <p:cNvSpPr/>
           <p:nvPr>
             <p:ph idx="2" type="sldImg"/>
@@ -1180,7 +1186,7 @@
   <p:cSld>
     <p:spTree>
       <p:nvGrpSpPr>
-        <p:cNvPr id="199" name="Shape 199"/>
+        <p:cNvPr id="205" name="Shape 205"/>
         <p:cNvGrpSpPr/>
         <p:nvPr/>
       </p:nvGrpSpPr>
@@ -1194,7 +1200,7 @@
       </p:grpSpPr>
       <p:sp>
         <p:nvSpPr>
-          <p:cNvPr id="200" name="Google Shape;200;g23c34170ad5_0_19:notes"/>
+          <p:cNvPr id="206" name="Google Shape;206;g2394454e635_0_96:notes"/>
           <p:cNvSpPr txBox="1"/>
           <p:nvPr>
             <p:ph idx="1" type="body"/>
@@ -1233,7 +1239,7 @@
       </p:sp>
       <p:sp>
         <p:nvSpPr>
-          <p:cNvPr id="201" name="Google Shape;201;g23c34170ad5_0_19:notes"/>
+          <p:cNvPr id="207" name="Google Shape;207;g2394454e635_0_96:notes"/>
           <p:cNvSpPr/>
           <p:nvPr>
             <p:ph idx="2" type="sldImg"/>
@@ -1279,7 +1285,7 @@
   <p:cSld>
     <p:spTree>
       <p:nvGrpSpPr>
-        <p:cNvPr id="208" name="Shape 208"/>
+        <p:cNvPr id="221" name="Shape 221"/>
         <p:cNvGrpSpPr/>
         <p:nvPr/>
       </p:nvGrpSpPr>
@@ -1293,7 +1299,7 @@
       </p:grpSpPr>
       <p:sp>
         <p:nvSpPr>
-          <p:cNvPr id="209" name="Google Shape;209;g23c34170ad5_0_31:notes"/>
+          <p:cNvPr id="222" name="Google Shape;222;g23c34170ad5_0_7:notes"/>
           <p:cNvSpPr txBox="1"/>
           <p:nvPr>
             <p:ph idx="1" type="body"/>
@@ -1332,7 +1338,7 @@
       </p:sp>
       <p:sp>
         <p:nvSpPr>
-          <p:cNvPr id="210" name="Google Shape;210;g23c34170ad5_0_31:notes"/>
+          <p:cNvPr id="223" name="Google Shape;223;g23c34170ad5_0_7:notes"/>
           <p:cNvSpPr/>
           <p:nvPr>
             <p:ph idx="2" type="sldImg"/>
@@ -1378,7 +1384,7 @@
   <p:cSld>
     <p:spTree>
       <p:nvGrpSpPr>
-        <p:cNvPr id="217" name="Shape 217"/>
+        <p:cNvPr id="235" name="Shape 235"/>
         <p:cNvGrpSpPr/>
         <p:nvPr/>
       </p:nvGrpSpPr>
@@ -1392,7 +1398,7 @@
       </p:grpSpPr>
       <p:sp>
         <p:nvSpPr>
-          <p:cNvPr id="218" name="Google Shape;218;g23c34170ad5_0_39:notes"/>
+          <p:cNvPr id="236" name="Google Shape;236;g23c34170ad5_0_19:notes"/>
           <p:cNvSpPr txBox="1"/>
           <p:nvPr>
             <p:ph idx="1" type="body"/>
@@ -1431,7 +1437,7 @@
       </p:sp>
       <p:sp>
         <p:nvSpPr>
-          <p:cNvPr id="219" name="Google Shape;219;g23c34170ad5_0_39:notes"/>
+          <p:cNvPr id="237" name="Google Shape;237;g23c34170ad5_0_19:notes"/>
           <p:cNvSpPr/>
           <p:nvPr>
             <p:ph idx="2" type="sldImg"/>
@@ -1477,7 +1483,7 @@
   <p:cSld>
     <p:spTree>
       <p:nvGrpSpPr>
-        <p:cNvPr id="226" name="Shape 226"/>
+        <p:cNvPr id="248" name="Shape 248"/>
         <p:cNvGrpSpPr/>
         <p:nvPr/>
       </p:nvGrpSpPr>
@@ -1491,7 +1497,7 @@
       </p:grpSpPr>
       <p:sp>
         <p:nvSpPr>
-          <p:cNvPr id="227" name="Google Shape;227;p3:notes"/>
+          <p:cNvPr id="249" name="Google Shape;249;g23c34170ad5_0_31:notes"/>
           <p:cNvSpPr txBox="1"/>
           <p:nvPr>
             <p:ph idx="1" type="body"/>
@@ -1505,10 +1511,6 @@
           <a:prstGeom prst="rect">
             <a:avLst/>
           </a:prstGeom>
-          <a:noFill/>
-          <a:ln>
-            <a:noFill/>
-          </a:ln>
         </p:spPr>
         <p:txBody>
           <a:bodyPr anchorCtr="0" anchor="t" bIns="91425" lIns="91425" spcFirstLastPara="1" rIns="91425" wrap="square" tIns="91425">
@@ -1517,16 +1519,12 @@
           <a:lstStyle/>
           <a:p>
             <a:pPr indent="0" lvl="0" marL="0" rtl="0" algn="l">
-              <a:lnSpc>
-                <a:spcPct val="100000"/>
-              </a:lnSpc>
-              <a:spcBef>
-                <a:spcPts val="0"/>
-              </a:spcBef>
-              <a:spcAft>
-                <a:spcPts val="0"/>
-              </a:spcAft>
-              <a:buSzPts val="1100"/>
+              <a:spcBef>
+                <a:spcPts val="0"/>
+              </a:spcBef>
+              <a:spcAft>
+                <a:spcPts val="0"/>
+              </a:spcAft>
               <a:buNone/>
             </a:pPr>
             <a:r>
@@ -1538,7 +1536,7 @@
       </p:sp>
       <p:sp>
         <p:nvSpPr>
-          <p:cNvPr id="228" name="Google Shape;228;p3:notes"/>
+          <p:cNvPr id="250" name="Google Shape;250;g23c34170ad5_0_31:notes"/>
           <p:cNvSpPr/>
           <p:nvPr>
             <p:ph idx="2" type="sldImg"/>
@@ -1546,8 +1544,8 @@
         </p:nvSpPr>
         <p:spPr>
           <a:xfrm>
-            <a:off x="381000" y="685800"/>
-            <a:ext cx="6096000" cy="3429000"/>
+            <a:off x="1143225" y="685800"/>
+            <a:ext cx="4572300" cy="3429000"/>
           </a:xfrm>
           <a:custGeom>
             <a:rect b="b" l="l" r="r" t="t"/>
@@ -1569,16 +1567,402 @@
               </a:path>
             </a:pathLst>
           </a:custGeom>
-          <a:noFill/>
-          <a:ln cap="flat" cmpd="sng" w="9525">
-            <a:solidFill>
-              <a:srgbClr val="000000"/>
-            </a:solidFill>
-            <a:prstDash val="solid"/>
-            <a:round/>
-            <a:headEnd len="sm" w="sm" type="none"/>
-            <a:tailEnd len="sm" w="sm" type="none"/>
-          </a:ln>
+        </p:spPr>
+      </p:sp>
+    </p:spTree>
+  </p:cSld>
+  <p:clrMapOvr>
+    <a:masterClrMapping/>
+  </p:clrMapOvr>
+</p:notes>
+</file>
+
+<file path=ppt/notesSlides/notesSlide16.xml><?xml version="1.0" encoding="utf-8"?>
+<p:notes xmlns:a="http://schemas.openxmlformats.org/drawingml/2006/main" xmlns:r="http://schemas.openxmlformats.org/officeDocument/2006/relationships" xmlns:mc="http://schemas.openxmlformats.org/markup-compatibility/2006" xmlns:mv="urn:schemas-microsoft-com:mac:vml" xmlns:p="http://schemas.openxmlformats.org/presentationml/2006/main" xmlns:c="http://schemas.openxmlformats.org/drawingml/2006/chart" xmlns:dgm="http://schemas.openxmlformats.org/drawingml/2006/diagram" xmlns:o="urn:schemas-microsoft-com:office:office" xmlns:v="urn:schemas-microsoft-com:vml" xmlns:pvml="urn:schemas-microsoft-com:office:powerpoint" xmlns:com="http://schemas.openxmlformats.org/drawingml/2006/compatibility" xmlns:p14="http://schemas.microsoft.com/office/powerpoint/2010/main" xmlns:p15="http://schemas.microsoft.com/office/powerpoint/2012/main" xmlns:ahyp="http://schemas.microsoft.com/office/drawing/2018/hyperlinkcolor" showMasterPhAnim="0" showMasterSp="0">
+  <p:cSld>
+    <p:spTree>
+      <p:nvGrpSpPr>
+        <p:cNvPr id="260" name="Shape 260"/>
+        <p:cNvGrpSpPr/>
+        <p:nvPr/>
+      </p:nvGrpSpPr>
+      <p:grpSpPr>
+        <a:xfrm>
+          <a:off x="0" y="0"/>
+          <a:ext cx="0" cy="0"/>
+          <a:chOff x="0" y="0"/>
+          <a:chExt cx="0" cy="0"/>
+        </a:xfrm>
+      </p:grpSpPr>
+      <p:sp>
+        <p:nvSpPr>
+          <p:cNvPr id="261" name="Google Shape;261;g23cb0b1dc77_0_25:notes"/>
+          <p:cNvSpPr txBox="1"/>
+          <p:nvPr>
+            <p:ph idx="1" type="body"/>
+          </p:nvPr>
+        </p:nvSpPr>
+        <p:spPr>
+          <a:xfrm>
+            <a:off x="685800" y="4343400"/>
+            <a:ext cx="5486400" cy="4114800"/>
+          </a:xfrm>
+          <a:prstGeom prst="rect">
+            <a:avLst/>
+          </a:prstGeom>
+        </p:spPr>
+        <p:txBody>
+          <a:bodyPr anchorCtr="0" anchor="t" bIns="91425" lIns="91425" spcFirstLastPara="1" rIns="91425" wrap="square" tIns="91425">
+            <a:noAutofit/>
+          </a:bodyPr>
+          <a:lstStyle/>
+          <a:p>
+            <a:pPr indent="0" lvl="0" marL="0" rtl="0" algn="l">
+              <a:spcBef>
+                <a:spcPts val="0"/>
+              </a:spcBef>
+              <a:spcAft>
+                <a:spcPts val="0"/>
+              </a:spcAft>
+              <a:buNone/>
+            </a:pPr>
+            <a:r>
+              <a:t/>
+            </a:r>
+            <a:endParaRPr/>
+          </a:p>
+        </p:txBody>
+      </p:sp>
+      <p:sp>
+        <p:nvSpPr>
+          <p:cNvPr id="262" name="Google Shape;262;g23cb0b1dc77_0_25:notes"/>
+          <p:cNvSpPr/>
+          <p:nvPr>
+            <p:ph idx="2" type="sldImg"/>
+          </p:nvPr>
+        </p:nvSpPr>
+        <p:spPr>
+          <a:xfrm>
+            <a:off x="1143225" y="685800"/>
+            <a:ext cx="4572300" cy="3429000"/>
+          </a:xfrm>
+          <a:custGeom>
+            <a:rect b="b" l="l" r="r" t="t"/>
+            <a:pathLst>
+              <a:path extrusionOk="0" h="120000" w="120000">
+                <a:moveTo>
+                  <a:pt x="0" y="0"/>
+                </a:moveTo>
+                <a:lnTo>
+                  <a:pt x="120000" y="0"/>
+                </a:lnTo>
+                <a:lnTo>
+                  <a:pt x="120000" y="120000"/>
+                </a:lnTo>
+                <a:lnTo>
+                  <a:pt x="0" y="120000"/>
+                </a:lnTo>
+                <a:close/>
+              </a:path>
+            </a:pathLst>
+          </a:custGeom>
+        </p:spPr>
+      </p:sp>
+    </p:spTree>
+  </p:cSld>
+  <p:clrMapOvr>
+    <a:masterClrMapping/>
+  </p:clrMapOvr>
+</p:notes>
+</file>
+
+<file path=ppt/notesSlides/notesSlide17.xml><?xml version="1.0" encoding="utf-8"?>
+<p:notes xmlns:a="http://schemas.openxmlformats.org/drawingml/2006/main" xmlns:r="http://schemas.openxmlformats.org/officeDocument/2006/relationships" xmlns:mc="http://schemas.openxmlformats.org/markup-compatibility/2006" xmlns:mv="urn:schemas-microsoft-com:mac:vml" xmlns:p="http://schemas.openxmlformats.org/presentationml/2006/main" xmlns:c="http://schemas.openxmlformats.org/drawingml/2006/chart" xmlns:dgm="http://schemas.openxmlformats.org/drawingml/2006/diagram" xmlns:o="urn:schemas-microsoft-com:office:office" xmlns:v="urn:schemas-microsoft-com:vml" xmlns:pvml="urn:schemas-microsoft-com:office:powerpoint" xmlns:com="http://schemas.openxmlformats.org/drawingml/2006/compatibility" xmlns:p14="http://schemas.microsoft.com/office/powerpoint/2010/main" xmlns:p15="http://schemas.microsoft.com/office/powerpoint/2012/main" xmlns:ahyp="http://schemas.microsoft.com/office/drawing/2018/hyperlinkcolor" showMasterPhAnim="0" showMasterSp="0">
+  <p:cSld>
+    <p:spTree>
+      <p:nvGrpSpPr>
+        <p:cNvPr id="271" name="Shape 271"/>
+        <p:cNvGrpSpPr/>
+        <p:nvPr/>
+      </p:nvGrpSpPr>
+      <p:grpSpPr>
+        <a:xfrm>
+          <a:off x="0" y="0"/>
+          <a:ext cx="0" cy="0"/>
+          <a:chOff x="0" y="0"/>
+          <a:chExt cx="0" cy="0"/>
+        </a:xfrm>
+      </p:grpSpPr>
+      <p:sp>
+        <p:nvSpPr>
+          <p:cNvPr id="272" name="Google Shape;272;g23c34170ad5_0_39:notes"/>
+          <p:cNvSpPr txBox="1"/>
+          <p:nvPr>
+            <p:ph idx="1" type="body"/>
+          </p:nvPr>
+        </p:nvSpPr>
+        <p:spPr>
+          <a:xfrm>
+            <a:off x="685800" y="4343400"/>
+            <a:ext cx="5486400" cy="4114800"/>
+          </a:xfrm>
+          <a:prstGeom prst="rect">
+            <a:avLst/>
+          </a:prstGeom>
+        </p:spPr>
+        <p:txBody>
+          <a:bodyPr anchorCtr="0" anchor="t" bIns="91425" lIns="91425" spcFirstLastPara="1" rIns="91425" wrap="square" tIns="91425">
+            <a:noAutofit/>
+          </a:bodyPr>
+          <a:lstStyle/>
+          <a:p>
+            <a:pPr indent="0" lvl="0" marL="0" rtl="0" algn="l">
+              <a:spcBef>
+                <a:spcPts val="0"/>
+              </a:spcBef>
+              <a:spcAft>
+                <a:spcPts val="0"/>
+              </a:spcAft>
+              <a:buNone/>
+            </a:pPr>
+            <a:r>
+              <a:t/>
+            </a:r>
+            <a:endParaRPr/>
+          </a:p>
+        </p:txBody>
+      </p:sp>
+      <p:sp>
+        <p:nvSpPr>
+          <p:cNvPr id="273" name="Google Shape;273;g23c34170ad5_0_39:notes"/>
+          <p:cNvSpPr/>
+          <p:nvPr>
+            <p:ph idx="2" type="sldImg"/>
+          </p:nvPr>
+        </p:nvSpPr>
+        <p:spPr>
+          <a:xfrm>
+            <a:off x="1143225" y="685800"/>
+            <a:ext cx="4572300" cy="3429000"/>
+          </a:xfrm>
+          <a:custGeom>
+            <a:rect b="b" l="l" r="r" t="t"/>
+            <a:pathLst>
+              <a:path extrusionOk="0" h="120000" w="120000">
+                <a:moveTo>
+                  <a:pt x="0" y="0"/>
+                </a:moveTo>
+                <a:lnTo>
+                  <a:pt x="120000" y="0"/>
+                </a:lnTo>
+                <a:lnTo>
+                  <a:pt x="120000" y="120000"/>
+                </a:lnTo>
+                <a:lnTo>
+                  <a:pt x="0" y="120000"/>
+                </a:lnTo>
+                <a:close/>
+              </a:path>
+            </a:pathLst>
+          </a:custGeom>
+        </p:spPr>
+      </p:sp>
+    </p:spTree>
+  </p:cSld>
+  <p:clrMapOvr>
+    <a:masterClrMapping/>
+  </p:clrMapOvr>
+</p:notes>
+</file>
+
+<file path=ppt/notesSlides/notesSlide18.xml><?xml version="1.0" encoding="utf-8"?>
+<p:notes xmlns:a="http://schemas.openxmlformats.org/drawingml/2006/main" xmlns:r="http://schemas.openxmlformats.org/officeDocument/2006/relationships" xmlns:mc="http://schemas.openxmlformats.org/markup-compatibility/2006" xmlns:mv="urn:schemas-microsoft-com:mac:vml" xmlns:p="http://schemas.openxmlformats.org/presentationml/2006/main" xmlns:c="http://schemas.openxmlformats.org/drawingml/2006/chart" xmlns:dgm="http://schemas.openxmlformats.org/drawingml/2006/diagram" xmlns:o="urn:schemas-microsoft-com:office:office" xmlns:v="urn:schemas-microsoft-com:vml" xmlns:pvml="urn:schemas-microsoft-com:office:powerpoint" xmlns:com="http://schemas.openxmlformats.org/drawingml/2006/compatibility" xmlns:p14="http://schemas.microsoft.com/office/powerpoint/2010/main" xmlns:p15="http://schemas.microsoft.com/office/powerpoint/2012/main" xmlns:ahyp="http://schemas.microsoft.com/office/drawing/2018/hyperlinkcolor" showMasterPhAnim="0" showMasterSp="0">
+  <p:cSld>
+    <p:spTree>
+      <p:nvGrpSpPr>
+        <p:cNvPr id="283" name="Shape 283"/>
+        <p:cNvGrpSpPr/>
+        <p:nvPr/>
+      </p:nvGrpSpPr>
+      <p:grpSpPr>
+        <a:xfrm>
+          <a:off x="0" y="0"/>
+          <a:ext cx="0" cy="0"/>
+          <a:chOff x="0" y="0"/>
+          <a:chExt cx="0" cy="0"/>
+        </a:xfrm>
+      </p:grpSpPr>
+      <p:sp>
+        <p:nvSpPr>
+          <p:cNvPr id="284" name="Google Shape;284;g23cb0b1dc77_0_54:notes"/>
+          <p:cNvSpPr txBox="1"/>
+          <p:nvPr>
+            <p:ph idx="1" type="body"/>
+          </p:nvPr>
+        </p:nvSpPr>
+        <p:spPr>
+          <a:xfrm>
+            <a:off x="685800" y="4343400"/>
+            <a:ext cx="5486400" cy="4114800"/>
+          </a:xfrm>
+          <a:prstGeom prst="rect">
+            <a:avLst/>
+          </a:prstGeom>
+        </p:spPr>
+        <p:txBody>
+          <a:bodyPr anchorCtr="0" anchor="t" bIns="91425" lIns="91425" spcFirstLastPara="1" rIns="91425" wrap="square" tIns="91425">
+            <a:noAutofit/>
+          </a:bodyPr>
+          <a:lstStyle/>
+          <a:p>
+            <a:pPr indent="0" lvl="0" marL="0" rtl="0" algn="l">
+              <a:spcBef>
+                <a:spcPts val="0"/>
+              </a:spcBef>
+              <a:spcAft>
+                <a:spcPts val="0"/>
+              </a:spcAft>
+              <a:buNone/>
+            </a:pPr>
+            <a:r>
+              <a:t/>
+            </a:r>
+            <a:endParaRPr/>
+          </a:p>
+        </p:txBody>
+      </p:sp>
+      <p:sp>
+        <p:nvSpPr>
+          <p:cNvPr id="285" name="Google Shape;285;g23cb0b1dc77_0_54:notes"/>
+          <p:cNvSpPr/>
+          <p:nvPr>
+            <p:ph idx="2" type="sldImg"/>
+          </p:nvPr>
+        </p:nvSpPr>
+        <p:spPr>
+          <a:xfrm>
+            <a:off x="1143225" y="685800"/>
+            <a:ext cx="4572300" cy="3429000"/>
+          </a:xfrm>
+          <a:custGeom>
+            <a:rect b="b" l="l" r="r" t="t"/>
+            <a:pathLst>
+              <a:path extrusionOk="0" h="120000" w="120000">
+                <a:moveTo>
+                  <a:pt x="0" y="0"/>
+                </a:moveTo>
+                <a:lnTo>
+                  <a:pt x="120000" y="0"/>
+                </a:lnTo>
+                <a:lnTo>
+                  <a:pt x="120000" y="120000"/>
+                </a:lnTo>
+                <a:lnTo>
+                  <a:pt x="0" y="120000"/>
+                </a:lnTo>
+                <a:close/>
+              </a:path>
+            </a:pathLst>
+          </a:custGeom>
+        </p:spPr>
+      </p:sp>
+    </p:spTree>
+  </p:cSld>
+  <p:clrMapOvr>
+    <a:masterClrMapping/>
+  </p:clrMapOvr>
+</p:notes>
+</file>
+
+<file path=ppt/notesSlides/notesSlide19.xml><?xml version="1.0" encoding="utf-8"?>
+<p:notes xmlns:a="http://schemas.openxmlformats.org/drawingml/2006/main" xmlns:r="http://schemas.openxmlformats.org/officeDocument/2006/relationships" xmlns:mc="http://schemas.openxmlformats.org/markup-compatibility/2006" xmlns:mv="urn:schemas-microsoft-com:mac:vml" xmlns:p="http://schemas.openxmlformats.org/presentationml/2006/main" xmlns:c="http://schemas.openxmlformats.org/drawingml/2006/chart" xmlns:dgm="http://schemas.openxmlformats.org/drawingml/2006/diagram" xmlns:o="urn:schemas-microsoft-com:office:office" xmlns:v="urn:schemas-microsoft-com:vml" xmlns:pvml="urn:schemas-microsoft-com:office:powerpoint" xmlns:com="http://schemas.openxmlformats.org/drawingml/2006/compatibility" xmlns:p14="http://schemas.microsoft.com/office/powerpoint/2010/main" xmlns:p15="http://schemas.microsoft.com/office/powerpoint/2012/main" xmlns:ahyp="http://schemas.microsoft.com/office/drawing/2018/hyperlinkcolor" showMasterPhAnim="0" showMasterSp="0">
+  <p:cSld>
+    <p:spTree>
+      <p:nvGrpSpPr>
+        <p:cNvPr id="294" name="Shape 294"/>
+        <p:cNvGrpSpPr/>
+        <p:nvPr/>
+      </p:nvGrpSpPr>
+      <p:grpSpPr>
+        <a:xfrm>
+          <a:off x="0" y="0"/>
+          <a:ext cx="0" cy="0"/>
+          <a:chOff x="0" y="0"/>
+          <a:chExt cx="0" cy="0"/>
+        </a:xfrm>
+      </p:grpSpPr>
+      <p:sp>
+        <p:nvSpPr>
+          <p:cNvPr id="295" name="Google Shape;295;g23cb0b1dc77_0_17:notes"/>
+          <p:cNvSpPr txBox="1"/>
+          <p:nvPr>
+            <p:ph idx="1" type="body"/>
+          </p:nvPr>
+        </p:nvSpPr>
+        <p:spPr>
+          <a:xfrm>
+            <a:off x="685800" y="4343400"/>
+            <a:ext cx="5486400" cy="4114800"/>
+          </a:xfrm>
+          <a:prstGeom prst="rect">
+            <a:avLst/>
+          </a:prstGeom>
+        </p:spPr>
+        <p:txBody>
+          <a:bodyPr anchorCtr="0" anchor="t" bIns="91425" lIns="91425" spcFirstLastPara="1" rIns="91425" wrap="square" tIns="91425">
+            <a:noAutofit/>
+          </a:bodyPr>
+          <a:lstStyle/>
+          <a:p>
+            <a:pPr indent="0" lvl="0" marL="0" rtl="0" algn="l">
+              <a:spcBef>
+                <a:spcPts val="0"/>
+              </a:spcBef>
+              <a:spcAft>
+                <a:spcPts val="0"/>
+              </a:spcAft>
+              <a:buNone/>
+            </a:pPr>
+            <a:r>
+              <a:t/>
+            </a:r>
+            <a:endParaRPr/>
+          </a:p>
+        </p:txBody>
+      </p:sp>
+      <p:sp>
+        <p:nvSpPr>
+          <p:cNvPr id="296" name="Google Shape;296;g23cb0b1dc77_0_17:notes"/>
+          <p:cNvSpPr/>
+          <p:nvPr>
+            <p:ph idx="2" type="sldImg"/>
+          </p:nvPr>
+        </p:nvSpPr>
+        <p:spPr>
+          <a:xfrm>
+            <a:off x="1143225" y="685800"/>
+            <a:ext cx="4572300" cy="3429000"/>
+          </a:xfrm>
+          <a:custGeom>
+            <a:rect b="b" l="l" r="r" t="t"/>
+            <a:pathLst>
+              <a:path extrusionOk="0" h="120000" w="120000">
+                <a:moveTo>
+                  <a:pt x="0" y="0"/>
+                </a:moveTo>
+                <a:lnTo>
+                  <a:pt x="120000" y="0"/>
+                </a:lnTo>
+                <a:lnTo>
+                  <a:pt x="120000" y="120000"/>
+                </a:lnTo>
+                <a:lnTo>
+                  <a:pt x="0" y="120000"/>
+                </a:lnTo>
+                <a:close/>
+              </a:path>
+            </a:pathLst>
+          </a:custGeom>
         </p:spPr>
       </p:sp>
     </p:spTree>
@@ -1688,12 +2072,12 @@
 </p:notes>
 </file>
 
-<file path=ppt/notesSlides/notesSlide3.xml><?xml version="1.0" encoding="utf-8"?>
+<file path=ppt/notesSlides/notesSlide20.xml><?xml version="1.0" encoding="utf-8"?>
 <p:notes xmlns:a="http://schemas.openxmlformats.org/drawingml/2006/main" xmlns:r="http://schemas.openxmlformats.org/officeDocument/2006/relationships" xmlns:mc="http://schemas.openxmlformats.org/markup-compatibility/2006" xmlns:mv="urn:schemas-microsoft-com:mac:vml" xmlns:p="http://schemas.openxmlformats.org/presentationml/2006/main" xmlns:c="http://schemas.openxmlformats.org/drawingml/2006/chart" xmlns:dgm="http://schemas.openxmlformats.org/drawingml/2006/diagram" xmlns:o="urn:schemas-microsoft-com:office:office" xmlns:v="urn:schemas-microsoft-com:vml" xmlns:pvml="urn:schemas-microsoft-com:office:powerpoint" xmlns:com="http://schemas.openxmlformats.org/drawingml/2006/compatibility" xmlns:p14="http://schemas.microsoft.com/office/powerpoint/2010/main" xmlns:p15="http://schemas.microsoft.com/office/powerpoint/2012/main" xmlns:ahyp="http://schemas.microsoft.com/office/drawing/2018/hyperlinkcolor" showMasterPhAnim="0" showMasterSp="0">
   <p:cSld>
     <p:spTree>
       <p:nvGrpSpPr>
-        <p:cNvPr id="86" name="Shape 86"/>
+        <p:cNvPr id="306" name="Shape 306"/>
         <p:cNvGrpSpPr/>
         <p:nvPr/>
       </p:nvGrpSpPr>
@@ -1707,7 +2091,7 @@
       </p:grpSpPr>
       <p:sp>
         <p:nvSpPr>
-          <p:cNvPr id="87" name="Google Shape;87;p24:notes"/>
+          <p:cNvPr id="307" name="Google Shape;307;g23cb0b1dc77_0_46:notes"/>
           <p:cNvSpPr txBox="1"/>
           <p:nvPr>
             <p:ph idx="1" type="body"/>
@@ -1746,7 +2130,7 @@
       </p:sp>
       <p:sp>
         <p:nvSpPr>
-          <p:cNvPr id="88" name="Google Shape;88;p24:notes"/>
+          <p:cNvPr id="308" name="Google Shape;308;g23cb0b1dc77_0_46:notes"/>
           <p:cNvSpPr/>
           <p:nvPr>
             <p:ph idx="2" type="sldImg"/>
@@ -1755,7 +2139,223 @@
         <p:spPr>
           <a:xfrm>
             <a:off x="1143225" y="685800"/>
-            <a:ext cx="4572225" cy="3429000"/>
+            <a:ext cx="4572300" cy="3429000"/>
+          </a:xfrm>
+          <a:custGeom>
+            <a:rect b="b" l="l" r="r" t="t"/>
+            <a:pathLst>
+              <a:path extrusionOk="0" h="120000" w="120000">
+                <a:moveTo>
+                  <a:pt x="0" y="0"/>
+                </a:moveTo>
+                <a:lnTo>
+                  <a:pt x="120000" y="0"/>
+                </a:lnTo>
+                <a:lnTo>
+                  <a:pt x="120000" y="120000"/>
+                </a:lnTo>
+                <a:lnTo>
+                  <a:pt x="0" y="120000"/>
+                </a:lnTo>
+                <a:close/>
+              </a:path>
+            </a:pathLst>
+          </a:custGeom>
+        </p:spPr>
+      </p:sp>
+    </p:spTree>
+  </p:cSld>
+  <p:clrMapOvr>
+    <a:masterClrMapping/>
+  </p:clrMapOvr>
+</p:notes>
+</file>
+
+<file path=ppt/notesSlides/notesSlide21.xml><?xml version="1.0" encoding="utf-8"?>
+<p:notes xmlns:a="http://schemas.openxmlformats.org/drawingml/2006/main" xmlns:r="http://schemas.openxmlformats.org/officeDocument/2006/relationships" xmlns:mc="http://schemas.openxmlformats.org/markup-compatibility/2006" xmlns:mv="urn:schemas-microsoft-com:mac:vml" xmlns:p="http://schemas.openxmlformats.org/presentationml/2006/main" xmlns:c="http://schemas.openxmlformats.org/drawingml/2006/chart" xmlns:dgm="http://schemas.openxmlformats.org/drawingml/2006/diagram" xmlns:o="urn:schemas-microsoft-com:office:office" xmlns:v="urn:schemas-microsoft-com:vml" xmlns:pvml="urn:schemas-microsoft-com:office:powerpoint" xmlns:com="http://schemas.openxmlformats.org/drawingml/2006/compatibility" xmlns:p14="http://schemas.microsoft.com/office/powerpoint/2010/main" xmlns:p15="http://schemas.microsoft.com/office/powerpoint/2012/main" xmlns:ahyp="http://schemas.microsoft.com/office/drawing/2018/hyperlinkcolor" showMasterPhAnim="0" showMasterSp="0">
+  <p:cSld>
+    <p:spTree>
+      <p:nvGrpSpPr>
+        <p:cNvPr id="317" name="Shape 317"/>
+        <p:cNvGrpSpPr/>
+        <p:nvPr/>
+      </p:nvGrpSpPr>
+      <p:grpSpPr>
+        <a:xfrm>
+          <a:off x="0" y="0"/>
+          <a:ext cx="0" cy="0"/>
+          <a:chOff x="0" y="0"/>
+          <a:chExt cx="0" cy="0"/>
+        </a:xfrm>
+      </p:grpSpPr>
+      <p:sp>
+        <p:nvSpPr>
+          <p:cNvPr id="318" name="Google Shape;318;p3:notes"/>
+          <p:cNvSpPr txBox="1"/>
+          <p:nvPr>
+            <p:ph idx="1" type="body"/>
+          </p:nvPr>
+        </p:nvSpPr>
+        <p:spPr>
+          <a:xfrm>
+            <a:off x="685800" y="4343400"/>
+            <a:ext cx="5486400" cy="4114800"/>
+          </a:xfrm>
+          <a:prstGeom prst="rect">
+            <a:avLst/>
+          </a:prstGeom>
+          <a:noFill/>
+          <a:ln>
+            <a:noFill/>
+          </a:ln>
+        </p:spPr>
+        <p:txBody>
+          <a:bodyPr anchorCtr="0" anchor="t" bIns="91425" lIns="91425" spcFirstLastPara="1" rIns="91425" wrap="square" tIns="91425">
+            <a:noAutofit/>
+          </a:bodyPr>
+          <a:lstStyle/>
+          <a:p>
+            <a:pPr indent="0" lvl="0" marL="0" rtl="0" algn="l">
+              <a:lnSpc>
+                <a:spcPct val="100000"/>
+              </a:lnSpc>
+              <a:spcBef>
+                <a:spcPts val="0"/>
+              </a:spcBef>
+              <a:spcAft>
+                <a:spcPts val="0"/>
+              </a:spcAft>
+              <a:buSzPts val="1100"/>
+              <a:buNone/>
+            </a:pPr>
+            <a:r>
+              <a:t/>
+            </a:r>
+            <a:endParaRPr/>
+          </a:p>
+        </p:txBody>
+      </p:sp>
+      <p:sp>
+        <p:nvSpPr>
+          <p:cNvPr id="319" name="Google Shape;319;p3:notes"/>
+          <p:cNvSpPr/>
+          <p:nvPr>
+            <p:ph idx="2" type="sldImg"/>
+          </p:nvPr>
+        </p:nvSpPr>
+        <p:spPr>
+          <a:xfrm>
+            <a:off x="381000" y="685800"/>
+            <a:ext cx="6096000" cy="3429000"/>
+          </a:xfrm>
+          <a:custGeom>
+            <a:rect b="b" l="l" r="r" t="t"/>
+            <a:pathLst>
+              <a:path extrusionOk="0" h="120000" w="120000">
+                <a:moveTo>
+                  <a:pt x="0" y="0"/>
+                </a:moveTo>
+                <a:lnTo>
+                  <a:pt x="120000" y="0"/>
+                </a:lnTo>
+                <a:lnTo>
+                  <a:pt x="120000" y="120000"/>
+                </a:lnTo>
+                <a:lnTo>
+                  <a:pt x="0" y="120000"/>
+                </a:lnTo>
+                <a:close/>
+              </a:path>
+            </a:pathLst>
+          </a:custGeom>
+          <a:noFill/>
+          <a:ln cap="flat" cmpd="sng" w="9525">
+            <a:solidFill>
+              <a:srgbClr val="000000"/>
+            </a:solidFill>
+            <a:prstDash val="solid"/>
+            <a:round/>
+            <a:headEnd len="sm" w="sm" type="none"/>
+            <a:tailEnd len="sm" w="sm" type="none"/>
+          </a:ln>
+        </p:spPr>
+      </p:sp>
+    </p:spTree>
+  </p:cSld>
+  <p:clrMapOvr>
+    <a:masterClrMapping/>
+  </p:clrMapOvr>
+</p:notes>
+</file>
+
+<file path=ppt/notesSlides/notesSlide3.xml><?xml version="1.0" encoding="utf-8"?>
+<p:notes xmlns:a="http://schemas.openxmlformats.org/drawingml/2006/main" xmlns:r="http://schemas.openxmlformats.org/officeDocument/2006/relationships" xmlns:mc="http://schemas.openxmlformats.org/markup-compatibility/2006" xmlns:mv="urn:schemas-microsoft-com:mac:vml" xmlns:p="http://schemas.openxmlformats.org/presentationml/2006/main" xmlns:c="http://schemas.openxmlformats.org/drawingml/2006/chart" xmlns:dgm="http://schemas.openxmlformats.org/drawingml/2006/diagram" xmlns:o="urn:schemas-microsoft-com:office:office" xmlns:v="urn:schemas-microsoft-com:vml" xmlns:pvml="urn:schemas-microsoft-com:office:powerpoint" xmlns:com="http://schemas.openxmlformats.org/drawingml/2006/compatibility" xmlns:p14="http://schemas.microsoft.com/office/powerpoint/2010/main" xmlns:p15="http://schemas.microsoft.com/office/powerpoint/2012/main" xmlns:ahyp="http://schemas.microsoft.com/office/drawing/2018/hyperlinkcolor" showMasterPhAnim="0" showMasterSp="0">
+  <p:cSld>
+    <p:spTree>
+      <p:nvGrpSpPr>
+        <p:cNvPr id="86" name="Shape 86"/>
+        <p:cNvGrpSpPr/>
+        <p:nvPr/>
+      </p:nvGrpSpPr>
+      <p:grpSpPr>
+        <a:xfrm>
+          <a:off x="0" y="0"/>
+          <a:ext cx="0" cy="0"/>
+          <a:chOff x="0" y="0"/>
+          <a:chExt cx="0" cy="0"/>
+        </a:xfrm>
+      </p:grpSpPr>
+      <p:sp>
+        <p:nvSpPr>
+          <p:cNvPr id="87" name="Google Shape;87;g23c98e5bf64_0_15:notes"/>
+          <p:cNvSpPr txBox="1"/>
+          <p:nvPr>
+            <p:ph idx="1" type="body"/>
+          </p:nvPr>
+        </p:nvSpPr>
+        <p:spPr>
+          <a:xfrm>
+            <a:off x="685800" y="4343400"/>
+            <a:ext cx="5486400" cy="4114800"/>
+          </a:xfrm>
+          <a:prstGeom prst="rect">
+            <a:avLst/>
+          </a:prstGeom>
+        </p:spPr>
+        <p:txBody>
+          <a:bodyPr anchorCtr="0" anchor="t" bIns="91425" lIns="91425" spcFirstLastPara="1" rIns="91425" wrap="square" tIns="91425">
+            <a:noAutofit/>
+          </a:bodyPr>
+          <a:lstStyle/>
+          <a:p>
+            <a:pPr indent="0" lvl="0" marL="0" rtl="0" algn="l">
+              <a:spcBef>
+                <a:spcPts val="0"/>
+              </a:spcBef>
+              <a:spcAft>
+                <a:spcPts val="0"/>
+              </a:spcAft>
+              <a:buNone/>
+            </a:pPr>
+            <a:r>
+              <a:t/>
+            </a:r>
+            <a:endParaRPr/>
+          </a:p>
+        </p:txBody>
+      </p:sp>
+      <p:sp>
+        <p:nvSpPr>
+          <p:cNvPr id="88" name="Google Shape;88;g23c98e5bf64_0_15:notes"/>
+          <p:cNvSpPr/>
+          <p:nvPr>
+            <p:ph idx="2" type="sldImg"/>
+          </p:nvPr>
+        </p:nvSpPr>
+        <p:spPr>
+          <a:xfrm>
+            <a:off x="1143225" y="685800"/>
+            <a:ext cx="4572300" cy="3429000"/>
           </a:xfrm>
           <a:custGeom>
             <a:rect b="b" l="l" r="r" t="t"/>
@@ -1792,7 +2392,7 @@
   <p:cSld>
     <p:spTree>
       <p:nvGrpSpPr>
-        <p:cNvPr id="97" name="Shape 97"/>
+        <p:cNvPr id="100" name="Shape 100"/>
         <p:cNvGrpSpPr/>
         <p:nvPr/>
       </p:nvGrpSpPr>
@@ -1806,7 +2406,7 @@
       </p:grpSpPr>
       <p:sp>
         <p:nvSpPr>
-          <p:cNvPr id="98" name="Google Shape;98;p25:notes"/>
+          <p:cNvPr id="101" name="Google Shape;101;g23c60085e41_0_19:notes"/>
           <p:cNvSpPr txBox="1"/>
           <p:nvPr>
             <p:ph idx="1" type="body"/>
@@ -1845,7 +2445,7 @@
       </p:sp>
       <p:sp>
         <p:nvSpPr>
-          <p:cNvPr id="99" name="Google Shape;99;p25:notes"/>
+          <p:cNvPr id="102" name="Google Shape;102;g23c60085e41_0_19:notes"/>
           <p:cNvSpPr/>
           <p:nvPr>
             <p:ph idx="2" type="sldImg"/>
@@ -1854,7 +2454,7 @@
         <p:spPr>
           <a:xfrm>
             <a:off x="1143225" y="685800"/>
-            <a:ext cx="4572225" cy="3429000"/>
+            <a:ext cx="4572300" cy="3429000"/>
           </a:xfrm>
           <a:custGeom>
             <a:rect b="b" l="l" r="r" t="t"/>
@@ -1891,7 +2491,7 @@
   <p:cSld>
     <p:spTree>
       <p:nvGrpSpPr>
-        <p:cNvPr id="108" name="Shape 108"/>
+        <p:cNvPr id="114" name="Shape 114"/>
         <p:cNvGrpSpPr/>
         <p:nvPr/>
       </p:nvGrpSpPr>
@@ -1905,7 +2505,7 @@
       </p:grpSpPr>
       <p:sp>
         <p:nvSpPr>
-          <p:cNvPr id="109" name="Google Shape;109;p26:notes"/>
+          <p:cNvPr id="115" name="Google Shape;115;p24:notes"/>
           <p:cNvSpPr txBox="1"/>
           <p:nvPr>
             <p:ph idx="1" type="body"/>
@@ -1944,7 +2544,7 @@
       </p:sp>
       <p:sp>
         <p:nvSpPr>
-          <p:cNvPr id="110" name="Google Shape;110;p26:notes"/>
+          <p:cNvPr id="116" name="Google Shape;116;p24:notes"/>
           <p:cNvSpPr/>
           <p:nvPr>
             <p:ph idx="2" type="sldImg"/>
@@ -1990,7 +2590,7 @@
   <p:cSld>
     <p:spTree>
       <p:nvGrpSpPr>
-        <p:cNvPr id="119" name="Shape 119"/>
+        <p:cNvPr id="125" name="Shape 125"/>
         <p:cNvGrpSpPr/>
         <p:nvPr/>
       </p:nvGrpSpPr>
@@ -2004,7 +2604,7 @@
       </p:grpSpPr>
       <p:sp>
         <p:nvSpPr>
-          <p:cNvPr id="120" name="Google Shape;120;p27:notes"/>
+          <p:cNvPr id="126" name="Google Shape;126;p25:notes"/>
           <p:cNvSpPr txBox="1"/>
           <p:nvPr>
             <p:ph idx="1" type="body"/>
@@ -2043,7 +2643,7 @@
       </p:sp>
       <p:sp>
         <p:nvSpPr>
-          <p:cNvPr id="121" name="Google Shape;121;p27:notes"/>
+          <p:cNvPr id="127" name="Google Shape;127;p25:notes"/>
           <p:cNvSpPr/>
           <p:nvPr>
             <p:ph idx="2" type="sldImg"/>
@@ -2089,7 +2689,7 @@
   <p:cSld>
     <p:spTree>
       <p:nvGrpSpPr>
-        <p:cNvPr id="133" name="Shape 133"/>
+        <p:cNvPr id="136" name="Shape 136"/>
         <p:cNvGrpSpPr/>
         <p:nvPr/>
       </p:nvGrpSpPr>
@@ -2103,7 +2703,7 @@
       </p:grpSpPr>
       <p:sp>
         <p:nvSpPr>
-          <p:cNvPr id="134" name="Google Shape;134;g2394454e635_0_14:notes"/>
+          <p:cNvPr id="137" name="Google Shape;137;p26:notes"/>
           <p:cNvSpPr txBox="1"/>
           <p:nvPr>
             <p:ph idx="1" type="body"/>
@@ -2142,7 +2742,7 @@
       </p:sp>
       <p:sp>
         <p:nvSpPr>
-          <p:cNvPr id="135" name="Google Shape;135;g2394454e635_0_14:notes"/>
+          <p:cNvPr id="138" name="Google Shape;138;p26:notes"/>
           <p:cNvSpPr/>
           <p:nvPr>
             <p:ph idx="2" type="sldImg"/>
@@ -2151,7 +2751,7 @@
         <p:spPr>
           <a:xfrm>
             <a:off x="1143225" y="685800"/>
-            <a:ext cx="4572300" cy="3429000"/>
+            <a:ext cx="4572225" cy="3429000"/>
           </a:xfrm>
           <a:custGeom>
             <a:rect b="b" l="l" r="r" t="t"/>
@@ -2188,7 +2788,7 @@
   <p:cSld>
     <p:spTree>
       <p:nvGrpSpPr>
-        <p:cNvPr id="148" name="Shape 148"/>
+        <p:cNvPr id="147" name="Shape 147"/>
         <p:cNvGrpSpPr/>
         <p:nvPr/>
       </p:nvGrpSpPr>
@@ -2202,7 +2802,7 @@
       </p:grpSpPr>
       <p:sp>
         <p:nvSpPr>
-          <p:cNvPr id="149" name="Google Shape;149;g2394454e635_0_30:notes"/>
+          <p:cNvPr id="148" name="Google Shape;148;p27:notes"/>
           <p:cNvSpPr txBox="1"/>
           <p:nvPr>
             <p:ph idx="1" type="body"/>
@@ -2241,7 +2841,7 @@
       </p:sp>
       <p:sp>
         <p:nvSpPr>
-          <p:cNvPr id="150" name="Google Shape;150;g2394454e635_0_30:notes"/>
+          <p:cNvPr id="149" name="Google Shape;149;p27:notes"/>
           <p:cNvSpPr/>
           <p:nvPr>
             <p:ph idx="2" type="sldImg"/>
@@ -2250,7 +2850,7 @@
         <p:spPr>
           <a:xfrm>
             <a:off x="1143225" y="685800"/>
-            <a:ext cx="4572300" cy="3429000"/>
+            <a:ext cx="4572225" cy="3429000"/>
           </a:xfrm>
           <a:custGeom>
             <a:rect b="b" l="l" r="r" t="t"/>
@@ -2287,7 +2887,7 @@
   <p:cSld>
     <p:spTree>
       <p:nvGrpSpPr>
-        <p:cNvPr id="163" name="Shape 163"/>
+        <p:cNvPr id="161" name="Shape 161"/>
         <p:cNvGrpSpPr/>
         <p:nvPr/>
       </p:nvGrpSpPr>
@@ -2301,7 +2901,7 @@
       </p:grpSpPr>
       <p:sp>
         <p:nvSpPr>
-          <p:cNvPr id="164" name="Google Shape;164;g2394454e635_0_87:notes"/>
+          <p:cNvPr id="162" name="Google Shape;162;g2394454e635_0_14:notes"/>
           <p:cNvSpPr txBox="1"/>
           <p:nvPr>
             <p:ph idx="1" type="body"/>
@@ -2340,7 +2940,7 @@
       </p:sp>
       <p:sp>
         <p:nvSpPr>
-          <p:cNvPr id="165" name="Google Shape;165;g2394454e635_0_87:notes"/>
+          <p:cNvPr id="163" name="Google Shape;163;g2394454e635_0_14:notes"/>
           <p:cNvSpPr/>
           <p:nvPr>
             <p:ph idx="2" type="sldImg"/>
@@ -9893,7 +10493,7 @@
     <p:sldLayoutId id="2147483650" r:id="rId3"/>
   </p:sldLayoutIdLst>
   <p:transition spd="med">
-    <p:push/>
+    <p:fade thruBlk="1"/>
   </p:transition>
   <p:hf dt="0" ftr="0" hdr="0"/>
   <p:txStyles>
@@ -11197,7 +11797,7 @@
     <p:sldLayoutId id="2147483660" r:id="rId10"/>
   </p:sldLayoutIdLst>
   <p:transition spd="med">
-    <p:push/>
+    <p:fade thruBlk="1"/>
   </p:transition>
   <p:hf dt="0" ftr="0" hdr="0"/>
   <p:txStyles>
@@ -12019,6 +12619,9 @@
   <p:clrMapOvr>
     <a:masterClrMapping/>
   </p:clrMapOvr>
+  <p:transition spd="med">
+    <p:fade/>
+  </p:transition>
 </p:sld>
 </file>
 
@@ -12027,7 +12630,7 @@
   <p:cSld>
     <p:spTree>
       <p:nvGrpSpPr>
-        <p:cNvPr id="180" name="Shape 180"/>
+        <p:cNvPr id="179" name="Shape 179"/>
         <p:cNvGrpSpPr/>
         <p:nvPr/>
       </p:nvGrpSpPr>
@@ -12041,7 +12644,7 @@
       </p:grpSpPr>
       <p:sp>
         <p:nvSpPr>
-          <p:cNvPr id="181" name="Google Shape;181;g2394454e635_0_96"/>
+          <p:cNvPr id="180" name="Google Shape;180;g2394454e635_0_30"/>
           <p:cNvSpPr txBox="1"/>
           <p:nvPr>
             <p:ph idx="12" type="sldNum"/>
@@ -12089,28 +12692,28 @@
       </p:sp>
       <p:grpSp>
         <p:nvGrpSpPr>
-          <p:cNvPr id="182" name="Google Shape;182;g2394454e635_0_96"/>
+          <p:cNvPr id="181" name="Google Shape;181;g2394454e635_0_30"/>
           <p:cNvGrpSpPr/>
           <p:nvPr/>
         </p:nvGrpSpPr>
         <p:grpSpPr>
           <a:xfrm>
-            <a:off x="3167877" y="469300"/>
-            <a:ext cx="4247264" cy="666000"/>
+            <a:off x="3167869" y="469300"/>
+            <a:ext cx="4637564" cy="666035"/>
             <a:chOff x="1476754" y="3499676"/>
-            <a:chExt cx="5868008" cy="666000"/>
+            <a:chExt cx="5585407" cy="666035"/>
           </a:xfrm>
         </p:grpSpPr>
         <p:sp>
           <p:nvSpPr>
-            <p:cNvPr id="183" name="Google Shape;183;g2394454e635_0_96"/>
+            <p:cNvPr id="182" name="Google Shape;182;g2394454e635_0_30"/>
             <p:cNvSpPr/>
             <p:nvPr/>
           </p:nvSpPr>
           <p:spPr>
             <a:xfrm>
-              <a:off x="1476762" y="3499676"/>
-              <a:ext cx="5868000" cy="666000"/>
+              <a:off x="1476761" y="3499676"/>
+              <a:ext cx="5585400" cy="666000"/>
             </a:xfrm>
             <a:prstGeom prst="rect">
               <a:avLst/>
@@ -12152,7 +12755,7 @@
                     <a:srgbClr val="065CAB"/>
                   </a:solidFill>
                 </a:rPr>
-                <a:t>Тестирование модели</a:t>
+                <a:t>Предобработка данных</a:t>
               </a:r>
               <a:endParaRPr b="0" i="0" sz="2800" u="none" cap="none" strike="noStrike">
                 <a:solidFill>
@@ -12168,7 +12771,7 @@
         </p:sp>
         <p:sp>
           <p:nvSpPr>
-            <p:cNvPr id="184" name="Google Shape;184;g2394454e635_0_96"/>
+            <p:cNvPr id="183" name="Google Shape;183;g2394454e635_0_30"/>
             <p:cNvSpPr/>
             <p:nvPr/>
           </p:nvSpPr>
@@ -12242,7 +12845,980 @@
         </p:sp>
         <p:sp>
           <p:nvSpPr>
-            <p:cNvPr id="185" name="Google Shape;185;g2394454e635_0_96"/>
+            <p:cNvPr id="184" name="Google Shape;184;g2394454e635_0_30"/>
+            <p:cNvSpPr/>
+            <p:nvPr/>
+          </p:nvSpPr>
+          <p:spPr>
+            <a:xfrm flipH="1">
+              <a:off x="6971901" y="3499944"/>
+              <a:ext cx="90256" cy="665767"/>
+            </a:xfrm>
+            <a:custGeom>
+              <a:rect b="b" l="l" r="r" t="t"/>
+              <a:pathLst>
+                <a:path extrusionOk="0" h="424732" w="424732">
+                  <a:moveTo>
+                    <a:pt x="424732" y="424732"/>
+                  </a:moveTo>
+                  <a:lnTo>
+                    <a:pt x="0" y="424732"/>
+                  </a:lnTo>
+                  <a:lnTo>
+                    <a:pt x="0" y="0"/>
+                  </a:lnTo>
+                  <a:lnTo>
+                    <a:pt x="424732" y="0"/>
+                  </a:lnTo>
+                </a:path>
+              </a:pathLst>
+            </a:custGeom>
+            <a:noFill/>
+            <a:ln cap="flat" cmpd="sng" w="16500">
+              <a:solidFill>
+                <a:srgbClr val="0046A2"/>
+              </a:solidFill>
+              <a:prstDash val="solid"/>
+              <a:round/>
+              <a:headEnd len="sm" w="sm" type="none"/>
+              <a:tailEnd len="sm" w="sm" type="none"/>
+            </a:ln>
+          </p:spPr>
+          <p:txBody>
+            <a:bodyPr anchorCtr="0" anchor="ctr" bIns="45700" lIns="91425" spcFirstLastPara="1" rIns="91425" wrap="square" tIns="45700">
+              <a:noAutofit/>
+            </a:bodyPr>
+            <a:lstStyle/>
+            <a:p>
+              <a:pPr indent="0" lvl="0" marL="0" marR="0" rtl="0" algn="ctr">
+                <a:lnSpc>
+                  <a:spcPct val="100000"/>
+                </a:lnSpc>
+                <a:spcBef>
+                  <a:spcPts val="0"/>
+                </a:spcBef>
+                <a:spcAft>
+                  <a:spcPts val="0"/>
+                </a:spcAft>
+                <a:buNone/>
+              </a:pPr>
+              <a:r>
+                <a:t/>
+              </a:r>
+              <a:endParaRPr b="0" i="0" sz="1400" u="none" cap="none" strike="noStrike">
+                <a:solidFill>
+                  <a:srgbClr val="065CAB"/>
+                </a:solidFill>
+                <a:latin typeface="Arial"/>
+                <a:ea typeface="Arial"/>
+                <a:cs typeface="Arial"/>
+                <a:sym typeface="Arial"/>
+              </a:endParaRPr>
+            </a:p>
+          </p:txBody>
+        </p:sp>
+      </p:grpSp>
+      <p:pic>
+        <p:nvPicPr>
+          <p:cNvPr id="185" name="Google Shape;185;g2394454e635_0_30"/>
+          <p:cNvPicPr preferRelativeResize="0"/>
+          <p:nvPr/>
+        </p:nvPicPr>
+        <p:blipFill>
+          <a:blip r:embed="rId3">
+            <a:alphaModFix/>
+          </a:blip>
+          <a:stretch>
+            <a:fillRect/>
+          </a:stretch>
+        </p:blipFill>
+        <p:spPr>
+          <a:xfrm>
+            <a:off x="6100550" y="3770425"/>
+            <a:ext cx="5363576" cy="2477775"/>
+          </a:xfrm>
+          <a:prstGeom prst="rect">
+            <a:avLst/>
+          </a:prstGeom>
+          <a:noFill/>
+          <a:ln>
+            <a:noFill/>
+          </a:ln>
+        </p:spPr>
+      </p:pic>
+      <p:pic>
+        <p:nvPicPr>
+          <p:cNvPr id="186" name="Google Shape;186;g2394454e635_0_30"/>
+          <p:cNvPicPr preferRelativeResize="0"/>
+          <p:nvPr/>
+        </p:nvPicPr>
+        <p:blipFill>
+          <a:blip r:embed="rId4">
+            <a:alphaModFix/>
+          </a:blip>
+          <a:stretch>
+            <a:fillRect/>
+          </a:stretch>
+        </p:blipFill>
+        <p:spPr>
+          <a:xfrm>
+            <a:off x="6356450" y="1472925"/>
+            <a:ext cx="5107675" cy="2173725"/>
+          </a:xfrm>
+          <a:prstGeom prst="rect">
+            <a:avLst/>
+          </a:prstGeom>
+          <a:noFill/>
+          <a:ln>
+            <a:noFill/>
+          </a:ln>
+        </p:spPr>
+      </p:pic>
+      <p:sp>
+        <p:nvSpPr>
+          <p:cNvPr id="187" name="Google Shape;187;g2394454e635_0_30"/>
+          <p:cNvSpPr txBox="1"/>
+          <p:nvPr/>
+        </p:nvSpPr>
+        <p:spPr>
+          <a:xfrm>
+            <a:off x="785075" y="1557350"/>
+            <a:ext cx="4579500" cy="4417500"/>
+          </a:xfrm>
+          <a:prstGeom prst="rect">
+            <a:avLst/>
+          </a:prstGeom>
+          <a:solidFill>
+            <a:srgbClr val="E6E7E7"/>
+          </a:solidFill>
+          <a:ln>
+            <a:noFill/>
+          </a:ln>
+        </p:spPr>
+        <p:txBody>
+          <a:bodyPr anchorCtr="0" anchor="ctr" bIns="91425" lIns="91425" spcFirstLastPara="1" rIns="91425" wrap="square" tIns="91425">
+            <a:noAutofit/>
+          </a:bodyPr>
+          <a:lstStyle/>
+          <a:p>
+            <a:pPr indent="0" lvl="0" marL="0" rtl="0" algn="l">
+              <a:lnSpc>
+                <a:spcPct val="115000"/>
+              </a:lnSpc>
+              <a:spcBef>
+                <a:spcPts val="0"/>
+              </a:spcBef>
+              <a:spcAft>
+                <a:spcPts val="0"/>
+              </a:spcAft>
+              <a:buClr>
+                <a:schemeClr val="dk1"/>
+              </a:buClr>
+              <a:buSzPts val="1100"/>
+              <a:buFont typeface="Arial"/>
+              <a:buNone/>
+            </a:pPr>
+            <a:r>
+              <a:rPr lang="ru-RU" sz="2200">
+                <a:solidFill>
+                  <a:schemeClr val="dk1"/>
+                </a:solidFill>
+                <a:latin typeface="Times New Roman"/>
+                <a:ea typeface="Times New Roman"/>
+                <a:cs typeface="Times New Roman"/>
+                <a:sym typeface="Times New Roman"/>
+              </a:rPr>
+              <a:t>Выбросы были сглажены средним значением за аналогичные по счету недели в году, были взяты именно средние значения, а не медиана, так как выбросы довольно значительны и присутствую только за март и апрель 2022 года и вызваны ошибкой ведения отчетности, по этой причине медиана бы сгладила выбросы не значительно.</a:t>
+            </a:r>
+            <a:endParaRPr sz="2200">
+              <a:latin typeface="Open Sans"/>
+              <a:ea typeface="Open Sans"/>
+              <a:cs typeface="Open Sans"/>
+              <a:sym typeface="Open Sans"/>
+            </a:endParaRPr>
+          </a:p>
+        </p:txBody>
+      </p:sp>
+      <p:cxnSp>
+        <p:nvCxnSpPr>
+          <p:cNvPr id="188" name="Google Shape;188;g2394454e635_0_30"/>
+          <p:cNvCxnSpPr/>
+          <p:nvPr/>
+        </p:nvCxnSpPr>
+        <p:spPr>
+          <a:xfrm flipH="1">
+            <a:off x="759575" y="1537950"/>
+            <a:ext cx="25500" cy="4456200"/>
+          </a:xfrm>
+          <a:prstGeom prst="straightConnector1">
+            <a:avLst/>
+          </a:prstGeom>
+          <a:noFill/>
+          <a:ln cap="flat" cmpd="sng" w="28575">
+            <a:solidFill>
+              <a:srgbClr val="065CAB"/>
+            </a:solidFill>
+            <a:prstDash val="solid"/>
+            <a:miter lim="800000"/>
+            <a:headEnd len="sm" w="sm" type="none"/>
+            <a:tailEnd len="sm" w="sm" type="none"/>
+          </a:ln>
+        </p:spPr>
+      </p:cxnSp>
+      <p:cxnSp>
+        <p:nvCxnSpPr>
+          <p:cNvPr id="189" name="Google Shape;189;g2394454e635_0_30"/>
+          <p:cNvCxnSpPr/>
+          <p:nvPr/>
+        </p:nvCxnSpPr>
+        <p:spPr>
+          <a:xfrm>
+            <a:off x="759575" y="5994250"/>
+            <a:ext cx="825600" cy="0"/>
+          </a:xfrm>
+          <a:prstGeom prst="straightConnector1">
+            <a:avLst/>
+          </a:prstGeom>
+          <a:noFill/>
+          <a:ln cap="flat" cmpd="sng" w="28575">
+            <a:solidFill>
+              <a:srgbClr val="065CAB"/>
+            </a:solidFill>
+            <a:prstDash val="solid"/>
+            <a:miter lim="800000"/>
+            <a:headEnd len="sm" w="sm" type="none"/>
+            <a:tailEnd len="sm" w="sm" type="none"/>
+          </a:ln>
+        </p:spPr>
+      </p:cxnSp>
+      <p:cxnSp>
+        <p:nvCxnSpPr>
+          <p:cNvPr id="190" name="Google Shape;190;g2394454e635_0_30"/>
+          <p:cNvCxnSpPr/>
+          <p:nvPr/>
+        </p:nvCxnSpPr>
+        <p:spPr>
+          <a:xfrm>
+            <a:off x="785075" y="1537950"/>
+            <a:ext cx="825600" cy="0"/>
+          </a:xfrm>
+          <a:prstGeom prst="straightConnector1">
+            <a:avLst/>
+          </a:prstGeom>
+          <a:noFill/>
+          <a:ln cap="flat" cmpd="sng" w="28575">
+            <a:solidFill>
+              <a:srgbClr val="065CAB"/>
+            </a:solidFill>
+            <a:prstDash val="solid"/>
+            <a:miter lim="800000"/>
+            <a:headEnd len="sm" w="sm" type="none"/>
+            <a:tailEnd len="sm" w="sm" type="none"/>
+          </a:ln>
+        </p:spPr>
+      </p:cxnSp>
+    </p:spTree>
+  </p:cSld>
+  <p:clrMapOvr>
+    <a:masterClrMapping/>
+  </p:clrMapOvr>
+  <p:transition spd="med">
+    <p:fade/>
+  </p:transition>
+</p:sld>
+</file>
+
+<file path=ppt/slides/slide11.xml><?xml version="1.0" encoding="utf-8"?>
+<p:sld xmlns:a="http://schemas.openxmlformats.org/drawingml/2006/main" xmlns:r="http://schemas.openxmlformats.org/officeDocument/2006/relationships" xmlns:mc="http://schemas.openxmlformats.org/markup-compatibility/2006" xmlns:mv="urn:schemas-microsoft-com:mac:vml" xmlns:p="http://schemas.openxmlformats.org/presentationml/2006/main" xmlns:c="http://schemas.openxmlformats.org/drawingml/2006/chart" xmlns:dgm="http://schemas.openxmlformats.org/drawingml/2006/diagram" xmlns:o="urn:schemas-microsoft-com:office:office" xmlns:v="urn:schemas-microsoft-com:vml" xmlns:pvml="urn:schemas-microsoft-com:office:powerpoint" xmlns:com="http://schemas.openxmlformats.org/drawingml/2006/compatibility" xmlns:p14="http://schemas.microsoft.com/office/powerpoint/2010/main" xmlns:p15="http://schemas.microsoft.com/office/powerpoint/2012/main" xmlns:ahyp="http://schemas.microsoft.com/office/drawing/2018/hyperlinkcolor">
+  <p:cSld>
+    <p:spTree>
+      <p:nvGrpSpPr>
+        <p:cNvPr id="194" name="Shape 194"/>
+        <p:cNvGrpSpPr/>
+        <p:nvPr/>
+      </p:nvGrpSpPr>
+      <p:grpSpPr>
+        <a:xfrm>
+          <a:off x="0" y="0"/>
+          <a:ext cx="0" cy="0"/>
+          <a:chOff x="0" y="0"/>
+          <a:chExt cx="0" cy="0"/>
+        </a:xfrm>
+      </p:grpSpPr>
+      <p:sp>
+        <p:nvSpPr>
+          <p:cNvPr id="195" name="Google Shape;195;g2394454e635_0_87"/>
+          <p:cNvSpPr txBox="1"/>
+          <p:nvPr>
+            <p:ph idx="12" type="sldNum"/>
+          </p:nvPr>
+        </p:nvSpPr>
+        <p:spPr>
+          <a:xfrm>
+            <a:off x="273628" y="6434051"/>
+            <a:ext cx="632400" cy="275400"/>
+          </a:xfrm>
+          <a:prstGeom prst="rect">
+            <a:avLst/>
+          </a:prstGeom>
+          <a:noFill/>
+          <a:ln>
+            <a:noFill/>
+          </a:ln>
+        </p:spPr>
+        <p:txBody>
+          <a:bodyPr anchorCtr="0" anchor="ctr" bIns="45700" lIns="91425" spcFirstLastPara="1" rIns="91425" wrap="square" tIns="45700">
+            <a:noAutofit/>
+          </a:bodyPr>
+          <a:lstStyle/>
+          <a:p>
+            <a:pPr indent="0" lvl="0" marL="0" rtl="0" algn="l">
+              <a:lnSpc>
+                <a:spcPct val="100000"/>
+              </a:lnSpc>
+              <a:spcBef>
+                <a:spcPts val="0"/>
+              </a:spcBef>
+              <a:spcAft>
+                <a:spcPts val="0"/>
+              </a:spcAft>
+              <a:buSzPts val="2400"/>
+              <a:buNone/>
+            </a:pPr>
+            <a:fld id="{00000000-1234-1234-1234-123412341234}" type="slidenum">
+              <a:rPr lang="ru-RU"/>
+              <a:t>‹#›</a:t>
+            </a:fld>
+            <a:endParaRPr/>
+          </a:p>
+        </p:txBody>
+      </p:sp>
+      <p:grpSp>
+        <p:nvGrpSpPr>
+          <p:cNvPr id="196" name="Google Shape;196;g2394454e635_0_87"/>
+          <p:cNvGrpSpPr/>
+          <p:nvPr/>
+        </p:nvGrpSpPr>
+        <p:grpSpPr>
+          <a:xfrm>
+            <a:off x="3167869" y="469300"/>
+            <a:ext cx="5632185" cy="666000"/>
+            <a:chOff x="1476754" y="3499676"/>
+            <a:chExt cx="6783313" cy="666000"/>
+          </a:xfrm>
+        </p:grpSpPr>
+        <p:sp>
+          <p:nvSpPr>
+            <p:cNvPr id="197" name="Google Shape;197;g2394454e635_0_87"/>
+            <p:cNvSpPr/>
+            <p:nvPr/>
+          </p:nvSpPr>
+          <p:spPr>
+            <a:xfrm>
+              <a:off x="1476765" y="3499676"/>
+              <a:ext cx="6783300" cy="666000"/>
+            </a:xfrm>
+            <a:prstGeom prst="rect">
+              <a:avLst/>
+            </a:prstGeom>
+            <a:solidFill>
+              <a:schemeClr val="lt1"/>
+            </a:solidFill>
+            <a:ln cap="flat" cmpd="sng" w="25400">
+              <a:solidFill>
+                <a:schemeClr val="lt1"/>
+              </a:solidFill>
+              <a:prstDash val="solid"/>
+              <a:round/>
+              <a:headEnd len="sm" w="sm" type="none"/>
+              <a:tailEnd len="sm" w="sm" type="none"/>
+            </a:ln>
+          </p:spPr>
+          <p:txBody>
+            <a:bodyPr anchorCtr="0" anchor="ctr" bIns="45700" lIns="91425" spcFirstLastPara="1" rIns="91425" wrap="square" tIns="45700">
+              <a:noAutofit/>
+            </a:bodyPr>
+            <a:lstStyle/>
+            <a:p>
+              <a:pPr indent="0" lvl="0" marL="0" marR="0" rtl="0" algn="ctr">
+                <a:lnSpc>
+                  <a:spcPct val="100000"/>
+                </a:lnSpc>
+                <a:spcBef>
+                  <a:spcPts val="0"/>
+                </a:spcBef>
+                <a:spcAft>
+                  <a:spcPts val="0"/>
+                </a:spcAft>
+                <a:buNone/>
+              </a:pPr>
+              <a:r>
+                <a:rPr lang="ru-RU" sz="2800">
+                  <a:solidFill>
+                    <a:srgbClr val="065CAB"/>
+                  </a:solidFill>
+                </a:rPr>
+                <a:t>Разработка и обучение модели</a:t>
+              </a:r>
+              <a:endParaRPr b="0" i="0" sz="2800" u="none" cap="none" strike="noStrike">
+                <a:solidFill>
+                  <a:schemeClr val="lt1"/>
+                </a:solidFill>
+                <a:latin typeface="Arial"/>
+                <a:ea typeface="Arial"/>
+                <a:cs typeface="Arial"/>
+                <a:sym typeface="Arial"/>
+              </a:endParaRPr>
+            </a:p>
+          </p:txBody>
+        </p:sp>
+        <p:sp>
+          <p:nvSpPr>
+            <p:cNvPr id="198" name="Google Shape;198;g2394454e635_0_87"/>
+            <p:cNvSpPr/>
+            <p:nvPr/>
+          </p:nvSpPr>
+          <p:spPr>
+            <a:xfrm flipH="1" rot="10800000">
+              <a:off x="1476754" y="3499902"/>
+              <a:ext cx="76452" cy="665767"/>
+            </a:xfrm>
+            <a:custGeom>
+              <a:rect b="b" l="l" r="r" t="t"/>
+              <a:pathLst>
+                <a:path extrusionOk="0" h="424732" w="424732">
+                  <a:moveTo>
+                    <a:pt x="424732" y="424732"/>
+                  </a:moveTo>
+                  <a:lnTo>
+                    <a:pt x="0" y="424732"/>
+                  </a:lnTo>
+                  <a:lnTo>
+                    <a:pt x="0" y="0"/>
+                  </a:lnTo>
+                  <a:lnTo>
+                    <a:pt x="424732" y="0"/>
+                  </a:lnTo>
+                </a:path>
+              </a:pathLst>
+            </a:custGeom>
+            <a:noFill/>
+            <a:ln cap="flat" cmpd="sng" w="16500">
+              <a:solidFill>
+                <a:srgbClr val="065CAB"/>
+              </a:solidFill>
+              <a:prstDash val="solid"/>
+              <a:round/>
+              <a:headEnd len="sm" w="sm" type="none"/>
+              <a:tailEnd len="sm" w="sm" type="none"/>
+            </a:ln>
+          </p:spPr>
+          <p:txBody>
+            <a:bodyPr anchorCtr="0" anchor="ctr" bIns="45700" lIns="91425" spcFirstLastPara="1" rIns="91425" wrap="square" tIns="45700">
+              <a:noAutofit/>
+            </a:bodyPr>
+            <a:lstStyle/>
+            <a:p>
+              <a:pPr indent="0" lvl="0" marL="0" marR="0" rtl="0" algn="ctr">
+                <a:lnSpc>
+                  <a:spcPct val="100000"/>
+                </a:lnSpc>
+                <a:spcBef>
+                  <a:spcPts val="0"/>
+                </a:spcBef>
+                <a:spcAft>
+                  <a:spcPts val="0"/>
+                </a:spcAft>
+                <a:buNone/>
+              </a:pPr>
+              <a:r>
+                <a:t/>
+              </a:r>
+              <a:endParaRPr b="0" i="0" sz="1400" u="none" cap="none" strike="noStrike">
+                <a:solidFill>
+                  <a:schemeClr val="dk1"/>
+                </a:solidFill>
+                <a:latin typeface="Arial"/>
+                <a:ea typeface="Arial"/>
+                <a:cs typeface="Arial"/>
+                <a:sym typeface="Arial"/>
+              </a:endParaRPr>
+            </a:p>
+          </p:txBody>
+        </p:sp>
+        <p:sp>
+          <p:nvSpPr>
+            <p:cNvPr id="199" name="Google Shape;199;g2394454e635_0_87"/>
+            <p:cNvSpPr/>
+            <p:nvPr/>
+          </p:nvSpPr>
+          <p:spPr>
+            <a:xfrm flipH="1">
+              <a:off x="8169812" y="3499907"/>
+              <a:ext cx="90256" cy="665767"/>
+            </a:xfrm>
+            <a:custGeom>
+              <a:rect b="b" l="l" r="r" t="t"/>
+              <a:pathLst>
+                <a:path extrusionOk="0" h="424732" w="424732">
+                  <a:moveTo>
+                    <a:pt x="424732" y="424732"/>
+                  </a:moveTo>
+                  <a:lnTo>
+                    <a:pt x="0" y="424732"/>
+                  </a:lnTo>
+                  <a:lnTo>
+                    <a:pt x="0" y="0"/>
+                  </a:lnTo>
+                  <a:lnTo>
+                    <a:pt x="424732" y="0"/>
+                  </a:lnTo>
+                </a:path>
+              </a:pathLst>
+            </a:custGeom>
+            <a:noFill/>
+            <a:ln cap="flat" cmpd="sng" w="16500">
+              <a:solidFill>
+                <a:srgbClr val="0046A2"/>
+              </a:solidFill>
+              <a:prstDash val="solid"/>
+              <a:round/>
+              <a:headEnd len="sm" w="sm" type="none"/>
+              <a:tailEnd len="sm" w="sm" type="none"/>
+            </a:ln>
+          </p:spPr>
+          <p:txBody>
+            <a:bodyPr anchorCtr="0" anchor="ctr" bIns="45700" lIns="91425" spcFirstLastPara="1" rIns="91425" wrap="square" tIns="45700">
+              <a:noAutofit/>
+            </a:bodyPr>
+            <a:lstStyle/>
+            <a:p>
+              <a:pPr indent="0" lvl="0" marL="0" marR="0" rtl="0" algn="ctr">
+                <a:lnSpc>
+                  <a:spcPct val="100000"/>
+                </a:lnSpc>
+                <a:spcBef>
+                  <a:spcPts val="0"/>
+                </a:spcBef>
+                <a:spcAft>
+                  <a:spcPts val="0"/>
+                </a:spcAft>
+                <a:buNone/>
+              </a:pPr>
+              <a:r>
+                <a:t/>
+              </a:r>
+              <a:endParaRPr b="0" i="0" sz="1400" u="none" cap="none" strike="noStrike">
+                <a:solidFill>
+                  <a:srgbClr val="065CAB"/>
+                </a:solidFill>
+                <a:latin typeface="Arial"/>
+                <a:ea typeface="Arial"/>
+                <a:cs typeface="Arial"/>
+                <a:sym typeface="Arial"/>
+              </a:endParaRPr>
+            </a:p>
+          </p:txBody>
+        </p:sp>
+      </p:grpSp>
+      <p:sp>
+        <p:nvSpPr>
+          <p:cNvPr id="200" name="Google Shape;200;g2394454e635_0_87"/>
+          <p:cNvSpPr txBox="1"/>
+          <p:nvPr/>
+        </p:nvSpPr>
+        <p:spPr>
+          <a:xfrm>
+            <a:off x="466125" y="1932825"/>
+            <a:ext cx="4145400" cy="3544800"/>
+          </a:xfrm>
+          <a:prstGeom prst="rect">
+            <a:avLst/>
+          </a:prstGeom>
+          <a:solidFill>
+            <a:srgbClr val="E6E7E7"/>
+          </a:solidFill>
+          <a:ln>
+            <a:noFill/>
+          </a:ln>
+        </p:spPr>
+        <p:txBody>
+          <a:bodyPr anchorCtr="0" anchor="ctr" bIns="91425" lIns="91425" spcFirstLastPara="1" rIns="91425" wrap="square" tIns="91425">
+            <a:noAutofit/>
+          </a:bodyPr>
+          <a:lstStyle/>
+          <a:p>
+            <a:pPr indent="0" lvl="0" marL="0" rtl="0" algn="l">
+              <a:lnSpc>
+                <a:spcPct val="115000"/>
+              </a:lnSpc>
+              <a:spcBef>
+                <a:spcPts val="0"/>
+              </a:spcBef>
+              <a:spcAft>
+                <a:spcPts val="0"/>
+              </a:spcAft>
+              <a:buNone/>
+            </a:pPr>
+            <a:r>
+              <a:rPr lang="ru-RU" sz="2200">
+                <a:solidFill>
+                  <a:schemeClr val="dk1"/>
+                </a:solidFill>
+                <a:latin typeface="Times New Roman"/>
+                <a:ea typeface="Times New Roman"/>
+                <a:cs typeface="Times New Roman"/>
+                <a:sym typeface="Times New Roman"/>
+              </a:rPr>
+              <a:t>Для построения моделей была написана функция prepareData, с помощью которой в датасет были добавлены лаги исходного временного ряда в качестве признаков и датасет был разбит на тренировочную и тестовую выборки.</a:t>
+            </a:r>
+            <a:endParaRPr sz="2200">
+              <a:latin typeface="Open Sans"/>
+              <a:ea typeface="Open Sans"/>
+              <a:cs typeface="Open Sans"/>
+              <a:sym typeface="Open Sans"/>
+            </a:endParaRPr>
+          </a:p>
+        </p:txBody>
+      </p:sp>
+      <p:pic>
+        <p:nvPicPr>
+          <p:cNvPr id="201" name="Google Shape;201;g2394454e635_0_87"/>
+          <p:cNvPicPr preferRelativeResize="0"/>
+          <p:nvPr/>
+        </p:nvPicPr>
+        <p:blipFill>
+          <a:blip r:embed="rId3">
+            <a:alphaModFix/>
+          </a:blip>
+          <a:stretch>
+            <a:fillRect/>
+          </a:stretch>
+        </p:blipFill>
+        <p:spPr>
+          <a:xfrm>
+            <a:off x="5233300" y="1932725"/>
+            <a:ext cx="5632176" cy="3544800"/>
+          </a:xfrm>
+          <a:prstGeom prst="rect">
+            <a:avLst/>
+          </a:prstGeom>
+          <a:noFill/>
+          <a:ln>
+            <a:noFill/>
+          </a:ln>
+        </p:spPr>
+      </p:pic>
+      <p:cxnSp>
+        <p:nvCxnSpPr>
+          <p:cNvPr id="202" name="Google Shape;202;g2394454e635_0_87"/>
+          <p:cNvCxnSpPr/>
+          <p:nvPr/>
+        </p:nvCxnSpPr>
+        <p:spPr>
+          <a:xfrm flipH="1">
+            <a:off x="440625" y="1932725"/>
+            <a:ext cx="25500" cy="3544800"/>
+          </a:xfrm>
+          <a:prstGeom prst="straightConnector1">
+            <a:avLst/>
+          </a:prstGeom>
+          <a:noFill/>
+          <a:ln cap="flat" cmpd="sng" w="28575">
+            <a:solidFill>
+              <a:srgbClr val="065CAB"/>
+            </a:solidFill>
+            <a:prstDash val="solid"/>
+            <a:miter lim="800000"/>
+            <a:headEnd len="sm" w="sm" type="none"/>
+            <a:tailEnd len="sm" w="sm" type="none"/>
+          </a:ln>
+        </p:spPr>
+      </p:cxnSp>
+      <p:cxnSp>
+        <p:nvCxnSpPr>
+          <p:cNvPr id="203" name="Google Shape;203;g2394454e635_0_87"/>
+          <p:cNvCxnSpPr/>
+          <p:nvPr/>
+        </p:nvCxnSpPr>
+        <p:spPr>
+          <a:xfrm>
+            <a:off x="440625" y="5477525"/>
+            <a:ext cx="825600" cy="0"/>
+          </a:xfrm>
+          <a:prstGeom prst="straightConnector1">
+            <a:avLst/>
+          </a:prstGeom>
+          <a:noFill/>
+          <a:ln cap="flat" cmpd="sng" w="28575">
+            <a:solidFill>
+              <a:srgbClr val="065CAB"/>
+            </a:solidFill>
+            <a:prstDash val="solid"/>
+            <a:miter lim="800000"/>
+            <a:headEnd len="sm" w="sm" type="none"/>
+            <a:tailEnd len="sm" w="sm" type="none"/>
+          </a:ln>
+        </p:spPr>
+      </p:cxnSp>
+      <p:cxnSp>
+        <p:nvCxnSpPr>
+          <p:cNvPr id="204" name="Google Shape;204;g2394454e635_0_87"/>
+          <p:cNvCxnSpPr/>
+          <p:nvPr/>
+        </p:nvCxnSpPr>
+        <p:spPr>
+          <a:xfrm>
+            <a:off x="466125" y="1932825"/>
+            <a:ext cx="825600" cy="0"/>
+          </a:xfrm>
+          <a:prstGeom prst="straightConnector1">
+            <a:avLst/>
+          </a:prstGeom>
+          <a:noFill/>
+          <a:ln cap="flat" cmpd="sng" w="28575">
+            <a:solidFill>
+              <a:srgbClr val="065CAB"/>
+            </a:solidFill>
+            <a:prstDash val="solid"/>
+            <a:miter lim="800000"/>
+            <a:headEnd len="sm" w="sm" type="none"/>
+            <a:tailEnd len="sm" w="sm" type="none"/>
+          </a:ln>
+        </p:spPr>
+      </p:cxnSp>
+    </p:spTree>
+  </p:cSld>
+  <p:clrMapOvr>
+    <a:masterClrMapping/>
+  </p:clrMapOvr>
+  <p:transition spd="med">
+    <p:fade/>
+  </p:transition>
+</p:sld>
+</file>
+
+<file path=ppt/slides/slide12.xml><?xml version="1.0" encoding="utf-8"?>
+<p:sld xmlns:a="http://schemas.openxmlformats.org/drawingml/2006/main" xmlns:r="http://schemas.openxmlformats.org/officeDocument/2006/relationships" xmlns:mc="http://schemas.openxmlformats.org/markup-compatibility/2006" xmlns:mv="urn:schemas-microsoft-com:mac:vml" xmlns:p="http://schemas.openxmlformats.org/presentationml/2006/main" xmlns:c="http://schemas.openxmlformats.org/drawingml/2006/chart" xmlns:dgm="http://schemas.openxmlformats.org/drawingml/2006/diagram" xmlns:o="urn:schemas-microsoft-com:office:office" xmlns:v="urn:schemas-microsoft-com:vml" xmlns:pvml="urn:schemas-microsoft-com:office:powerpoint" xmlns:com="http://schemas.openxmlformats.org/drawingml/2006/compatibility" xmlns:p14="http://schemas.microsoft.com/office/powerpoint/2010/main" xmlns:p15="http://schemas.microsoft.com/office/powerpoint/2012/main" xmlns:ahyp="http://schemas.microsoft.com/office/drawing/2018/hyperlinkcolor">
+  <p:cSld>
+    <p:spTree>
+      <p:nvGrpSpPr>
+        <p:cNvPr id="208" name="Shape 208"/>
+        <p:cNvGrpSpPr/>
+        <p:nvPr/>
+      </p:nvGrpSpPr>
+      <p:grpSpPr>
+        <a:xfrm>
+          <a:off x="0" y="0"/>
+          <a:ext cx="0" cy="0"/>
+          <a:chOff x="0" y="0"/>
+          <a:chExt cx="0" cy="0"/>
+        </a:xfrm>
+      </p:grpSpPr>
+      <p:sp>
+        <p:nvSpPr>
+          <p:cNvPr id="209" name="Google Shape;209;g2394454e635_0_96"/>
+          <p:cNvSpPr txBox="1"/>
+          <p:nvPr>
+            <p:ph idx="12" type="sldNum"/>
+          </p:nvPr>
+        </p:nvSpPr>
+        <p:spPr>
+          <a:xfrm>
+            <a:off x="273628" y="6434051"/>
+            <a:ext cx="632400" cy="275400"/>
+          </a:xfrm>
+          <a:prstGeom prst="rect">
+            <a:avLst/>
+          </a:prstGeom>
+          <a:noFill/>
+          <a:ln>
+            <a:noFill/>
+          </a:ln>
+        </p:spPr>
+        <p:txBody>
+          <a:bodyPr anchorCtr="0" anchor="ctr" bIns="45700" lIns="91425" spcFirstLastPara="1" rIns="91425" wrap="square" tIns="45700">
+            <a:noAutofit/>
+          </a:bodyPr>
+          <a:lstStyle/>
+          <a:p>
+            <a:pPr indent="0" lvl="0" marL="0" rtl="0" algn="l">
+              <a:lnSpc>
+                <a:spcPct val="100000"/>
+              </a:lnSpc>
+              <a:spcBef>
+                <a:spcPts val="0"/>
+              </a:spcBef>
+              <a:spcAft>
+                <a:spcPts val="0"/>
+              </a:spcAft>
+              <a:buSzPts val="2400"/>
+              <a:buNone/>
+            </a:pPr>
+            <a:fld id="{00000000-1234-1234-1234-123412341234}" type="slidenum">
+              <a:rPr lang="ru-RU"/>
+              <a:t>‹#›</a:t>
+            </a:fld>
+            <a:endParaRPr/>
+          </a:p>
+        </p:txBody>
+      </p:sp>
+      <p:grpSp>
+        <p:nvGrpSpPr>
+          <p:cNvPr id="210" name="Google Shape;210;g2394454e635_0_96"/>
+          <p:cNvGrpSpPr/>
+          <p:nvPr/>
+        </p:nvGrpSpPr>
+        <p:grpSpPr>
+          <a:xfrm>
+            <a:off x="3167877" y="469300"/>
+            <a:ext cx="4247264" cy="666000"/>
+            <a:chOff x="1476754" y="3499676"/>
+            <a:chExt cx="5868008" cy="666000"/>
+          </a:xfrm>
+        </p:grpSpPr>
+        <p:sp>
+          <p:nvSpPr>
+            <p:cNvPr id="211" name="Google Shape;211;g2394454e635_0_96"/>
+            <p:cNvSpPr/>
+            <p:nvPr/>
+          </p:nvSpPr>
+          <p:spPr>
+            <a:xfrm>
+              <a:off x="1476762" y="3499676"/>
+              <a:ext cx="5868000" cy="666000"/>
+            </a:xfrm>
+            <a:prstGeom prst="rect">
+              <a:avLst/>
+            </a:prstGeom>
+            <a:solidFill>
+              <a:schemeClr val="lt1"/>
+            </a:solidFill>
+            <a:ln cap="flat" cmpd="sng" w="25400">
+              <a:solidFill>
+                <a:schemeClr val="lt1"/>
+              </a:solidFill>
+              <a:prstDash val="solid"/>
+              <a:round/>
+              <a:headEnd len="sm" w="sm" type="none"/>
+              <a:tailEnd len="sm" w="sm" type="none"/>
+            </a:ln>
+          </p:spPr>
+          <p:txBody>
+            <a:bodyPr anchorCtr="0" anchor="ctr" bIns="45700" lIns="91425" spcFirstLastPara="1" rIns="91425" wrap="square" tIns="45700">
+              <a:noAutofit/>
+            </a:bodyPr>
+            <a:lstStyle/>
+            <a:p>
+              <a:pPr indent="0" lvl="0" marL="0" marR="0" rtl="0" algn="ctr">
+                <a:lnSpc>
+                  <a:spcPct val="100000"/>
+                </a:lnSpc>
+                <a:spcBef>
+                  <a:spcPts val="0"/>
+                </a:spcBef>
+                <a:spcAft>
+                  <a:spcPts val="0"/>
+                </a:spcAft>
+                <a:buNone/>
+              </a:pPr>
+              <a:r>
+                <a:rPr lang="ru-RU" sz="2800">
+                  <a:solidFill>
+                    <a:srgbClr val="065CAB"/>
+                  </a:solidFill>
+                </a:rPr>
+                <a:t>Тестирование модели</a:t>
+              </a:r>
+              <a:endParaRPr b="0" i="0" sz="2800" u="none" cap="none" strike="noStrike">
+                <a:solidFill>
+                  <a:schemeClr val="lt1"/>
+                </a:solidFill>
+                <a:latin typeface="Arial"/>
+                <a:ea typeface="Arial"/>
+                <a:cs typeface="Arial"/>
+                <a:sym typeface="Arial"/>
+              </a:endParaRPr>
+            </a:p>
+          </p:txBody>
+        </p:sp>
+        <p:sp>
+          <p:nvSpPr>
+            <p:cNvPr id="212" name="Google Shape;212;g2394454e635_0_96"/>
+            <p:cNvSpPr/>
+            <p:nvPr/>
+          </p:nvSpPr>
+          <p:spPr>
+            <a:xfrm flipH="1" rot="10800000">
+              <a:off x="1476754" y="3499902"/>
+              <a:ext cx="76452" cy="665767"/>
+            </a:xfrm>
+            <a:custGeom>
+              <a:rect b="b" l="l" r="r" t="t"/>
+              <a:pathLst>
+                <a:path extrusionOk="0" h="424732" w="424732">
+                  <a:moveTo>
+                    <a:pt x="424732" y="424732"/>
+                  </a:moveTo>
+                  <a:lnTo>
+                    <a:pt x="0" y="424732"/>
+                  </a:lnTo>
+                  <a:lnTo>
+                    <a:pt x="0" y="0"/>
+                  </a:lnTo>
+                  <a:lnTo>
+                    <a:pt x="424732" y="0"/>
+                  </a:lnTo>
+                </a:path>
+              </a:pathLst>
+            </a:custGeom>
+            <a:noFill/>
+            <a:ln cap="flat" cmpd="sng" w="16500">
+              <a:solidFill>
+                <a:srgbClr val="065CAB"/>
+              </a:solidFill>
+              <a:prstDash val="solid"/>
+              <a:round/>
+              <a:headEnd len="sm" w="sm" type="none"/>
+              <a:tailEnd len="sm" w="sm" type="none"/>
+            </a:ln>
+          </p:spPr>
+          <p:txBody>
+            <a:bodyPr anchorCtr="0" anchor="ctr" bIns="45700" lIns="91425" spcFirstLastPara="1" rIns="91425" wrap="square" tIns="45700">
+              <a:noAutofit/>
+            </a:bodyPr>
+            <a:lstStyle/>
+            <a:p>
+              <a:pPr indent="0" lvl="0" marL="0" marR="0" rtl="0" algn="ctr">
+                <a:lnSpc>
+                  <a:spcPct val="100000"/>
+                </a:lnSpc>
+                <a:spcBef>
+                  <a:spcPts val="0"/>
+                </a:spcBef>
+                <a:spcAft>
+                  <a:spcPts val="0"/>
+                </a:spcAft>
+                <a:buNone/>
+              </a:pPr>
+              <a:r>
+                <a:t/>
+              </a:r>
+              <a:endParaRPr b="0" i="0" sz="1400" u="none" cap="none" strike="noStrike">
+                <a:solidFill>
+                  <a:schemeClr val="dk1"/>
+                </a:solidFill>
+                <a:latin typeface="Arial"/>
+                <a:ea typeface="Arial"/>
+                <a:cs typeface="Arial"/>
+                <a:sym typeface="Arial"/>
+              </a:endParaRPr>
+            </a:p>
+          </p:txBody>
+        </p:sp>
+        <p:sp>
+          <p:nvSpPr>
+            <p:cNvPr id="213" name="Google Shape;213;g2394454e635_0_96"/>
             <p:cNvSpPr/>
             <p:nvPr/>
           </p:nvSpPr>
@@ -12317,19 +13893,21 @@
       </p:grpSp>
       <p:sp>
         <p:nvSpPr>
-          <p:cNvPr id="186" name="Google Shape;186;g2394454e635_0_96"/>
+          <p:cNvPr id="214" name="Google Shape;214;g2394454e635_0_96"/>
           <p:cNvSpPr txBox="1"/>
           <p:nvPr/>
         </p:nvSpPr>
         <p:spPr>
           <a:xfrm>
-            <a:off x="1210400" y="1676425"/>
-            <a:ext cx="4247400" cy="2387400"/>
+            <a:off x="1235900" y="1848450"/>
+            <a:ext cx="4376100" cy="2215500"/>
           </a:xfrm>
           <a:prstGeom prst="rect">
             <a:avLst/>
           </a:prstGeom>
-          <a:noFill/>
+          <a:solidFill>
+            <a:srgbClr val="E6E7E7"/>
+          </a:solidFill>
           <a:ln>
             <a:noFill/>
           </a:ln>
@@ -12340,7 +13918,7 @@
           </a:bodyPr>
           <a:lstStyle/>
           <a:p>
-            <a:pPr indent="457200" lvl="0" marL="0" rtl="0" algn="just">
+            <a:pPr indent="0" lvl="0" marL="0" rtl="0" algn="l">
               <a:lnSpc>
                 <a:spcPct val="115000"/>
               </a:lnSpc>
@@ -12373,9 +13951,87 @@
           </a:p>
         </p:txBody>
       </p:sp>
+      <p:cxnSp>
+        <p:nvCxnSpPr>
+          <p:cNvPr id="215" name="Google Shape;215;g2394454e635_0_96"/>
+          <p:cNvCxnSpPr/>
+          <p:nvPr/>
+        </p:nvCxnSpPr>
+        <p:spPr>
+          <a:xfrm flipH="1">
+            <a:off x="1210400" y="1848200"/>
+            <a:ext cx="25500" cy="2215500"/>
+          </a:xfrm>
+          <a:prstGeom prst="straightConnector1">
+            <a:avLst/>
+          </a:prstGeom>
+          <a:noFill/>
+          <a:ln cap="flat" cmpd="sng" w="28575">
+            <a:solidFill>
+              <a:srgbClr val="065CAB"/>
+            </a:solidFill>
+            <a:prstDash val="solid"/>
+            <a:miter lim="800000"/>
+            <a:headEnd len="sm" w="sm" type="none"/>
+            <a:tailEnd len="sm" w="sm" type="none"/>
+          </a:ln>
+        </p:spPr>
+      </p:cxnSp>
+      <p:cxnSp>
+        <p:nvCxnSpPr>
+          <p:cNvPr id="216" name="Google Shape;216;g2394454e635_0_96"/>
+          <p:cNvCxnSpPr/>
+          <p:nvPr/>
+        </p:nvCxnSpPr>
+        <p:spPr>
+          <a:xfrm>
+            <a:off x="1210400" y="4063950"/>
+            <a:ext cx="825600" cy="0"/>
+          </a:xfrm>
+          <a:prstGeom prst="straightConnector1">
+            <a:avLst/>
+          </a:prstGeom>
+          <a:noFill/>
+          <a:ln cap="flat" cmpd="sng" w="28575">
+            <a:solidFill>
+              <a:srgbClr val="065CAB"/>
+            </a:solidFill>
+            <a:prstDash val="solid"/>
+            <a:miter lim="800000"/>
+            <a:headEnd len="sm" w="sm" type="none"/>
+            <a:tailEnd len="sm" w="sm" type="none"/>
+          </a:ln>
+        </p:spPr>
+      </p:cxnSp>
+      <p:cxnSp>
+        <p:nvCxnSpPr>
+          <p:cNvPr id="217" name="Google Shape;217;g2394454e635_0_96"/>
+          <p:cNvCxnSpPr/>
+          <p:nvPr/>
+        </p:nvCxnSpPr>
+        <p:spPr>
+          <a:xfrm>
+            <a:off x="1235900" y="1848200"/>
+            <a:ext cx="825600" cy="0"/>
+          </a:xfrm>
+          <a:prstGeom prst="straightConnector1">
+            <a:avLst/>
+          </a:prstGeom>
+          <a:noFill/>
+          <a:ln cap="flat" cmpd="sng" w="28575">
+            <a:solidFill>
+              <a:srgbClr val="065CAB"/>
+            </a:solidFill>
+            <a:prstDash val="solid"/>
+            <a:miter lim="800000"/>
+            <a:headEnd len="sm" w="sm" type="none"/>
+            <a:tailEnd len="sm" w="sm" type="none"/>
+          </a:ln>
+        </p:spPr>
+      </p:cxnSp>
       <p:pic>
         <p:nvPicPr>
-          <p:cNvPr id="187" name="Google Shape;187;g2394454e635_0_96"/>
+          <p:cNvPr id="218" name="Google Shape;218;g2394454e635_0_96"/>
           <p:cNvPicPr preferRelativeResize="0"/>
           <p:nvPr/>
         </p:nvPicPr>
@@ -12389,8 +14045,8 @@
         </p:blipFill>
         <p:spPr>
           <a:xfrm>
-            <a:off x="1210303" y="4321926"/>
-            <a:ext cx="4376038" cy="2387524"/>
+            <a:off x="994450" y="4288300"/>
+            <a:ext cx="4664450" cy="2361300"/>
           </a:xfrm>
           <a:prstGeom prst="rect">
             <a:avLst/>
@@ -12403,7 +14059,7 @@
       </p:pic>
       <p:pic>
         <p:nvPicPr>
-          <p:cNvPr id="188" name="Google Shape;188;g2394454e635_0_96"/>
+          <p:cNvPr id="219" name="Google Shape;219;g2394454e635_0_96"/>
           <p:cNvPicPr preferRelativeResize="0"/>
           <p:nvPr/>
         </p:nvPicPr>
@@ -12417,8 +14073,8 @@
         </p:blipFill>
         <p:spPr>
           <a:xfrm>
-            <a:off x="6593603" y="1676413"/>
-            <a:ext cx="4376038" cy="2387524"/>
+            <a:off x="6595925" y="1716850"/>
+            <a:ext cx="4230175" cy="2307350"/>
           </a:xfrm>
           <a:prstGeom prst="rect">
             <a:avLst/>
@@ -12431,7 +14087,7 @@
       </p:pic>
       <p:pic>
         <p:nvPicPr>
-          <p:cNvPr id="189" name="Google Shape;189;g2394454e635_0_96"/>
+          <p:cNvPr id="220" name="Google Shape;220;g2394454e635_0_96"/>
           <p:cNvPicPr preferRelativeResize="0"/>
           <p:nvPr/>
         </p:nvPicPr>
@@ -12445,8 +14101,8 @@
         </p:blipFill>
         <p:spPr>
           <a:xfrm>
-            <a:off x="6593603" y="4321926"/>
-            <a:ext cx="4376038" cy="2387524"/>
+            <a:off x="6587375" y="4268355"/>
+            <a:ext cx="4247275" cy="2401195"/>
           </a:xfrm>
           <a:prstGeom prst="rect">
             <a:avLst/>
@@ -12463,17 +14119,17 @@
     <a:masterClrMapping/>
   </p:clrMapOvr>
   <p:transition spd="med">
-    <p:push/>
+    <p:fade/>
   </p:transition>
 </p:sld>
 </file>
 
-<file path=ppt/slides/slide11.xml><?xml version="1.0" encoding="utf-8"?>
+<file path=ppt/slides/slide13.xml><?xml version="1.0" encoding="utf-8"?>
 <p:sld xmlns:a="http://schemas.openxmlformats.org/drawingml/2006/main" xmlns:r="http://schemas.openxmlformats.org/officeDocument/2006/relationships" xmlns:mc="http://schemas.openxmlformats.org/markup-compatibility/2006" xmlns:mv="urn:schemas-microsoft-com:mac:vml" xmlns:p="http://schemas.openxmlformats.org/presentationml/2006/main" xmlns:c="http://schemas.openxmlformats.org/drawingml/2006/chart" xmlns:dgm="http://schemas.openxmlformats.org/drawingml/2006/diagram" xmlns:o="urn:schemas-microsoft-com:office:office" xmlns:v="urn:schemas-microsoft-com:vml" xmlns:pvml="urn:schemas-microsoft-com:office:powerpoint" xmlns:com="http://schemas.openxmlformats.org/drawingml/2006/compatibility" xmlns:p14="http://schemas.microsoft.com/office/powerpoint/2010/main" xmlns:p15="http://schemas.microsoft.com/office/powerpoint/2012/main" xmlns:ahyp="http://schemas.microsoft.com/office/drawing/2018/hyperlinkcolor">
   <p:cSld>
     <p:spTree>
       <p:nvGrpSpPr>
-        <p:cNvPr id="193" name="Shape 193"/>
+        <p:cNvPr id="224" name="Shape 224"/>
         <p:cNvGrpSpPr/>
         <p:nvPr/>
       </p:nvGrpSpPr>
@@ -12487,7 +14143,7 @@
       </p:grpSpPr>
       <p:sp>
         <p:nvSpPr>
-          <p:cNvPr id="194" name="Google Shape;194;g23c34170ad5_0_7"/>
+          <p:cNvPr id="225" name="Google Shape;225;g23c34170ad5_0_7"/>
           <p:cNvSpPr txBox="1"/>
           <p:nvPr>
             <p:ph idx="12" type="sldNum"/>
@@ -12535,7 +14191,7 @@
       </p:sp>
       <p:grpSp>
         <p:nvGrpSpPr>
-          <p:cNvPr id="195" name="Google Shape;195;g23c34170ad5_0_7"/>
+          <p:cNvPr id="226" name="Google Shape;226;g23c34170ad5_0_7"/>
           <p:cNvGrpSpPr/>
           <p:nvPr/>
         </p:nvGrpSpPr>
@@ -12549,7 +14205,7 @@
         </p:grpSpPr>
         <p:sp>
           <p:nvSpPr>
-            <p:cNvPr id="196" name="Google Shape;196;g23c34170ad5_0_7"/>
+            <p:cNvPr id="227" name="Google Shape;227;g23c34170ad5_0_7"/>
             <p:cNvSpPr/>
             <p:nvPr/>
           </p:nvSpPr>
@@ -12614,7 +14270,7 @@
         </p:sp>
         <p:sp>
           <p:nvSpPr>
-            <p:cNvPr id="197" name="Google Shape;197;g23c34170ad5_0_7"/>
+            <p:cNvPr id="228" name="Google Shape;228;g23c34170ad5_0_7"/>
             <p:cNvSpPr/>
             <p:nvPr/>
           </p:nvSpPr>
@@ -12688,7 +14344,7 @@
         </p:sp>
         <p:sp>
           <p:nvSpPr>
-            <p:cNvPr id="198" name="Google Shape;198;g23c34170ad5_0_7"/>
+            <p:cNvPr id="229" name="Google Shape;229;g23c34170ad5_0_7"/>
             <p:cNvSpPr/>
             <p:nvPr/>
           </p:nvSpPr>
@@ -12761,23 +14417,186 @@
           </p:txBody>
         </p:sp>
       </p:grpSp>
+      <p:sp>
+        <p:nvSpPr>
+          <p:cNvPr id="230" name="Google Shape;230;g23c34170ad5_0_7"/>
+          <p:cNvSpPr txBox="1"/>
+          <p:nvPr/>
+        </p:nvSpPr>
+        <p:spPr>
+          <a:xfrm>
+            <a:off x="684725" y="1941175"/>
+            <a:ext cx="4418700" cy="3687000"/>
+          </a:xfrm>
+          <a:prstGeom prst="rect">
+            <a:avLst/>
+          </a:prstGeom>
+          <a:solidFill>
+            <a:srgbClr val="E6E7E7"/>
+          </a:solidFill>
+          <a:ln>
+            <a:noFill/>
+          </a:ln>
+        </p:spPr>
+        <p:txBody>
+          <a:bodyPr anchorCtr="0" anchor="ctr" bIns="91425" lIns="91425" spcFirstLastPara="1" rIns="91425" wrap="square" tIns="91425">
+            <a:noAutofit/>
+          </a:bodyPr>
+          <a:lstStyle/>
+          <a:p>
+            <a:pPr indent="457200" lvl="0" marL="0" rtl="0" algn="just">
+              <a:lnSpc>
+                <a:spcPct val="115000"/>
+              </a:lnSpc>
+              <a:spcBef>
+                <a:spcPts val="0"/>
+              </a:spcBef>
+              <a:spcAft>
+                <a:spcPts val="0"/>
+              </a:spcAft>
+              <a:buNone/>
+            </a:pPr>
+            <a:r>
+              <a:rPr lang="ru-RU" sz="2200">
+                <a:latin typeface="Open Sans"/>
+                <a:ea typeface="Open Sans"/>
+                <a:cs typeface="Open Sans"/>
+                <a:sym typeface="Open Sans"/>
+              </a:rPr>
+              <a:t>Рекуррентная нейронная сеть (RNN) — это тип нейронной сети, хорошо подходящий для данных временных рядов. RNN обрабатывают временной ряд шаг за шагом, сохраняя внутреннее состояние от шага к шагу.</a:t>
+            </a:r>
+            <a:endParaRPr sz="2200">
+              <a:latin typeface="Open Sans"/>
+              <a:ea typeface="Open Sans"/>
+              <a:cs typeface="Open Sans"/>
+              <a:sym typeface="Open Sans"/>
+            </a:endParaRPr>
+          </a:p>
+        </p:txBody>
+      </p:sp>
+      <p:pic>
+        <p:nvPicPr>
+          <p:cNvPr id="231" name="Google Shape;231;g23c34170ad5_0_7"/>
+          <p:cNvPicPr preferRelativeResize="0"/>
+          <p:nvPr/>
+        </p:nvPicPr>
+        <p:blipFill>
+          <a:blip r:embed="rId3">
+            <a:alphaModFix/>
+          </a:blip>
+          <a:stretch>
+            <a:fillRect/>
+          </a:stretch>
+        </p:blipFill>
+        <p:spPr>
+          <a:xfrm>
+            <a:off x="6779491" y="2205225"/>
+            <a:ext cx="4472059" cy="3158908"/>
+          </a:xfrm>
+          <a:prstGeom prst="rect">
+            <a:avLst/>
+          </a:prstGeom>
+          <a:noFill/>
+          <a:ln>
+            <a:noFill/>
+          </a:ln>
+        </p:spPr>
+      </p:pic>
+      <p:cxnSp>
+        <p:nvCxnSpPr>
+          <p:cNvPr id="232" name="Google Shape;232;g23c34170ad5_0_7"/>
+          <p:cNvCxnSpPr/>
+          <p:nvPr/>
+        </p:nvCxnSpPr>
+        <p:spPr>
+          <a:xfrm flipH="1">
+            <a:off x="684725" y="1951375"/>
+            <a:ext cx="18900" cy="3696300"/>
+          </a:xfrm>
+          <a:prstGeom prst="straightConnector1">
+            <a:avLst/>
+          </a:prstGeom>
+          <a:noFill/>
+          <a:ln cap="flat" cmpd="sng" w="28575">
+            <a:solidFill>
+              <a:srgbClr val="065CAB"/>
+            </a:solidFill>
+            <a:prstDash val="solid"/>
+            <a:miter lim="800000"/>
+            <a:headEnd len="sm" w="sm" type="none"/>
+            <a:tailEnd len="sm" w="sm" type="none"/>
+          </a:ln>
+        </p:spPr>
+      </p:cxnSp>
+      <p:cxnSp>
+        <p:nvCxnSpPr>
+          <p:cNvPr id="233" name="Google Shape;233;g23c34170ad5_0_7"/>
+          <p:cNvCxnSpPr/>
+          <p:nvPr/>
+        </p:nvCxnSpPr>
+        <p:spPr>
+          <a:xfrm>
+            <a:off x="703625" y="1951375"/>
+            <a:ext cx="825600" cy="0"/>
+          </a:xfrm>
+          <a:prstGeom prst="straightConnector1">
+            <a:avLst/>
+          </a:prstGeom>
+          <a:noFill/>
+          <a:ln cap="flat" cmpd="sng" w="28575">
+            <a:solidFill>
+              <a:srgbClr val="065CAB"/>
+            </a:solidFill>
+            <a:prstDash val="solid"/>
+            <a:miter lim="800000"/>
+            <a:headEnd len="sm" w="sm" type="none"/>
+            <a:tailEnd len="sm" w="sm" type="none"/>
+          </a:ln>
+        </p:spPr>
+      </p:cxnSp>
+      <p:cxnSp>
+        <p:nvCxnSpPr>
+          <p:cNvPr id="234" name="Google Shape;234;g23c34170ad5_0_7"/>
+          <p:cNvCxnSpPr/>
+          <p:nvPr/>
+        </p:nvCxnSpPr>
+        <p:spPr>
+          <a:xfrm>
+            <a:off x="684725" y="5647675"/>
+            <a:ext cx="825600" cy="0"/>
+          </a:xfrm>
+          <a:prstGeom prst="straightConnector1">
+            <a:avLst/>
+          </a:prstGeom>
+          <a:noFill/>
+          <a:ln cap="flat" cmpd="sng" w="28575">
+            <a:solidFill>
+              <a:srgbClr val="065CAB"/>
+            </a:solidFill>
+            <a:prstDash val="solid"/>
+            <a:miter lim="800000"/>
+            <a:headEnd len="sm" w="sm" type="none"/>
+            <a:tailEnd len="sm" w="sm" type="none"/>
+          </a:ln>
+        </p:spPr>
+      </p:cxnSp>
     </p:spTree>
   </p:cSld>
   <p:clrMapOvr>
     <a:masterClrMapping/>
   </p:clrMapOvr>
   <p:transition spd="med">
-    <p:push/>
+    <p:fade/>
   </p:transition>
 </p:sld>
 </file>
 
-<file path=ppt/slides/slide12.xml><?xml version="1.0" encoding="utf-8"?>
+<file path=ppt/slides/slide14.xml><?xml version="1.0" encoding="utf-8"?>
 <p:sld xmlns:a="http://schemas.openxmlformats.org/drawingml/2006/main" xmlns:r="http://schemas.openxmlformats.org/officeDocument/2006/relationships" xmlns:mc="http://schemas.openxmlformats.org/markup-compatibility/2006" xmlns:mv="urn:schemas-microsoft-com:mac:vml" xmlns:p="http://schemas.openxmlformats.org/presentationml/2006/main" xmlns:c="http://schemas.openxmlformats.org/drawingml/2006/chart" xmlns:dgm="http://schemas.openxmlformats.org/drawingml/2006/diagram" xmlns:o="urn:schemas-microsoft-com:office:office" xmlns:v="urn:schemas-microsoft-com:vml" xmlns:pvml="urn:schemas-microsoft-com:office:powerpoint" xmlns:com="http://schemas.openxmlformats.org/drawingml/2006/compatibility" xmlns:p14="http://schemas.microsoft.com/office/powerpoint/2010/main" xmlns:p15="http://schemas.microsoft.com/office/powerpoint/2012/main" xmlns:ahyp="http://schemas.microsoft.com/office/drawing/2018/hyperlinkcolor">
   <p:cSld>
     <p:spTree>
       <p:nvGrpSpPr>
-        <p:cNvPr id="202" name="Shape 202"/>
+        <p:cNvPr id="238" name="Shape 238"/>
         <p:cNvGrpSpPr/>
         <p:nvPr/>
       </p:nvGrpSpPr>
@@ -12791,7 +14610,7 @@
       </p:grpSpPr>
       <p:sp>
         <p:nvSpPr>
-          <p:cNvPr id="203" name="Google Shape;203;g23c34170ad5_0_19"/>
+          <p:cNvPr id="239" name="Google Shape;239;g23c34170ad5_0_19"/>
           <p:cNvSpPr txBox="1"/>
           <p:nvPr>
             <p:ph idx="12" type="sldNum"/>
@@ -12839,7 +14658,7 @@
       </p:sp>
       <p:grpSp>
         <p:nvGrpSpPr>
-          <p:cNvPr id="204" name="Google Shape;204;g23c34170ad5_0_19"/>
+          <p:cNvPr id="240" name="Google Shape;240;g23c34170ad5_0_19"/>
           <p:cNvGrpSpPr/>
           <p:nvPr/>
         </p:nvGrpSpPr>
@@ -12853,7 +14672,7 @@
         </p:grpSpPr>
         <p:sp>
           <p:nvSpPr>
-            <p:cNvPr id="205" name="Google Shape;205;g23c34170ad5_0_19"/>
+            <p:cNvPr id="241" name="Google Shape;241;g23c34170ad5_0_19"/>
             <p:cNvSpPr/>
             <p:nvPr/>
           </p:nvSpPr>
@@ -12884,16 +14703,17 @@
             </a:bodyPr>
             <a:lstStyle/>
             <a:p>
-              <a:pPr indent="0" lvl="0" marL="0" marR="0" rtl="0" algn="ctr">
-                <a:lnSpc>
-                  <a:spcPct val="100000"/>
-                </a:lnSpc>
+              <a:pPr indent="0" lvl="0" marL="0" rtl="0" algn="ctr">
                 <a:spcBef>
                   <a:spcPts val="0"/>
                 </a:spcBef>
                 <a:spcAft>
                   <a:spcPts val="0"/>
                 </a:spcAft>
+                <a:buClr>
+                  <a:schemeClr val="dk1"/>
+                </a:buClr>
+                <a:buFont typeface="Arial"/>
                 <a:buNone/>
               </a:pPr>
               <a:r>
@@ -12902,7 +14722,7 @@
                     <a:srgbClr val="065CAB"/>
                   </a:solidFill>
                 </a:rPr>
-                <a:t>Тестирование модели</a:t>
+                <a:t>Нейронная сеть</a:t>
               </a:r>
               <a:endParaRPr b="0" i="0" sz="2800" u="none" cap="none" strike="noStrike">
                 <a:solidFill>
@@ -12918,7 +14738,7 @@
         </p:sp>
         <p:sp>
           <p:nvSpPr>
-            <p:cNvPr id="206" name="Google Shape;206;g23c34170ad5_0_19"/>
+            <p:cNvPr id="242" name="Google Shape;242;g23c34170ad5_0_19"/>
             <p:cNvSpPr/>
             <p:nvPr/>
           </p:nvSpPr>
@@ -12992,7 +14812,7 @@
         </p:sp>
         <p:sp>
           <p:nvSpPr>
-            <p:cNvPr id="207" name="Google Shape;207;g23c34170ad5_0_19"/>
+            <p:cNvPr id="243" name="Google Shape;243;g23c34170ad5_0_19"/>
             <p:cNvSpPr/>
             <p:nvPr/>
           </p:nvSpPr>
@@ -13065,23 +14885,135 @@
           </p:txBody>
         </p:sp>
       </p:grpSp>
+      <p:pic>
+        <p:nvPicPr>
+          <p:cNvPr id="244" name="Google Shape;244;g23c34170ad5_0_19"/>
+          <p:cNvPicPr preferRelativeResize="0"/>
+          <p:nvPr/>
+        </p:nvPicPr>
+        <p:blipFill>
+          <a:blip r:embed="rId3">
+            <a:alphaModFix/>
+          </a:blip>
+          <a:stretch>
+            <a:fillRect/>
+          </a:stretch>
+        </p:blipFill>
+        <p:spPr>
+          <a:xfrm>
+            <a:off x="550866" y="1557350"/>
+            <a:ext cx="1647825" cy="3838575"/>
+          </a:xfrm>
+          <a:prstGeom prst="rect">
+            <a:avLst/>
+          </a:prstGeom>
+          <a:noFill/>
+          <a:ln>
+            <a:noFill/>
+          </a:ln>
+        </p:spPr>
+      </p:pic>
+      <p:pic>
+        <p:nvPicPr>
+          <p:cNvPr id="245" name="Google Shape;245;g23c34170ad5_0_19"/>
+          <p:cNvPicPr preferRelativeResize="0"/>
+          <p:nvPr/>
+        </p:nvPicPr>
+        <p:blipFill>
+          <a:blip r:embed="rId4">
+            <a:alphaModFix/>
+          </a:blip>
+          <a:stretch>
+            <a:fillRect/>
+          </a:stretch>
+        </p:blipFill>
+        <p:spPr>
+          <a:xfrm>
+            <a:off x="2482666" y="1557338"/>
+            <a:ext cx="1647825" cy="3838575"/>
+          </a:xfrm>
+          <a:prstGeom prst="rect">
+            <a:avLst/>
+          </a:prstGeom>
+          <a:noFill/>
+          <a:ln>
+            <a:noFill/>
+          </a:ln>
+        </p:spPr>
+      </p:pic>
+      <p:pic>
+        <p:nvPicPr>
+          <p:cNvPr id="246" name="Google Shape;246;g23c34170ad5_0_19"/>
+          <p:cNvPicPr preferRelativeResize="0"/>
+          <p:nvPr/>
+        </p:nvPicPr>
+        <p:blipFill>
+          <a:blip r:embed="rId5">
+            <a:alphaModFix/>
+          </a:blip>
+          <a:stretch>
+            <a:fillRect/>
+          </a:stretch>
+        </p:blipFill>
+        <p:spPr>
+          <a:xfrm>
+            <a:off x="4414466" y="1557338"/>
+            <a:ext cx="1647825" cy="3838575"/>
+          </a:xfrm>
+          <a:prstGeom prst="rect">
+            <a:avLst/>
+          </a:prstGeom>
+          <a:noFill/>
+          <a:ln>
+            <a:noFill/>
+          </a:ln>
+        </p:spPr>
+      </p:pic>
+      <p:pic>
+        <p:nvPicPr>
+          <p:cNvPr id="247" name="Google Shape;247;g23c34170ad5_0_19"/>
+          <p:cNvPicPr preferRelativeResize="0"/>
+          <p:nvPr/>
+        </p:nvPicPr>
+        <p:blipFill>
+          <a:blip r:embed="rId6">
+            <a:alphaModFix/>
+          </a:blip>
+          <a:stretch>
+            <a:fillRect/>
+          </a:stretch>
+        </p:blipFill>
+        <p:spPr>
+          <a:xfrm>
+            <a:off x="6915525" y="1726226"/>
+            <a:ext cx="4542450" cy="2866450"/>
+          </a:xfrm>
+          <a:prstGeom prst="rect">
+            <a:avLst/>
+          </a:prstGeom>
+          <a:noFill/>
+          <a:ln>
+            <a:noFill/>
+          </a:ln>
+        </p:spPr>
+      </p:pic>
     </p:spTree>
   </p:cSld>
   <p:clrMapOvr>
     <a:masterClrMapping/>
   </p:clrMapOvr>
   <p:transition spd="med">
-    <p:push/>
+    <p:fade/>
   </p:transition>
 </p:sld>
 </file>
 
-<file path=ppt/slides/slide13.xml><?xml version="1.0" encoding="utf-8"?>
+<file path=ppt/slides/slide15.xml><?xml version="1.0" encoding="utf-8"?>
 <p:sld xmlns:a="http://schemas.openxmlformats.org/drawingml/2006/main" xmlns:r="http://schemas.openxmlformats.org/officeDocument/2006/relationships" xmlns:mc="http://schemas.openxmlformats.org/markup-compatibility/2006" xmlns:mv="urn:schemas-microsoft-com:mac:vml" xmlns:p="http://schemas.openxmlformats.org/presentationml/2006/main" xmlns:c="http://schemas.openxmlformats.org/drawingml/2006/chart" xmlns:dgm="http://schemas.openxmlformats.org/drawingml/2006/diagram" xmlns:o="urn:schemas-microsoft-com:office:office" xmlns:v="urn:schemas-microsoft-com:vml" xmlns:pvml="urn:schemas-microsoft-com:office:powerpoint" xmlns:com="http://schemas.openxmlformats.org/drawingml/2006/compatibility" xmlns:p14="http://schemas.microsoft.com/office/powerpoint/2010/main" xmlns:p15="http://schemas.microsoft.com/office/powerpoint/2012/main" xmlns:ahyp="http://schemas.microsoft.com/office/drawing/2018/hyperlinkcolor">
   <p:cSld>
     <p:spTree>
       <p:nvGrpSpPr>
-        <p:cNvPr id="211" name="Shape 211"/>
+        <p:cNvPr id="251" name="Shape 251"/>
         <p:cNvGrpSpPr/>
         <p:nvPr/>
       </p:nvGrpSpPr>
@@ -13095,7 +15027,7 @@
       </p:grpSpPr>
       <p:sp>
         <p:nvSpPr>
-          <p:cNvPr id="212" name="Google Shape;212;g23c34170ad5_0_31"/>
+          <p:cNvPr id="252" name="Google Shape;252;g23c34170ad5_0_31"/>
           <p:cNvSpPr txBox="1"/>
           <p:nvPr>
             <p:ph idx="12" type="sldNum"/>
@@ -13143,7 +15075,7 @@
       </p:sp>
       <p:grpSp>
         <p:nvGrpSpPr>
-          <p:cNvPr id="213" name="Google Shape;213;g23c34170ad5_0_31"/>
+          <p:cNvPr id="253" name="Google Shape;253;g23c34170ad5_0_31"/>
           <p:cNvGrpSpPr/>
           <p:nvPr/>
         </p:nvGrpSpPr>
@@ -13157,7 +15089,7 @@
         </p:grpSpPr>
         <p:sp>
           <p:nvSpPr>
-            <p:cNvPr id="214" name="Google Shape;214;g23c34170ad5_0_31"/>
+            <p:cNvPr id="254" name="Google Shape;254;g23c34170ad5_0_31"/>
             <p:cNvSpPr/>
             <p:nvPr/>
           </p:nvSpPr>
@@ -13188,16 +15120,17 @@
             </a:bodyPr>
             <a:lstStyle/>
             <a:p>
-              <a:pPr indent="0" lvl="0" marL="0" marR="0" rtl="0" algn="ctr">
-                <a:lnSpc>
-                  <a:spcPct val="100000"/>
-                </a:lnSpc>
+              <a:pPr indent="0" lvl="0" marL="0" rtl="0" algn="ctr">
                 <a:spcBef>
                   <a:spcPts val="0"/>
                 </a:spcBef>
                 <a:spcAft>
                   <a:spcPts val="0"/>
                 </a:spcAft>
+                <a:buClr>
+                  <a:schemeClr val="dk1"/>
+                </a:buClr>
+                <a:buFont typeface="Arial"/>
                 <a:buNone/>
               </a:pPr>
               <a:r>
@@ -13206,7 +15139,7 @@
                     <a:srgbClr val="065CAB"/>
                   </a:solidFill>
                 </a:rPr>
-                <a:t>Тестирование модели</a:t>
+                <a:t>Нейронная сеть</a:t>
               </a:r>
               <a:endParaRPr b="0" i="0" sz="2800" u="none" cap="none" strike="noStrike">
                 <a:solidFill>
@@ -13222,7 +15155,7 @@
         </p:sp>
         <p:sp>
           <p:nvSpPr>
-            <p:cNvPr id="215" name="Google Shape;215;g23c34170ad5_0_31"/>
+            <p:cNvPr id="255" name="Google Shape;255;g23c34170ad5_0_31"/>
             <p:cNvSpPr/>
             <p:nvPr/>
           </p:nvSpPr>
@@ -13296,7 +15229,7 @@
         </p:sp>
         <p:sp>
           <p:nvSpPr>
-            <p:cNvPr id="216" name="Google Shape;216;g23c34170ad5_0_31"/>
+            <p:cNvPr id="256" name="Google Shape;256;g23c34170ad5_0_31"/>
             <p:cNvSpPr/>
             <p:nvPr/>
           </p:nvSpPr>
@@ -13369,23 +15302,107 @@
           </p:txBody>
         </p:sp>
       </p:grpSp>
+      <p:pic>
+        <p:nvPicPr>
+          <p:cNvPr id="257" name="Google Shape;257;g23c34170ad5_0_31"/>
+          <p:cNvPicPr preferRelativeResize="0"/>
+          <p:nvPr/>
+        </p:nvPicPr>
+        <p:blipFill>
+          <a:blip r:embed="rId3">
+            <a:alphaModFix/>
+          </a:blip>
+          <a:stretch>
+            <a:fillRect/>
+          </a:stretch>
+        </p:blipFill>
+        <p:spPr>
+          <a:xfrm>
+            <a:off x="6535028" y="1557351"/>
+            <a:ext cx="4446844" cy="2387524"/>
+          </a:xfrm>
+          <a:prstGeom prst="rect">
+            <a:avLst/>
+          </a:prstGeom>
+          <a:noFill/>
+          <a:ln>
+            <a:noFill/>
+          </a:ln>
+        </p:spPr>
+      </p:pic>
+      <p:pic>
+        <p:nvPicPr>
+          <p:cNvPr id="258" name="Google Shape;258;g23c34170ad5_0_31"/>
+          <p:cNvPicPr preferRelativeResize="0"/>
+          <p:nvPr/>
+        </p:nvPicPr>
+        <p:blipFill>
+          <a:blip r:embed="rId4">
+            <a:alphaModFix/>
+          </a:blip>
+          <a:stretch>
+            <a:fillRect/>
+          </a:stretch>
+        </p:blipFill>
+        <p:spPr>
+          <a:xfrm>
+            <a:off x="6597750" y="3944875"/>
+            <a:ext cx="4500725" cy="2387525"/>
+          </a:xfrm>
+          <a:prstGeom prst="rect">
+            <a:avLst/>
+          </a:prstGeom>
+          <a:noFill/>
+          <a:ln>
+            <a:noFill/>
+          </a:ln>
+        </p:spPr>
+      </p:pic>
+      <p:pic>
+        <p:nvPicPr>
+          <p:cNvPr id="259" name="Google Shape;259;g23c34170ad5_0_31"/>
+          <p:cNvPicPr preferRelativeResize="0"/>
+          <p:nvPr/>
+        </p:nvPicPr>
+        <p:blipFill>
+          <a:blip r:embed="rId5">
+            <a:alphaModFix/>
+          </a:blip>
+          <a:stretch>
+            <a:fillRect/>
+          </a:stretch>
+        </p:blipFill>
+        <p:spPr>
+          <a:xfrm>
+            <a:off x="550878" y="2133601"/>
+            <a:ext cx="5820121" cy="2387524"/>
+          </a:xfrm>
+          <a:prstGeom prst="rect">
+            <a:avLst/>
+          </a:prstGeom>
+          <a:noFill/>
+          <a:ln>
+            <a:noFill/>
+          </a:ln>
+        </p:spPr>
+      </p:pic>
     </p:spTree>
   </p:cSld>
   <p:clrMapOvr>
     <a:masterClrMapping/>
   </p:clrMapOvr>
   <p:transition spd="med">
-    <p:push/>
+    <p:fade/>
   </p:transition>
 </p:sld>
 </file>
 
-<file path=ppt/slides/slide14.xml><?xml version="1.0" encoding="utf-8"?>
+<file path=ppt/slides/slide16.xml><?xml version="1.0" encoding="utf-8"?>
 <p:sld xmlns:a="http://schemas.openxmlformats.org/drawingml/2006/main" xmlns:r="http://schemas.openxmlformats.org/officeDocument/2006/relationships" xmlns:mc="http://schemas.openxmlformats.org/markup-compatibility/2006" xmlns:mv="urn:schemas-microsoft-com:mac:vml" xmlns:p="http://schemas.openxmlformats.org/presentationml/2006/main" xmlns:c="http://schemas.openxmlformats.org/drawingml/2006/chart" xmlns:dgm="http://schemas.openxmlformats.org/drawingml/2006/diagram" xmlns:o="urn:schemas-microsoft-com:office:office" xmlns:v="urn:schemas-microsoft-com:vml" xmlns:pvml="urn:schemas-microsoft-com:office:powerpoint" xmlns:com="http://schemas.openxmlformats.org/drawingml/2006/compatibility" xmlns:p14="http://schemas.microsoft.com/office/powerpoint/2010/main" xmlns:p15="http://schemas.microsoft.com/office/powerpoint/2012/main" xmlns:ahyp="http://schemas.microsoft.com/office/drawing/2018/hyperlinkcolor">
   <p:cSld>
     <p:spTree>
       <p:nvGrpSpPr>
-        <p:cNvPr id="220" name="Shape 220"/>
+        <p:cNvPr id="263" name="Shape 263"/>
         <p:cNvGrpSpPr/>
         <p:nvPr/>
       </p:nvGrpSpPr>
@@ -13399,7 +15416,7 @@
       </p:grpSpPr>
       <p:sp>
         <p:nvSpPr>
-          <p:cNvPr id="221" name="Google Shape;221;g23c34170ad5_0_39"/>
+          <p:cNvPr id="264" name="Google Shape;264;g23cb0b1dc77_0_25"/>
           <p:cNvSpPr txBox="1"/>
           <p:nvPr>
             <p:ph idx="12" type="sldNum"/>
@@ -13447,7 +15464,7 @@
       </p:sp>
       <p:grpSp>
         <p:nvGrpSpPr>
-          <p:cNvPr id="222" name="Google Shape;222;g23c34170ad5_0_39"/>
+          <p:cNvPr id="265" name="Google Shape;265;g23cb0b1dc77_0_25"/>
           <p:cNvGrpSpPr/>
           <p:nvPr/>
         </p:nvGrpSpPr>
@@ -13461,7 +15478,7 @@
         </p:grpSpPr>
         <p:sp>
           <p:nvSpPr>
-            <p:cNvPr id="223" name="Google Shape;223;g23c34170ad5_0_39"/>
+            <p:cNvPr id="266" name="Google Shape;266;g23cb0b1dc77_0_25"/>
             <p:cNvSpPr/>
             <p:nvPr/>
           </p:nvSpPr>
@@ -13492,16 +15509,17 @@
             </a:bodyPr>
             <a:lstStyle/>
             <a:p>
-              <a:pPr indent="0" lvl="0" marL="0" marR="0" rtl="0" algn="ctr">
-                <a:lnSpc>
-                  <a:spcPct val="100000"/>
-                </a:lnSpc>
+              <a:pPr indent="0" lvl="0" marL="0" rtl="0" algn="ctr">
                 <a:spcBef>
                   <a:spcPts val="0"/>
                 </a:spcBef>
                 <a:spcAft>
                   <a:spcPts val="0"/>
                 </a:spcAft>
+                <a:buClr>
+                  <a:schemeClr val="dk1"/>
+                </a:buClr>
+                <a:buFont typeface="Arial"/>
                 <a:buNone/>
               </a:pPr>
               <a:r>
@@ -13510,7 +15528,7 @@
                     <a:srgbClr val="065CAB"/>
                   </a:solidFill>
                 </a:rPr>
-                <a:t>Тестирование модели</a:t>
+                <a:t>Нейронная сеть</a:t>
               </a:r>
               <a:endParaRPr b="0" i="0" sz="2800" u="none" cap="none" strike="noStrike">
                 <a:solidFill>
@@ -13526,7 +15544,7 @@
         </p:sp>
         <p:sp>
           <p:nvSpPr>
-            <p:cNvPr id="224" name="Google Shape;224;g23c34170ad5_0_39"/>
+            <p:cNvPr id="267" name="Google Shape;267;g23cb0b1dc77_0_25"/>
             <p:cNvSpPr/>
             <p:nvPr/>
           </p:nvSpPr>
@@ -13600,7 +15618,7 @@
         </p:sp>
         <p:sp>
           <p:nvSpPr>
-            <p:cNvPr id="225" name="Google Shape;225;g23c34170ad5_0_39"/>
+            <p:cNvPr id="268" name="Google Shape;268;g23cb0b1dc77_0_25"/>
             <p:cNvSpPr/>
             <p:nvPr/>
           </p:nvSpPr>
@@ -13673,23 +15691,79 @@
           </p:txBody>
         </p:sp>
       </p:grpSp>
+      <p:pic>
+        <p:nvPicPr>
+          <p:cNvPr id="269" name="Google Shape;269;g23cb0b1dc77_0_25"/>
+          <p:cNvPicPr preferRelativeResize="0"/>
+          <p:nvPr/>
+        </p:nvPicPr>
+        <p:blipFill>
+          <a:blip r:embed="rId3">
+            <a:alphaModFix/>
+          </a:blip>
+          <a:stretch>
+            <a:fillRect/>
+          </a:stretch>
+        </p:blipFill>
+        <p:spPr>
+          <a:xfrm>
+            <a:off x="550866" y="1557350"/>
+            <a:ext cx="4010025" cy="3829050"/>
+          </a:xfrm>
+          <a:prstGeom prst="rect">
+            <a:avLst/>
+          </a:prstGeom>
+          <a:noFill/>
+          <a:ln>
+            <a:noFill/>
+          </a:ln>
+        </p:spPr>
+      </p:pic>
+      <p:pic>
+        <p:nvPicPr>
+          <p:cNvPr id="270" name="Google Shape;270;g23cb0b1dc77_0_25"/>
+          <p:cNvPicPr preferRelativeResize="0"/>
+          <p:nvPr/>
+        </p:nvPicPr>
+        <p:blipFill>
+          <a:blip r:embed="rId4">
+            <a:alphaModFix/>
+          </a:blip>
+          <a:stretch>
+            <a:fillRect/>
+          </a:stretch>
+        </p:blipFill>
+        <p:spPr>
+          <a:xfrm>
+            <a:off x="5630212" y="2019450"/>
+            <a:ext cx="4542438" cy="2607080"/>
+          </a:xfrm>
+          <a:prstGeom prst="rect">
+            <a:avLst/>
+          </a:prstGeom>
+          <a:noFill/>
+          <a:ln>
+            <a:noFill/>
+          </a:ln>
+        </p:spPr>
+      </p:pic>
     </p:spTree>
   </p:cSld>
   <p:clrMapOvr>
     <a:masterClrMapping/>
   </p:clrMapOvr>
   <p:transition spd="med">
-    <p:push/>
+    <p:fade/>
   </p:transition>
 </p:sld>
 </file>
 
-<file path=ppt/slides/slide15.xml><?xml version="1.0" encoding="utf-8"?>
+<file path=ppt/slides/slide17.xml><?xml version="1.0" encoding="utf-8"?>
 <p:sld xmlns:a="http://schemas.openxmlformats.org/drawingml/2006/main" xmlns:r="http://schemas.openxmlformats.org/officeDocument/2006/relationships" xmlns:mc="http://schemas.openxmlformats.org/markup-compatibility/2006" xmlns:mv="urn:schemas-microsoft-com:mac:vml" xmlns:p="http://schemas.openxmlformats.org/presentationml/2006/main" xmlns:c="http://schemas.openxmlformats.org/drawingml/2006/chart" xmlns:dgm="http://schemas.openxmlformats.org/drawingml/2006/diagram" xmlns:o="urn:schemas-microsoft-com:office:office" xmlns:v="urn:schemas-microsoft-com:vml" xmlns:pvml="urn:schemas-microsoft-com:office:powerpoint" xmlns:com="http://schemas.openxmlformats.org/drawingml/2006/compatibility" xmlns:p14="http://schemas.microsoft.com/office/powerpoint/2010/main" xmlns:p15="http://schemas.microsoft.com/office/powerpoint/2012/main" xmlns:ahyp="http://schemas.microsoft.com/office/drawing/2018/hyperlinkcolor">
   <p:cSld>
     <p:spTree>
       <p:nvGrpSpPr>
-        <p:cNvPr id="229" name="Shape 229"/>
+        <p:cNvPr id="274" name="Shape 274"/>
         <p:cNvGrpSpPr/>
         <p:nvPr/>
       </p:nvGrpSpPr>
@@ -13701,13 +15775,1124 @@
           <a:chExt cx="0" cy="0"/>
         </a:xfrm>
       </p:grpSpPr>
+      <p:sp>
+        <p:nvSpPr>
+          <p:cNvPr id="275" name="Google Shape;275;g23c34170ad5_0_39"/>
+          <p:cNvSpPr txBox="1"/>
+          <p:nvPr>
+            <p:ph idx="12" type="sldNum"/>
+          </p:nvPr>
+        </p:nvSpPr>
+        <p:spPr>
+          <a:xfrm>
+            <a:off x="273628" y="6434051"/>
+            <a:ext cx="632400" cy="275400"/>
+          </a:xfrm>
+          <a:prstGeom prst="rect">
+            <a:avLst/>
+          </a:prstGeom>
+          <a:noFill/>
+          <a:ln>
+            <a:noFill/>
+          </a:ln>
+        </p:spPr>
+        <p:txBody>
+          <a:bodyPr anchorCtr="0" anchor="ctr" bIns="45700" lIns="91425" spcFirstLastPara="1" rIns="91425" wrap="square" tIns="45700">
+            <a:noAutofit/>
+          </a:bodyPr>
+          <a:lstStyle/>
+          <a:p>
+            <a:pPr indent="0" lvl="0" marL="0" rtl="0" algn="l">
+              <a:lnSpc>
+                <a:spcPct val="100000"/>
+              </a:lnSpc>
+              <a:spcBef>
+                <a:spcPts val="0"/>
+              </a:spcBef>
+              <a:spcAft>
+                <a:spcPts val="0"/>
+              </a:spcAft>
+              <a:buSzPts val="2400"/>
+              <a:buNone/>
+            </a:pPr>
+            <a:fld id="{00000000-1234-1234-1234-123412341234}" type="slidenum">
+              <a:rPr lang="ru-RU"/>
+              <a:t>‹#›</a:t>
+            </a:fld>
+            <a:endParaRPr/>
+          </a:p>
+        </p:txBody>
+      </p:sp>
+      <p:grpSp>
+        <p:nvGrpSpPr>
+          <p:cNvPr id="276" name="Google Shape;276;g23c34170ad5_0_39"/>
+          <p:cNvGrpSpPr/>
+          <p:nvPr/>
+        </p:nvGrpSpPr>
+        <p:grpSpPr>
+          <a:xfrm>
+            <a:off x="3167877" y="469300"/>
+            <a:ext cx="4247264" cy="666000"/>
+            <a:chOff x="1476754" y="3499676"/>
+            <a:chExt cx="5868008" cy="666000"/>
+          </a:xfrm>
+        </p:grpSpPr>
+        <p:sp>
+          <p:nvSpPr>
+            <p:cNvPr id="277" name="Google Shape;277;g23c34170ad5_0_39"/>
+            <p:cNvSpPr/>
+            <p:nvPr/>
+          </p:nvSpPr>
+          <p:spPr>
+            <a:xfrm>
+              <a:off x="1476762" y="3499676"/>
+              <a:ext cx="5868000" cy="666000"/>
+            </a:xfrm>
+            <a:prstGeom prst="rect">
+              <a:avLst/>
+            </a:prstGeom>
+            <a:solidFill>
+              <a:schemeClr val="lt1"/>
+            </a:solidFill>
+            <a:ln cap="flat" cmpd="sng" w="25400">
+              <a:solidFill>
+                <a:schemeClr val="lt1"/>
+              </a:solidFill>
+              <a:prstDash val="solid"/>
+              <a:round/>
+              <a:headEnd len="sm" w="sm" type="none"/>
+              <a:tailEnd len="sm" w="sm" type="none"/>
+            </a:ln>
+          </p:spPr>
+          <p:txBody>
+            <a:bodyPr anchorCtr="0" anchor="ctr" bIns="45700" lIns="91425" spcFirstLastPara="1" rIns="91425" wrap="square" tIns="45700">
+              <a:noAutofit/>
+            </a:bodyPr>
+            <a:lstStyle/>
+            <a:p>
+              <a:pPr indent="0" lvl="0" marL="0" rtl="0" algn="ctr">
+                <a:spcBef>
+                  <a:spcPts val="0"/>
+                </a:spcBef>
+                <a:spcAft>
+                  <a:spcPts val="0"/>
+                </a:spcAft>
+                <a:buClr>
+                  <a:schemeClr val="dk1"/>
+                </a:buClr>
+                <a:buFont typeface="Arial"/>
+                <a:buNone/>
+              </a:pPr>
+              <a:r>
+                <a:rPr lang="ru-RU" sz="2800">
+                  <a:solidFill>
+                    <a:srgbClr val="065CAB"/>
+                  </a:solidFill>
+                </a:rPr>
+                <a:t>Нейронная сеть</a:t>
+              </a:r>
+              <a:endParaRPr b="0" i="0" sz="2800" u="none" cap="none" strike="noStrike">
+                <a:solidFill>
+                  <a:schemeClr val="lt1"/>
+                </a:solidFill>
+                <a:latin typeface="Arial"/>
+                <a:ea typeface="Arial"/>
+                <a:cs typeface="Arial"/>
+                <a:sym typeface="Arial"/>
+              </a:endParaRPr>
+            </a:p>
+          </p:txBody>
+        </p:sp>
+        <p:sp>
+          <p:nvSpPr>
+            <p:cNvPr id="278" name="Google Shape;278;g23c34170ad5_0_39"/>
+            <p:cNvSpPr/>
+            <p:nvPr/>
+          </p:nvSpPr>
+          <p:spPr>
+            <a:xfrm flipH="1" rot="10800000">
+              <a:off x="1476754" y="3499902"/>
+              <a:ext cx="76452" cy="665767"/>
+            </a:xfrm>
+            <a:custGeom>
+              <a:rect b="b" l="l" r="r" t="t"/>
+              <a:pathLst>
+                <a:path extrusionOk="0" h="424732" w="424732">
+                  <a:moveTo>
+                    <a:pt x="424732" y="424732"/>
+                  </a:moveTo>
+                  <a:lnTo>
+                    <a:pt x="0" y="424732"/>
+                  </a:lnTo>
+                  <a:lnTo>
+                    <a:pt x="0" y="0"/>
+                  </a:lnTo>
+                  <a:lnTo>
+                    <a:pt x="424732" y="0"/>
+                  </a:lnTo>
+                </a:path>
+              </a:pathLst>
+            </a:custGeom>
+            <a:noFill/>
+            <a:ln cap="flat" cmpd="sng" w="16500">
+              <a:solidFill>
+                <a:srgbClr val="065CAB"/>
+              </a:solidFill>
+              <a:prstDash val="solid"/>
+              <a:round/>
+              <a:headEnd len="sm" w="sm" type="none"/>
+              <a:tailEnd len="sm" w="sm" type="none"/>
+            </a:ln>
+          </p:spPr>
+          <p:txBody>
+            <a:bodyPr anchorCtr="0" anchor="ctr" bIns="45700" lIns="91425" spcFirstLastPara="1" rIns="91425" wrap="square" tIns="45700">
+              <a:noAutofit/>
+            </a:bodyPr>
+            <a:lstStyle/>
+            <a:p>
+              <a:pPr indent="0" lvl="0" marL="0" marR="0" rtl="0" algn="ctr">
+                <a:lnSpc>
+                  <a:spcPct val="100000"/>
+                </a:lnSpc>
+                <a:spcBef>
+                  <a:spcPts val="0"/>
+                </a:spcBef>
+                <a:spcAft>
+                  <a:spcPts val="0"/>
+                </a:spcAft>
+                <a:buNone/>
+              </a:pPr>
+              <a:r>
+                <a:t/>
+              </a:r>
+              <a:endParaRPr b="0" i="0" sz="1400" u="none" cap="none" strike="noStrike">
+                <a:solidFill>
+                  <a:schemeClr val="dk1"/>
+                </a:solidFill>
+                <a:latin typeface="Arial"/>
+                <a:ea typeface="Arial"/>
+                <a:cs typeface="Arial"/>
+                <a:sym typeface="Arial"/>
+              </a:endParaRPr>
+            </a:p>
+          </p:txBody>
+        </p:sp>
+        <p:sp>
+          <p:nvSpPr>
+            <p:cNvPr id="279" name="Google Shape;279;g23c34170ad5_0_39"/>
+            <p:cNvSpPr/>
+            <p:nvPr/>
+          </p:nvSpPr>
+          <p:spPr>
+            <a:xfrm flipH="1">
+              <a:off x="7254504" y="3499794"/>
+              <a:ext cx="90256" cy="665767"/>
+            </a:xfrm>
+            <a:custGeom>
+              <a:rect b="b" l="l" r="r" t="t"/>
+              <a:pathLst>
+                <a:path extrusionOk="0" h="424732" w="424732">
+                  <a:moveTo>
+                    <a:pt x="424732" y="424732"/>
+                  </a:moveTo>
+                  <a:lnTo>
+                    <a:pt x="0" y="424732"/>
+                  </a:lnTo>
+                  <a:lnTo>
+                    <a:pt x="0" y="0"/>
+                  </a:lnTo>
+                  <a:lnTo>
+                    <a:pt x="424732" y="0"/>
+                  </a:lnTo>
+                </a:path>
+              </a:pathLst>
+            </a:custGeom>
+            <a:noFill/>
+            <a:ln cap="flat" cmpd="sng" w="16500">
+              <a:solidFill>
+                <a:srgbClr val="0046A2"/>
+              </a:solidFill>
+              <a:prstDash val="solid"/>
+              <a:round/>
+              <a:headEnd len="sm" w="sm" type="none"/>
+              <a:tailEnd len="sm" w="sm" type="none"/>
+            </a:ln>
+          </p:spPr>
+          <p:txBody>
+            <a:bodyPr anchorCtr="0" anchor="ctr" bIns="45700" lIns="91425" spcFirstLastPara="1" rIns="91425" wrap="square" tIns="45700">
+              <a:noAutofit/>
+            </a:bodyPr>
+            <a:lstStyle/>
+            <a:p>
+              <a:pPr indent="0" lvl="0" marL="0" marR="0" rtl="0" algn="ctr">
+                <a:lnSpc>
+                  <a:spcPct val="100000"/>
+                </a:lnSpc>
+                <a:spcBef>
+                  <a:spcPts val="0"/>
+                </a:spcBef>
+                <a:spcAft>
+                  <a:spcPts val="0"/>
+                </a:spcAft>
+                <a:buNone/>
+              </a:pPr>
+              <a:r>
+                <a:t/>
+              </a:r>
+              <a:endParaRPr b="0" i="0" sz="1400" u="none" cap="none" strike="noStrike">
+                <a:solidFill>
+                  <a:srgbClr val="065CAB"/>
+                </a:solidFill>
+                <a:latin typeface="Arial"/>
+                <a:ea typeface="Arial"/>
+                <a:cs typeface="Arial"/>
+                <a:sym typeface="Arial"/>
+              </a:endParaRPr>
+            </a:p>
+          </p:txBody>
+        </p:sp>
+      </p:grpSp>
+      <p:pic>
+        <p:nvPicPr>
+          <p:cNvPr id="280" name="Google Shape;280;g23c34170ad5_0_39"/>
+          <p:cNvPicPr preferRelativeResize="0"/>
+          <p:nvPr/>
+        </p:nvPicPr>
+        <p:blipFill>
+          <a:blip r:embed="rId3">
+            <a:alphaModFix/>
+          </a:blip>
+          <a:stretch>
+            <a:fillRect/>
+          </a:stretch>
+        </p:blipFill>
+        <p:spPr>
+          <a:xfrm>
+            <a:off x="6565453" y="1659001"/>
+            <a:ext cx="4446844" cy="2387524"/>
+          </a:xfrm>
+          <a:prstGeom prst="rect">
+            <a:avLst/>
+          </a:prstGeom>
+          <a:noFill/>
+          <a:ln>
+            <a:noFill/>
+          </a:ln>
+        </p:spPr>
+      </p:pic>
+      <p:pic>
+        <p:nvPicPr>
+          <p:cNvPr id="281" name="Google Shape;281;g23c34170ad5_0_39"/>
+          <p:cNvPicPr preferRelativeResize="0"/>
+          <p:nvPr/>
+        </p:nvPicPr>
+        <p:blipFill>
+          <a:blip r:embed="rId4">
+            <a:alphaModFix/>
+          </a:blip>
+          <a:stretch>
+            <a:fillRect/>
+          </a:stretch>
+        </p:blipFill>
+        <p:spPr>
+          <a:xfrm>
+            <a:off x="550878" y="2133601"/>
+            <a:ext cx="5728271" cy="2337398"/>
+          </a:xfrm>
+          <a:prstGeom prst="rect">
+            <a:avLst/>
+          </a:prstGeom>
+          <a:noFill/>
+          <a:ln>
+            <a:noFill/>
+          </a:ln>
+        </p:spPr>
+      </p:pic>
+      <p:pic>
+        <p:nvPicPr>
+          <p:cNvPr id="282" name="Google Shape;282;g23c34170ad5_0_39"/>
+          <p:cNvPicPr preferRelativeResize="0"/>
+          <p:nvPr/>
+        </p:nvPicPr>
+        <p:blipFill>
+          <a:blip r:embed="rId5">
+            <a:alphaModFix/>
+          </a:blip>
+          <a:stretch>
+            <a:fillRect/>
+          </a:stretch>
+        </p:blipFill>
+        <p:spPr>
+          <a:xfrm>
+            <a:off x="6711538" y="4046525"/>
+            <a:ext cx="4300774" cy="2387525"/>
+          </a:xfrm>
+          <a:prstGeom prst="rect">
+            <a:avLst/>
+          </a:prstGeom>
+          <a:noFill/>
+          <a:ln>
+            <a:noFill/>
+          </a:ln>
+        </p:spPr>
+      </p:pic>
     </p:spTree>
   </p:cSld>
   <p:clrMapOvr>
     <a:masterClrMapping/>
   </p:clrMapOvr>
   <p:transition spd="med">
-    <p:push/>
+    <p:fade/>
+  </p:transition>
+</p:sld>
+</file>
+
+<file path=ppt/slides/slide18.xml><?xml version="1.0" encoding="utf-8"?>
+<p:sld xmlns:a="http://schemas.openxmlformats.org/drawingml/2006/main" xmlns:r="http://schemas.openxmlformats.org/officeDocument/2006/relationships" xmlns:mc="http://schemas.openxmlformats.org/markup-compatibility/2006" xmlns:mv="urn:schemas-microsoft-com:mac:vml" xmlns:p="http://schemas.openxmlformats.org/presentationml/2006/main" xmlns:c="http://schemas.openxmlformats.org/drawingml/2006/chart" xmlns:dgm="http://schemas.openxmlformats.org/drawingml/2006/diagram" xmlns:o="urn:schemas-microsoft-com:office:office" xmlns:v="urn:schemas-microsoft-com:vml" xmlns:pvml="urn:schemas-microsoft-com:office:powerpoint" xmlns:com="http://schemas.openxmlformats.org/drawingml/2006/compatibility" xmlns:p14="http://schemas.microsoft.com/office/powerpoint/2010/main" xmlns:p15="http://schemas.microsoft.com/office/powerpoint/2012/main" xmlns:ahyp="http://schemas.microsoft.com/office/drawing/2018/hyperlinkcolor">
+  <p:cSld>
+    <p:spTree>
+      <p:nvGrpSpPr>
+        <p:cNvPr id="286" name="Shape 286"/>
+        <p:cNvGrpSpPr/>
+        <p:nvPr/>
+      </p:nvGrpSpPr>
+      <p:grpSpPr>
+        <a:xfrm>
+          <a:off x="0" y="0"/>
+          <a:ext cx="0" cy="0"/>
+          <a:chOff x="0" y="0"/>
+          <a:chExt cx="0" cy="0"/>
+        </a:xfrm>
+      </p:grpSpPr>
+      <p:sp>
+        <p:nvSpPr>
+          <p:cNvPr id="287" name="Google Shape;287;g23cb0b1dc77_0_54"/>
+          <p:cNvSpPr txBox="1"/>
+          <p:nvPr>
+            <p:ph idx="12" type="sldNum"/>
+          </p:nvPr>
+        </p:nvSpPr>
+        <p:spPr>
+          <a:xfrm>
+            <a:off x="273628" y="6434051"/>
+            <a:ext cx="632400" cy="275400"/>
+          </a:xfrm>
+          <a:prstGeom prst="rect">
+            <a:avLst/>
+          </a:prstGeom>
+          <a:noFill/>
+          <a:ln>
+            <a:noFill/>
+          </a:ln>
+        </p:spPr>
+        <p:txBody>
+          <a:bodyPr anchorCtr="0" anchor="ctr" bIns="45700" lIns="91425" spcFirstLastPara="1" rIns="91425" wrap="square" tIns="45700">
+            <a:noAutofit/>
+          </a:bodyPr>
+          <a:lstStyle/>
+          <a:p>
+            <a:pPr indent="0" lvl="0" marL="0" rtl="0" algn="l">
+              <a:lnSpc>
+                <a:spcPct val="100000"/>
+              </a:lnSpc>
+              <a:spcBef>
+                <a:spcPts val="0"/>
+              </a:spcBef>
+              <a:spcAft>
+                <a:spcPts val="0"/>
+              </a:spcAft>
+              <a:buSzPts val="2400"/>
+              <a:buNone/>
+            </a:pPr>
+            <a:fld id="{00000000-1234-1234-1234-123412341234}" type="slidenum">
+              <a:rPr lang="ru-RU"/>
+              <a:t>‹#›</a:t>
+            </a:fld>
+            <a:endParaRPr/>
+          </a:p>
+        </p:txBody>
+      </p:sp>
+      <p:grpSp>
+        <p:nvGrpSpPr>
+          <p:cNvPr id="288" name="Google Shape;288;g23cb0b1dc77_0_54"/>
+          <p:cNvGrpSpPr/>
+          <p:nvPr/>
+        </p:nvGrpSpPr>
+        <p:grpSpPr>
+          <a:xfrm>
+            <a:off x="3167877" y="469300"/>
+            <a:ext cx="4247264" cy="666000"/>
+            <a:chOff x="1476754" y="3499676"/>
+            <a:chExt cx="5868008" cy="666000"/>
+          </a:xfrm>
+        </p:grpSpPr>
+        <p:sp>
+          <p:nvSpPr>
+            <p:cNvPr id="289" name="Google Shape;289;g23cb0b1dc77_0_54"/>
+            <p:cNvSpPr/>
+            <p:nvPr/>
+          </p:nvSpPr>
+          <p:spPr>
+            <a:xfrm>
+              <a:off x="1476762" y="3499676"/>
+              <a:ext cx="5868000" cy="666000"/>
+            </a:xfrm>
+            <a:prstGeom prst="rect">
+              <a:avLst/>
+            </a:prstGeom>
+            <a:solidFill>
+              <a:schemeClr val="lt1"/>
+            </a:solidFill>
+            <a:ln cap="flat" cmpd="sng" w="25400">
+              <a:solidFill>
+                <a:schemeClr val="lt1"/>
+              </a:solidFill>
+              <a:prstDash val="solid"/>
+              <a:round/>
+              <a:headEnd len="sm" w="sm" type="none"/>
+              <a:tailEnd len="sm" w="sm" type="none"/>
+            </a:ln>
+          </p:spPr>
+          <p:txBody>
+            <a:bodyPr anchorCtr="0" anchor="ctr" bIns="45700" lIns="91425" spcFirstLastPara="1" rIns="91425" wrap="square" tIns="45700">
+              <a:noAutofit/>
+            </a:bodyPr>
+            <a:lstStyle/>
+            <a:p>
+              <a:pPr indent="0" lvl="0" marL="0" rtl="0" algn="ctr">
+                <a:spcBef>
+                  <a:spcPts val="0"/>
+                </a:spcBef>
+                <a:spcAft>
+                  <a:spcPts val="0"/>
+                </a:spcAft>
+                <a:buClr>
+                  <a:schemeClr val="dk1"/>
+                </a:buClr>
+                <a:buFont typeface="Arial"/>
+                <a:buNone/>
+              </a:pPr>
+              <a:r>
+                <a:rPr lang="ru-RU" sz="2800">
+                  <a:solidFill>
+                    <a:srgbClr val="065CAB"/>
+                  </a:solidFill>
+                </a:rPr>
+                <a:t>Нейронная сеть</a:t>
+              </a:r>
+              <a:endParaRPr b="0" i="0" sz="2800" u="none" cap="none" strike="noStrike">
+                <a:solidFill>
+                  <a:schemeClr val="lt1"/>
+                </a:solidFill>
+                <a:latin typeface="Arial"/>
+                <a:ea typeface="Arial"/>
+                <a:cs typeface="Arial"/>
+                <a:sym typeface="Arial"/>
+              </a:endParaRPr>
+            </a:p>
+          </p:txBody>
+        </p:sp>
+        <p:sp>
+          <p:nvSpPr>
+            <p:cNvPr id="290" name="Google Shape;290;g23cb0b1dc77_0_54"/>
+            <p:cNvSpPr/>
+            <p:nvPr/>
+          </p:nvSpPr>
+          <p:spPr>
+            <a:xfrm flipH="1" rot="10800000">
+              <a:off x="1476754" y="3499902"/>
+              <a:ext cx="76452" cy="665767"/>
+            </a:xfrm>
+            <a:custGeom>
+              <a:rect b="b" l="l" r="r" t="t"/>
+              <a:pathLst>
+                <a:path extrusionOk="0" h="424732" w="424732">
+                  <a:moveTo>
+                    <a:pt x="424732" y="424732"/>
+                  </a:moveTo>
+                  <a:lnTo>
+                    <a:pt x="0" y="424732"/>
+                  </a:lnTo>
+                  <a:lnTo>
+                    <a:pt x="0" y="0"/>
+                  </a:lnTo>
+                  <a:lnTo>
+                    <a:pt x="424732" y="0"/>
+                  </a:lnTo>
+                </a:path>
+              </a:pathLst>
+            </a:custGeom>
+            <a:noFill/>
+            <a:ln cap="flat" cmpd="sng" w="16500">
+              <a:solidFill>
+                <a:srgbClr val="065CAB"/>
+              </a:solidFill>
+              <a:prstDash val="solid"/>
+              <a:round/>
+              <a:headEnd len="sm" w="sm" type="none"/>
+              <a:tailEnd len="sm" w="sm" type="none"/>
+            </a:ln>
+          </p:spPr>
+          <p:txBody>
+            <a:bodyPr anchorCtr="0" anchor="ctr" bIns="45700" lIns="91425" spcFirstLastPara="1" rIns="91425" wrap="square" tIns="45700">
+              <a:noAutofit/>
+            </a:bodyPr>
+            <a:lstStyle/>
+            <a:p>
+              <a:pPr indent="0" lvl="0" marL="0" marR="0" rtl="0" algn="ctr">
+                <a:lnSpc>
+                  <a:spcPct val="100000"/>
+                </a:lnSpc>
+                <a:spcBef>
+                  <a:spcPts val="0"/>
+                </a:spcBef>
+                <a:spcAft>
+                  <a:spcPts val="0"/>
+                </a:spcAft>
+                <a:buNone/>
+              </a:pPr>
+              <a:r>
+                <a:t/>
+              </a:r>
+              <a:endParaRPr b="0" i="0" sz="1400" u="none" cap="none" strike="noStrike">
+                <a:solidFill>
+                  <a:schemeClr val="dk1"/>
+                </a:solidFill>
+                <a:latin typeface="Arial"/>
+                <a:ea typeface="Arial"/>
+                <a:cs typeface="Arial"/>
+                <a:sym typeface="Arial"/>
+              </a:endParaRPr>
+            </a:p>
+          </p:txBody>
+        </p:sp>
+        <p:sp>
+          <p:nvSpPr>
+            <p:cNvPr id="291" name="Google Shape;291;g23cb0b1dc77_0_54"/>
+            <p:cNvSpPr/>
+            <p:nvPr/>
+          </p:nvSpPr>
+          <p:spPr>
+            <a:xfrm flipH="1">
+              <a:off x="7254504" y="3499794"/>
+              <a:ext cx="90256" cy="665767"/>
+            </a:xfrm>
+            <a:custGeom>
+              <a:rect b="b" l="l" r="r" t="t"/>
+              <a:pathLst>
+                <a:path extrusionOk="0" h="424732" w="424732">
+                  <a:moveTo>
+                    <a:pt x="424732" y="424732"/>
+                  </a:moveTo>
+                  <a:lnTo>
+                    <a:pt x="0" y="424732"/>
+                  </a:lnTo>
+                  <a:lnTo>
+                    <a:pt x="0" y="0"/>
+                  </a:lnTo>
+                  <a:lnTo>
+                    <a:pt x="424732" y="0"/>
+                  </a:lnTo>
+                </a:path>
+              </a:pathLst>
+            </a:custGeom>
+            <a:noFill/>
+            <a:ln cap="flat" cmpd="sng" w="16500">
+              <a:solidFill>
+                <a:srgbClr val="0046A2"/>
+              </a:solidFill>
+              <a:prstDash val="solid"/>
+              <a:round/>
+              <a:headEnd len="sm" w="sm" type="none"/>
+              <a:tailEnd len="sm" w="sm" type="none"/>
+            </a:ln>
+          </p:spPr>
+          <p:txBody>
+            <a:bodyPr anchorCtr="0" anchor="ctr" bIns="45700" lIns="91425" spcFirstLastPara="1" rIns="91425" wrap="square" tIns="45700">
+              <a:noAutofit/>
+            </a:bodyPr>
+            <a:lstStyle/>
+            <a:p>
+              <a:pPr indent="0" lvl="0" marL="0" marR="0" rtl="0" algn="ctr">
+                <a:lnSpc>
+                  <a:spcPct val="100000"/>
+                </a:lnSpc>
+                <a:spcBef>
+                  <a:spcPts val="0"/>
+                </a:spcBef>
+                <a:spcAft>
+                  <a:spcPts val="0"/>
+                </a:spcAft>
+                <a:buNone/>
+              </a:pPr>
+              <a:r>
+                <a:t/>
+              </a:r>
+              <a:endParaRPr b="0" i="0" sz="1400" u="none" cap="none" strike="noStrike">
+                <a:solidFill>
+                  <a:srgbClr val="065CAB"/>
+                </a:solidFill>
+                <a:latin typeface="Arial"/>
+                <a:ea typeface="Arial"/>
+                <a:cs typeface="Arial"/>
+                <a:sym typeface="Arial"/>
+              </a:endParaRPr>
+            </a:p>
+          </p:txBody>
+        </p:sp>
+      </p:grpSp>
+      <p:pic>
+        <p:nvPicPr>
+          <p:cNvPr id="292" name="Google Shape;292;g23cb0b1dc77_0_54"/>
+          <p:cNvPicPr preferRelativeResize="0"/>
+          <p:nvPr/>
+        </p:nvPicPr>
+        <p:blipFill>
+          <a:blip r:embed="rId3">
+            <a:alphaModFix/>
+          </a:blip>
+          <a:stretch>
+            <a:fillRect/>
+          </a:stretch>
+        </p:blipFill>
+        <p:spPr>
+          <a:xfrm>
+            <a:off x="550887" y="1557350"/>
+            <a:ext cx="4542438" cy="3547428"/>
+          </a:xfrm>
+          <a:prstGeom prst="rect">
+            <a:avLst/>
+          </a:prstGeom>
+          <a:noFill/>
+          <a:ln>
+            <a:noFill/>
+          </a:ln>
+        </p:spPr>
+      </p:pic>
+      <p:pic>
+        <p:nvPicPr>
+          <p:cNvPr id="293" name="Google Shape;293;g23cb0b1dc77_0_54"/>
+          <p:cNvPicPr preferRelativeResize="0"/>
+          <p:nvPr/>
+        </p:nvPicPr>
+        <p:blipFill>
+          <a:blip r:embed="rId4">
+            <a:alphaModFix/>
+          </a:blip>
+          <a:stretch>
+            <a:fillRect/>
+          </a:stretch>
+        </p:blipFill>
+        <p:spPr>
+          <a:xfrm>
+            <a:off x="5452125" y="2010176"/>
+            <a:ext cx="4645809" cy="2387524"/>
+          </a:xfrm>
+          <a:prstGeom prst="rect">
+            <a:avLst/>
+          </a:prstGeom>
+          <a:noFill/>
+          <a:ln>
+            <a:noFill/>
+          </a:ln>
+        </p:spPr>
+      </p:pic>
+    </p:spTree>
+  </p:cSld>
+  <p:clrMapOvr>
+    <a:masterClrMapping/>
+  </p:clrMapOvr>
+  <p:transition spd="med">
+    <p:fade/>
+  </p:transition>
+</p:sld>
+</file>
+
+<file path=ppt/slides/slide19.xml><?xml version="1.0" encoding="utf-8"?>
+<p:sld xmlns:a="http://schemas.openxmlformats.org/drawingml/2006/main" xmlns:r="http://schemas.openxmlformats.org/officeDocument/2006/relationships" xmlns:mc="http://schemas.openxmlformats.org/markup-compatibility/2006" xmlns:mv="urn:schemas-microsoft-com:mac:vml" xmlns:p="http://schemas.openxmlformats.org/presentationml/2006/main" xmlns:c="http://schemas.openxmlformats.org/drawingml/2006/chart" xmlns:dgm="http://schemas.openxmlformats.org/drawingml/2006/diagram" xmlns:o="urn:schemas-microsoft-com:office:office" xmlns:v="urn:schemas-microsoft-com:vml" xmlns:pvml="urn:schemas-microsoft-com:office:powerpoint" xmlns:com="http://schemas.openxmlformats.org/drawingml/2006/compatibility" xmlns:p14="http://schemas.microsoft.com/office/powerpoint/2010/main" xmlns:p15="http://schemas.microsoft.com/office/powerpoint/2012/main" xmlns:ahyp="http://schemas.microsoft.com/office/drawing/2018/hyperlinkcolor">
+  <p:cSld>
+    <p:spTree>
+      <p:nvGrpSpPr>
+        <p:cNvPr id="297" name="Shape 297"/>
+        <p:cNvGrpSpPr/>
+        <p:nvPr/>
+      </p:nvGrpSpPr>
+      <p:grpSpPr>
+        <a:xfrm>
+          <a:off x="0" y="0"/>
+          <a:ext cx="0" cy="0"/>
+          <a:chOff x="0" y="0"/>
+          <a:chExt cx="0" cy="0"/>
+        </a:xfrm>
+      </p:grpSpPr>
+      <p:sp>
+        <p:nvSpPr>
+          <p:cNvPr id="298" name="Google Shape;298;g23cb0b1dc77_0_17"/>
+          <p:cNvSpPr txBox="1"/>
+          <p:nvPr>
+            <p:ph idx="12" type="sldNum"/>
+          </p:nvPr>
+        </p:nvSpPr>
+        <p:spPr>
+          <a:xfrm>
+            <a:off x="273628" y="6434051"/>
+            <a:ext cx="632400" cy="275400"/>
+          </a:xfrm>
+          <a:prstGeom prst="rect">
+            <a:avLst/>
+          </a:prstGeom>
+          <a:noFill/>
+          <a:ln>
+            <a:noFill/>
+          </a:ln>
+        </p:spPr>
+        <p:txBody>
+          <a:bodyPr anchorCtr="0" anchor="ctr" bIns="45700" lIns="91425" spcFirstLastPara="1" rIns="91425" wrap="square" tIns="45700">
+            <a:noAutofit/>
+          </a:bodyPr>
+          <a:lstStyle/>
+          <a:p>
+            <a:pPr indent="0" lvl="0" marL="0" rtl="0" algn="l">
+              <a:lnSpc>
+                <a:spcPct val="100000"/>
+              </a:lnSpc>
+              <a:spcBef>
+                <a:spcPts val="0"/>
+              </a:spcBef>
+              <a:spcAft>
+                <a:spcPts val="0"/>
+              </a:spcAft>
+              <a:buSzPts val="2400"/>
+              <a:buNone/>
+            </a:pPr>
+            <a:fld id="{00000000-1234-1234-1234-123412341234}" type="slidenum">
+              <a:rPr lang="ru-RU"/>
+              <a:t>‹#›</a:t>
+            </a:fld>
+            <a:endParaRPr/>
+          </a:p>
+        </p:txBody>
+      </p:sp>
+      <p:grpSp>
+        <p:nvGrpSpPr>
+          <p:cNvPr id="299" name="Google Shape;299;g23cb0b1dc77_0_17"/>
+          <p:cNvGrpSpPr/>
+          <p:nvPr/>
+        </p:nvGrpSpPr>
+        <p:grpSpPr>
+          <a:xfrm>
+            <a:off x="3167877" y="469300"/>
+            <a:ext cx="4247264" cy="666000"/>
+            <a:chOff x="1476754" y="3499676"/>
+            <a:chExt cx="5868008" cy="666000"/>
+          </a:xfrm>
+        </p:grpSpPr>
+        <p:sp>
+          <p:nvSpPr>
+            <p:cNvPr id="300" name="Google Shape;300;g23cb0b1dc77_0_17"/>
+            <p:cNvSpPr/>
+            <p:nvPr/>
+          </p:nvSpPr>
+          <p:spPr>
+            <a:xfrm>
+              <a:off x="1476762" y="3499676"/>
+              <a:ext cx="5868000" cy="666000"/>
+            </a:xfrm>
+            <a:prstGeom prst="rect">
+              <a:avLst/>
+            </a:prstGeom>
+            <a:solidFill>
+              <a:schemeClr val="lt1"/>
+            </a:solidFill>
+            <a:ln cap="flat" cmpd="sng" w="25400">
+              <a:solidFill>
+                <a:schemeClr val="lt1"/>
+              </a:solidFill>
+              <a:prstDash val="solid"/>
+              <a:round/>
+              <a:headEnd len="sm" w="sm" type="none"/>
+              <a:tailEnd len="sm" w="sm" type="none"/>
+            </a:ln>
+          </p:spPr>
+          <p:txBody>
+            <a:bodyPr anchorCtr="0" anchor="ctr" bIns="45700" lIns="91425" spcFirstLastPara="1" rIns="91425" wrap="square" tIns="45700">
+              <a:noAutofit/>
+            </a:bodyPr>
+            <a:lstStyle/>
+            <a:p>
+              <a:pPr indent="0" lvl="0" marL="0" rtl="0" algn="ctr">
+                <a:spcBef>
+                  <a:spcPts val="0"/>
+                </a:spcBef>
+                <a:spcAft>
+                  <a:spcPts val="0"/>
+                </a:spcAft>
+                <a:buClr>
+                  <a:schemeClr val="dk1"/>
+                </a:buClr>
+                <a:buFont typeface="Arial"/>
+                <a:buNone/>
+              </a:pPr>
+              <a:r>
+                <a:rPr lang="ru-RU" sz="2800">
+                  <a:solidFill>
+                    <a:srgbClr val="065CAB"/>
+                  </a:solidFill>
+                </a:rPr>
+                <a:t>Нейронная сеть</a:t>
+              </a:r>
+              <a:endParaRPr b="0" i="0" sz="2800" u="none" cap="none" strike="noStrike">
+                <a:solidFill>
+                  <a:schemeClr val="lt1"/>
+                </a:solidFill>
+                <a:latin typeface="Arial"/>
+                <a:ea typeface="Arial"/>
+                <a:cs typeface="Arial"/>
+                <a:sym typeface="Arial"/>
+              </a:endParaRPr>
+            </a:p>
+          </p:txBody>
+        </p:sp>
+        <p:sp>
+          <p:nvSpPr>
+            <p:cNvPr id="301" name="Google Shape;301;g23cb0b1dc77_0_17"/>
+            <p:cNvSpPr/>
+            <p:nvPr/>
+          </p:nvSpPr>
+          <p:spPr>
+            <a:xfrm flipH="1" rot="10800000">
+              <a:off x="1476754" y="3499902"/>
+              <a:ext cx="76452" cy="665767"/>
+            </a:xfrm>
+            <a:custGeom>
+              <a:rect b="b" l="l" r="r" t="t"/>
+              <a:pathLst>
+                <a:path extrusionOk="0" h="424732" w="424732">
+                  <a:moveTo>
+                    <a:pt x="424732" y="424732"/>
+                  </a:moveTo>
+                  <a:lnTo>
+                    <a:pt x="0" y="424732"/>
+                  </a:lnTo>
+                  <a:lnTo>
+                    <a:pt x="0" y="0"/>
+                  </a:lnTo>
+                  <a:lnTo>
+                    <a:pt x="424732" y="0"/>
+                  </a:lnTo>
+                </a:path>
+              </a:pathLst>
+            </a:custGeom>
+            <a:noFill/>
+            <a:ln cap="flat" cmpd="sng" w="16500">
+              <a:solidFill>
+                <a:srgbClr val="065CAB"/>
+              </a:solidFill>
+              <a:prstDash val="solid"/>
+              <a:round/>
+              <a:headEnd len="sm" w="sm" type="none"/>
+              <a:tailEnd len="sm" w="sm" type="none"/>
+            </a:ln>
+          </p:spPr>
+          <p:txBody>
+            <a:bodyPr anchorCtr="0" anchor="ctr" bIns="45700" lIns="91425" spcFirstLastPara="1" rIns="91425" wrap="square" tIns="45700">
+              <a:noAutofit/>
+            </a:bodyPr>
+            <a:lstStyle/>
+            <a:p>
+              <a:pPr indent="0" lvl="0" marL="0" marR="0" rtl="0" algn="ctr">
+                <a:lnSpc>
+                  <a:spcPct val="100000"/>
+                </a:lnSpc>
+                <a:spcBef>
+                  <a:spcPts val="0"/>
+                </a:spcBef>
+                <a:spcAft>
+                  <a:spcPts val="0"/>
+                </a:spcAft>
+                <a:buNone/>
+              </a:pPr>
+              <a:r>
+                <a:t/>
+              </a:r>
+              <a:endParaRPr b="0" i="0" sz="1400" u="none" cap="none" strike="noStrike">
+                <a:solidFill>
+                  <a:schemeClr val="dk1"/>
+                </a:solidFill>
+                <a:latin typeface="Arial"/>
+                <a:ea typeface="Arial"/>
+                <a:cs typeface="Arial"/>
+                <a:sym typeface="Arial"/>
+              </a:endParaRPr>
+            </a:p>
+          </p:txBody>
+        </p:sp>
+        <p:sp>
+          <p:nvSpPr>
+            <p:cNvPr id="302" name="Google Shape;302;g23cb0b1dc77_0_17"/>
+            <p:cNvSpPr/>
+            <p:nvPr/>
+          </p:nvSpPr>
+          <p:spPr>
+            <a:xfrm flipH="1">
+              <a:off x="7254504" y="3499794"/>
+              <a:ext cx="90256" cy="665767"/>
+            </a:xfrm>
+            <a:custGeom>
+              <a:rect b="b" l="l" r="r" t="t"/>
+              <a:pathLst>
+                <a:path extrusionOk="0" h="424732" w="424732">
+                  <a:moveTo>
+                    <a:pt x="424732" y="424732"/>
+                  </a:moveTo>
+                  <a:lnTo>
+                    <a:pt x="0" y="424732"/>
+                  </a:lnTo>
+                  <a:lnTo>
+                    <a:pt x="0" y="0"/>
+                  </a:lnTo>
+                  <a:lnTo>
+                    <a:pt x="424732" y="0"/>
+                  </a:lnTo>
+                </a:path>
+              </a:pathLst>
+            </a:custGeom>
+            <a:noFill/>
+            <a:ln cap="flat" cmpd="sng" w="16500">
+              <a:solidFill>
+                <a:srgbClr val="0046A2"/>
+              </a:solidFill>
+              <a:prstDash val="solid"/>
+              <a:round/>
+              <a:headEnd len="sm" w="sm" type="none"/>
+              <a:tailEnd len="sm" w="sm" type="none"/>
+            </a:ln>
+          </p:spPr>
+          <p:txBody>
+            <a:bodyPr anchorCtr="0" anchor="ctr" bIns="45700" lIns="91425" spcFirstLastPara="1" rIns="91425" wrap="square" tIns="45700">
+              <a:noAutofit/>
+            </a:bodyPr>
+            <a:lstStyle/>
+            <a:p>
+              <a:pPr indent="0" lvl="0" marL="0" marR="0" rtl="0" algn="ctr">
+                <a:lnSpc>
+                  <a:spcPct val="100000"/>
+                </a:lnSpc>
+                <a:spcBef>
+                  <a:spcPts val="0"/>
+                </a:spcBef>
+                <a:spcAft>
+                  <a:spcPts val="0"/>
+                </a:spcAft>
+                <a:buNone/>
+              </a:pPr>
+              <a:r>
+                <a:t/>
+              </a:r>
+              <a:endParaRPr b="0" i="0" sz="1400" u="none" cap="none" strike="noStrike">
+                <a:solidFill>
+                  <a:srgbClr val="065CAB"/>
+                </a:solidFill>
+                <a:latin typeface="Arial"/>
+                <a:ea typeface="Arial"/>
+                <a:cs typeface="Arial"/>
+                <a:sym typeface="Arial"/>
+              </a:endParaRPr>
+            </a:p>
+          </p:txBody>
+        </p:sp>
+      </p:grpSp>
+      <p:pic>
+        <p:nvPicPr>
+          <p:cNvPr id="303" name="Google Shape;303;g23cb0b1dc77_0_17"/>
+          <p:cNvPicPr preferRelativeResize="0"/>
+          <p:nvPr/>
+        </p:nvPicPr>
+        <p:blipFill>
+          <a:blip r:embed="rId3">
+            <a:alphaModFix/>
+          </a:blip>
+          <a:stretch>
+            <a:fillRect/>
+          </a:stretch>
+        </p:blipFill>
+        <p:spPr>
+          <a:xfrm>
+            <a:off x="6312175" y="1625525"/>
+            <a:ext cx="4707026" cy="2387525"/>
+          </a:xfrm>
+          <a:prstGeom prst="rect">
+            <a:avLst/>
+          </a:prstGeom>
+          <a:noFill/>
+          <a:ln>
+            <a:noFill/>
+          </a:ln>
+        </p:spPr>
+      </p:pic>
+      <p:pic>
+        <p:nvPicPr>
+          <p:cNvPr id="304" name="Google Shape;304;g23cb0b1dc77_0_17"/>
+          <p:cNvPicPr preferRelativeResize="0"/>
+          <p:nvPr/>
+        </p:nvPicPr>
+        <p:blipFill>
+          <a:blip r:embed="rId4">
+            <a:alphaModFix/>
+          </a:blip>
+          <a:stretch>
+            <a:fillRect/>
+          </a:stretch>
+        </p:blipFill>
+        <p:spPr>
+          <a:xfrm>
+            <a:off x="6312178" y="4013051"/>
+            <a:ext cx="4707027" cy="2387524"/>
+          </a:xfrm>
+          <a:prstGeom prst="rect">
+            <a:avLst/>
+          </a:prstGeom>
+          <a:noFill/>
+          <a:ln>
+            <a:noFill/>
+          </a:ln>
+        </p:spPr>
+      </p:pic>
+      <p:pic>
+        <p:nvPicPr>
+          <p:cNvPr id="305" name="Google Shape;305;g23cb0b1dc77_0_17"/>
+          <p:cNvPicPr preferRelativeResize="0"/>
+          <p:nvPr/>
+        </p:nvPicPr>
+        <p:blipFill>
+          <a:blip r:embed="rId5">
+            <a:alphaModFix/>
+          </a:blip>
+          <a:stretch>
+            <a:fillRect/>
+          </a:stretch>
+        </p:blipFill>
+        <p:spPr>
+          <a:xfrm>
+            <a:off x="550878" y="2133601"/>
+            <a:ext cx="5050811" cy="2387524"/>
+          </a:xfrm>
+          <a:prstGeom prst="rect">
+            <a:avLst/>
+          </a:prstGeom>
+          <a:noFill/>
+          <a:ln>
+            <a:noFill/>
+          </a:ln>
+        </p:spPr>
+      </p:pic>
+    </p:spTree>
+  </p:cSld>
+  <p:clrMapOvr>
+    <a:masterClrMapping/>
+  </p:clrMapOvr>
+  <p:transition spd="med">
+    <p:fade/>
   </p:transition>
 </p:sld>
 </file>
@@ -13794,7 +16979,7 @@
                     <a:srgbClr val="065CAB"/>
                   </a:solidFill>
                 </a:rPr>
-                <a:t>Постановка задачи</a:t>
+                <a:t>Введение</a:t>
               </a:r>
               <a:endParaRPr b="0" i="0" sz="2800" u="none" cap="none" strike="noStrike">
                 <a:solidFill>
@@ -14013,17 +17198,23 @@
         </p:nvSpPr>
         <p:spPr>
           <a:xfrm>
-            <a:off x="885825" y="1820050"/>
-            <a:ext cx="4761900" cy="3396000"/>
+            <a:off x="794450" y="1950250"/>
+            <a:ext cx="4853400" cy="3265800"/>
           </a:xfrm>
           <a:prstGeom prst="rect">
             <a:avLst/>
           </a:prstGeom>
           <a:solidFill>
-            <a:schemeClr val="lt1"/>
+            <a:srgbClr val="E6E7E7"/>
           </a:solidFill>
-          <a:ln>
-            <a:noFill/>
+          <a:ln cap="flat" cmpd="sng" w="9525">
+            <a:solidFill>
+              <a:schemeClr val="lt1"/>
+            </a:solidFill>
+            <a:prstDash val="solid"/>
+            <a:round/>
+            <a:headEnd len="sm" w="sm" type="none"/>
+            <a:tailEnd len="sm" w="sm" type="none"/>
           </a:ln>
         </p:spPr>
         <p:txBody>
@@ -14032,7 +17223,7 @@
           </a:bodyPr>
           <a:lstStyle/>
           <a:p>
-            <a:pPr indent="457200" lvl="0" marL="0" rtl="0" algn="just">
+            <a:pPr indent="0" lvl="0" marL="0" rtl="0" algn="just">
               <a:lnSpc>
                 <a:spcPct val="115000"/>
               </a:lnSpc>
@@ -14049,13 +17240,21 @@
                 <a:solidFill>
                   <a:schemeClr val="dk1"/>
                 </a:solidFill>
+                <a:latin typeface="Times New Roman"/>
+                <a:ea typeface="Times New Roman"/>
+                <a:cs typeface="Times New Roman"/>
+                <a:sym typeface="Times New Roman"/>
               </a:rPr>
-              <a:t>Выявление наиболее эффективной модели</a:t>
+              <a:t>Временной ряд (time series) — это данные, последовательно собранные в регулярные промежутки времени.</a:t>
             </a:r>
             <a:endParaRPr sz="2200">
               <a:solidFill>
                 <a:schemeClr val="dk1"/>
               </a:solidFill>
+              <a:latin typeface="Times New Roman"/>
+              <a:ea typeface="Times New Roman"/>
+              <a:cs typeface="Times New Roman"/>
+              <a:sym typeface="Times New Roman"/>
             </a:endParaRPr>
           </a:p>
           <a:p>
@@ -14072,14 +17271,52 @@
               <a:buNone/>
             </a:pPr>
             <a:r>
+              <a:t/>
+            </a:r>
+            <a:endParaRPr sz="2200">
+              <a:solidFill>
+                <a:schemeClr val="dk1"/>
+              </a:solidFill>
+              <a:latin typeface="Times New Roman"/>
+              <a:ea typeface="Times New Roman"/>
+              <a:cs typeface="Times New Roman"/>
+              <a:sym typeface="Times New Roman"/>
+            </a:endParaRPr>
+          </a:p>
+          <a:p>
+            <a:pPr indent="0" lvl="0" marL="0" rtl="0" algn="just">
+              <a:lnSpc>
+                <a:spcPct val="115000"/>
+              </a:lnSpc>
+              <a:spcBef>
+                <a:spcPts val="0"/>
+              </a:spcBef>
+              <a:spcAft>
+                <a:spcPts val="0"/>
+              </a:spcAft>
+              <a:buNone/>
+            </a:pPr>
+            <a:r>
               <a:rPr lang="ru-RU" sz="2200">
                 <a:solidFill>
                   <a:schemeClr val="dk1"/>
                 </a:solidFill>
+                <a:latin typeface="Times New Roman"/>
+                <a:ea typeface="Times New Roman"/>
+                <a:cs typeface="Times New Roman"/>
+                <a:sym typeface="Times New Roman"/>
               </a:rPr>
-              <a:t>прогнозирования прибыли на примере данных компании по продажам инженерной сантехники с использованием методов машинного обучения.</a:t>
+              <a:t>К таким данным относятся, например, цены на акции, объемы продаж чего-либо, изменения температуры с течением времени и т.д.</a:t>
             </a:r>
-            <a:endParaRPr sz="2200"/>
+            <a:endParaRPr sz="2200">
+              <a:solidFill>
+                <a:schemeClr val="dk1"/>
+              </a:solidFill>
+              <a:latin typeface="Times New Roman"/>
+              <a:ea typeface="Times New Roman"/>
+              <a:cs typeface="Times New Roman"/>
+              <a:sym typeface="Times New Roman"/>
+            </a:endParaRPr>
           </a:p>
         </p:txBody>
       </p:sp>
@@ -14167,18 +17404,17 @@
           <p:cNvPicPr preferRelativeResize="0"/>
           <p:nvPr/>
         </p:nvPicPr>
-        <p:blipFill>
+        <p:blipFill rotWithShape="1">
           <a:blip r:embed="rId3">
             <a:alphaModFix/>
           </a:blip>
-          <a:stretch>
-            <a:fillRect/>
-          </a:stretch>
+          <a:srcRect b="0" l="13288" r="12681" t="0"/>
+          <a:stretch/>
         </p:blipFill>
         <p:spPr>
           <a:xfrm>
-            <a:off x="6764125" y="2399700"/>
-            <a:ext cx="4467076" cy="2590800"/>
+            <a:off x="6923675" y="1936750"/>
+            <a:ext cx="4287424" cy="3257550"/>
           </a:xfrm>
           <a:prstGeom prst="rect">
             <a:avLst/>
@@ -14195,7 +17431,396 @@
     <a:masterClrMapping/>
   </p:clrMapOvr>
   <p:transition spd="med">
-    <p:push/>
+    <p:fade/>
+  </p:transition>
+</p:sld>
+</file>
+
+<file path=ppt/slides/slide20.xml><?xml version="1.0" encoding="utf-8"?>
+<p:sld xmlns:a="http://schemas.openxmlformats.org/drawingml/2006/main" xmlns:r="http://schemas.openxmlformats.org/officeDocument/2006/relationships" xmlns:mc="http://schemas.openxmlformats.org/markup-compatibility/2006" xmlns:mv="urn:schemas-microsoft-com:mac:vml" xmlns:p="http://schemas.openxmlformats.org/presentationml/2006/main" xmlns:c="http://schemas.openxmlformats.org/drawingml/2006/chart" xmlns:dgm="http://schemas.openxmlformats.org/drawingml/2006/diagram" xmlns:o="urn:schemas-microsoft-com:office:office" xmlns:v="urn:schemas-microsoft-com:vml" xmlns:pvml="urn:schemas-microsoft-com:office:powerpoint" xmlns:com="http://schemas.openxmlformats.org/drawingml/2006/compatibility" xmlns:p14="http://schemas.microsoft.com/office/powerpoint/2010/main" xmlns:p15="http://schemas.microsoft.com/office/powerpoint/2012/main" xmlns:ahyp="http://schemas.microsoft.com/office/drawing/2018/hyperlinkcolor">
+  <p:cSld>
+    <p:spTree>
+      <p:nvGrpSpPr>
+        <p:cNvPr id="309" name="Shape 309"/>
+        <p:cNvGrpSpPr/>
+        <p:nvPr/>
+      </p:nvGrpSpPr>
+      <p:grpSpPr>
+        <a:xfrm>
+          <a:off x="0" y="0"/>
+          <a:ext cx="0" cy="0"/>
+          <a:chOff x="0" y="0"/>
+          <a:chExt cx="0" cy="0"/>
+        </a:xfrm>
+      </p:grpSpPr>
+      <p:sp>
+        <p:nvSpPr>
+          <p:cNvPr id="310" name="Google Shape;310;g23cb0b1dc77_0_46"/>
+          <p:cNvSpPr txBox="1"/>
+          <p:nvPr>
+            <p:ph idx="12" type="sldNum"/>
+          </p:nvPr>
+        </p:nvSpPr>
+        <p:spPr>
+          <a:xfrm>
+            <a:off x="273628" y="6434051"/>
+            <a:ext cx="632400" cy="275400"/>
+          </a:xfrm>
+          <a:prstGeom prst="rect">
+            <a:avLst/>
+          </a:prstGeom>
+          <a:noFill/>
+          <a:ln>
+            <a:noFill/>
+          </a:ln>
+        </p:spPr>
+        <p:txBody>
+          <a:bodyPr anchorCtr="0" anchor="ctr" bIns="45700" lIns="91425" spcFirstLastPara="1" rIns="91425" wrap="square" tIns="45700">
+            <a:noAutofit/>
+          </a:bodyPr>
+          <a:lstStyle/>
+          <a:p>
+            <a:pPr indent="0" lvl="0" marL="0" rtl="0" algn="l">
+              <a:lnSpc>
+                <a:spcPct val="100000"/>
+              </a:lnSpc>
+              <a:spcBef>
+                <a:spcPts val="0"/>
+              </a:spcBef>
+              <a:spcAft>
+                <a:spcPts val="0"/>
+              </a:spcAft>
+              <a:buSzPts val="2400"/>
+              <a:buNone/>
+            </a:pPr>
+            <a:fld id="{00000000-1234-1234-1234-123412341234}" type="slidenum">
+              <a:rPr lang="ru-RU"/>
+              <a:t>‹#›</a:t>
+            </a:fld>
+            <a:endParaRPr/>
+          </a:p>
+        </p:txBody>
+      </p:sp>
+      <p:grpSp>
+        <p:nvGrpSpPr>
+          <p:cNvPr id="311" name="Google Shape;311;g23cb0b1dc77_0_46"/>
+          <p:cNvGrpSpPr/>
+          <p:nvPr/>
+        </p:nvGrpSpPr>
+        <p:grpSpPr>
+          <a:xfrm>
+            <a:off x="3167877" y="469300"/>
+            <a:ext cx="4247264" cy="666000"/>
+            <a:chOff x="1476754" y="3499676"/>
+            <a:chExt cx="5868008" cy="666000"/>
+          </a:xfrm>
+        </p:grpSpPr>
+        <p:sp>
+          <p:nvSpPr>
+            <p:cNvPr id="312" name="Google Shape;312;g23cb0b1dc77_0_46"/>
+            <p:cNvSpPr/>
+            <p:nvPr/>
+          </p:nvSpPr>
+          <p:spPr>
+            <a:xfrm>
+              <a:off x="1476762" y="3499676"/>
+              <a:ext cx="5868000" cy="666000"/>
+            </a:xfrm>
+            <a:prstGeom prst="rect">
+              <a:avLst/>
+            </a:prstGeom>
+            <a:solidFill>
+              <a:schemeClr val="lt1"/>
+            </a:solidFill>
+            <a:ln cap="flat" cmpd="sng" w="25400">
+              <a:solidFill>
+                <a:schemeClr val="lt1"/>
+              </a:solidFill>
+              <a:prstDash val="solid"/>
+              <a:round/>
+              <a:headEnd len="sm" w="sm" type="none"/>
+              <a:tailEnd len="sm" w="sm" type="none"/>
+            </a:ln>
+          </p:spPr>
+          <p:txBody>
+            <a:bodyPr anchorCtr="0" anchor="ctr" bIns="45700" lIns="91425" spcFirstLastPara="1" rIns="91425" wrap="square" tIns="45700">
+              <a:noAutofit/>
+            </a:bodyPr>
+            <a:lstStyle/>
+            <a:p>
+              <a:pPr indent="0" lvl="0" marL="0" rtl="0" algn="ctr">
+                <a:spcBef>
+                  <a:spcPts val="0"/>
+                </a:spcBef>
+                <a:spcAft>
+                  <a:spcPts val="0"/>
+                </a:spcAft>
+                <a:buClr>
+                  <a:schemeClr val="dk1"/>
+                </a:buClr>
+                <a:buFont typeface="Arial"/>
+                <a:buNone/>
+              </a:pPr>
+              <a:r>
+                <a:rPr lang="ru-RU" sz="2800">
+                  <a:solidFill>
+                    <a:srgbClr val="065CAB"/>
+                  </a:solidFill>
+                </a:rPr>
+                <a:t>Нейронная сеть</a:t>
+              </a:r>
+              <a:endParaRPr b="0" i="0" sz="2800" u="none" cap="none" strike="noStrike">
+                <a:solidFill>
+                  <a:schemeClr val="lt1"/>
+                </a:solidFill>
+                <a:latin typeface="Arial"/>
+                <a:ea typeface="Arial"/>
+                <a:cs typeface="Arial"/>
+                <a:sym typeface="Arial"/>
+              </a:endParaRPr>
+            </a:p>
+          </p:txBody>
+        </p:sp>
+        <p:sp>
+          <p:nvSpPr>
+            <p:cNvPr id="313" name="Google Shape;313;g23cb0b1dc77_0_46"/>
+            <p:cNvSpPr/>
+            <p:nvPr/>
+          </p:nvSpPr>
+          <p:spPr>
+            <a:xfrm flipH="1" rot="10800000">
+              <a:off x="1476754" y="3499902"/>
+              <a:ext cx="76452" cy="665767"/>
+            </a:xfrm>
+            <a:custGeom>
+              <a:rect b="b" l="l" r="r" t="t"/>
+              <a:pathLst>
+                <a:path extrusionOk="0" h="424732" w="424732">
+                  <a:moveTo>
+                    <a:pt x="424732" y="424732"/>
+                  </a:moveTo>
+                  <a:lnTo>
+                    <a:pt x="0" y="424732"/>
+                  </a:lnTo>
+                  <a:lnTo>
+                    <a:pt x="0" y="0"/>
+                  </a:lnTo>
+                  <a:lnTo>
+                    <a:pt x="424732" y="0"/>
+                  </a:lnTo>
+                </a:path>
+              </a:pathLst>
+            </a:custGeom>
+            <a:noFill/>
+            <a:ln cap="flat" cmpd="sng" w="16500">
+              <a:solidFill>
+                <a:srgbClr val="065CAB"/>
+              </a:solidFill>
+              <a:prstDash val="solid"/>
+              <a:round/>
+              <a:headEnd len="sm" w="sm" type="none"/>
+              <a:tailEnd len="sm" w="sm" type="none"/>
+            </a:ln>
+          </p:spPr>
+          <p:txBody>
+            <a:bodyPr anchorCtr="0" anchor="ctr" bIns="45700" lIns="91425" spcFirstLastPara="1" rIns="91425" wrap="square" tIns="45700">
+              <a:noAutofit/>
+            </a:bodyPr>
+            <a:lstStyle/>
+            <a:p>
+              <a:pPr indent="0" lvl="0" marL="0" marR="0" rtl="0" algn="ctr">
+                <a:lnSpc>
+                  <a:spcPct val="100000"/>
+                </a:lnSpc>
+                <a:spcBef>
+                  <a:spcPts val="0"/>
+                </a:spcBef>
+                <a:spcAft>
+                  <a:spcPts val="0"/>
+                </a:spcAft>
+                <a:buNone/>
+              </a:pPr>
+              <a:r>
+                <a:t/>
+              </a:r>
+              <a:endParaRPr b="0" i="0" sz="1400" u="none" cap="none" strike="noStrike">
+                <a:solidFill>
+                  <a:schemeClr val="dk1"/>
+                </a:solidFill>
+                <a:latin typeface="Arial"/>
+                <a:ea typeface="Arial"/>
+                <a:cs typeface="Arial"/>
+                <a:sym typeface="Arial"/>
+              </a:endParaRPr>
+            </a:p>
+          </p:txBody>
+        </p:sp>
+        <p:sp>
+          <p:nvSpPr>
+            <p:cNvPr id="314" name="Google Shape;314;g23cb0b1dc77_0_46"/>
+            <p:cNvSpPr/>
+            <p:nvPr/>
+          </p:nvSpPr>
+          <p:spPr>
+            <a:xfrm flipH="1">
+              <a:off x="7254504" y="3499794"/>
+              <a:ext cx="90256" cy="665767"/>
+            </a:xfrm>
+            <a:custGeom>
+              <a:rect b="b" l="l" r="r" t="t"/>
+              <a:pathLst>
+                <a:path extrusionOk="0" h="424732" w="424732">
+                  <a:moveTo>
+                    <a:pt x="424732" y="424732"/>
+                  </a:moveTo>
+                  <a:lnTo>
+                    <a:pt x="0" y="424732"/>
+                  </a:lnTo>
+                  <a:lnTo>
+                    <a:pt x="0" y="0"/>
+                  </a:lnTo>
+                  <a:lnTo>
+                    <a:pt x="424732" y="0"/>
+                  </a:lnTo>
+                </a:path>
+              </a:pathLst>
+            </a:custGeom>
+            <a:noFill/>
+            <a:ln cap="flat" cmpd="sng" w="16500">
+              <a:solidFill>
+                <a:srgbClr val="0046A2"/>
+              </a:solidFill>
+              <a:prstDash val="solid"/>
+              <a:round/>
+              <a:headEnd len="sm" w="sm" type="none"/>
+              <a:tailEnd len="sm" w="sm" type="none"/>
+            </a:ln>
+          </p:spPr>
+          <p:txBody>
+            <a:bodyPr anchorCtr="0" anchor="ctr" bIns="45700" lIns="91425" spcFirstLastPara="1" rIns="91425" wrap="square" tIns="45700">
+              <a:noAutofit/>
+            </a:bodyPr>
+            <a:lstStyle/>
+            <a:p>
+              <a:pPr indent="0" lvl="0" marL="0" marR="0" rtl="0" algn="ctr">
+                <a:lnSpc>
+                  <a:spcPct val="100000"/>
+                </a:lnSpc>
+                <a:spcBef>
+                  <a:spcPts val="0"/>
+                </a:spcBef>
+                <a:spcAft>
+                  <a:spcPts val="0"/>
+                </a:spcAft>
+                <a:buNone/>
+              </a:pPr>
+              <a:r>
+                <a:t/>
+              </a:r>
+              <a:endParaRPr b="0" i="0" sz="1400" u="none" cap="none" strike="noStrike">
+                <a:solidFill>
+                  <a:srgbClr val="065CAB"/>
+                </a:solidFill>
+                <a:latin typeface="Arial"/>
+                <a:ea typeface="Arial"/>
+                <a:cs typeface="Arial"/>
+                <a:sym typeface="Arial"/>
+              </a:endParaRPr>
+            </a:p>
+          </p:txBody>
+        </p:sp>
+      </p:grpSp>
+      <p:pic>
+        <p:nvPicPr>
+          <p:cNvPr id="315" name="Google Shape;315;g23cb0b1dc77_0_46"/>
+          <p:cNvPicPr preferRelativeResize="0"/>
+          <p:nvPr/>
+        </p:nvPicPr>
+        <p:blipFill>
+          <a:blip r:embed="rId3">
+            <a:alphaModFix/>
+          </a:blip>
+          <a:stretch>
+            <a:fillRect/>
+          </a:stretch>
+        </p:blipFill>
+        <p:spPr>
+          <a:xfrm>
+            <a:off x="7471441" y="4243050"/>
+            <a:ext cx="2981325" cy="1152525"/>
+          </a:xfrm>
+          <a:prstGeom prst="rect">
+            <a:avLst/>
+          </a:prstGeom>
+          <a:noFill/>
+          <a:ln>
+            <a:noFill/>
+          </a:ln>
+        </p:spPr>
+      </p:pic>
+      <p:pic>
+        <p:nvPicPr>
+          <p:cNvPr id="316" name="Google Shape;316;g23cb0b1dc77_0_46"/>
+          <p:cNvPicPr preferRelativeResize="0"/>
+          <p:nvPr/>
+        </p:nvPicPr>
+        <p:blipFill>
+          <a:blip r:embed="rId4">
+            <a:alphaModFix/>
+          </a:blip>
+          <a:stretch>
+            <a:fillRect/>
+          </a:stretch>
+        </p:blipFill>
+        <p:spPr>
+          <a:xfrm>
+            <a:off x="7471453" y="2321276"/>
+            <a:ext cx="3248025" cy="1238250"/>
+          </a:xfrm>
+          <a:prstGeom prst="rect">
+            <a:avLst/>
+          </a:prstGeom>
+          <a:noFill/>
+          <a:ln>
+            <a:noFill/>
+          </a:ln>
+        </p:spPr>
+      </p:pic>
+    </p:spTree>
+  </p:cSld>
+  <p:clrMapOvr>
+    <a:masterClrMapping/>
+  </p:clrMapOvr>
+  <p:transition spd="med">
+    <p:fade/>
+  </p:transition>
+</p:sld>
+</file>
+
+<file path=ppt/slides/slide21.xml><?xml version="1.0" encoding="utf-8"?>
+<p:sld xmlns:a="http://schemas.openxmlformats.org/drawingml/2006/main" xmlns:r="http://schemas.openxmlformats.org/officeDocument/2006/relationships" xmlns:mc="http://schemas.openxmlformats.org/markup-compatibility/2006" xmlns:mv="urn:schemas-microsoft-com:mac:vml" xmlns:p="http://schemas.openxmlformats.org/presentationml/2006/main" xmlns:c="http://schemas.openxmlformats.org/drawingml/2006/chart" xmlns:dgm="http://schemas.openxmlformats.org/drawingml/2006/diagram" xmlns:o="urn:schemas-microsoft-com:office:office" xmlns:v="urn:schemas-microsoft-com:vml" xmlns:pvml="urn:schemas-microsoft-com:office:powerpoint" xmlns:com="http://schemas.openxmlformats.org/drawingml/2006/compatibility" xmlns:p14="http://schemas.microsoft.com/office/powerpoint/2010/main" xmlns:p15="http://schemas.microsoft.com/office/powerpoint/2012/main" xmlns:ahyp="http://schemas.microsoft.com/office/drawing/2018/hyperlinkcolor">
+  <p:cSld>
+    <p:spTree>
+      <p:nvGrpSpPr>
+        <p:cNvPr id="320" name="Shape 320"/>
+        <p:cNvGrpSpPr/>
+        <p:nvPr/>
+      </p:nvGrpSpPr>
+      <p:grpSpPr>
+        <a:xfrm>
+          <a:off x="0" y="0"/>
+          <a:ext cx="0" cy="0"/>
+          <a:chOff x="0" y="0"/>
+          <a:chExt cx="0" cy="0"/>
+        </a:xfrm>
+      </p:grpSpPr>
+    </p:spTree>
+  </p:cSld>
+  <p:clrMapOvr>
+    <a:masterClrMapping/>
+  </p:clrMapOvr>
+  <p:transition spd="med">
+    <p:fade/>
   </p:transition>
 </p:sld>
 </file>
@@ -14217,9 +17842,946 @@
           <a:chExt cx="0" cy="0"/>
         </a:xfrm>
       </p:grpSpPr>
+      <p:grpSp>
+        <p:nvGrpSpPr>
+          <p:cNvPr id="90" name="Google Shape;90;g23c98e5bf64_0_15"/>
+          <p:cNvGrpSpPr/>
+          <p:nvPr/>
+        </p:nvGrpSpPr>
+        <p:grpSpPr>
+          <a:xfrm>
+            <a:off x="3167868" y="469293"/>
+            <a:ext cx="3835361" cy="666000"/>
+            <a:chOff x="1476753" y="3499669"/>
+            <a:chExt cx="4619247" cy="666000"/>
+          </a:xfrm>
+        </p:grpSpPr>
+        <p:sp>
+          <p:nvSpPr>
+            <p:cNvPr id="91" name="Google Shape;91;g23c98e5bf64_0_15"/>
+            <p:cNvSpPr/>
+            <p:nvPr/>
+          </p:nvSpPr>
+          <p:spPr>
+            <a:xfrm>
+              <a:off x="1476753" y="3499669"/>
+              <a:ext cx="4619100" cy="666000"/>
+            </a:xfrm>
+            <a:prstGeom prst="rect">
+              <a:avLst/>
+            </a:prstGeom>
+            <a:solidFill>
+              <a:schemeClr val="lt1"/>
+            </a:solidFill>
+            <a:ln cap="flat" cmpd="sng" w="25400">
+              <a:solidFill>
+                <a:schemeClr val="lt1"/>
+              </a:solidFill>
+              <a:prstDash val="solid"/>
+              <a:round/>
+              <a:headEnd len="sm" w="sm" type="none"/>
+              <a:tailEnd len="sm" w="sm" type="none"/>
+            </a:ln>
+          </p:spPr>
+          <p:txBody>
+            <a:bodyPr anchorCtr="0" anchor="ctr" bIns="45700" lIns="91425" spcFirstLastPara="1" rIns="91425" wrap="square" tIns="45700">
+              <a:noAutofit/>
+            </a:bodyPr>
+            <a:lstStyle/>
+            <a:p>
+              <a:pPr indent="0" lvl="0" marL="0" marR="0" rtl="0" algn="ctr">
+                <a:lnSpc>
+                  <a:spcPct val="100000"/>
+                </a:lnSpc>
+                <a:spcBef>
+                  <a:spcPts val="0"/>
+                </a:spcBef>
+                <a:spcAft>
+                  <a:spcPts val="0"/>
+                </a:spcAft>
+                <a:buNone/>
+              </a:pPr>
+              <a:r>
+                <a:rPr lang="ru-RU" sz="2800">
+                  <a:solidFill>
+                    <a:srgbClr val="065CAB"/>
+                  </a:solidFill>
+                </a:rPr>
+                <a:t>Введение</a:t>
+              </a:r>
+              <a:endParaRPr b="0" i="0" sz="2800" u="none" cap="none" strike="noStrike">
+                <a:solidFill>
+                  <a:schemeClr val="lt1"/>
+                </a:solidFill>
+                <a:latin typeface="Arial"/>
+                <a:ea typeface="Arial"/>
+                <a:cs typeface="Arial"/>
+                <a:sym typeface="Arial"/>
+              </a:endParaRPr>
+            </a:p>
+          </p:txBody>
+        </p:sp>
+        <p:sp>
+          <p:nvSpPr>
+            <p:cNvPr id="92" name="Google Shape;92;g23c98e5bf64_0_15"/>
+            <p:cNvSpPr/>
+            <p:nvPr/>
+          </p:nvSpPr>
+          <p:spPr>
+            <a:xfrm flipH="1" rot="10800000">
+              <a:off x="1476754" y="3499902"/>
+              <a:ext cx="76452" cy="665767"/>
+            </a:xfrm>
+            <a:custGeom>
+              <a:rect b="b" l="l" r="r" t="t"/>
+              <a:pathLst>
+                <a:path extrusionOk="0" h="424732" w="424732">
+                  <a:moveTo>
+                    <a:pt x="424732" y="424732"/>
+                  </a:moveTo>
+                  <a:lnTo>
+                    <a:pt x="0" y="424732"/>
+                  </a:lnTo>
+                  <a:lnTo>
+                    <a:pt x="0" y="0"/>
+                  </a:lnTo>
+                  <a:lnTo>
+                    <a:pt x="424732" y="0"/>
+                  </a:lnTo>
+                </a:path>
+              </a:pathLst>
+            </a:custGeom>
+            <a:noFill/>
+            <a:ln cap="flat" cmpd="sng" w="16500">
+              <a:solidFill>
+                <a:srgbClr val="065CAB"/>
+              </a:solidFill>
+              <a:prstDash val="solid"/>
+              <a:round/>
+              <a:headEnd len="sm" w="sm" type="none"/>
+              <a:tailEnd len="sm" w="sm" type="none"/>
+            </a:ln>
+          </p:spPr>
+          <p:txBody>
+            <a:bodyPr anchorCtr="0" anchor="ctr" bIns="45700" lIns="91425" spcFirstLastPara="1" rIns="91425" wrap="square" tIns="45700">
+              <a:noAutofit/>
+            </a:bodyPr>
+            <a:lstStyle/>
+            <a:p>
+              <a:pPr indent="0" lvl="0" marL="0" marR="0" rtl="0" algn="ctr">
+                <a:lnSpc>
+                  <a:spcPct val="100000"/>
+                </a:lnSpc>
+                <a:spcBef>
+                  <a:spcPts val="0"/>
+                </a:spcBef>
+                <a:spcAft>
+                  <a:spcPts val="0"/>
+                </a:spcAft>
+                <a:buNone/>
+              </a:pPr>
+              <a:r>
+                <a:t/>
+              </a:r>
+              <a:endParaRPr b="0" i="0" sz="1400" u="none" cap="none" strike="noStrike">
+                <a:solidFill>
+                  <a:schemeClr val="dk1"/>
+                </a:solidFill>
+                <a:latin typeface="Arial"/>
+                <a:ea typeface="Arial"/>
+                <a:cs typeface="Arial"/>
+                <a:sym typeface="Arial"/>
+              </a:endParaRPr>
+            </a:p>
+          </p:txBody>
+        </p:sp>
+        <p:sp>
+          <p:nvSpPr>
+            <p:cNvPr id="93" name="Google Shape;93;g23c98e5bf64_0_15"/>
+            <p:cNvSpPr/>
+            <p:nvPr/>
+          </p:nvSpPr>
+          <p:spPr>
+            <a:xfrm flipH="1">
+              <a:off x="6005744" y="3499669"/>
+              <a:ext cx="90256" cy="665767"/>
+            </a:xfrm>
+            <a:custGeom>
+              <a:rect b="b" l="l" r="r" t="t"/>
+              <a:pathLst>
+                <a:path extrusionOk="0" h="424732" w="424732">
+                  <a:moveTo>
+                    <a:pt x="424732" y="424732"/>
+                  </a:moveTo>
+                  <a:lnTo>
+                    <a:pt x="0" y="424732"/>
+                  </a:lnTo>
+                  <a:lnTo>
+                    <a:pt x="0" y="0"/>
+                  </a:lnTo>
+                  <a:lnTo>
+                    <a:pt x="424732" y="0"/>
+                  </a:lnTo>
+                </a:path>
+              </a:pathLst>
+            </a:custGeom>
+            <a:noFill/>
+            <a:ln cap="flat" cmpd="sng" w="16500">
+              <a:solidFill>
+                <a:srgbClr val="0046A2"/>
+              </a:solidFill>
+              <a:prstDash val="solid"/>
+              <a:round/>
+              <a:headEnd len="sm" w="sm" type="none"/>
+              <a:tailEnd len="sm" w="sm" type="none"/>
+            </a:ln>
+          </p:spPr>
+          <p:txBody>
+            <a:bodyPr anchorCtr="0" anchor="ctr" bIns="45700" lIns="91425" spcFirstLastPara="1" rIns="91425" wrap="square" tIns="45700">
+              <a:noAutofit/>
+            </a:bodyPr>
+            <a:lstStyle/>
+            <a:p>
+              <a:pPr indent="0" lvl="0" marL="0" marR="0" rtl="0" algn="ctr">
+                <a:lnSpc>
+                  <a:spcPct val="100000"/>
+                </a:lnSpc>
+                <a:spcBef>
+                  <a:spcPts val="0"/>
+                </a:spcBef>
+                <a:spcAft>
+                  <a:spcPts val="0"/>
+                </a:spcAft>
+                <a:buNone/>
+              </a:pPr>
+              <a:r>
+                <a:t/>
+              </a:r>
+              <a:endParaRPr b="0" i="0" sz="1400" u="none" cap="none" strike="noStrike">
+                <a:solidFill>
+                  <a:srgbClr val="065CAB"/>
+                </a:solidFill>
+                <a:latin typeface="Arial"/>
+                <a:ea typeface="Arial"/>
+                <a:cs typeface="Arial"/>
+                <a:sym typeface="Arial"/>
+              </a:endParaRPr>
+            </a:p>
+          </p:txBody>
+        </p:sp>
+      </p:grpSp>
       <p:sp>
         <p:nvSpPr>
-          <p:cNvPr id="90" name="Google Shape;90;p24"/>
+          <p:cNvPr id="94" name="Google Shape;94;g23c98e5bf64_0_15"/>
+          <p:cNvSpPr txBox="1"/>
+          <p:nvPr>
+            <p:ph idx="12" type="sldNum"/>
+          </p:nvPr>
+        </p:nvSpPr>
+        <p:spPr>
+          <a:xfrm>
+            <a:off x="273628" y="6434051"/>
+            <a:ext cx="570300" cy="275400"/>
+          </a:xfrm>
+          <a:prstGeom prst="rect">
+            <a:avLst/>
+          </a:prstGeom>
+          <a:noFill/>
+          <a:ln>
+            <a:noFill/>
+          </a:ln>
+        </p:spPr>
+        <p:txBody>
+          <a:bodyPr anchorCtr="0" anchor="ctr" bIns="45700" lIns="91425" spcFirstLastPara="1" rIns="91425" wrap="square" tIns="45700">
+            <a:noAutofit/>
+          </a:bodyPr>
+          <a:lstStyle/>
+          <a:p>
+            <a:pPr indent="0" lvl="0" marL="0" rtl="0" algn="l">
+              <a:lnSpc>
+                <a:spcPct val="100000"/>
+              </a:lnSpc>
+              <a:spcBef>
+                <a:spcPts val="0"/>
+              </a:spcBef>
+              <a:spcAft>
+                <a:spcPts val="0"/>
+              </a:spcAft>
+              <a:buSzPts val="2400"/>
+              <a:buNone/>
+            </a:pPr>
+            <a:fld id="{00000000-1234-1234-1234-123412341234}" type="slidenum">
+              <a:rPr lang="ru-RU"/>
+              <a:t>‹#›</a:t>
+            </a:fld>
+            <a:endParaRPr/>
+          </a:p>
+        </p:txBody>
+      </p:sp>
+      <p:pic>
+        <p:nvPicPr>
+          <p:cNvPr id="95" name="Google Shape;95;g23c98e5bf64_0_15"/>
+          <p:cNvPicPr preferRelativeResize="0"/>
+          <p:nvPr/>
+        </p:nvPicPr>
+        <p:blipFill>
+          <a:blip r:embed="rId3">
+            <a:alphaModFix/>
+          </a:blip>
+          <a:stretch>
+            <a:fillRect/>
+          </a:stretch>
+        </p:blipFill>
+        <p:spPr>
+          <a:xfrm>
+            <a:off x="5694850" y="2133593"/>
+            <a:ext cx="5791201" cy="2969122"/>
+          </a:xfrm>
+          <a:prstGeom prst="rect">
+            <a:avLst/>
+          </a:prstGeom>
+          <a:noFill/>
+          <a:ln>
+            <a:noFill/>
+          </a:ln>
+        </p:spPr>
+      </p:pic>
+      <p:sp>
+        <p:nvSpPr>
+          <p:cNvPr id="96" name="Google Shape;96;g23c98e5bf64_0_15"/>
+          <p:cNvSpPr txBox="1"/>
+          <p:nvPr/>
+        </p:nvSpPr>
+        <p:spPr>
+          <a:xfrm>
+            <a:off x="550875" y="2133600"/>
+            <a:ext cx="4102500" cy="2969100"/>
+          </a:xfrm>
+          <a:prstGeom prst="rect">
+            <a:avLst/>
+          </a:prstGeom>
+          <a:solidFill>
+            <a:srgbClr val="E6E7E7"/>
+          </a:solidFill>
+          <a:ln>
+            <a:noFill/>
+          </a:ln>
+        </p:spPr>
+        <p:txBody>
+          <a:bodyPr anchorCtr="0" anchor="ctr" bIns="91425" lIns="91425" spcFirstLastPara="1" rIns="91425" wrap="square" tIns="91425">
+            <a:noAutofit/>
+          </a:bodyPr>
+          <a:lstStyle/>
+          <a:p>
+            <a:pPr indent="0" lvl="0" marL="0" rtl="0" algn="l">
+              <a:lnSpc>
+                <a:spcPct val="115000"/>
+              </a:lnSpc>
+              <a:spcBef>
+                <a:spcPts val="0"/>
+              </a:spcBef>
+              <a:spcAft>
+                <a:spcPts val="0"/>
+              </a:spcAft>
+              <a:buNone/>
+            </a:pPr>
+            <a:r>
+              <a:rPr lang="ru-RU" sz="2200">
+                <a:latin typeface="Times New Roman"/>
+                <a:ea typeface="Times New Roman"/>
+                <a:cs typeface="Times New Roman"/>
+                <a:sym typeface="Times New Roman"/>
+              </a:rPr>
+              <a:t>Основное отличие: перекрестные данные предполагают независимость наблюдений, во временных рядах будущее зависит от прошлого.</a:t>
+            </a:r>
+            <a:endParaRPr sz="2200">
+              <a:latin typeface="Times New Roman"/>
+              <a:ea typeface="Times New Roman"/>
+              <a:cs typeface="Times New Roman"/>
+              <a:sym typeface="Times New Roman"/>
+            </a:endParaRPr>
+          </a:p>
+        </p:txBody>
+      </p:sp>
+      <p:cxnSp>
+        <p:nvCxnSpPr>
+          <p:cNvPr id="97" name="Google Shape;97;g23c98e5bf64_0_15"/>
+          <p:cNvCxnSpPr/>
+          <p:nvPr/>
+        </p:nvCxnSpPr>
+        <p:spPr>
+          <a:xfrm>
+            <a:off x="558325" y="2133149"/>
+            <a:ext cx="900" cy="2970000"/>
+          </a:xfrm>
+          <a:prstGeom prst="straightConnector1">
+            <a:avLst/>
+          </a:prstGeom>
+          <a:noFill/>
+          <a:ln cap="flat" cmpd="sng" w="28575">
+            <a:solidFill>
+              <a:srgbClr val="065CAB"/>
+            </a:solidFill>
+            <a:prstDash val="solid"/>
+            <a:miter lim="800000"/>
+            <a:headEnd len="sm" w="sm" type="none"/>
+            <a:tailEnd len="sm" w="sm" type="none"/>
+          </a:ln>
+        </p:spPr>
+      </p:cxnSp>
+      <p:cxnSp>
+        <p:nvCxnSpPr>
+          <p:cNvPr id="98" name="Google Shape;98;g23c98e5bf64_0_15"/>
+          <p:cNvCxnSpPr/>
+          <p:nvPr/>
+        </p:nvCxnSpPr>
+        <p:spPr>
+          <a:xfrm>
+            <a:off x="559232" y="2133600"/>
+            <a:ext cx="825600" cy="0"/>
+          </a:xfrm>
+          <a:prstGeom prst="straightConnector1">
+            <a:avLst/>
+          </a:prstGeom>
+          <a:noFill/>
+          <a:ln cap="flat" cmpd="sng" w="28575">
+            <a:solidFill>
+              <a:srgbClr val="065CAB"/>
+            </a:solidFill>
+            <a:prstDash val="solid"/>
+            <a:miter lim="800000"/>
+            <a:headEnd len="sm" w="sm" type="none"/>
+            <a:tailEnd len="sm" w="sm" type="none"/>
+          </a:ln>
+        </p:spPr>
+      </p:cxnSp>
+      <p:cxnSp>
+        <p:nvCxnSpPr>
+          <p:cNvPr id="99" name="Google Shape;99;g23c98e5bf64_0_15"/>
+          <p:cNvCxnSpPr/>
+          <p:nvPr/>
+        </p:nvCxnSpPr>
+        <p:spPr>
+          <a:xfrm>
+            <a:off x="550882" y="5103150"/>
+            <a:ext cx="825600" cy="0"/>
+          </a:xfrm>
+          <a:prstGeom prst="straightConnector1">
+            <a:avLst/>
+          </a:prstGeom>
+          <a:noFill/>
+          <a:ln cap="flat" cmpd="sng" w="28575">
+            <a:solidFill>
+              <a:srgbClr val="065CAB"/>
+            </a:solidFill>
+            <a:prstDash val="solid"/>
+            <a:miter lim="800000"/>
+            <a:headEnd len="sm" w="sm" type="none"/>
+            <a:tailEnd len="sm" w="sm" type="none"/>
+          </a:ln>
+        </p:spPr>
+      </p:cxnSp>
+    </p:spTree>
+  </p:cSld>
+  <p:clrMapOvr>
+    <a:masterClrMapping/>
+  </p:clrMapOvr>
+  <p:transition spd="med">
+    <p:fade/>
+  </p:transition>
+</p:sld>
+</file>
+
+<file path=ppt/slides/slide4.xml><?xml version="1.0" encoding="utf-8"?>
+<p:sld xmlns:a="http://schemas.openxmlformats.org/drawingml/2006/main" xmlns:r="http://schemas.openxmlformats.org/officeDocument/2006/relationships" xmlns:mc="http://schemas.openxmlformats.org/markup-compatibility/2006" xmlns:mv="urn:schemas-microsoft-com:mac:vml" xmlns:p="http://schemas.openxmlformats.org/presentationml/2006/main" xmlns:c="http://schemas.openxmlformats.org/drawingml/2006/chart" xmlns:dgm="http://schemas.openxmlformats.org/drawingml/2006/diagram" xmlns:o="urn:schemas-microsoft-com:office:office" xmlns:v="urn:schemas-microsoft-com:vml" xmlns:pvml="urn:schemas-microsoft-com:office:powerpoint" xmlns:com="http://schemas.openxmlformats.org/drawingml/2006/compatibility" xmlns:p14="http://schemas.microsoft.com/office/powerpoint/2010/main" xmlns:p15="http://schemas.microsoft.com/office/powerpoint/2012/main" xmlns:ahyp="http://schemas.microsoft.com/office/drawing/2018/hyperlinkcolor">
+  <p:cSld>
+    <p:spTree>
+      <p:nvGrpSpPr>
+        <p:cNvPr id="103" name="Shape 103"/>
+        <p:cNvGrpSpPr/>
+        <p:nvPr/>
+      </p:nvGrpSpPr>
+      <p:grpSpPr>
+        <a:xfrm>
+          <a:off x="0" y="0"/>
+          <a:ext cx="0" cy="0"/>
+          <a:chOff x="0" y="0"/>
+          <a:chExt cx="0" cy="0"/>
+        </a:xfrm>
+      </p:grpSpPr>
+      <p:grpSp>
+        <p:nvGrpSpPr>
+          <p:cNvPr id="104" name="Google Shape;104;g23c60085e41_0_19"/>
+          <p:cNvGrpSpPr/>
+          <p:nvPr/>
+        </p:nvGrpSpPr>
+        <p:grpSpPr>
+          <a:xfrm>
+            <a:off x="3167868" y="469293"/>
+            <a:ext cx="3835361" cy="666000"/>
+            <a:chOff x="1476753" y="3499669"/>
+            <a:chExt cx="4619247" cy="666000"/>
+          </a:xfrm>
+        </p:grpSpPr>
+        <p:sp>
+          <p:nvSpPr>
+            <p:cNvPr id="105" name="Google Shape;105;g23c60085e41_0_19"/>
+            <p:cNvSpPr/>
+            <p:nvPr/>
+          </p:nvSpPr>
+          <p:spPr>
+            <a:xfrm>
+              <a:off x="1476753" y="3499669"/>
+              <a:ext cx="4619100" cy="666000"/>
+            </a:xfrm>
+            <a:prstGeom prst="rect">
+              <a:avLst/>
+            </a:prstGeom>
+            <a:solidFill>
+              <a:schemeClr val="lt1"/>
+            </a:solidFill>
+            <a:ln cap="flat" cmpd="sng" w="25400">
+              <a:solidFill>
+                <a:schemeClr val="lt1"/>
+              </a:solidFill>
+              <a:prstDash val="solid"/>
+              <a:round/>
+              <a:headEnd len="sm" w="sm" type="none"/>
+              <a:tailEnd len="sm" w="sm" type="none"/>
+            </a:ln>
+          </p:spPr>
+          <p:txBody>
+            <a:bodyPr anchorCtr="0" anchor="ctr" bIns="45700" lIns="91425" spcFirstLastPara="1" rIns="91425" wrap="square" tIns="45700">
+              <a:noAutofit/>
+            </a:bodyPr>
+            <a:lstStyle/>
+            <a:p>
+              <a:pPr indent="0" lvl="0" marL="0" marR="0" rtl="0" algn="ctr">
+                <a:lnSpc>
+                  <a:spcPct val="100000"/>
+                </a:lnSpc>
+                <a:spcBef>
+                  <a:spcPts val="0"/>
+                </a:spcBef>
+                <a:spcAft>
+                  <a:spcPts val="0"/>
+                </a:spcAft>
+                <a:buNone/>
+              </a:pPr>
+              <a:r>
+                <a:rPr lang="ru-RU" sz="2800">
+                  <a:solidFill>
+                    <a:srgbClr val="065CAB"/>
+                  </a:solidFill>
+                </a:rPr>
+                <a:t>Постановка задачи</a:t>
+              </a:r>
+              <a:endParaRPr b="0" i="0" sz="2800" u="none" cap="none" strike="noStrike">
+                <a:solidFill>
+                  <a:schemeClr val="lt1"/>
+                </a:solidFill>
+                <a:latin typeface="Arial"/>
+                <a:ea typeface="Arial"/>
+                <a:cs typeface="Arial"/>
+                <a:sym typeface="Arial"/>
+              </a:endParaRPr>
+            </a:p>
+          </p:txBody>
+        </p:sp>
+        <p:sp>
+          <p:nvSpPr>
+            <p:cNvPr id="106" name="Google Shape;106;g23c60085e41_0_19"/>
+            <p:cNvSpPr/>
+            <p:nvPr/>
+          </p:nvSpPr>
+          <p:spPr>
+            <a:xfrm flipH="1" rot="10800000">
+              <a:off x="1476754" y="3499902"/>
+              <a:ext cx="76452" cy="665767"/>
+            </a:xfrm>
+            <a:custGeom>
+              <a:rect b="b" l="l" r="r" t="t"/>
+              <a:pathLst>
+                <a:path extrusionOk="0" h="424732" w="424732">
+                  <a:moveTo>
+                    <a:pt x="424732" y="424732"/>
+                  </a:moveTo>
+                  <a:lnTo>
+                    <a:pt x="0" y="424732"/>
+                  </a:lnTo>
+                  <a:lnTo>
+                    <a:pt x="0" y="0"/>
+                  </a:lnTo>
+                  <a:lnTo>
+                    <a:pt x="424732" y="0"/>
+                  </a:lnTo>
+                </a:path>
+              </a:pathLst>
+            </a:custGeom>
+            <a:noFill/>
+            <a:ln cap="flat" cmpd="sng" w="16500">
+              <a:solidFill>
+                <a:srgbClr val="065CAB"/>
+              </a:solidFill>
+              <a:prstDash val="solid"/>
+              <a:round/>
+              <a:headEnd len="sm" w="sm" type="none"/>
+              <a:tailEnd len="sm" w="sm" type="none"/>
+            </a:ln>
+          </p:spPr>
+          <p:txBody>
+            <a:bodyPr anchorCtr="0" anchor="ctr" bIns="45700" lIns="91425" spcFirstLastPara="1" rIns="91425" wrap="square" tIns="45700">
+              <a:noAutofit/>
+            </a:bodyPr>
+            <a:lstStyle/>
+            <a:p>
+              <a:pPr indent="0" lvl="0" marL="0" marR="0" rtl="0" algn="ctr">
+                <a:lnSpc>
+                  <a:spcPct val="100000"/>
+                </a:lnSpc>
+                <a:spcBef>
+                  <a:spcPts val="0"/>
+                </a:spcBef>
+                <a:spcAft>
+                  <a:spcPts val="0"/>
+                </a:spcAft>
+                <a:buNone/>
+              </a:pPr>
+              <a:r>
+                <a:t/>
+              </a:r>
+              <a:endParaRPr b="0" i="0" sz="1400" u="none" cap="none" strike="noStrike">
+                <a:solidFill>
+                  <a:schemeClr val="dk1"/>
+                </a:solidFill>
+                <a:latin typeface="Arial"/>
+                <a:ea typeface="Arial"/>
+                <a:cs typeface="Arial"/>
+                <a:sym typeface="Arial"/>
+              </a:endParaRPr>
+            </a:p>
+          </p:txBody>
+        </p:sp>
+        <p:sp>
+          <p:nvSpPr>
+            <p:cNvPr id="107" name="Google Shape;107;g23c60085e41_0_19"/>
+            <p:cNvSpPr/>
+            <p:nvPr/>
+          </p:nvSpPr>
+          <p:spPr>
+            <a:xfrm flipH="1">
+              <a:off x="6005744" y="3499669"/>
+              <a:ext cx="90256" cy="665767"/>
+            </a:xfrm>
+            <a:custGeom>
+              <a:rect b="b" l="l" r="r" t="t"/>
+              <a:pathLst>
+                <a:path extrusionOk="0" h="424732" w="424732">
+                  <a:moveTo>
+                    <a:pt x="424732" y="424732"/>
+                  </a:moveTo>
+                  <a:lnTo>
+                    <a:pt x="0" y="424732"/>
+                  </a:lnTo>
+                  <a:lnTo>
+                    <a:pt x="0" y="0"/>
+                  </a:lnTo>
+                  <a:lnTo>
+                    <a:pt x="424732" y="0"/>
+                  </a:lnTo>
+                </a:path>
+              </a:pathLst>
+            </a:custGeom>
+            <a:noFill/>
+            <a:ln cap="flat" cmpd="sng" w="16500">
+              <a:solidFill>
+                <a:srgbClr val="0046A2"/>
+              </a:solidFill>
+              <a:prstDash val="solid"/>
+              <a:round/>
+              <a:headEnd len="sm" w="sm" type="none"/>
+              <a:tailEnd len="sm" w="sm" type="none"/>
+            </a:ln>
+          </p:spPr>
+          <p:txBody>
+            <a:bodyPr anchorCtr="0" anchor="ctr" bIns="45700" lIns="91425" spcFirstLastPara="1" rIns="91425" wrap="square" tIns="45700">
+              <a:noAutofit/>
+            </a:bodyPr>
+            <a:lstStyle/>
+            <a:p>
+              <a:pPr indent="0" lvl="0" marL="0" marR="0" rtl="0" algn="ctr">
+                <a:lnSpc>
+                  <a:spcPct val="100000"/>
+                </a:lnSpc>
+                <a:spcBef>
+                  <a:spcPts val="0"/>
+                </a:spcBef>
+                <a:spcAft>
+                  <a:spcPts val="0"/>
+                </a:spcAft>
+                <a:buNone/>
+              </a:pPr>
+              <a:r>
+                <a:t/>
+              </a:r>
+              <a:endParaRPr b="0" i="0" sz="1400" u="none" cap="none" strike="noStrike">
+                <a:solidFill>
+                  <a:srgbClr val="065CAB"/>
+                </a:solidFill>
+                <a:latin typeface="Arial"/>
+                <a:ea typeface="Arial"/>
+                <a:cs typeface="Arial"/>
+                <a:sym typeface="Arial"/>
+              </a:endParaRPr>
+            </a:p>
+          </p:txBody>
+        </p:sp>
+      </p:grpSp>
+      <p:sp>
+        <p:nvSpPr>
+          <p:cNvPr id="108" name="Google Shape;108;g23c60085e41_0_19"/>
+          <p:cNvSpPr txBox="1"/>
+          <p:nvPr>
+            <p:ph idx="12" type="sldNum"/>
+          </p:nvPr>
+        </p:nvSpPr>
+        <p:spPr>
+          <a:xfrm>
+            <a:off x="273628" y="6434051"/>
+            <a:ext cx="570300" cy="275400"/>
+          </a:xfrm>
+          <a:prstGeom prst="rect">
+            <a:avLst/>
+          </a:prstGeom>
+          <a:noFill/>
+          <a:ln>
+            <a:noFill/>
+          </a:ln>
+        </p:spPr>
+        <p:txBody>
+          <a:bodyPr anchorCtr="0" anchor="ctr" bIns="45700" lIns="91425" spcFirstLastPara="1" rIns="91425" wrap="square" tIns="45700">
+            <a:noAutofit/>
+          </a:bodyPr>
+          <a:lstStyle/>
+          <a:p>
+            <a:pPr indent="0" lvl="0" marL="0" rtl="0" algn="l">
+              <a:lnSpc>
+                <a:spcPct val="100000"/>
+              </a:lnSpc>
+              <a:spcBef>
+                <a:spcPts val="0"/>
+              </a:spcBef>
+              <a:spcAft>
+                <a:spcPts val="0"/>
+              </a:spcAft>
+              <a:buSzPts val="2400"/>
+              <a:buNone/>
+            </a:pPr>
+            <a:fld id="{00000000-1234-1234-1234-123412341234}" type="slidenum">
+              <a:rPr lang="ru-RU"/>
+              <a:t>‹#›</a:t>
+            </a:fld>
+            <a:endParaRPr/>
+          </a:p>
+        </p:txBody>
+      </p:sp>
+      <p:sp>
+        <p:nvSpPr>
+          <p:cNvPr id="109" name="Google Shape;109;g23c60085e41_0_19"/>
+          <p:cNvSpPr txBox="1"/>
+          <p:nvPr/>
+        </p:nvSpPr>
+        <p:spPr>
+          <a:xfrm>
+            <a:off x="794450" y="1923775"/>
+            <a:ext cx="4761900" cy="2879700"/>
+          </a:xfrm>
+          <a:prstGeom prst="rect">
+            <a:avLst/>
+          </a:prstGeom>
+          <a:solidFill>
+            <a:srgbClr val="E6E7E7"/>
+          </a:solidFill>
+          <a:ln>
+            <a:noFill/>
+          </a:ln>
+        </p:spPr>
+        <p:txBody>
+          <a:bodyPr anchorCtr="0" anchor="ctr" bIns="91425" lIns="91425" spcFirstLastPara="1" rIns="91425" wrap="square" tIns="91425">
+            <a:noAutofit/>
+          </a:bodyPr>
+          <a:lstStyle/>
+          <a:p>
+            <a:pPr indent="0" lvl="0" marL="0" rtl="0" algn="just">
+              <a:lnSpc>
+                <a:spcPct val="115000"/>
+              </a:lnSpc>
+              <a:spcBef>
+                <a:spcPts val="0"/>
+              </a:spcBef>
+              <a:spcAft>
+                <a:spcPts val="0"/>
+              </a:spcAft>
+              <a:buNone/>
+            </a:pPr>
+            <a:r>
+              <a:rPr lang="ru-RU" sz="2200">
+                <a:solidFill>
+                  <a:schemeClr val="dk1"/>
+                </a:solidFill>
+                <a:latin typeface="Times New Roman"/>
+                <a:ea typeface="Times New Roman"/>
+                <a:cs typeface="Times New Roman"/>
+                <a:sym typeface="Times New Roman"/>
+              </a:rPr>
+              <a:t>Выявление наиболее эффективной модели прогнозирования прибыли на примере данных компании по продажам инженерной сантехники с использованием методов машинного обучения.</a:t>
+            </a:r>
+            <a:endParaRPr sz="2200">
+              <a:latin typeface="Times New Roman"/>
+              <a:ea typeface="Times New Roman"/>
+              <a:cs typeface="Times New Roman"/>
+              <a:sym typeface="Times New Roman"/>
+            </a:endParaRPr>
+          </a:p>
+        </p:txBody>
+      </p:sp>
+      <p:cxnSp>
+        <p:nvCxnSpPr>
+          <p:cNvPr id="110" name="Google Shape;110;g23c60085e41_0_19"/>
+          <p:cNvCxnSpPr/>
+          <p:nvPr/>
+        </p:nvCxnSpPr>
+        <p:spPr>
+          <a:xfrm flipH="1">
+            <a:off x="768950" y="1931536"/>
+            <a:ext cx="25500" cy="2864100"/>
+          </a:xfrm>
+          <a:prstGeom prst="straightConnector1">
+            <a:avLst/>
+          </a:prstGeom>
+          <a:noFill/>
+          <a:ln cap="flat" cmpd="sng" w="28575">
+            <a:solidFill>
+              <a:srgbClr val="065CAB"/>
+            </a:solidFill>
+            <a:prstDash val="solid"/>
+            <a:miter lim="800000"/>
+            <a:headEnd len="sm" w="sm" type="none"/>
+            <a:tailEnd len="sm" w="sm" type="none"/>
+          </a:ln>
+        </p:spPr>
+      </p:cxnSp>
+      <p:cxnSp>
+        <p:nvCxnSpPr>
+          <p:cNvPr id="111" name="Google Shape;111;g23c60085e41_0_19"/>
+          <p:cNvCxnSpPr/>
+          <p:nvPr/>
+        </p:nvCxnSpPr>
+        <p:spPr>
+          <a:xfrm>
+            <a:off x="768951" y="4795410"/>
+            <a:ext cx="825600" cy="0"/>
+          </a:xfrm>
+          <a:prstGeom prst="straightConnector1">
+            <a:avLst/>
+          </a:prstGeom>
+          <a:noFill/>
+          <a:ln cap="flat" cmpd="sng" w="28575">
+            <a:solidFill>
+              <a:srgbClr val="065CAB"/>
+            </a:solidFill>
+            <a:prstDash val="solid"/>
+            <a:miter lim="800000"/>
+            <a:headEnd len="sm" w="sm" type="none"/>
+            <a:tailEnd len="sm" w="sm" type="none"/>
+          </a:ln>
+        </p:spPr>
+      </p:cxnSp>
+      <p:cxnSp>
+        <p:nvCxnSpPr>
+          <p:cNvPr id="112" name="Google Shape;112;g23c60085e41_0_19"/>
+          <p:cNvCxnSpPr/>
+          <p:nvPr/>
+        </p:nvCxnSpPr>
+        <p:spPr>
+          <a:xfrm>
+            <a:off x="794457" y="1931550"/>
+            <a:ext cx="825600" cy="0"/>
+          </a:xfrm>
+          <a:prstGeom prst="straightConnector1">
+            <a:avLst/>
+          </a:prstGeom>
+          <a:noFill/>
+          <a:ln cap="flat" cmpd="sng" w="28575">
+            <a:solidFill>
+              <a:srgbClr val="065CAB"/>
+            </a:solidFill>
+            <a:prstDash val="solid"/>
+            <a:miter lim="800000"/>
+            <a:headEnd len="sm" w="sm" type="none"/>
+            <a:tailEnd len="sm" w="sm" type="none"/>
+          </a:ln>
+        </p:spPr>
+      </p:cxnSp>
+      <p:pic>
+        <p:nvPicPr>
+          <p:cNvPr id="113" name="Google Shape;113;g23c60085e41_0_19"/>
+          <p:cNvPicPr preferRelativeResize="0"/>
+          <p:nvPr/>
+        </p:nvPicPr>
+        <p:blipFill>
+          <a:blip r:embed="rId3">
+            <a:alphaModFix/>
+          </a:blip>
+          <a:stretch>
+            <a:fillRect/>
+          </a:stretch>
+        </p:blipFill>
+        <p:spPr>
+          <a:xfrm>
+            <a:off x="6149525" y="1688700"/>
+            <a:ext cx="5671400" cy="3518575"/>
+          </a:xfrm>
+          <a:prstGeom prst="rect">
+            <a:avLst/>
+          </a:prstGeom>
+          <a:noFill/>
+          <a:ln>
+            <a:noFill/>
+          </a:ln>
+        </p:spPr>
+      </p:pic>
+    </p:spTree>
+  </p:cSld>
+  <p:clrMapOvr>
+    <a:masterClrMapping/>
+  </p:clrMapOvr>
+  <p:transition spd="med">
+    <p:fade/>
+  </p:transition>
+</p:sld>
+</file>
+
+<file path=ppt/slides/slide5.xml><?xml version="1.0" encoding="utf-8"?>
+<p:sld xmlns:a="http://schemas.openxmlformats.org/drawingml/2006/main" xmlns:r="http://schemas.openxmlformats.org/officeDocument/2006/relationships" xmlns:mc="http://schemas.openxmlformats.org/markup-compatibility/2006" xmlns:mv="urn:schemas-microsoft-com:mac:vml" xmlns:p="http://schemas.openxmlformats.org/presentationml/2006/main" xmlns:c="http://schemas.openxmlformats.org/drawingml/2006/chart" xmlns:dgm="http://schemas.openxmlformats.org/drawingml/2006/diagram" xmlns:o="urn:schemas-microsoft-com:office:office" xmlns:v="urn:schemas-microsoft-com:vml" xmlns:pvml="urn:schemas-microsoft-com:office:powerpoint" xmlns:com="http://schemas.openxmlformats.org/drawingml/2006/compatibility" xmlns:p14="http://schemas.microsoft.com/office/powerpoint/2010/main" xmlns:p15="http://schemas.microsoft.com/office/powerpoint/2012/main" xmlns:ahyp="http://schemas.microsoft.com/office/drawing/2018/hyperlinkcolor">
+  <p:cSld>
+    <p:spTree>
+      <p:nvGrpSpPr>
+        <p:cNvPr id="117" name="Shape 117"/>
+        <p:cNvGrpSpPr/>
+        <p:nvPr/>
+      </p:nvGrpSpPr>
+      <p:grpSpPr>
+        <a:xfrm>
+          <a:off x="0" y="0"/>
+          <a:ext cx="0" cy="0"/>
+          <a:chOff x="0" y="0"/>
+          <a:chExt cx="0" cy="0"/>
+        </a:xfrm>
+      </p:grpSpPr>
+      <p:sp>
+        <p:nvSpPr>
+          <p:cNvPr id="118" name="Google Shape;118;p24"/>
           <p:cNvSpPr txBox="1"/>
           <p:nvPr>
             <p:ph idx="12" type="sldNum"/>
@@ -14267,7 +18829,7 @@
       </p:sp>
       <p:grpSp>
         <p:nvGrpSpPr>
-          <p:cNvPr id="91" name="Google Shape;91;p24"/>
+          <p:cNvPr id="119" name="Google Shape;119;p24"/>
           <p:cNvGrpSpPr/>
           <p:nvPr/>
         </p:nvGrpSpPr>
@@ -14281,7 +18843,7 @@
         </p:grpSpPr>
         <p:sp>
           <p:nvSpPr>
-            <p:cNvPr id="92" name="Google Shape;92;p24"/>
+            <p:cNvPr id="120" name="Google Shape;120;p24"/>
             <p:cNvSpPr/>
             <p:nvPr/>
           </p:nvSpPr>
@@ -14346,7 +18908,7 @@
         </p:sp>
         <p:sp>
           <p:nvSpPr>
-            <p:cNvPr id="93" name="Google Shape;93;p24"/>
+            <p:cNvPr id="121" name="Google Shape;121;p24"/>
             <p:cNvSpPr/>
             <p:nvPr/>
           </p:nvSpPr>
@@ -14420,7 +18982,7 @@
         </p:sp>
         <p:sp>
           <p:nvSpPr>
-            <p:cNvPr id="94" name="Google Shape;94;p24"/>
+            <p:cNvPr id="122" name="Google Shape;122;p24"/>
             <p:cNvSpPr/>
             <p:nvPr/>
           </p:nvSpPr>
@@ -14495,19 +19057,21 @@
       </p:grpSp>
       <p:sp>
         <p:nvSpPr>
-          <p:cNvPr id="95" name="Google Shape;95;p24"/>
+          <p:cNvPr id="123" name="Google Shape;123;p24"/>
           <p:cNvSpPr txBox="1"/>
           <p:nvPr/>
         </p:nvSpPr>
         <p:spPr>
           <a:xfrm>
             <a:off x="843925" y="2133600"/>
-            <a:ext cx="5895900" cy="523200"/>
+            <a:ext cx="3143400" cy="523200"/>
           </a:xfrm>
           <a:prstGeom prst="rect">
             <a:avLst/>
           </a:prstGeom>
-          <a:noFill/>
+          <a:solidFill>
+            <a:srgbClr val="E6E7E7"/>
+          </a:solidFill>
           <a:ln>
             <a:noFill/>
           </a:ln>
@@ -14558,7 +19122,7 @@
       </p:sp>
       <p:pic>
         <p:nvPicPr>
-          <p:cNvPr id="96" name="Google Shape;96;p24"/>
+          <p:cNvPr id="124" name="Google Shape;124;p24"/>
           <p:cNvPicPr preferRelativeResize="0"/>
           <p:nvPr/>
         </p:nvPicPr>
@@ -14572,7 +19136,7 @@
         </p:blipFill>
         <p:spPr>
           <a:xfrm>
-            <a:off x="5542175" y="2294850"/>
+            <a:off x="5345150" y="2276075"/>
             <a:ext cx="5791199" cy="3332848"/>
           </a:xfrm>
           <a:prstGeom prst="rect">
@@ -14590,17 +19154,17 @@
     <a:masterClrMapping/>
   </p:clrMapOvr>
   <p:transition spd="med">
-    <p:push/>
+    <p:fade/>
   </p:transition>
 </p:sld>
 </file>
 
-<file path=ppt/slides/slide4.xml><?xml version="1.0" encoding="utf-8"?>
+<file path=ppt/slides/slide6.xml><?xml version="1.0" encoding="utf-8"?>
 <p:sld xmlns:a="http://schemas.openxmlformats.org/drawingml/2006/main" xmlns:r="http://schemas.openxmlformats.org/officeDocument/2006/relationships" xmlns:mc="http://schemas.openxmlformats.org/markup-compatibility/2006" xmlns:mv="urn:schemas-microsoft-com:mac:vml" xmlns:p="http://schemas.openxmlformats.org/presentationml/2006/main" xmlns:c="http://schemas.openxmlformats.org/drawingml/2006/chart" xmlns:dgm="http://schemas.openxmlformats.org/drawingml/2006/diagram" xmlns:o="urn:schemas-microsoft-com:office:office" xmlns:v="urn:schemas-microsoft-com:vml" xmlns:pvml="urn:schemas-microsoft-com:office:powerpoint" xmlns:com="http://schemas.openxmlformats.org/drawingml/2006/compatibility" xmlns:p14="http://schemas.microsoft.com/office/powerpoint/2010/main" xmlns:p15="http://schemas.microsoft.com/office/powerpoint/2012/main" xmlns:ahyp="http://schemas.microsoft.com/office/drawing/2018/hyperlinkcolor">
   <p:cSld>
     <p:spTree>
       <p:nvGrpSpPr>
-        <p:cNvPr id="100" name="Shape 100"/>
+        <p:cNvPr id="128" name="Shape 128"/>
         <p:cNvGrpSpPr/>
         <p:nvPr/>
       </p:nvGrpSpPr>
@@ -14614,7 +19178,7 @@
       </p:grpSpPr>
       <p:sp>
         <p:nvSpPr>
-          <p:cNvPr id="101" name="Google Shape;101;p25"/>
+          <p:cNvPr id="129" name="Google Shape;129;p25"/>
           <p:cNvSpPr txBox="1"/>
           <p:nvPr>
             <p:ph idx="12" type="sldNum"/>
@@ -14662,19 +19226,21 @@
       </p:sp>
       <p:sp>
         <p:nvSpPr>
-          <p:cNvPr id="102" name="Google Shape;102;p25"/>
+          <p:cNvPr id="130" name="Google Shape;130;p25"/>
           <p:cNvSpPr txBox="1"/>
           <p:nvPr/>
         </p:nvSpPr>
         <p:spPr>
           <a:xfrm>
             <a:off x="843925" y="2133600"/>
-            <a:ext cx="5895900" cy="523200"/>
+            <a:ext cx="3846900" cy="523200"/>
           </a:xfrm>
           <a:prstGeom prst="rect">
             <a:avLst/>
           </a:prstGeom>
-          <a:noFill/>
+          <a:solidFill>
+            <a:srgbClr val="E6E7E7"/>
+          </a:solidFill>
           <a:ln>
             <a:noFill/>
           </a:ln>
@@ -14725,7 +19291,7 @@
       </p:sp>
       <p:pic>
         <p:nvPicPr>
-          <p:cNvPr id="103" name="Google Shape;103;p25"/>
+          <p:cNvPr id="131" name="Google Shape;131;p25"/>
           <p:cNvPicPr preferRelativeResize="0"/>
           <p:nvPr/>
         </p:nvPicPr>
@@ -14753,7 +19319,7 @@
       </p:pic>
       <p:grpSp>
         <p:nvGrpSpPr>
-          <p:cNvPr id="104" name="Google Shape;104;p25"/>
+          <p:cNvPr id="132" name="Google Shape;132;p25"/>
           <p:cNvGrpSpPr/>
           <p:nvPr/>
         </p:nvGrpSpPr>
@@ -14767,7 +19333,7 @@
         </p:grpSpPr>
         <p:sp>
           <p:nvSpPr>
-            <p:cNvPr id="105" name="Google Shape;105;p25"/>
+            <p:cNvPr id="133" name="Google Shape;133;p25"/>
             <p:cNvSpPr/>
             <p:nvPr/>
           </p:nvSpPr>
@@ -14832,7 +19398,7 @@
         </p:sp>
         <p:sp>
           <p:nvSpPr>
-            <p:cNvPr id="106" name="Google Shape;106;p25"/>
+            <p:cNvPr id="134" name="Google Shape;134;p25"/>
             <p:cNvSpPr/>
             <p:nvPr/>
           </p:nvSpPr>
@@ -14906,7 +19472,7 @@
         </p:sp>
         <p:sp>
           <p:nvSpPr>
-            <p:cNvPr id="107" name="Google Shape;107;p25"/>
+            <p:cNvPr id="135" name="Google Shape;135;p25"/>
             <p:cNvSpPr/>
             <p:nvPr/>
           </p:nvSpPr>
@@ -14985,17 +19551,17 @@
     <a:masterClrMapping/>
   </p:clrMapOvr>
   <p:transition spd="med">
-    <p:push/>
+    <p:fade/>
   </p:transition>
 </p:sld>
 </file>
 
-<file path=ppt/slides/slide5.xml><?xml version="1.0" encoding="utf-8"?>
+<file path=ppt/slides/slide7.xml><?xml version="1.0" encoding="utf-8"?>
 <p:sld xmlns:a="http://schemas.openxmlformats.org/drawingml/2006/main" xmlns:r="http://schemas.openxmlformats.org/officeDocument/2006/relationships" xmlns:mc="http://schemas.openxmlformats.org/markup-compatibility/2006" xmlns:mv="urn:schemas-microsoft-com:mac:vml" xmlns:p="http://schemas.openxmlformats.org/presentationml/2006/main" xmlns:c="http://schemas.openxmlformats.org/drawingml/2006/chart" xmlns:dgm="http://schemas.openxmlformats.org/drawingml/2006/diagram" xmlns:o="urn:schemas-microsoft-com:office:office" xmlns:v="urn:schemas-microsoft-com:vml" xmlns:pvml="urn:schemas-microsoft-com:office:powerpoint" xmlns:com="http://schemas.openxmlformats.org/drawingml/2006/compatibility" xmlns:p14="http://schemas.microsoft.com/office/powerpoint/2010/main" xmlns:p15="http://schemas.microsoft.com/office/powerpoint/2012/main" xmlns:ahyp="http://schemas.microsoft.com/office/drawing/2018/hyperlinkcolor">
   <p:cSld>
     <p:spTree>
       <p:nvGrpSpPr>
-        <p:cNvPr id="111" name="Shape 111"/>
+        <p:cNvPr id="139" name="Shape 139"/>
         <p:cNvGrpSpPr/>
         <p:nvPr/>
       </p:nvGrpSpPr>
@@ -15009,7 +19575,7 @@
       </p:grpSpPr>
       <p:sp>
         <p:nvSpPr>
-          <p:cNvPr id="112" name="Google Shape;112;p26"/>
+          <p:cNvPr id="140" name="Google Shape;140;p26"/>
           <p:cNvSpPr txBox="1"/>
           <p:nvPr>
             <p:ph idx="12" type="sldNum"/>
@@ -15057,19 +19623,21 @@
       </p:sp>
       <p:sp>
         <p:nvSpPr>
-          <p:cNvPr id="113" name="Google Shape;113;p26"/>
+          <p:cNvPr id="141" name="Google Shape;141;p26"/>
           <p:cNvSpPr txBox="1"/>
           <p:nvPr/>
         </p:nvSpPr>
         <p:spPr>
           <a:xfrm>
             <a:off x="843925" y="2133600"/>
-            <a:ext cx="5895900" cy="523200"/>
+            <a:ext cx="2101800" cy="523200"/>
           </a:xfrm>
           <a:prstGeom prst="rect">
             <a:avLst/>
           </a:prstGeom>
-          <a:noFill/>
+          <a:solidFill>
+            <a:srgbClr val="E6E7E7"/>
+          </a:solidFill>
           <a:ln>
             <a:noFill/>
           </a:ln>
@@ -15120,7 +19688,7 @@
       </p:sp>
       <p:pic>
         <p:nvPicPr>
-          <p:cNvPr id="114" name="Google Shape;114;p26"/>
+          <p:cNvPr id="142" name="Google Shape;142;p26"/>
           <p:cNvPicPr preferRelativeResize="0"/>
           <p:nvPr/>
         </p:nvPicPr>
@@ -15148,7 +19716,7 @@
       </p:pic>
       <p:grpSp>
         <p:nvGrpSpPr>
-          <p:cNvPr id="115" name="Google Shape;115;p26"/>
+          <p:cNvPr id="143" name="Google Shape;143;p26"/>
           <p:cNvGrpSpPr/>
           <p:nvPr/>
         </p:nvGrpSpPr>
@@ -15162,7 +19730,7 @@
         </p:grpSpPr>
         <p:sp>
           <p:nvSpPr>
-            <p:cNvPr id="116" name="Google Shape;116;p26"/>
+            <p:cNvPr id="144" name="Google Shape;144;p26"/>
             <p:cNvSpPr/>
             <p:nvPr/>
           </p:nvSpPr>
@@ -15227,7 +19795,7 @@
         </p:sp>
         <p:sp>
           <p:nvSpPr>
-            <p:cNvPr id="117" name="Google Shape;117;p26"/>
+            <p:cNvPr id="145" name="Google Shape;145;p26"/>
             <p:cNvSpPr/>
             <p:nvPr/>
           </p:nvSpPr>
@@ -15301,7 +19869,7 @@
         </p:sp>
         <p:sp>
           <p:nvSpPr>
-            <p:cNvPr id="118" name="Google Shape;118;p26"/>
+            <p:cNvPr id="146" name="Google Shape;146;p26"/>
             <p:cNvSpPr/>
             <p:nvPr/>
           </p:nvSpPr>
@@ -15380,17 +19948,17 @@
     <a:masterClrMapping/>
   </p:clrMapOvr>
   <p:transition spd="med">
-    <p:push/>
+    <p:fade/>
   </p:transition>
 </p:sld>
 </file>
 
-<file path=ppt/slides/slide6.xml><?xml version="1.0" encoding="utf-8"?>
+<file path=ppt/slides/slide8.xml><?xml version="1.0" encoding="utf-8"?>
 <p:sld xmlns:a="http://schemas.openxmlformats.org/drawingml/2006/main" xmlns:r="http://schemas.openxmlformats.org/officeDocument/2006/relationships" xmlns:mc="http://schemas.openxmlformats.org/markup-compatibility/2006" xmlns:mv="urn:schemas-microsoft-com:mac:vml" xmlns:p="http://schemas.openxmlformats.org/presentationml/2006/main" xmlns:c="http://schemas.openxmlformats.org/drawingml/2006/chart" xmlns:dgm="http://schemas.openxmlformats.org/drawingml/2006/diagram" xmlns:o="urn:schemas-microsoft-com:office:office" xmlns:v="urn:schemas-microsoft-com:vml" xmlns:pvml="urn:schemas-microsoft-com:office:powerpoint" xmlns:com="http://schemas.openxmlformats.org/drawingml/2006/compatibility" xmlns:p14="http://schemas.microsoft.com/office/powerpoint/2010/main" xmlns:p15="http://schemas.microsoft.com/office/powerpoint/2012/main" xmlns:ahyp="http://schemas.microsoft.com/office/drawing/2018/hyperlinkcolor">
   <p:cSld>
     <p:spTree>
       <p:nvGrpSpPr>
-        <p:cNvPr id="122" name="Shape 122"/>
+        <p:cNvPr id="150" name="Shape 150"/>
         <p:cNvGrpSpPr/>
         <p:nvPr/>
       </p:nvGrpSpPr>
@@ -15404,7 +19972,7 @@
       </p:grpSpPr>
       <p:sp>
         <p:nvSpPr>
-          <p:cNvPr id="123" name="Google Shape;123;p27"/>
+          <p:cNvPr id="151" name="Google Shape;151;p27"/>
           <p:cNvSpPr txBox="1"/>
           <p:nvPr>
             <p:ph idx="12" type="sldNum"/>
@@ -15452,7 +20020,7 @@
       </p:sp>
       <p:grpSp>
         <p:nvGrpSpPr>
-          <p:cNvPr id="124" name="Google Shape;124;p27"/>
+          <p:cNvPr id="152" name="Google Shape;152;p27"/>
           <p:cNvGrpSpPr/>
           <p:nvPr/>
         </p:nvGrpSpPr>
@@ -15466,7 +20034,7 @@
         </p:grpSpPr>
         <p:sp>
           <p:nvSpPr>
-            <p:cNvPr id="125" name="Google Shape;125;p27"/>
+            <p:cNvPr id="153" name="Google Shape;153;p27"/>
             <p:cNvSpPr/>
             <p:nvPr/>
           </p:nvSpPr>
@@ -15535,7 +20103,7 @@
         </p:sp>
         <p:sp>
           <p:nvSpPr>
-            <p:cNvPr id="126" name="Google Shape;126;p27"/>
+            <p:cNvPr id="154" name="Google Shape;154;p27"/>
             <p:cNvSpPr/>
             <p:nvPr/>
           </p:nvSpPr>
@@ -15609,7 +20177,7 @@
         </p:sp>
         <p:sp>
           <p:nvSpPr>
-            <p:cNvPr id="127" name="Google Shape;127;p27"/>
+            <p:cNvPr id="155" name="Google Shape;155;p27"/>
             <p:cNvSpPr/>
             <p:nvPr/>
           </p:nvSpPr>
@@ -15684,7 +20252,7 @@
       </p:grpSp>
       <p:pic>
         <p:nvPicPr>
-          <p:cNvPr id="128" name="Google Shape;128;p27"/>
+          <p:cNvPr id="156" name="Google Shape;156;p27"/>
           <p:cNvPicPr preferRelativeResize="0"/>
           <p:nvPr/>
         </p:nvPicPr>
@@ -15712,19 +20280,21 @@
       </p:pic>
       <p:sp>
         <p:nvSpPr>
-          <p:cNvPr id="129" name="Google Shape;129;p27"/>
+          <p:cNvPr id="157" name="Google Shape;157;p27"/>
           <p:cNvSpPr txBox="1"/>
           <p:nvPr/>
         </p:nvSpPr>
         <p:spPr>
           <a:xfrm>
-            <a:off x="906075" y="2133600"/>
-            <a:ext cx="3848700" cy="2047200"/>
+            <a:off x="822600" y="2182575"/>
+            <a:ext cx="3932100" cy="2047200"/>
           </a:xfrm>
           <a:prstGeom prst="rect">
             <a:avLst/>
           </a:prstGeom>
-          <a:noFill/>
+          <a:solidFill>
+            <a:srgbClr val="E6E7E7"/>
+          </a:solidFill>
           <a:ln>
             <a:noFill/>
           </a:ln>
@@ -15735,7 +20305,7 @@
           </a:bodyPr>
           <a:lstStyle/>
           <a:p>
-            <a:pPr indent="457200" lvl="0" marL="0" rtl="0" algn="l">
+            <a:pPr indent="0" lvl="0" marL="0" rtl="0" algn="l">
               <a:lnSpc>
                 <a:spcPct val="115000"/>
               </a:lnSpc>
@@ -15770,7 +20340,7 @@
       </p:sp>
       <p:cxnSp>
         <p:nvCxnSpPr>
-          <p:cNvPr id="130" name="Google Shape;130;p27"/>
+          <p:cNvPr id="158" name="Google Shape;158;p27"/>
           <p:cNvCxnSpPr/>
           <p:nvPr/>
         </p:nvCxnSpPr>
@@ -15796,7 +20366,7 @@
       </p:cxnSp>
       <p:cxnSp>
         <p:nvCxnSpPr>
-          <p:cNvPr id="131" name="Google Shape;131;p27"/>
+          <p:cNvPr id="159" name="Google Shape;159;p27"/>
           <p:cNvCxnSpPr/>
           <p:nvPr/>
         </p:nvCxnSpPr>
@@ -15822,7 +20392,7 @@
       </p:cxnSp>
       <p:cxnSp>
         <p:nvCxnSpPr>
-          <p:cNvPr id="132" name="Google Shape;132;p27"/>
+          <p:cNvPr id="160" name="Google Shape;160;p27"/>
           <p:cNvCxnSpPr/>
           <p:nvPr/>
         </p:nvCxnSpPr>
@@ -15852,17 +20422,17 @@
     <a:masterClrMapping/>
   </p:clrMapOvr>
   <p:transition spd="med">
-    <p:push/>
+    <p:fade/>
   </p:transition>
 </p:sld>
 </file>
 
-<file path=ppt/slides/slide7.xml><?xml version="1.0" encoding="utf-8"?>
+<file path=ppt/slides/slide9.xml><?xml version="1.0" encoding="utf-8"?>
 <p:sld xmlns:a="http://schemas.openxmlformats.org/drawingml/2006/main" xmlns:r="http://schemas.openxmlformats.org/officeDocument/2006/relationships" xmlns:mc="http://schemas.openxmlformats.org/markup-compatibility/2006" xmlns:mv="urn:schemas-microsoft-com:mac:vml" xmlns:p="http://schemas.openxmlformats.org/presentationml/2006/main" xmlns:c="http://schemas.openxmlformats.org/drawingml/2006/chart" xmlns:dgm="http://schemas.openxmlformats.org/drawingml/2006/diagram" xmlns:o="urn:schemas-microsoft-com:office:office" xmlns:v="urn:schemas-microsoft-com:vml" xmlns:pvml="urn:schemas-microsoft-com:office:powerpoint" xmlns:com="http://schemas.openxmlformats.org/drawingml/2006/compatibility" xmlns:p14="http://schemas.microsoft.com/office/powerpoint/2010/main" xmlns:p15="http://schemas.microsoft.com/office/powerpoint/2012/main" xmlns:ahyp="http://schemas.microsoft.com/office/drawing/2018/hyperlinkcolor">
   <p:cSld>
     <p:spTree>
       <p:nvGrpSpPr>
-        <p:cNvPr id="136" name="Shape 136"/>
+        <p:cNvPr id="164" name="Shape 164"/>
         <p:cNvGrpSpPr/>
         <p:nvPr/>
       </p:nvGrpSpPr>
@@ -15876,7 +20446,7 @@
       </p:grpSpPr>
       <p:sp>
         <p:nvSpPr>
-          <p:cNvPr id="137" name="Google Shape;137;g2394454e635_0_14"/>
+          <p:cNvPr id="165" name="Google Shape;165;g2394454e635_0_14"/>
           <p:cNvSpPr txBox="1"/>
           <p:nvPr>
             <p:ph idx="12" type="sldNum"/>
@@ -15924,7 +20494,7 @@
       </p:sp>
       <p:grpSp>
         <p:nvGrpSpPr>
-          <p:cNvPr id="138" name="Google Shape;138;g2394454e635_0_14"/>
+          <p:cNvPr id="166" name="Google Shape;166;g2394454e635_0_14"/>
           <p:cNvGrpSpPr/>
           <p:nvPr/>
         </p:nvGrpSpPr>
@@ -15938,7 +20508,7 @@
         </p:grpSpPr>
         <p:sp>
           <p:nvSpPr>
-            <p:cNvPr id="139" name="Google Shape;139;g2394454e635_0_14"/>
+            <p:cNvPr id="167" name="Google Shape;167;g2394454e635_0_14"/>
             <p:cNvSpPr/>
             <p:nvPr/>
           </p:nvSpPr>
@@ -16003,7 +20573,7 @@
         </p:sp>
         <p:sp>
           <p:nvSpPr>
-            <p:cNvPr id="140" name="Google Shape;140;g2394454e635_0_14"/>
+            <p:cNvPr id="168" name="Google Shape;168;g2394454e635_0_14"/>
             <p:cNvSpPr/>
             <p:nvPr/>
           </p:nvSpPr>
@@ -16077,7 +20647,7 @@
         </p:sp>
         <p:sp>
           <p:nvSpPr>
-            <p:cNvPr id="141" name="Google Shape;141;g2394454e635_0_14"/>
+            <p:cNvPr id="169" name="Google Shape;169;g2394454e635_0_14"/>
             <p:cNvSpPr/>
             <p:nvPr/>
           </p:nvSpPr>
@@ -16152,7 +20722,7 @@
       </p:grpSp>
       <p:pic>
         <p:nvPicPr>
-          <p:cNvPr id="142" name="Google Shape;142;g2394454e635_0_14"/>
+          <p:cNvPr id="170" name="Google Shape;170;g2394454e635_0_14"/>
           <p:cNvPicPr preferRelativeResize="0"/>
           <p:nvPr/>
         </p:nvPicPr>
@@ -16166,8 +20736,8 @@
         </p:blipFill>
         <p:spPr>
           <a:xfrm>
-            <a:off x="6423151" y="1534851"/>
-            <a:ext cx="4355323" cy="2387524"/>
+            <a:off x="6423150" y="1482300"/>
+            <a:ext cx="4355325" cy="2795750"/>
           </a:xfrm>
           <a:prstGeom prst="rect">
             <a:avLst/>
@@ -16180,7 +20750,7 @@
       </p:pic>
       <p:pic>
         <p:nvPicPr>
-          <p:cNvPr id="143" name="Google Shape;143;g2394454e635_0_14"/>
+          <p:cNvPr id="171" name="Google Shape;171;g2394454e635_0_14"/>
           <p:cNvPicPr preferRelativeResize="0"/>
           <p:nvPr/>
         </p:nvPicPr>
@@ -16194,8 +20764,8 @@
         </p:blipFill>
         <p:spPr>
           <a:xfrm>
-            <a:off x="6221462" y="4096401"/>
-            <a:ext cx="4557009" cy="2387524"/>
+            <a:off x="6221450" y="4278050"/>
+            <a:ext cx="4557026" cy="2205875"/>
           </a:xfrm>
           <a:prstGeom prst="rect">
             <a:avLst/>
@@ -16208,19 +20778,21 @@
       </p:pic>
       <p:sp>
         <p:nvSpPr>
-          <p:cNvPr id="144" name="Google Shape;144;g2394454e635_0_14"/>
+          <p:cNvPr id="172" name="Google Shape;172;g2394454e635_0_14"/>
           <p:cNvSpPr txBox="1"/>
           <p:nvPr/>
         </p:nvSpPr>
         <p:spPr>
           <a:xfrm>
-            <a:off x="906025" y="2133600"/>
-            <a:ext cx="4759800" cy="3063000"/>
+            <a:off x="797100" y="1557350"/>
+            <a:ext cx="4843200" cy="2387400"/>
           </a:xfrm>
           <a:prstGeom prst="rect">
             <a:avLst/>
           </a:prstGeom>
-          <a:noFill/>
+          <a:solidFill>
+            <a:srgbClr val="E6E7E7"/>
+          </a:solidFill>
           <a:ln>
             <a:noFill/>
           </a:ln>
@@ -16231,7 +20803,7 @@
           </a:bodyPr>
           <a:lstStyle/>
           <a:p>
-            <a:pPr indent="457200" lvl="0" marL="0" rtl="0" algn="just">
+            <a:pPr indent="457200" lvl="0" marL="0" rtl="0" algn="l">
               <a:lnSpc>
                 <a:spcPct val="115000"/>
               </a:lnSpc>
@@ -16271,14 +20843,14 @@
       </p:sp>
       <p:cxnSp>
         <p:nvCxnSpPr>
-          <p:cNvPr id="145" name="Google Shape;145;g2394454e635_0_14"/>
+          <p:cNvPr id="173" name="Google Shape;173;g2394454e635_0_14"/>
           <p:cNvCxnSpPr/>
           <p:nvPr/>
         </p:nvCxnSpPr>
         <p:spPr>
           <a:xfrm flipH="1">
-            <a:off x="797100" y="2356350"/>
-            <a:ext cx="25500" cy="2617500"/>
+            <a:off x="816300" y="1557350"/>
+            <a:ext cx="6300" cy="2382900"/>
           </a:xfrm>
           <a:prstGeom prst="straightConnector1">
             <a:avLst/>
@@ -16297,13 +20869,13 @@
       </p:cxnSp>
       <p:cxnSp>
         <p:nvCxnSpPr>
-          <p:cNvPr id="146" name="Google Shape;146;g2394454e635_0_14"/>
+          <p:cNvPr id="174" name="Google Shape;174;g2394454e635_0_14"/>
           <p:cNvCxnSpPr/>
           <p:nvPr/>
         </p:nvCxnSpPr>
         <p:spPr>
           <a:xfrm>
-            <a:off x="797100" y="4973850"/>
+            <a:off x="822600" y="3944750"/>
             <a:ext cx="825600" cy="0"/>
           </a:xfrm>
           <a:prstGeom prst="straightConnector1">
@@ -16323,13 +20895,13 @@
       </p:cxnSp>
       <p:cxnSp>
         <p:nvCxnSpPr>
-          <p:cNvPr id="147" name="Google Shape;147;g2394454e635_0_14"/>
+          <p:cNvPr id="175" name="Google Shape;175;g2394454e635_0_14"/>
           <p:cNvCxnSpPr/>
           <p:nvPr/>
         </p:nvCxnSpPr>
         <p:spPr>
           <a:xfrm>
-            <a:off x="822600" y="2356350"/>
+            <a:off x="822600" y="1557350"/>
             <a:ext cx="825600" cy="0"/>
           </a:xfrm>
           <a:prstGeom prst="straightConnector1">
@@ -16353,976 +20925,7 @@
     <a:masterClrMapping/>
   </p:clrMapOvr>
   <p:transition spd="med">
-    <p:push/>
-  </p:transition>
-</p:sld>
-</file>
-
-<file path=ppt/slides/slide8.xml><?xml version="1.0" encoding="utf-8"?>
-<p:sld xmlns:a="http://schemas.openxmlformats.org/drawingml/2006/main" xmlns:r="http://schemas.openxmlformats.org/officeDocument/2006/relationships" xmlns:mc="http://schemas.openxmlformats.org/markup-compatibility/2006" xmlns:mv="urn:schemas-microsoft-com:mac:vml" xmlns:p="http://schemas.openxmlformats.org/presentationml/2006/main" xmlns:c="http://schemas.openxmlformats.org/drawingml/2006/chart" xmlns:dgm="http://schemas.openxmlformats.org/drawingml/2006/diagram" xmlns:o="urn:schemas-microsoft-com:office:office" xmlns:v="urn:schemas-microsoft-com:vml" xmlns:pvml="urn:schemas-microsoft-com:office:powerpoint" xmlns:com="http://schemas.openxmlformats.org/drawingml/2006/compatibility" xmlns:p14="http://schemas.microsoft.com/office/powerpoint/2010/main" xmlns:p15="http://schemas.microsoft.com/office/powerpoint/2012/main" xmlns:ahyp="http://schemas.microsoft.com/office/drawing/2018/hyperlinkcolor">
-  <p:cSld>
-    <p:spTree>
-      <p:nvGrpSpPr>
-        <p:cNvPr id="151" name="Shape 151"/>
-        <p:cNvGrpSpPr/>
-        <p:nvPr/>
-      </p:nvGrpSpPr>
-      <p:grpSpPr>
-        <a:xfrm>
-          <a:off x="0" y="0"/>
-          <a:ext cx="0" cy="0"/>
-          <a:chOff x="0" y="0"/>
-          <a:chExt cx="0" cy="0"/>
-        </a:xfrm>
-      </p:grpSpPr>
-      <p:sp>
-        <p:nvSpPr>
-          <p:cNvPr id="152" name="Google Shape;152;g2394454e635_0_30"/>
-          <p:cNvSpPr txBox="1"/>
-          <p:nvPr>
-            <p:ph idx="12" type="sldNum"/>
-          </p:nvPr>
-        </p:nvSpPr>
-        <p:spPr>
-          <a:xfrm>
-            <a:off x="273628" y="6434051"/>
-            <a:ext cx="632400" cy="275400"/>
-          </a:xfrm>
-          <a:prstGeom prst="rect">
-            <a:avLst/>
-          </a:prstGeom>
-          <a:noFill/>
-          <a:ln>
-            <a:noFill/>
-          </a:ln>
-        </p:spPr>
-        <p:txBody>
-          <a:bodyPr anchorCtr="0" anchor="ctr" bIns="45700" lIns="91425" spcFirstLastPara="1" rIns="91425" wrap="square" tIns="45700">
-            <a:noAutofit/>
-          </a:bodyPr>
-          <a:lstStyle/>
-          <a:p>
-            <a:pPr indent="0" lvl="0" marL="0" rtl="0" algn="l">
-              <a:lnSpc>
-                <a:spcPct val="100000"/>
-              </a:lnSpc>
-              <a:spcBef>
-                <a:spcPts val="0"/>
-              </a:spcBef>
-              <a:spcAft>
-                <a:spcPts val="0"/>
-              </a:spcAft>
-              <a:buSzPts val="2400"/>
-              <a:buNone/>
-            </a:pPr>
-            <a:fld id="{00000000-1234-1234-1234-123412341234}" type="slidenum">
-              <a:rPr lang="ru-RU"/>
-              <a:t>‹#›</a:t>
-            </a:fld>
-            <a:endParaRPr/>
-          </a:p>
-        </p:txBody>
-      </p:sp>
-      <p:grpSp>
-        <p:nvGrpSpPr>
-          <p:cNvPr id="153" name="Google Shape;153;g2394454e635_0_30"/>
-          <p:cNvGrpSpPr/>
-          <p:nvPr/>
-        </p:nvGrpSpPr>
-        <p:grpSpPr>
-          <a:xfrm>
-            <a:off x="3167869" y="469300"/>
-            <a:ext cx="4637564" cy="666035"/>
-            <a:chOff x="1476754" y="3499676"/>
-            <a:chExt cx="5585407" cy="666035"/>
-          </a:xfrm>
-        </p:grpSpPr>
-        <p:sp>
-          <p:nvSpPr>
-            <p:cNvPr id="154" name="Google Shape;154;g2394454e635_0_30"/>
-            <p:cNvSpPr/>
-            <p:nvPr/>
-          </p:nvSpPr>
-          <p:spPr>
-            <a:xfrm>
-              <a:off x="1476761" y="3499676"/>
-              <a:ext cx="5585400" cy="666000"/>
-            </a:xfrm>
-            <a:prstGeom prst="rect">
-              <a:avLst/>
-            </a:prstGeom>
-            <a:solidFill>
-              <a:schemeClr val="lt1"/>
-            </a:solidFill>
-            <a:ln cap="flat" cmpd="sng" w="25400">
-              <a:solidFill>
-                <a:schemeClr val="lt1"/>
-              </a:solidFill>
-              <a:prstDash val="solid"/>
-              <a:round/>
-              <a:headEnd len="sm" w="sm" type="none"/>
-              <a:tailEnd len="sm" w="sm" type="none"/>
-            </a:ln>
-          </p:spPr>
-          <p:txBody>
-            <a:bodyPr anchorCtr="0" anchor="ctr" bIns="45700" lIns="91425" spcFirstLastPara="1" rIns="91425" wrap="square" tIns="45700">
-              <a:noAutofit/>
-            </a:bodyPr>
-            <a:lstStyle/>
-            <a:p>
-              <a:pPr indent="0" lvl="0" marL="0" marR="0" rtl="0" algn="ctr">
-                <a:lnSpc>
-                  <a:spcPct val="100000"/>
-                </a:lnSpc>
-                <a:spcBef>
-                  <a:spcPts val="0"/>
-                </a:spcBef>
-                <a:spcAft>
-                  <a:spcPts val="0"/>
-                </a:spcAft>
-                <a:buNone/>
-              </a:pPr>
-              <a:r>
-                <a:rPr lang="ru-RU" sz="2800">
-                  <a:solidFill>
-                    <a:srgbClr val="065CAB"/>
-                  </a:solidFill>
-                </a:rPr>
-                <a:t>Предобработка данных</a:t>
-              </a:r>
-              <a:endParaRPr b="0" i="0" sz="2800" u="none" cap="none" strike="noStrike">
-                <a:solidFill>
-                  <a:schemeClr val="lt1"/>
-                </a:solidFill>
-                <a:latin typeface="Arial"/>
-                <a:ea typeface="Arial"/>
-                <a:cs typeface="Arial"/>
-                <a:sym typeface="Arial"/>
-              </a:endParaRPr>
-            </a:p>
-          </p:txBody>
-        </p:sp>
-        <p:sp>
-          <p:nvSpPr>
-            <p:cNvPr id="155" name="Google Shape;155;g2394454e635_0_30"/>
-            <p:cNvSpPr/>
-            <p:nvPr/>
-          </p:nvSpPr>
-          <p:spPr>
-            <a:xfrm flipH="1" rot="10800000">
-              <a:off x="1476754" y="3499902"/>
-              <a:ext cx="76452" cy="665767"/>
-            </a:xfrm>
-            <a:custGeom>
-              <a:rect b="b" l="l" r="r" t="t"/>
-              <a:pathLst>
-                <a:path extrusionOk="0" h="424732" w="424732">
-                  <a:moveTo>
-                    <a:pt x="424732" y="424732"/>
-                  </a:moveTo>
-                  <a:lnTo>
-                    <a:pt x="0" y="424732"/>
-                  </a:lnTo>
-                  <a:lnTo>
-                    <a:pt x="0" y="0"/>
-                  </a:lnTo>
-                  <a:lnTo>
-                    <a:pt x="424732" y="0"/>
-                  </a:lnTo>
-                </a:path>
-              </a:pathLst>
-            </a:custGeom>
-            <a:noFill/>
-            <a:ln cap="flat" cmpd="sng" w="16500">
-              <a:solidFill>
-                <a:srgbClr val="065CAB"/>
-              </a:solidFill>
-              <a:prstDash val="solid"/>
-              <a:round/>
-              <a:headEnd len="sm" w="sm" type="none"/>
-              <a:tailEnd len="sm" w="sm" type="none"/>
-            </a:ln>
-          </p:spPr>
-          <p:txBody>
-            <a:bodyPr anchorCtr="0" anchor="ctr" bIns="45700" lIns="91425" spcFirstLastPara="1" rIns="91425" wrap="square" tIns="45700">
-              <a:noAutofit/>
-            </a:bodyPr>
-            <a:lstStyle/>
-            <a:p>
-              <a:pPr indent="0" lvl="0" marL="0" marR="0" rtl="0" algn="ctr">
-                <a:lnSpc>
-                  <a:spcPct val="100000"/>
-                </a:lnSpc>
-                <a:spcBef>
-                  <a:spcPts val="0"/>
-                </a:spcBef>
-                <a:spcAft>
-                  <a:spcPts val="0"/>
-                </a:spcAft>
-                <a:buNone/>
-              </a:pPr>
-              <a:r>
-                <a:t/>
-              </a:r>
-              <a:endParaRPr b="0" i="0" sz="1400" u="none" cap="none" strike="noStrike">
-                <a:solidFill>
-                  <a:schemeClr val="dk1"/>
-                </a:solidFill>
-                <a:latin typeface="Arial"/>
-                <a:ea typeface="Arial"/>
-                <a:cs typeface="Arial"/>
-                <a:sym typeface="Arial"/>
-              </a:endParaRPr>
-            </a:p>
-          </p:txBody>
-        </p:sp>
-        <p:sp>
-          <p:nvSpPr>
-            <p:cNvPr id="156" name="Google Shape;156;g2394454e635_0_30"/>
-            <p:cNvSpPr/>
-            <p:nvPr/>
-          </p:nvSpPr>
-          <p:spPr>
-            <a:xfrm flipH="1">
-              <a:off x="6971901" y="3499944"/>
-              <a:ext cx="90256" cy="665767"/>
-            </a:xfrm>
-            <a:custGeom>
-              <a:rect b="b" l="l" r="r" t="t"/>
-              <a:pathLst>
-                <a:path extrusionOk="0" h="424732" w="424732">
-                  <a:moveTo>
-                    <a:pt x="424732" y="424732"/>
-                  </a:moveTo>
-                  <a:lnTo>
-                    <a:pt x="0" y="424732"/>
-                  </a:lnTo>
-                  <a:lnTo>
-                    <a:pt x="0" y="0"/>
-                  </a:lnTo>
-                  <a:lnTo>
-                    <a:pt x="424732" y="0"/>
-                  </a:lnTo>
-                </a:path>
-              </a:pathLst>
-            </a:custGeom>
-            <a:noFill/>
-            <a:ln cap="flat" cmpd="sng" w="16500">
-              <a:solidFill>
-                <a:srgbClr val="0046A2"/>
-              </a:solidFill>
-              <a:prstDash val="solid"/>
-              <a:round/>
-              <a:headEnd len="sm" w="sm" type="none"/>
-              <a:tailEnd len="sm" w="sm" type="none"/>
-            </a:ln>
-          </p:spPr>
-          <p:txBody>
-            <a:bodyPr anchorCtr="0" anchor="ctr" bIns="45700" lIns="91425" spcFirstLastPara="1" rIns="91425" wrap="square" tIns="45700">
-              <a:noAutofit/>
-            </a:bodyPr>
-            <a:lstStyle/>
-            <a:p>
-              <a:pPr indent="0" lvl="0" marL="0" marR="0" rtl="0" algn="ctr">
-                <a:lnSpc>
-                  <a:spcPct val="100000"/>
-                </a:lnSpc>
-                <a:spcBef>
-                  <a:spcPts val="0"/>
-                </a:spcBef>
-                <a:spcAft>
-                  <a:spcPts val="0"/>
-                </a:spcAft>
-                <a:buNone/>
-              </a:pPr>
-              <a:r>
-                <a:t/>
-              </a:r>
-              <a:endParaRPr b="0" i="0" sz="1400" u="none" cap="none" strike="noStrike">
-                <a:solidFill>
-                  <a:srgbClr val="065CAB"/>
-                </a:solidFill>
-                <a:latin typeface="Arial"/>
-                <a:ea typeface="Arial"/>
-                <a:cs typeface="Arial"/>
-                <a:sym typeface="Arial"/>
-              </a:endParaRPr>
-            </a:p>
-          </p:txBody>
-        </p:sp>
-      </p:grpSp>
-      <p:pic>
-        <p:nvPicPr>
-          <p:cNvPr id="157" name="Google Shape;157;g2394454e635_0_30"/>
-          <p:cNvPicPr preferRelativeResize="0"/>
-          <p:nvPr/>
-        </p:nvPicPr>
-        <p:blipFill>
-          <a:blip r:embed="rId3">
-            <a:alphaModFix/>
-          </a:blip>
-          <a:stretch>
-            <a:fillRect/>
-          </a:stretch>
-        </p:blipFill>
-        <p:spPr>
-          <a:xfrm>
-            <a:off x="6100550" y="3770415"/>
-            <a:ext cx="5363576" cy="2858010"/>
-          </a:xfrm>
-          <a:prstGeom prst="rect">
-            <a:avLst/>
-          </a:prstGeom>
-          <a:noFill/>
-          <a:ln>
-            <a:noFill/>
-          </a:ln>
-        </p:spPr>
-      </p:pic>
-      <p:pic>
-        <p:nvPicPr>
-          <p:cNvPr id="158" name="Google Shape;158;g2394454e635_0_30"/>
-          <p:cNvPicPr preferRelativeResize="0"/>
-          <p:nvPr/>
-        </p:nvPicPr>
-        <p:blipFill>
-          <a:blip r:embed="rId4">
-            <a:alphaModFix/>
-          </a:blip>
-          <a:stretch>
-            <a:fillRect/>
-          </a:stretch>
-        </p:blipFill>
-        <p:spPr>
-          <a:xfrm>
-            <a:off x="6356450" y="1259100"/>
-            <a:ext cx="5107675" cy="2387550"/>
-          </a:xfrm>
-          <a:prstGeom prst="rect">
-            <a:avLst/>
-          </a:prstGeom>
-          <a:noFill/>
-          <a:ln>
-            <a:noFill/>
-          </a:ln>
-        </p:spPr>
-      </p:pic>
-      <p:sp>
-        <p:nvSpPr>
-          <p:cNvPr id="159" name="Google Shape;159;g2394454e635_0_30"/>
-          <p:cNvSpPr txBox="1"/>
-          <p:nvPr/>
-        </p:nvSpPr>
-        <p:spPr>
-          <a:xfrm>
-            <a:off x="906025" y="1557350"/>
-            <a:ext cx="4458600" cy="4417500"/>
-          </a:xfrm>
-          <a:prstGeom prst="rect">
-            <a:avLst/>
-          </a:prstGeom>
-          <a:noFill/>
-          <a:ln>
-            <a:noFill/>
-          </a:ln>
-        </p:spPr>
-        <p:txBody>
-          <a:bodyPr anchorCtr="0" anchor="ctr" bIns="91425" lIns="91425" spcFirstLastPara="1" rIns="91425" wrap="square" tIns="91425">
-            <a:noAutofit/>
-          </a:bodyPr>
-          <a:lstStyle/>
-          <a:p>
-            <a:pPr indent="457200" lvl="0" marL="0" rtl="0" algn="just">
-              <a:lnSpc>
-                <a:spcPct val="115000"/>
-              </a:lnSpc>
-              <a:spcBef>
-                <a:spcPts val="0"/>
-              </a:spcBef>
-              <a:spcAft>
-                <a:spcPts val="0"/>
-              </a:spcAft>
-              <a:buClr>
-                <a:schemeClr val="dk1"/>
-              </a:buClr>
-              <a:buSzPts val="1100"/>
-              <a:buFont typeface="Arial"/>
-              <a:buNone/>
-            </a:pPr>
-            <a:r>
-              <a:rPr lang="ru-RU" sz="2200">
-                <a:solidFill>
-                  <a:schemeClr val="dk1"/>
-                </a:solidFill>
-                <a:latin typeface="Times New Roman"/>
-                <a:ea typeface="Times New Roman"/>
-                <a:cs typeface="Times New Roman"/>
-                <a:sym typeface="Times New Roman"/>
-              </a:rPr>
-              <a:t>Выбросы были сглажены средним значением за аналогичные по счету недели в году, были взяты именно средние значения, а не медиана, так как выбросы довольно значительны и присутствую только за март и апрель 2022 года и вызваны ошибкой ведения отчетности, по этой причине медиана бы сгладила выбросы не значительно.</a:t>
-            </a:r>
-            <a:endParaRPr sz="2200">
-              <a:latin typeface="Open Sans"/>
-              <a:ea typeface="Open Sans"/>
-              <a:cs typeface="Open Sans"/>
-              <a:sym typeface="Open Sans"/>
-            </a:endParaRPr>
-          </a:p>
-        </p:txBody>
-      </p:sp>
-      <p:cxnSp>
-        <p:nvCxnSpPr>
-          <p:cNvPr id="160" name="Google Shape;160;g2394454e635_0_30"/>
-          <p:cNvCxnSpPr/>
-          <p:nvPr/>
-        </p:nvCxnSpPr>
-        <p:spPr>
-          <a:xfrm flipH="1">
-            <a:off x="759575" y="1537950"/>
-            <a:ext cx="25500" cy="4456200"/>
-          </a:xfrm>
-          <a:prstGeom prst="straightConnector1">
-            <a:avLst/>
-          </a:prstGeom>
-          <a:noFill/>
-          <a:ln cap="flat" cmpd="sng" w="28575">
-            <a:solidFill>
-              <a:srgbClr val="065CAB"/>
-            </a:solidFill>
-            <a:prstDash val="solid"/>
-            <a:miter lim="800000"/>
-            <a:headEnd len="sm" w="sm" type="none"/>
-            <a:tailEnd len="sm" w="sm" type="none"/>
-          </a:ln>
-        </p:spPr>
-      </p:cxnSp>
-      <p:cxnSp>
-        <p:nvCxnSpPr>
-          <p:cNvPr id="161" name="Google Shape;161;g2394454e635_0_30"/>
-          <p:cNvCxnSpPr/>
-          <p:nvPr/>
-        </p:nvCxnSpPr>
-        <p:spPr>
-          <a:xfrm>
-            <a:off x="759575" y="5994250"/>
-            <a:ext cx="825600" cy="0"/>
-          </a:xfrm>
-          <a:prstGeom prst="straightConnector1">
-            <a:avLst/>
-          </a:prstGeom>
-          <a:noFill/>
-          <a:ln cap="flat" cmpd="sng" w="28575">
-            <a:solidFill>
-              <a:srgbClr val="065CAB"/>
-            </a:solidFill>
-            <a:prstDash val="solid"/>
-            <a:miter lim="800000"/>
-            <a:headEnd len="sm" w="sm" type="none"/>
-            <a:tailEnd len="sm" w="sm" type="none"/>
-          </a:ln>
-        </p:spPr>
-      </p:cxnSp>
-      <p:cxnSp>
-        <p:nvCxnSpPr>
-          <p:cNvPr id="162" name="Google Shape;162;g2394454e635_0_30"/>
-          <p:cNvCxnSpPr/>
-          <p:nvPr/>
-        </p:nvCxnSpPr>
-        <p:spPr>
-          <a:xfrm>
-            <a:off x="785075" y="1537950"/>
-            <a:ext cx="825600" cy="0"/>
-          </a:xfrm>
-          <a:prstGeom prst="straightConnector1">
-            <a:avLst/>
-          </a:prstGeom>
-          <a:noFill/>
-          <a:ln cap="flat" cmpd="sng" w="28575">
-            <a:solidFill>
-              <a:srgbClr val="065CAB"/>
-            </a:solidFill>
-            <a:prstDash val="solid"/>
-            <a:miter lim="800000"/>
-            <a:headEnd len="sm" w="sm" type="none"/>
-            <a:tailEnd len="sm" w="sm" type="none"/>
-          </a:ln>
-        </p:spPr>
-      </p:cxnSp>
-    </p:spTree>
-  </p:cSld>
-  <p:clrMapOvr>
-    <a:masterClrMapping/>
-  </p:clrMapOvr>
-  <p:transition spd="med">
-    <p:push/>
-  </p:transition>
-</p:sld>
-</file>
-
-<file path=ppt/slides/slide9.xml><?xml version="1.0" encoding="utf-8"?>
-<p:sld xmlns:a="http://schemas.openxmlformats.org/drawingml/2006/main" xmlns:r="http://schemas.openxmlformats.org/officeDocument/2006/relationships" xmlns:mc="http://schemas.openxmlformats.org/markup-compatibility/2006" xmlns:mv="urn:schemas-microsoft-com:mac:vml" xmlns:p="http://schemas.openxmlformats.org/presentationml/2006/main" xmlns:c="http://schemas.openxmlformats.org/drawingml/2006/chart" xmlns:dgm="http://schemas.openxmlformats.org/drawingml/2006/diagram" xmlns:o="urn:schemas-microsoft-com:office:office" xmlns:v="urn:schemas-microsoft-com:vml" xmlns:pvml="urn:schemas-microsoft-com:office:powerpoint" xmlns:com="http://schemas.openxmlformats.org/drawingml/2006/compatibility" xmlns:p14="http://schemas.microsoft.com/office/powerpoint/2010/main" xmlns:p15="http://schemas.microsoft.com/office/powerpoint/2012/main" xmlns:ahyp="http://schemas.microsoft.com/office/drawing/2018/hyperlinkcolor">
-  <p:cSld>
-    <p:spTree>
-      <p:nvGrpSpPr>
-        <p:cNvPr id="166" name="Shape 166"/>
-        <p:cNvGrpSpPr/>
-        <p:nvPr/>
-      </p:nvGrpSpPr>
-      <p:grpSpPr>
-        <a:xfrm>
-          <a:off x="0" y="0"/>
-          <a:ext cx="0" cy="0"/>
-          <a:chOff x="0" y="0"/>
-          <a:chExt cx="0" cy="0"/>
-        </a:xfrm>
-      </p:grpSpPr>
-      <p:sp>
-        <p:nvSpPr>
-          <p:cNvPr id="167" name="Google Shape;167;g2394454e635_0_87"/>
-          <p:cNvSpPr txBox="1"/>
-          <p:nvPr>
-            <p:ph idx="12" type="sldNum"/>
-          </p:nvPr>
-        </p:nvSpPr>
-        <p:spPr>
-          <a:xfrm>
-            <a:off x="273628" y="6434051"/>
-            <a:ext cx="632400" cy="275400"/>
-          </a:xfrm>
-          <a:prstGeom prst="rect">
-            <a:avLst/>
-          </a:prstGeom>
-          <a:noFill/>
-          <a:ln>
-            <a:noFill/>
-          </a:ln>
-        </p:spPr>
-        <p:txBody>
-          <a:bodyPr anchorCtr="0" anchor="ctr" bIns="45700" lIns="91425" spcFirstLastPara="1" rIns="91425" wrap="square" tIns="45700">
-            <a:noAutofit/>
-          </a:bodyPr>
-          <a:lstStyle/>
-          <a:p>
-            <a:pPr indent="0" lvl="0" marL="0" rtl="0" algn="l">
-              <a:lnSpc>
-                <a:spcPct val="100000"/>
-              </a:lnSpc>
-              <a:spcBef>
-                <a:spcPts val="0"/>
-              </a:spcBef>
-              <a:spcAft>
-                <a:spcPts val="0"/>
-              </a:spcAft>
-              <a:buSzPts val="2400"/>
-              <a:buNone/>
-            </a:pPr>
-            <a:fld id="{00000000-1234-1234-1234-123412341234}" type="slidenum">
-              <a:rPr lang="ru-RU"/>
-              <a:t>‹#›</a:t>
-            </a:fld>
-            <a:endParaRPr/>
-          </a:p>
-        </p:txBody>
-      </p:sp>
-      <p:grpSp>
-        <p:nvGrpSpPr>
-          <p:cNvPr id="168" name="Google Shape;168;g2394454e635_0_87"/>
-          <p:cNvGrpSpPr/>
-          <p:nvPr/>
-        </p:nvGrpSpPr>
-        <p:grpSpPr>
-          <a:xfrm>
-            <a:off x="3167869" y="469300"/>
-            <a:ext cx="5632185" cy="666000"/>
-            <a:chOff x="1476754" y="3499676"/>
-            <a:chExt cx="6783313" cy="666000"/>
-          </a:xfrm>
-        </p:grpSpPr>
-        <p:sp>
-          <p:nvSpPr>
-            <p:cNvPr id="169" name="Google Shape;169;g2394454e635_0_87"/>
-            <p:cNvSpPr/>
-            <p:nvPr/>
-          </p:nvSpPr>
-          <p:spPr>
-            <a:xfrm>
-              <a:off x="1476765" y="3499676"/>
-              <a:ext cx="6783300" cy="666000"/>
-            </a:xfrm>
-            <a:prstGeom prst="rect">
-              <a:avLst/>
-            </a:prstGeom>
-            <a:solidFill>
-              <a:schemeClr val="lt1"/>
-            </a:solidFill>
-            <a:ln cap="flat" cmpd="sng" w="25400">
-              <a:solidFill>
-                <a:schemeClr val="lt1"/>
-              </a:solidFill>
-              <a:prstDash val="solid"/>
-              <a:round/>
-              <a:headEnd len="sm" w="sm" type="none"/>
-              <a:tailEnd len="sm" w="sm" type="none"/>
-            </a:ln>
-          </p:spPr>
-          <p:txBody>
-            <a:bodyPr anchorCtr="0" anchor="ctr" bIns="45700" lIns="91425" spcFirstLastPara="1" rIns="91425" wrap="square" tIns="45700">
-              <a:noAutofit/>
-            </a:bodyPr>
-            <a:lstStyle/>
-            <a:p>
-              <a:pPr indent="0" lvl="0" marL="0" marR="0" rtl="0" algn="ctr">
-                <a:lnSpc>
-                  <a:spcPct val="100000"/>
-                </a:lnSpc>
-                <a:spcBef>
-                  <a:spcPts val="0"/>
-                </a:spcBef>
-                <a:spcAft>
-                  <a:spcPts val="0"/>
-                </a:spcAft>
-                <a:buNone/>
-              </a:pPr>
-              <a:r>
-                <a:rPr lang="ru-RU" sz="2800">
-                  <a:solidFill>
-                    <a:srgbClr val="065CAB"/>
-                  </a:solidFill>
-                </a:rPr>
-                <a:t>Разработка и обучение модели</a:t>
-              </a:r>
-              <a:endParaRPr b="0" i="0" sz="2800" u="none" cap="none" strike="noStrike">
-                <a:solidFill>
-                  <a:schemeClr val="lt1"/>
-                </a:solidFill>
-                <a:latin typeface="Arial"/>
-                <a:ea typeface="Arial"/>
-                <a:cs typeface="Arial"/>
-                <a:sym typeface="Arial"/>
-              </a:endParaRPr>
-            </a:p>
-          </p:txBody>
-        </p:sp>
-        <p:sp>
-          <p:nvSpPr>
-            <p:cNvPr id="170" name="Google Shape;170;g2394454e635_0_87"/>
-            <p:cNvSpPr/>
-            <p:nvPr/>
-          </p:nvSpPr>
-          <p:spPr>
-            <a:xfrm flipH="1" rot="10800000">
-              <a:off x="1476754" y="3499902"/>
-              <a:ext cx="76452" cy="665767"/>
-            </a:xfrm>
-            <a:custGeom>
-              <a:rect b="b" l="l" r="r" t="t"/>
-              <a:pathLst>
-                <a:path extrusionOk="0" h="424732" w="424732">
-                  <a:moveTo>
-                    <a:pt x="424732" y="424732"/>
-                  </a:moveTo>
-                  <a:lnTo>
-                    <a:pt x="0" y="424732"/>
-                  </a:lnTo>
-                  <a:lnTo>
-                    <a:pt x="0" y="0"/>
-                  </a:lnTo>
-                  <a:lnTo>
-                    <a:pt x="424732" y="0"/>
-                  </a:lnTo>
-                </a:path>
-              </a:pathLst>
-            </a:custGeom>
-            <a:noFill/>
-            <a:ln cap="flat" cmpd="sng" w="16500">
-              <a:solidFill>
-                <a:srgbClr val="065CAB"/>
-              </a:solidFill>
-              <a:prstDash val="solid"/>
-              <a:round/>
-              <a:headEnd len="sm" w="sm" type="none"/>
-              <a:tailEnd len="sm" w="sm" type="none"/>
-            </a:ln>
-          </p:spPr>
-          <p:txBody>
-            <a:bodyPr anchorCtr="0" anchor="ctr" bIns="45700" lIns="91425" spcFirstLastPara="1" rIns="91425" wrap="square" tIns="45700">
-              <a:noAutofit/>
-            </a:bodyPr>
-            <a:lstStyle/>
-            <a:p>
-              <a:pPr indent="0" lvl="0" marL="0" marR="0" rtl="0" algn="ctr">
-                <a:lnSpc>
-                  <a:spcPct val="100000"/>
-                </a:lnSpc>
-                <a:spcBef>
-                  <a:spcPts val="0"/>
-                </a:spcBef>
-                <a:spcAft>
-                  <a:spcPts val="0"/>
-                </a:spcAft>
-                <a:buNone/>
-              </a:pPr>
-              <a:r>
-                <a:t/>
-              </a:r>
-              <a:endParaRPr b="0" i="0" sz="1400" u="none" cap="none" strike="noStrike">
-                <a:solidFill>
-                  <a:schemeClr val="dk1"/>
-                </a:solidFill>
-                <a:latin typeface="Arial"/>
-                <a:ea typeface="Arial"/>
-                <a:cs typeface="Arial"/>
-                <a:sym typeface="Arial"/>
-              </a:endParaRPr>
-            </a:p>
-          </p:txBody>
-        </p:sp>
-        <p:sp>
-          <p:nvSpPr>
-            <p:cNvPr id="171" name="Google Shape;171;g2394454e635_0_87"/>
-            <p:cNvSpPr/>
-            <p:nvPr/>
-          </p:nvSpPr>
-          <p:spPr>
-            <a:xfrm flipH="1">
-              <a:off x="8169812" y="3499907"/>
-              <a:ext cx="90256" cy="665767"/>
-            </a:xfrm>
-            <a:custGeom>
-              <a:rect b="b" l="l" r="r" t="t"/>
-              <a:pathLst>
-                <a:path extrusionOk="0" h="424732" w="424732">
-                  <a:moveTo>
-                    <a:pt x="424732" y="424732"/>
-                  </a:moveTo>
-                  <a:lnTo>
-                    <a:pt x="0" y="424732"/>
-                  </a:lnTo>
-                  <a:lnTo>
-                    <a:pt x="0" y="0"/>
-                  </a:lnTo>
-                  <a:lnTo>
-                    <a:pt x="424732" y="0"/>
-                  </a:lnTo>
-                </a:path>
-              </a:pathLst>
-            </a:custGeom>
-            <a:noFill/>
-            <a:ln cap="flat" cmpd="sng" w="16500">
-              <a:solidFill>
-                <a:srgbClr val="0046A2"/>
-              </a:solidFill>
-              <a:prstDash val="solid"/>
-              <a:round/>
-              <a:headEnd len="sm" w="sm" type="none"/>
-              <a:tailEnd len="sm" w="sm" type="none"/>
-            </a:ln>
-          </p:spPr>
-          <p:txBody>
-            <a:bodyPr anchorCtr="0" anchor="ctr" bIns="45700" lIns="91425" spcFirstLastPara="1" rIns="91425" wrap="square" tIns="45700">
-              <a:noAutofit/>
-            </a:bodyPr>
-            <a:lstStyle/>
-            <a:p>
-              <a:pPr indent="0" lvl="0" marL="0" marR="0" rtl="0" algn="ctr">
-                <a:lnSpc>
-                  <a:spcPct val="100000"/>
-                </a:lnSpc>
-                <a:spcBef>
-                  <a:spcPts val="0"/>
-                </a:spcBef>
-                <a:spcAft>
-                  <a:spcPts val="0"/>
-                </a:spcAft>
-                <a:buNone/>
-              </a:pPr>
-              <a:r>
-                <a:t/>
-              </a:r>
-              <a:endParaRPr b="0" i="0" sz="1400" u="none" cap="none" strike="noStrike">
-                <a:solidFill>
-                  <a:srgbClr val="065CAB"/>
-                </a:solidFill>
-                <a:latin typeface="Arial"/>
-                <a:ea typeface="Arial"/>
-                <a:cs typeface="Arial"/>
-                <a:sym typeface="Arial"/>
-              </a:endParaRPr>
-            </a:p>
-          </p:txBody>
-        </p:sp>
-      </p:grpSp>
-      <p:sp>
-        <p:nvSpPr>
-          <p:cNvPr id="172" name="Google Shape;172;g2394454e635_0_87"/>
-          <p:cNvSpPr txBox="1"/>
-          <p:nvPr/>
-        </p:nvSpPr>
-        <p:spPr>
-          <a:xfrm>
-            <a:off x="560275" y="1836418"/>
-            <a:ext cx="4051200" cy="3641100"/>
-          </a:xfrm>
-          <a:prstGeom prst="rect">
-            <a:avLst/>
-          </a:prstGeom>
-          <a:noFill/>
-          <a:ln>
-            <a:noFill/>
-          </a:ln>
-        </p:spPr>
-        <p:txBody>
-          <a:bodyPr anchorCtr="0" anchor="ctr" bIns="91425" lIns="91425" spcFirstLastPara="1" rIns="91425" wrap="square" tIns="91425">
-            <a:noAutofit/>
-          </a:bodyPr>
-          <a:lstStyle/>
-          <a:p>
-            <a:pPr indent="457200" lvl="0" marL="0" rtl="0" algn="just">
-              <a:lnSpc>
-                <a:spcPct val="115000"/>
-              </a:lnSpc>
-              <a:spcBef>
-                <a:spcPts val="0"/>
-              </a:spcBef>
-              <a:spcAft>
-                <a:spcPts val="0"/>
-              </a:spcAft>
-              <a:buNone/>
-            </a:pPr>
-            <a:r>
-              <a:rPr lang="ru-RU" sz="2200">
-                <a:solidFill>
-                  <a:schemeClr val="dk1"/>
-                </a:solidFill>
-                <a:latin typeface="Times New Roman"/>
-                <a:ea typeface="Times New Roman"/>
-                <a:cs typeface="Times New Roman"/>
-                <a:sym typeface="Times New Roman"/>
-              </a:rPr>
-              <a:t>Для построения моделей была написана функция prepareData, с помощью которой в датасет были добавлены лаги исходного временного ряда в качестве признаков и датасет был разбит на тренировочную и тестовую выборки.</a:t>
-            </a:r>
-            <a:endParaRPr sz="2200">
-              <a:latin typeface="Open Sans"/>
-              <a:ea typeface="Open Sans"/>
-              <a:cs typeface="Open Sans"/>
-              <a:sym typeface="Open Sans"/>
-            </a:endParaRPr>
-          </a:p>
-        </p:txBody>
-      </p:sp>
-      <p:pic>
-        <p:nvPicPr>
-          <p:cNvPr id="173" name="Google Shape;173;g2394454e635_0_87"/>
-          <p:cNvPicPr preferRelativeResize="0"/>
-          <p:nvPr/>
-        </p:nvPicPr>
-        <p:blipFill>
-          <a:blip r:embed="rId3">
-            <a:alphaModFix/>
-          </a:blip>
-          <a:stretch>
-            <a:fillRect/>
-          </a:stretch>
-        </p:blipFill>
-        <p:spPr>
-          <a:xfrm>
-            <a:off x="5261425" y="1704800"/>
-            <a:ext cx="5632176" cy="3448412"/>
-          </a:xfrm>
-          <a:prstGeom prst="rect">
-            <a:avLst/>
-          </a:prstGeom>
-          <a:noFill/>
-          <a:ln>
-            <a:noFill/>
-          </a:ln>
-        </p:spPr>
-      </p:pic>
-      <p:cxnSp>
-        <p:nvCxnSpPr>
-          <p:cNvPr id="174" name="Google Shape;174;g2394454e635_0_87"/>
-          <p:cNvCxnSpPr/>
-          <p:nvPr/>
-        </p:nvCxnSpPr>
-        <p:spPr>
-          <a:xfrm flipH="1">
-            <a:off x="440625" y="1932625"/>
-            <a:ext cx="25500" cy="3544800"/>
-          </a:xfrm>
-          <a:prstGeom prst="straightConnector1">
-            <a:avLst/>
-          </a:prstGeom>
-          <a:noFill/>
-          <a:ln cap="flat" cmpd="sng" w="28575">
-            <a:solidFill>
-              <a:srgbClr val="065CAB"/>
-            </a:solidFill>
-            <a:prstDash val="solid"/>
-            <a:miter lim="800000"/>
-            <a:headEnd len="sm" w="sm" type="none"/>
-            <a:tailEnd len="sm" w="sm" type="none"/>
-          </a:ln>
-        </p:spPr>
-      </p:cxnSp>
-      <p:cxnSp>
-        <p:nvCxnSpPr>
-          <p:cNvPr id="175" name="Google Shape;175;g2394454e635_0_87"/>
-          <p:cNvCxnSpPr/>
-          <p:nvPr/>
-        </p:nvCxnSpPr>
-        <p:spPr>
-          <a:xfrm>
-            <a:off x="440625" y="5477525"/>
-            <a:ext cx="825600" cy="0"/>
-          </a:xfrm>
-          <a:prstGeom prst="straightConnector1">
-            <a:avLst/>
-          </a:prstGeom>
-          <a:noFill/>
-          <a:ln cap="flat" cmpd="sng" w="28575">
-            <a:solidFill>
-              <a:srgbClr val="065CAB"/>
-            </a:solidFill>
-            <a:prstDash val="solid"/>
-            <a:miter lim="800000"/>
-            <a:headEnd len="sm" w="sm" type="none"/>
-            <a:tailEnd len="sm" w="sm" type="none"/>
-          </a:ln>
-        </p:spPr>
-      </p:cxnSp>
-      <p:cxnSp>
-        <p:nvCxnSpPr>
-          <p:cNvPr id="176" name="Google Shape;176;g2394454e635_0_87"/>
-          <p:cNvCxnSpPr/>
-          <p:nvPr/>
-        </p:nvCxnSpPr>
-        <p:spPr>
-          <a:xfrm>
-            <a:off x="466125" y="1932625"/>
-            <a:ext cx="825600" cy="0"/>
-          </a:xfrm>
-          <a:prstGeom prst="straightConnector1">
-            <a:avLst/>
-          </a:prstGeom>
-          <a:noFill/>
-          <a:ln cap="flat" cmpd="sng" w="28575">
-            <a:solidFill>
-              <a:srgbClr val="065CAB"/>
-            </a:solidFill>
-            <a:prstDash val="solid"/>
-            <a:miter lim="800000"/>
-            <a:headEnd len="sm" w="sm" type="none"/>
-            <a:tailEnd len="sm" w="sm" type="none"/>
-          </a:ln>
-        </p:spPr>
-      </p:cxnSp>
-    </p:spTree>
-  </p:cSld>
-  <p:clrMapOvr>
-    <a:masterClrMapping/>
-  </p:clrMapOvr>
-  <p:transition spd="med">
-    <p:push/>
+    <p:fade/>
   </p:transition>
 </p:sld>
 </file>

--- a/ВКР по курсу  «Data Science».pptx
+++ b/ВКР по курсу  «Data Science».pptx
@@ -291,7 +291,7 @@
         </p15:guide>
       </p15:sldGuideLst>
     </p:ext>
-    <p:ext uri="GoogleSlidesCustomDataVersion2">
+    <p:ext uri="http://customooxmlschemas.google.com/">
       <go:slidesCustomData xmlns:go="http://customooxmlschemas.google.com/" r:id="rId32" roundtripDataSignature="AMtx7mhTngLeBjVubjOKUdNq1nF4lQTpmw=="/>
     </p:ext>
   </p:extLst>
@@ -10493,7 +10493,7 @@
     <p:sldLayoutId id="2147483650" r:id="rId3"/>
   </p:sldLayoutIdLst>
   <p:transition spd="med">
-    <p:fade thruBlk="1"/>
+    <p:push/>
   </p:transition>
   <p:hf dt="0" ftr="0" hdr="0"/>
   <p:txStyles>
@@ -11797,7 +11797,7 @@
     <p:sldLayoutId id="2147483660" r:id="rId10"/>
   </p:sldLayoutIdLst>
   <p:transition spd="med">
-    <p:fade thruBlk="1"/>
+    <p:push/>
   </p:transition>
   <p:hf dt="0" ftr="0" hdr="0"/>
   <p:txStyles>
@@ -12619,9 +12619,6 @@
   <p:clrMapOvr>
     <a:masterClrMapping/>
   </p:clrMapOvr>
-  <p:transition spd="med">
-    <p:fade/>
-  </p:transition>
 </p:sld>
 </file>
 
@@ -13123,7 +13120,7 @@
     <a:masterClrMapping/>
   </p:clrMapOvr>
   <p:transition spd="med">
-    <p:fade/>
+    <p:push/>
   </p:transition>
 </p:sld>
 </file>
@@ -13593,7 +13590,7 @@
     <a:masterClrMapping/>
   </p:clrMapOvr>
   <p:transition spd="med">
-    <p:fade/>
+    <p:push/>
   </p:transition>
 </p:sld>
 </file>
@@ -14119,7 +14116,7 @@
     <a:masterClrMapping/>
   </p:clrMapOvr>
   <p:transition spd="med">
-    <p:fade/>
+    <p:push/>
   </p:transition>
 </p:sld>
 </file>
@@ -14586,7 +14583,7 @@
     <a:masterClrMapping/>
   </p:clrMapOvr>
   <p:transition spd="med">
-    <p:fade/>
+    <p:push/>
   </p:transition>
 </p:sld>
 </file>
@@ -15003,7 +15000,7 @@
     <a:masterClrMapping/>
   </p:clrMapOvr>
   <p:transition spd="med">
-    <p:fade/>
+    <p:push/>
   </p:transition>
 </p:sld>
 </file>
@@ -15392,7 +15389,7 @@
     <a:masterClrMapping/>
   </p:clrMapOvr>
   <p:transition spd="med">
-    <p:fade/>
+    <p:push/>
   </p:transition>
 </p:sld>
 </file>
@@ -15753,7 +15750,7 @@
     <a:masterClrMapping/>
   </p:clrMapOvr>
   <p:transition spd="med">
-    <p:fade/>
+    <p:push/>
   </p:transition>
 </p:sld>
 </file>
@@ -16142,7 +16139,7 @@
     <a:masterClrMapping/>
   </p:clrMapOvr>
   <p:transition spd="med">
-    <p:fade/>
+    <p:push/>
   </p:transition>
 </p:sld>
 </file>
@@ -16503,7 +16500,7 @@
     <a:masterClrMapping/>
   </p:clrMapOvr>
   <p:transition spd="med">
-    <p:fade/>
+    <p:push/>
   </p:transition>
 </p:sld>
 </file>
@@ -16892,7 +16889,7 @@
     <a:masterClrMapping/>
   </p:clrMapOvr>
   <p:transition spd="med">
-    <p:fade/>
+    <p:push/>
   </p:transition>
 </p:sld>
 </file>
@@ -17431,7 +17428,7 @@
     <a:masterClrMapping/>
   </p:clrMapOvr>
   <p:transition spd="med">
-    <p:fade/>
+    <p:push/>
   </p:transition>
 </p:sld>
 </file>
@@ -17567,7 +17564,7 @@
                     <a:srgbClr val="065CAB"/>
                   </a:solidFill>
                 </a:rPr>
-                <a:t>Нейронная сеть</a:t>
+                <a:t>Заключение</a:t>
               </a:r>
               <a:endParaRPr b="0" i="0" sz="2800" u="none" cap="none" strike="noStrike">
                 <a:solidFill>
@@ -17746,7 +17743,7 @@
         </p:blipFill>
         <p:spPr>
           <a:xfrm>
-            <a:off x="7471441" y="4243050"/>
+            <a:off x="7415141" y="2976550"/>
             <a:ext cx="2981325" cy="1152525"/>
           </a:xfrm>
           <a:prstGeom prst="rect">
@@ -17774,7 +17771,7 @@
         </p:blipFill>
         <p:spPr>
           <a:xfrm>
-            <a:off x="7471453" y="2321276"/>
+            <a:off x="1891103" y="2933688"/>
             <a:ext cx="3248025" cy="1238250"/>
           </a:xfrm>
           <a:prstGeom prst="rect">
@@ -17792,7 +17789,7 @@
     <a:masterClrMapping/>
   </p:clrMapOvr>
   <p:transition spd="med">
-    <p:fade/>
+    <p:push/>
   </p:transition>
 </p:sld>
 </file>
@@ -17820,7 +17817,7 @@
     <a:masterClrMapping/>
   </p:clrMapOvr>
   <p:transition spd="med">
-    <p:fade/>
+    <p:push/>
   </p:transition>
 </p:sld>
 </file>
@@ -18287,7 +18284,7 @@
     <a:masterClrMapping/>
   </p:clrMapOvr>
   <p:transition spd="med">
-    <p:fade/>
+    <p:push/>
   </p:transition>
 </p:sld>
 </file>
@@ -18757,7 +18754,7 @@
     <a:masterClrMapping/>
   </p:clrMapOvr>
   <p:transition spd="med">
-    <p:fade/>
+    <p:push/>
   </p:transition>
 </p:sld>
 </file>
@@ -19154,7 +19151,7 @@
     <a:masterClrMapping/>
   </p:clrMapOvr>
   <p:transition spd="med">
-    <p:fade/>
+    <p:push/>
   </p:transition>
 </p:sld>
 </file>
@@ -19551,7 +19548,7 @@
     <a:masterClrMapping/>
   </p:clrMapOvr>
   <p:transition spd="med">
-    <p:fade/>
+    <p:push/>
   </p:transition>
 </p:sld>
 </file>
@@ -19948,7 +19945,7 @@
     <a:masterClrMapping/>
   </p:clrMapOvr>
   <p:transition spd="med">
-    <p:fade/>
+    <p:push/>
   </p:transition>
 </p:sld>
 </file>
@@ -20422,7 +20419,7 @@
     <a:masterClrMapping/>
   </p:clrMapOvr>
   <p:transition spd="med">
-    <p:fade/>
+    <p:push/>
   </p:transition>
 </p:sld>
 </file>
@@ -20925,7 +20922,7 @@
     <a:masterClrMapping/>
   </p:clrMapOvr>
   <p:transition spd="med">
-    <p:fade/>
+    <p:push/>
   </p:transition>
 </p:sld>
 </file>
